--- a/_site/lectures/Lecture00/Lecture00.pptx
+++ b/_site/lectures/Lecture00/Lecture00.pptx
@@ -5,7 +5,7 @@
     <p:sldMasterId id="2147483686" r:id="rId1"/>
   </p:sldMasterIdLst>
   <p:notesMasterIdLst>
-    <p:notesMasterId r:id="rId42"/>
+    <p:notesMasterId r:id="rId43"/>
   </p:notesMasterIdLst>
   <p:sldIdLst>
     <p:sldId id="256" r:id="rId2"/>
@@ -48,6 +48,7 @@
     <p:sldId id="293" r:id="rId39"/>
     <p:sldId id="294" r:id="rId40"/>
     <p:sldId id="295" r:id="rId41"/>
+    <p:sldId id="296" r:id="rId42"/>
   </p:sldIdLst>
   <p:sldSz cx="12192000" cy="6858000"/>
   <p:notesSz cx="6858000" cy="9144000"/>
@@ -585,7 +586,7 @@
           <a:p>
             <a:fld id="{18BDFEC3-8487-43E8-A154-7C12CBC1FFF2}" type="slidenum">
               <a:rPr lang="en-US"/>
-              <a:t>27</a:t>
+              <a:t>28</a:t>
             </a:fld>
             <a:endParaRPr lang="en-US"/>
           </a:p>
@@ -667,7 +668,7 @@
           <a:p>
             <a:fld id="{18BDFEC3-8487-43E8-A154-7C12CBC1FFF2}" type="slidenum">
               <a:rPr lang="en-US"/>
-              <a:t>35</a:t>
+              <a:t>36</a:t>
             </a:fld>
             <a:endParaRPr lang="en-US"/>
           </a:p>
@@ -749,7 +750,7 @@
           <a:p>
             <a:fld id="{18BDFEC3-8487-43E8-A154-7C12CBC1FFF2}" type="slidenum">
               <a:rPr lang="en-US"/>
-              <a:t>37</a:t>
+              <a:t>38</a:t>
             </a:fld>
             <a:endParaRPr lang="en-US"/>
           </a:p>
@@ -5406,7 +5407,7 @@
             </a:pPr>
             <a:r>
               <a:rPr/>
-              <a:t>Module structure</a:t>
+              <a:t>Warning</a:t>
             </a:r>
           </a:p>
         </p:txBody>
@@ -5432,102 +5433,21 @@
           <a:bodyPr/>
           <a:lstStyle/>
           <a:p>
-            <a:pPr lvl="0" indent="0" marL="0">
-              <a:buNone/>
-            </a:pPr>
-            <a:r>
-              <a:rPr/>
-              <a:t>1 x 1 hr Lecture per week (Monday)</a:t>
-            </a:r>
-          </a:p>
-          <a:p>
-            <a:pPr lvl="0" indent="0" marL="0">
-              <a:buNone/>
-            </a:pPr>
-            <a:r>
-              <a:rPr/>
-              <a:t>1 x 2 hr Lab per week (Tuesday)</a:t>
-            </a:r>
-          </a:p>
-          <a:p>
-            <a:pPr lvl="0" indent="0" marL="0">
-              <a:buNone/>
-            </a:pPr>
-            <a:r>
-              <a:rPr/>
-              <a:t>4 x Personal Tutor meetings across the year</a:t>
-            </a:r>
-          </a:p>
-          <a:p>
-            <a:pPr lvl="0" indent="0" marL="0">
-              <a:buNone/>
-            </a:pPr>
-            <a:r>
-              <a:rPr/>
-              <a:t>Each week there will be a very brief ‘Prelude’ designed to introduce one of the main topics of the week</a:t>
-            </a:r>
-          </a:p>
-          <a:p>
-            <a:pPr lvl="0" indent="0" marL="0">
-              <a:buNone/>
-            </a:pPr>
-            <a:r>
-              <a:rPr/>
-              <a:t>Lecture (slides and recording)</a:t>
-            </a:r>
-          </a:p>
-          <a:p>
-            <a:pPr lvl="0" indent="0" marL="0">
-              <a:buNone/>
-            </a:pPr>
-            <a:r>
-              <a:rPr/>
-              <a:t>Lab Activity</a:t>
-            </a:r>
-          </a:p>
-          <a:p>
-            <a:pPr lvl="0" indent="0" marL="0">
-              <a:buNone/>
-            </a:pPr>
-            <a:r>
-              <a:rPr/>
-              <a:t>‘Pulse’ taken on entry</a:t>
-            </a:r>
-          </a:p>
-          <a:p>
-            <a:pPr lvl="0" indent="0" marL="0">
-              <a:buNone/>
-            </a:pPr>
-            <a:r>
-              <a:rPr/>
-              <a:t>Lab Notebook with brief ‘generative activities’ and opportunities for metacognitive reflection</a:t>
-            </a:r>
-          </a:p>
-          <a:p>
-            <a:pPr lvl="0" indent="0" marL="0">
-              <a:buNone/>
-            </a:pPr>
-            <a:r>
-              <a:rPr/>
-              <a:t>Extras provided around skills or applications or just interesting factoids</a:t>
-            </a:r>
-          </a:p>
-          <a:p>
-            <a:pPr lvl="0" indent="0" marL="0">
-              <a:buNone/>
-            </a:pPr>
-            <a:r>
-              <a:rPr/>
-              <a:t>Extensive independent and group work in addition to timetabled activities</a:t>
-            </a:r>
-          </a:p>
-          <a:p>
-            <a:pPr lvl="0" indent="0" marL="0">
-              <a:buNone/>
-            </a:pPr>
-            <a:r>
-              <a:rPr/>
-              <a:t>NO EXAM</a:t>
+            <a:pPr lvl="0" indent="0" marL="1270000">
+              <a:buNone/>
+            </a:pPr>
+            <a:r>
+              <a:rPr sz="2000" b="1"/>
+              <a:t>Warning</a:t>
+            </a:r>
+          </a:p>
+          <a:p>
+            <a:pPr lvl="0" indent="0" marL="1270000">
+              <a:buNone/>
+            </a:pPr>
+            <a:r>
+              <a:rPr sz="2000"/>
+              <a:t>All coursework is INDIVIDUAL and subject to normal plagiarism and collusion rules</a:t>
             </a:r>
           </a:p>
         </p:txBody>
@@ -5588,7 +5508,7 @@
             </a:pPr>
             <a:r>
               <a:rPr/>
-              <a:t>Coursework</a:t>
+              <a:t>Module structure</a:t>
             </a:r>
           </a:p>
         </p:txBody>
@@ -5619,7 +5539,97 @@
             </a:pPr>
             <a:r>
               <a:rPr/>
-              <a:t>The coursework ALL require critical reflection and metacognitive practice. This will be discussed in a number of lectures, but it contributes to effective learning and your integration of the skills and experience of doing this research exercise.</a:t>
+              <a:t>1 x 1 hr Lecture per week (Monday)</a:t>
+            </a:r>
+          </a:p>
+          <a:p>
+            <a:pPr lvl="0" indent="0" marL="0">
+              <a:buNone/>
+            </a:pPr>
+            <a:r>
+              <a:rPr/>
+              <a:t>1 x 2 hr Lab per week (Tuesday)</a:t>
+            </a:r>
+          </a:p>
+          <a:p>
+            <a:pPr lvl="0" indent="0" marL="0">
+              <a:buNone/>
+            </a:pPr>
+            <a:r>
+              <a:rPr/>
+              <a:t>4 x Personal Tutor meetings across the year</a:t>
+            </a:r>
+          </a:p>
+          <a:p>
+            <a:pPr lvl="0" indent="0" marL="0">
+              <a:buNone/>
+            </a:pPr>
+            <a:r>
+              <a:rPr/>
+              <a:t>Each week there will be a very brief ‘Prelude’ designed to introduce one of the main topics of the week</a:t>
+            </a:r>
+          </a:p>
+          <a:p>
+            <a:pPr lvl="0" indent="0" marL="0">
+              <a:buNone/>
+            </a:pPr>
+            <a:r>
+              <a:rPr/>
+              <a:t>Lecture (slides and recording)</a:t>
+            </a:r>
+          </a:p>
+          <a:p>
+            <a:pPr lvl="0" indent="0" marL="0">
+              <a:buNone/>
+            </a:pPr>
+            <a:r>
+              <a:rPr/>
+              <a:t>Lab Activity</a:t>
+            </a:r>
+          </a:p>
+          <a:p>
+            <a:pPr lvl="0" indent="0" marL="0">
+              <a:buNone/>
+            </a:pPr>
+            <a:r>
+              <a:rPr/>
+              <a:t>‘Pulse’ taken on entry</a:t>
+            </a:r>
+          </a:p>
+          <a:p>
+            <a:pPr lvl="0" indent="0" marL="0">
+              <a:buNone/>
+            </a:pPr>
+            <a:r>
+              <a:rPr/>
+              <a:t>Lab Notebook with brief ‘generative activities’ and opportunities for metacognitive reflection</a:t>
+            </a:r>
+          </a:p>
+          <a:p>
+            <a:pPr lvl="0" indent="0" marL="0">
+              <a:buNone/>
+            </a:pPr>
+            <a:r>
+              <a:rPr/>
+              <a:t>Extras provided around skills or applications or just interesting factoids</a:t>
+            </a:r>
+          </a:p>
+          <a:p>
+            <a:pPr lvl="0" indent="0" marL="0">
+              <a:buNone/>
+            </a:pPr>
+            <a:r>
+              <a:rPr/>
+              <a:t>Extensive independent and group work in addition to timetabled activities</a:t>
+            </a:r>
+          </a:p>
+          <a:p>
+            <a:pPr lvl="0" indent="0" marL="0">
+              <a:buNone/>
+            </a:pPr>
+            <a:r>
+              <a:rPr/>
+              <a:t>NO EXAM</a:t>
             </a:r>
           </a:p>
         </p:txBody>
@@ -5680,7 +5690,7 @@
             </a:pPr>
             <a:r>
               <a:rPr/>
-              <a:t>Time management and teamwork</a:t>
+              <a:t>Coursework</a:t>
             </a:r>
           </a:p>
         </p:txBody>
@@ -5711,34 +5721,7 @@
             </a:pPr>
             <a:r>
               <a:rPr/>
-              <a:t>..will both be required.</a:t>
-            </a:r>
-          </a:p>
-          <a:p>
-            <a:pPr lvl="0" indent="0" marL="0">
-              <a:buNone/>
-            </a:pPr>
-            <a:r>
-              <a:rPr/>
-              <a:t>I ask you to see both as an opportunity to develop these important skills.</a:t>
-            </a:r>
-          </a:p>
-          <a:p>
-            <a:pPr lvl="0" indent="0" marL="0">
-              <a:buNone/>
-            </a:pPr>
-            <a:r>
-              <a:rPr/>
-              <a:t>You will see we have some ideas to make this more relevant to careers and employability</a:t>
-            </a:r>
-          </a:p>
-          <a:p>
-            <a:pPr lvl="0" indent="0" marL="0">
-              <a:buNone/>
-            </a:pPr>
-            <a:r>
-              <a:rPr/>
-              <a:t>It is easier to ‘keep up than to catch up’.</a:t>
+              <a:t>The coursework ALL require critical reflection and metacognitive practice. This will be discussed in a number of lectures, but it contributes to effective learning and your integration of the skills and experience of doing this research exercise.</a:t>
             </a:r>
           </a:p>
         </p:txBody>
@@ -5799,7 +5782,7 @@
             </a:pPr>
             <a:r>
               <a:rPr/>
-              <a:t>Resources</a:t>
+              <a:t>Time management and teamwork</a:t>
             </a:r>
           </a:p>
         </p:txBody>
@@ -5830,34 +5813,34 @@
             </a:pPr>
             <a:r>
               <a:rPr/>
-              <a:t>We will be releasing a series of valuable resources to help you through every step of the process</a:t>
-            </a:r>
-          </a:p>
-          <a:p>
-            <a:pPr lvl="0" indent="0" marL="0">
-              <a:buNone/>
-            </a:pPr>
-            <a:r>
-              <a:rPr/>
-              <a:t>These will have value for your final year dissertation too.</a:t>
-            </a:r>
-          </a:p>
-          <a:p>
-            <a:pPr lvl="0" indent="0" marL="0">
-              <a:buNone/>
-            </a:pPr>
-            <a:r>
-              <a:rPr/>
-              <a:t>Contribution.</a:t>
-            </a:r>
-          </a:p>
-          <a:p>
-            <a:pPr lvl="0" indent="0" marL="0">
-              <a:buNone/>
-            </a:pPr>
-            <a:r>
-              <a:rPr/>
-              <a:t>Open Educational Resources.</a:t>
+              <a:t>..will both be required.</a:t>
+            </a:r>
+          </a:p>
+          <a:p>
+            <a:pPr lvl="0" indent="0" marL="0">
+              <a:buNone/>
+            </a:pPr>
+            <a:r>
+              <a:rPr/>
+              <a:t>I ask you to see both as an opportunity to develop these important skills.</a:t>
+            </a:r>
+          </a:p>
+          <a:p>
+            <a:pPr lvl="0" indent="0" marL="0">
+              <a:buNone/>
+            </a:pPr>
+            <a:r>
+              <a:rPr/>
+              <a:t>You will see we have some ideas to make this more relevant to careers and employability</a:t>
+            </a:r>
+          </a:p>
+          <a:p>
+            <a:pPr lvl="0" indent="0" marL="0">
+              <a:buNone/>
+            </a:pPr>
+            <a:r>
+              <a:rPr/>
+              <a:t>It is easier to ‘keep up than to catch up’.</a:t>
             </a:r>
           </a:p>
         </p:txBody>
@@ -5918,7 +5901,7 @@
             </a:pPr>
             <a:r>
               <a:rPr/>
-              <a:t>Prelude 1</a:t>
+              <a:t>Resources</a:t>
             </a:r>
           </a:p>
         </p:txBody>
@@ -5949,16 +5932,34 @@
             </a:pPr>
             <a:r>
               <a:rPr/>
-              <a:t>We are starting off very easy. A short questionnaire to allow us to get to know you a little better, which we will use to develop the first lecture, and the course more generally.</a:t>
-            </a:r>
-          </a:p>
-          <a:p>
-            <a:pPr lvl="0" indent="0" marL="0">
-              <a:buNone/>
-            </a:pPr>
-            <a:r>
-              <a:rPr/>
-              <a:t>___________________________________________________________________________________</a:t>
+              <a:t>We will be releasing a series of valuable resources to help you through every step of the process</a:t>
+            </a:r>
+          </a:p>
+          <a:p>
+            <a:pPr lvl="0" indent="0" marL="0">
+              <a:buNone/>
+            </a:pPr>
+            <a:r>
+              <a:rPr/>
+              <a:t>These will have value for your final year dissertation too.</a:t>
+            </a:r>
+          </a:p>
+          <a:p>
+            <a:pPr lvl="0" indent="0" marL="0">
+              <a:buNone/>
+            </a:pPr>
+            <a:r>
+              <a:rPr/>
+              <a:t>Contribution.</a:t>
+            </a:r>
+          </a:p>
+          <a:p>
+            <a:pPr lvl="0" indent="0" marL="0">
+              <a:buNone/>
+            </a:pPr>
+            <a:r>
+              <a:rPr/>
+              <a:t>Open Educational Resources.</a:t>
             </a:r>
           </a:p>
         </p:txBody>
@@ -5990,7 +5991,7 @@
           <p:cNvPr id="2" name="Title 1">
             <a:extLst>
               <a:ext uri="{FF2B5EF4-FFF2-40B4-BE49-F238E27FC236}">
-                <a16:creationId xmlns:a16="http://schemas.microsoft.com/office/drawing/2014/main" id="{FF6A6CB2-D1B6-B94A-84C1-83C65423C650}"/>
+                <a16:creationId xmlns:a16="http://schemas.microsoft.com/office/drawing/2014/main" id="{DD9B8E45-0772-954C-8D4B-6E6808DFEDED}"/>
               </a:ext>
             </a:extLst>
           </p:cNvPr>
@@ -6003,8 +6004,8 @@
         </p:nvSpPr>
         <p:spPr>
           <a:xfrm>
-            <a:off x="831851" y="1709742"/>
-            <a:ext cx="10515600" cy="2852737"/>
+            <a:off x="838200" y="365129"/>
+            <a:ext cx="10515600" cy="1325563"/>
           </a:xfrm>
           <a:prstGeom prst="rect">
             <a:avLst/>
@@ -6019,7 +6020,47 @@
             </a:pPr>
             <a:r>
               <a:rPr/>
-              <a:t>New Section</a:t>
+              <a:t>Prelude 1</a:t>
+            </a:r>
+          </a:p>
+        </p:txBody>
+      </p:sp>
+      <p:sp>
+        <p:nvSpPr>
+          <p:cNvPr id="3" name="Content Placeholder 2">
+            <a:extLst>
+              <a:ext uri="{FF2B5EF4-FFF2-40B4-BE49-F238E27FC236}">
+                <a16:creationId xmlns:a16="http://schemas.microsoft.com/office/drawing/2014/main" id="{A4EB24F9-04F1-C843-9D71-56C5C024552B}"/>
+              </a:ext>
+            </a:extLst>
+          </p:cNvPr>
+          <p:cNvSpPr>
+            <a:spLocks noGrp="1"/>
+          </p:cNvSpPr>
+          <p:nvPr>
+            <p:ph idx="1"/>
+          </p:nvPr>
+        </p:nvSpPr>
+        <p:spPr/>
+        <p:txBody>
+          <a:bodyPr/>
+          <a:lstStyle/>
+          <a:p>
+            <a:pPr lvl="0" indent="0" marL="0">
+              <a:buNone/>
+            </a:pPr>
+            <a:r>
+              <a:rPr/>
+              <a:t>We are starting off very easy. A short questionnaire to allow us to get to know you a little better, which we will use to develop the first lecture, and the course more generally.</a:t>
+            </a:r>
+          </a:p>
+          <a:p>
+            <a:pPr lvl="0" indent="0" marL="0">
+              <a:buNone/>
+            </a:pPr>
+            <a:r>
+              <a:rPr/>
+              <a:t>___________________________________________________________________________________</a:t>
             </a:r>
           </a:p>
         </p:txBody>
@@ -6051,6 +6092,67 @@
           <p:cNvPr id="2" name="Title 1">
             <a:extLst>
               <a:ext uri="{FF2B5EF4-FFF2-40B4-BE49-F238E27FC236}">
+                <a16:creationId xmlns:a16="http://schemas.microsoft.com/office/drawing/2014/main" id="{FF6A6CB2-D1B6-B94A-84C1-83C65423C650}"/>
+              </a:ext>
+            </a:extLst>
+          </p:cNvPr>
+          <p:cNvSpPr>
+            <a:spLocks noGrp="1"/>
+          </p:cNvSpPr>
+          <p:nvPr>
+            <p:ph type="title"/>
+          </p:nvPr>
+        </p:nvSpPr>
+        <p:spPr>
+          <a:xfrm>
+            <a:off x="831851" y="1709742"/>
+            <a:ext cx="10515600" cy="2852737"/>
+          </a:xfrm>
+          <a:prstGeom prst="rect">
+            <a:avLst/>
+          </a:prstGeom>
+        </p:spPr>
+        <p:txBody>
+          <a:bodyPr/>
+          <a:lstStyle/>
+          <a:p>
+            <a:pPr lvl="0" indent="0" marL="0">
+              <a:buNone/>
+            </a:pPr>
+            <a:r>
+              <a:rPr/>
+              <a:t>New Section</a:t>
+            </a:r>
+          </a:p>
+        </p:txBody>
+      </p:sp>
+    </p:spTree>
+  </p:cSld>
+</p:sld>
+</file>
+
+<file path=ppt/slides/slide17.xml><?xml version="1.0" encoding="utf-8"?>
+<p:sld xmlns:a="http://schemas.openxmlformats.org/drawingml/2006/main" xmlns:r="http://schemas.openxmlformats.org/officeDocument/2006/relationships" xmlns:p="http://schemas.openxmlformats.org/presentationml/2006/main">
+  <p:cSld>
+    <p:spTree>
+      <p:nvGrpSpPr>
+        <p:cNvPr id="1" name=""/>
+        <p:cNvGrpSpPr/>
+        <p:nvPr/>
+      </p:nvGrpSpPr>
+      <p:grpSpPr>
+        <a:xfrm>
+          <a:off x="0" y="0"/>
+          <a:ext cx="0" cy="0"/>
+          <a:chOff x="0" y="0"/>
+          <a:chExt cx="0" cy="0"/>
+        </a:xfrm>
+      </p:grpSpPr>
+      <p:sp>
+        <p:nvSpPr>
+          <p:cNvPr id="2" name="Title 1">
+            <a:extLst>
+              <a:ext uri="{FF2B5EF4-FFF2-40B4-BE49-F238E27FC236}">
                 <a16:creationId xmlns:a16="http://schemas.microsoft.com/office/drawing/2014/main" id="{DD9B8E45-0772-954C-8D4B-6E6808DFEDED}"/>
               </a:ext>
             </a:extLst>
@@ -6133,7 +6235,7 @@
 </p:sld>
 </file>
 
-<file path=ppt/slides/slide17.xml><?xml version="1.0" encoding="utf-8"?>
+<file path=ppt/slides/slide18.xml><?xml version="1.0" encoding="utf-8"?>
 <p:sld xmlns:a="http://schemas.openxmlformats.org/drawingml/2006/main" xmlns:r="http://schemas.openxmlformats.org/officeDocument/2006/relationships" xmlns:p="http://schemas.openxmlformats.org/presentationml/2006/main">
   <p:cSld>
     <p:spTree>
@@ -6417,107 +6519,6 @@
 </p:sld>
 </file>
 
-<file path=ppt/slides/slide18.xml><?xml version="1.0" encoding="utf-8"?>
-<p:sld xmlns:a="http://schemas.openxmlformats.org/drawingml/2006/main" xmlns:r="http://schemas.openxmlformats.org/officeDocument/2006/relationships" xmlns:p="http://schemas.openxmlformats.org/presentationml/2006/main">
-  <p:cSld>
-    <p:spTree>
-      <p:nvGrpSpPr>
-        <p:cNvPr id="1" name=""/>
-        <p:cNvGrpSpPr/>
-        <p:nvPr/>
-      </p:nvGrpSpPr>
-      <p:grpSpPr>
-        <a:xfrm>
-          <a:off x="0" y="0"/>
-          <a:ext cx="0" cy="0"/>
-          <a:chOff x="0" y="0"/>
-          <a:chExt cx="0" cy="0"/>
-        </a:xfrm>
-      </p:grpSpPr>
-      <p:sp>
-        <p:nvSpPr>
-          <p:cNvPr id="2" name="Title 1">
-            <a:extLst>
-              <a:ext uri="{FF2B5EF4-FFF2-40B4-BE49-F238E27FC236}">
-                <a16:creationId xmlns:a16="http://schemas.microsoft.com/office/drawing/2014/main" id="{DD9B8E45-0772-954C-8D4B-6E6808DFEDED}"/>
-              </a:ext>
-            </a:extLst>
-          </p:cNvPr>
-          <p:cNvSpPr>
-            <a:spLocks noGrp="1"/>
-          </p:cNvSpPr>
-          <p:nvPr>
-            <p:ph type="title"/>
-          </p:nvPr>
-        </p:nvSpPr>
-        <p:spPr>
-          <a:xfrm>
-            <a:off x="838200" y="365129"/>
-            <a:ext cx="10515600" cy="1325563"/>
-          </a:xfrm>
-          <a:prstGeom prst="rect">
-            <a:avLst/>
-          </a:prstGeom>
-        </p:spPr>
-        <p:txBody>
-          <a:bodyPr/>
-          <a:lstStyle/>
-          <a:p>
-            <a:pPr lvl="0" indent="0" marL="0">
-              <a:buNone/>
-            </a:pPr>
-            <a:r>
-              <a:rPr/>
-              <a:t>Page with aside</a:t>
-            </a:r>
-          </a:p>
-        </p:txBody>
-      </p:sp>
-      <p:sp>
-        <p:nvSpPr>
-          <p:cNvPr id="3" name="Content Placeholder 2">
-            <a:extLst>
-              <a:ext uri="{FF2B5EF4-FFF2-40B4-BE49-F238E27FC236}">
-                <a16:creationId xmlns:a16="http://schemas.microsoft.com/office/drawing/2014/main" id="{A4EB24F9-04F1-C843-9D71-56C5C024552B}"/>
-              </a:ext>
-            </a:extLst>
-          </p:cNvPr>
-          <p:cNvSpPr>
-            <a:spLocks noGrp="1"/>
-          </p:cNvSpPr>
-          <p:nvPr>
-            <p:ph idx="1"/>
-          </p:nvPr>
-        </p:nvSpPr>
-        <p:spPr/>
-        <p:txBody>
-          <a:bodyPr/>
-          <a:lstStyle/>
-          <a:p>
-            <a:pPr lvl="0" indent="0" marL="0">
-              <a:buNone/>
-            </a:pPr>
-            <a:r>
-              <a:rPr/>
-              <a:t>Here is an important point</a:t>
-            </a:r>
-          </a:p>
-          <a:p>
-            <a:pPr lvl="0" indent="0" marL="0">
-              <a:buNone/>
-            </a:pPr>
-            <a:r>
-              <a:rPr/>
-              <a:t>Additional commentary.</a:t>
-            </a:r>
-          </a:p>
-        </p:txBody>
-      </p:sp>
-    </p:spTree>
-  </p:cSld>
-</p:sld>
-</file>
-
 <file path=ppt/slides/slide19.xml><?xml version="1.0" encoding="utf-8"?>
 <p:sld xmlns:a="http://schemas.openxmlformats.org/drawingml/2006/main" xmlns:r="http://schemas.openxmlformats.org/officeDocument/2006/relationships" xmlns:p="http://schemas.openxmlformats.org/presentationml/2006/main">
   <p:cSld>
@@ -6569,7 +6570,7 @@
             </a:pPr>
             <a:r>
               <a:rPr/>
-              <a:t>Page with a note comment</a:t>
+              <a:t>Page with aside</a:t>
             </a:r>
           </a:p>
         </p:txBody>
@@ -6600,25 +6601,16 @@
             </a:pPr>
             <a:r>
               <a:rPr/>
-              <a:t>Here is something I say</a:t>
-            </a:r>
-          </a:p>
-          <a:p>
-            <a:pPr lvl="0" indent="0" marL="1270000">
-              <a:buNone/>
-            </a:pPr>
-            <a:r>
-              <a:rPr sz="2000" b="1"/>
-              <a:t>Note</a:t>
-            </a:r>
-          </a:p>
-          <a:p>
-            <a:pPr lvl="0" indent="0" marL="1270000">
-              <a:buNone/>
-            </a:pPr>
-            <a:r>
-              <a:rPr sz="2000"/>
-              <a:t>This is very noteworthy</a:t>
+              <a:t>Here is an important point</a:t>
+            </a:r>
+          </a:p>
+          <a:p>
+            <a:pPr lvl="0" indent="0" marL="0">
+              <a:buNone/>
+            </a:pPr>
+            <a:r>
+              <a:rPr/>
+              <a:t>Additional commentary.</a:t>
             </a:r>
           </a:p>
         </p:txBody>
@@ -6740,7 +6732,7 @@
             </a:pPr>
             <a:r>
               <a:rPr/>
-              <a:t>Page with a warning</a:t>
+              <a:t>Page with a note comment</a:t>
             </a:r>
           </a:p>
         </p:txBody>
@@ -6780,7 +6772,7 @@
             </a:pPr>
             <a:r>
               <a:rPr sz="2000" b="1"/>
-              <a:t>Warning</a:t>
+              <a:t>Note</a:t>
             </a:r>
           </a:p>
           <a:p>
@@ -6789,7 +6781,7 @@
             </a:pPr>
             <a:r>
               <a:rPr sz="2000"/>
-              <a:t>Be WARNED!!</a:t>
+              <a:t>This is very noteworthy</a:t>
             </a:r>
           </a:p>
         </p:txBody>
@@ -6850,7 +6842,7 @@
             </a:pPr>
             <a:r>
               <a:rPr/>
-              <a:t>Page with an important comment</a:t>
+              <a:t>Page with a warning</a:t>
             </a:r>
           </a:p>
         </p:txBody>
@@ -6890,7 +6882,7 @@
             </a:pPr>
             <a:r>
               <a:rPr sz="2000" b="1"/>
-              <a:t>Important</a:t>
+              <a:t>Warning</a:t>
             </a:r>
           </a:p>
           <a:p>
@@ -6899,7 +6891,7 @@
             </a:pPr>
             <a:r>
               <a:rPr sz="2000"/>
-              <a:t>This is very Important</a:t>
+              <a:t>Be WARNED!!</a:t>
             </a:r>
           </a:p>
         </p:txBody>
@@ -6960,7 +6952,7 @@
             </a:pPr>
             <a:r>
               <a:rPr/>
-              <a:t>Page with a tip</a:t>
+              <a:t>Page with an important comment</a:t>
             </a:r>
           </a:p>
         </p:txBody>
@@ -7000,7 +6992,7 @@
             </a:pPr>
             <a:r>
               <a:rPr sz="2000" b="1"/>
-              <a:t>Tip</a:t>
+              <a:t>Important</a:t>
             </a:r>
           </a:p>
           <a:p>
@@ -7009,7 +7001,7 @@
             </a:pPr>
             <a:r>
               <a:rPr sz="2000"/>
-              <a:t>This is a useful tip</a:t>
+              <a:t>This is very Important</a:t>
             </a:r>
           </a:p>
         </p:txBody>
@@ -7070,7 +7062,7 @@
             </a:pPr>
             <a:r>
               <a:rPr/>
-              <a:t>Page with a caution</a:t>
+              <a:t>Page with a tip</a:t>
             </a:r>
           </a:p>
         </p:txBody>
@@ -7110,7 +7102,7 @@
             </a:pPr>
             <a:r>
               <a:rPr sz="2000" b="1"/>
-              <a:t>Caution</a:t>
+              <a:t>Tip</a:t>
             </a:r>
           </a:p>
           <a:p>
@@ -7119,7 +7111,7 @@
             </a:pPr>
             <a:r>
               <a:rPr sz="2000"/>
-              <a:t>This is something to be cautious about</a:t>
+              <a:t>This is a useful tip</a:t>
             </a:r>
           </a:p>
         </p:txBody>
@@ -7151,7 +7143,7 @@
           <p:cNvPr id="2" name="Title 1">
             <a:extLst>
               <a:ext uri="{FF2B5EF4-FFF2-40B4-BE49-F238E27FC236}">
-                <a16:creationId xmlns:a16="http://schemas.microsoft.com/office/drawing/2014/main" id="{2ECFDBC1-527D-3041-984A-EF5E7E9B7495}"/>
+                <a16:creationId xmlns:a16="http://schemas.microsoft.com/office/drawing/2014/main" id="{DD9B8E45-0772-954C-8D4B-6E6808DFEDED}"/>
               </a:ext>
             </a:extLst>
           </p:cNvPr>
@@ -7180,7 +7172,7 @@
             </a:pPr>
             <a:r>
               <a:rPr/>
-              <a:t>Two Columns (Text)</a:t>
+              <a:t>Page with a caution</a:t>
             </a:r>
           </a:p>
         </p:txBody>
@@ -7190,15 +7182,15 @@
           <p:cNvPr id="3" name="Content Placeholder 2">
             <a:extLst>
               <a:ext uri="{FF2B5EF4-FFF2-40B4-BE49-F238E27FC236}">
-                <a16:creationId xmlns:a16="http://schemas.microsoft.com/office/drawing/2014/main" id="{63FA7BF1-44B1-744C-AB68-4BB0A6A5977E}"/>
-              </a:ext>
-            </a:extLst>
-          </p:cNvPr>
-          <p:cNvSpPr>
-            <a:spLocks noGrp="1"/>
-          </p:cNvSpPr>
-          <p:nvPr>
-            <p:ph idx="1" sz="half"/>
+                <a16:creationId xmlns:a16="http://schemas.microsoft.com/office/drawing/2014/main" id="{A4EB24F9-04F1-C843-9D71-56C5C024552B}"/>
+              </a:ext>
+            </a:extLst>
+          </p:cNvPr>
+          <p:cNvSpPr>
+            <a:spLocks noGrp="1"/>
+          </p:cNvSpPr>
+          <p:nvPr>
+            <p:ph idx="1"/>
           </p:nvPr>
         </p:nvSpPr>
         <p:spPr/>
@@ -7211,38 +7203,25 @@
             </a:pPr>
             <a:r>
               <a:rPr/>
-              <a:t>Left column</a:t>
-            </a:r>
-          </a:p>
-        </p:txBody>
-      </p:sp>
-      <p:sp>
-        <p:nvSpPr>
-          <p:cNvPr id="4" name="Content Placeholder 3">
-            <a:extLst>
-              <a:ext uri="{FF2B5EF4-FFF2-40B4-BE49-F238E27FC236}">
-                <a16:creationId xmlns:a16="http://schemas.microsoft.com/office/drawing/2014/main" id="{3B974A49-6A1E-2F48-B419-02B0A17B9692}"/>
-              </a:ext>
-            </a:extLst>
-          </p:cNvPr>
-          <p:cNvSpPr>
-            <a:spLocks noGrp="1"/>
-          </p:cNvSpPr>
-          <p:nvPr>
-            <p:ph idx="2" sz="half"/>
-          </p:nvPr>
-        </p:nvSpPr>
-        <p:spPr/>
-        <p:txBody>
-          <a:bodyPr/>
-          <a:lstStyle/>
-          <a:p>
-            <a:pPr lvl="0" indent="0" marL="0">
-              <a:buNone/>
-            </a:pPr>
-            <a:r>
-              <a:rPr/>
-              <a:t>Right column</a:t>
+              <a:t>Here is something I say</a:t>
+            </a:r>
+          </a:p>
+          <a:p>
+            <a:pPr lvl="0" indent="0" marL="1270000">
+              <a:buNone/>
+            </a:pPr>
+            <a:r>
+              <a:rPr sz="2000" b="1"/>
+              <a:t>Caution</a:t>
+            </a:r>
+          </a:p>
+          <a:p>
+            <a:pPr lvl="0" indent="0" marL="1270000">
+              <a:buNone/>
+            </a:pPr>
+            <a:r>
+              <a:rPr sz="2000"/>
+              <a:t>This is something to be cautious about</a:t>
             </a:r>
           </a:p>
         </p:txBody>
@@ -7253,6 +7232,129 @@
 </file>
 
 <file path=ppt/slides/slide25.xml><?xml version="1.0" encoding="utf-8"?>
+<p:sld xmlns:a="http://schemas.openxmlformats.org/drawingml/2006/main" xmlns:r="http://schemas.openxmlformats.org/officeDocument/2006/relationships" xmlns:p="http://schemas.openxmlformats.org/presentationml/2006/main">
+  <p:cSld>
+    <p:spTree>
+      <p:nvGrpSpPr>
+        <p:cNvPr id="1" name=""/>
+        <p:cNvGrpSpPr/>
+        <p:nvPr/>
+      </p:nvGrpSpPr>
+      <p:grpSpPr>
+        <a:xfrm>
+          <a:off x="0" y="0"/>
+          <a:ext cx="0" cy="0"/>
+          <a:chOff x="0" y="0"/>
+          <a:chExt cx="0" cy="0"/>
+        </a:xfrm>
+      </p:grpSpPr>
+      <p:sp>
+        <p:nvSpPr>
+          <p:cNvPr id="2" name="Title 1">
+            <a:extLst>
+              <a:ext uri="{FF2B5EF4-FFF2-40B4-BE49-F238E27FC236}">
+                <a16:creationId xmlns:a16="http://schemas.microsoft.com/office/drawing/2014/main" id="{2ECFDBC1-527D-3041-984A-EF5E7E9B7495}"/>
+              </a:ext>
+            </a:extLst>
+          </p:cNvPr>
+          <p:cNvSpPr>
+            <a:spLocks noGrp="1"/>
+          </p:cNvSpPr>
+          <p:nvPr>
+            <p:ph type="title"/>
+          </p:nvPr>
+        </p:nvSpPr>
+        <p:spPr>
+          <a:xfrm>
+            <a:off x="838200" y="365129"/>
+            <a:ext cx="10515600" cy="1325563"/>
+          </a:xfrm>
+          <a:prstGeom prst="rect">
+            <a:avLst/>
+          </a:prstGeom>
+        </p:spPr>
+        <p:txBody>
+          <a:bodyPr/>
+          <a:lstStyle/>
+          <a:p>
+            <a:pPr lvl="0" indent="0" marL="0">
+              <a:buNone/>
+            </a:pPr>
+            <a:r>
+              <a:rPr/>
+              <a:t>Two Columns (Text)</a:t>
+            </a:r>
+          </a:p>
+        </p:txBody>
+      </p:sp>
+      <p:sp>
+        <p:nvSpPr>
+          <p:cNvPr id="3" name="Content Placeholder 2">
+            <a:extLst>
+              <a:ext uri="{FF2B5EF4-FFF2-40B4-BE49-F238E27FC236}">
+                <a16:creationId xmlns:a16="http://schemas.microsoft.com/office/drawing/2014/main" id="{63FA7BF1-44B1-744C-AB68-4BB0A6A5977E}"/>
+              </a:ext>
+            </a:extLst>
+          </p:cNvPr>
+          <p:cNvSpPr>
+            <a:spLocks noGrp="1"/>
+          </p:cNvSpPr>
+          <p:nvPr>
+            <p:ph idx="1" sz="half"/>
+          </p:nvPr>
+        </p:nvSpPr>
+        <p:spPr/>
+        <p:txBody>
+          <a:bodyPr/>
+          <a:lstStyle/>
+          <a:p>
+            <a:pPr lvl="0" indent="0" marL="0">
+              <a:buNone/>
+            </a:pPr>
+            <a:r>
+              <a:rPr/>
+              <a:t>Left column</a:t>
+            </a:r>
+          </a:p>
+        </p:txBody>
+      </p:sp>
+      <p:sp>
+        <p:nvSpPr>
+          <p:cNvPr id="4" name="Content Placeholder 3">
+            <a:extLst>
+              <a:ext uri="{FF2B5EF4-FFF2-40B4-BE49-F238E27FC236}">
+                <a16:creationId xmlns:a16="http://schemas.microsoft.com/office/drawing/2014/main" id="{3B974A49-6A1E-2F48-B419-02B0A17B9692}"/>
+              </a:ext>
+            </a:extLst>
+          </p:cNvPr>
+          <p:cNvSpPr>
+            <a:spLocks noGrp="1"/>
+          </p:cNvSpPr>
+          <p:nvPr>
+            <p:ph idx="2" sz="half"/>
+          </p:nvPr>
+        </p:nvSpPr>
+        <p:spPr/>
+        <p:txBody>
+          <a:bodyPr/>
+          <a:lstStyle/>
+          <a:p>
+            <a:pPr lvl="0" indent="0" marL="0">
+              <a:buNone/>
+            </a:pPr>
+            <a:r>
+              <a:rPr/>
+              <a:t>Right column</a:t>
+            </a:r>
+          </a:p>
+        </p:txBody>
+      </p:sp>
+    </p:spTree>
+  </p:cSld>
+</p:sld>
+</file>
+
+<file path=ppt/slides/slide26.xml><?xml version="1.0" encoding="utf-8"?>
 <p:sld xmlns:a="http://schemas.openxmlformats.org/drawingml/2006/main" xmlns:r="http://schemas.openxmlformats.org/officeDocument/2006/relationships" xmlns:p="http://schemas.openxmlformats.org/presentationml/2006/main">
   <p:cSld>
     <p:spTree>
@@ -7404,127 +7506,6 @@
 </p:sld>
 </file>
 
-<file path=ppt/slides/slide26.xml><?xml version="1.0" encoding="utf-8"?>
-<p:sld xmlns:a="http://schemas.openxmlformats.org/drawingml/2006/main" xmlns:r="http://schemas.openxmlformats.org/officeDocument/2006/relationships" xmlns:p="http://schemas.openxmlformats.org/presentationml/2006/main">
-  <p:cSld>
-    <p:spTree>
-      <p:nvGrpSpPr>
-        <p:cNvPr id="1" name=""/>
-        <p:cNvGrpSpPr/>
-        <p:nvPr/>
-      </p:nvGrpSpPr>
-      <p:grpSpPr>
-        <a:xfrm>
-          <a:off x="0" y="0"/>
-          <a:ext cx="0" cy="0"/>
-          <a:chOff x="0" y="0"/>
-          <a:chExt cx="0" cy="0"/>
-        </a:xfrm>
-      </p:grpSpPr>
-      <p:sp>
-        <p:nvSpPr>
-          <p:cNvPr id="2" name="Title 1">
-            <a:extLst>
-              <a:ext uri="{FF2B5EF4-FFF2-40B4-BE49-F238E27FC236}">
-                <a16:creationId xmlns:a16="http://schemas.microsoft.com/office/drawing/2014/main" id="{DD9B8E45-0772-954C-8D4B-6E6808DFEDED}"/>
-              </a:ext>
-            </a:extLst>
-          </p:cNvPr>
-          <p:cNvSpPr>
-            <a:spLocks noGrp="1"/>
-          </p:cNvSpPr>
-          <p:nvPr>
-            <p:ph type="title"/>
-          </p:nvPr>
-        </p:nvSpPr>
-        <p:spPr>
-          <a:xfrm>
-            <a:off x="838200" y="365129"/>
-            <a:ext cx="10515600" cy="1325563"/>
-          </a:xfrm>
-          <a:prstGeom prst="rect">
-            <a:avLst/>
-          </a:prstGeom>
-        </p:spPr>
-        <p:txBody>
-          <a:bodyPr/>
-          <a:lstStyle/>
-          <a:p>
-            <a:pPr lvl="0" indent="0" marL="0">
-              <a:buNone/>
-            </a:pPr>
-            <a:r>
-              <a:rPr/>
-              <a:t>Slide with different background colour</a:t>
-            </a:r>
-          </a:p>
-        </p:txBody>
-      </p:sp>
-      <p:sp>
-        <p:nvSpPr>
-          <p:cNvPr id="3" name="Content Placeholder 2">
-            <a:extLst>
-              <a:ext uri="{FF2B5EF4-FFF2-40B4-BE49-F238E27FC236}">
-                <a16:creationId xmlns:a16="http://schemas.microsoft.com/office/drawing/2014/main" id="{A4EB24F9-04F1-C843-9D71-56C5C024552B}"/>
-              </a:ext>
-            </a:extLst>
-          </p:cNvPr>
-          <p:cNvSpPr>
-            <a:spLocks noGrp="1"/>
-          </p:cNvSpPr>
-          <p:nvPr>
-            <p:ph idx="1"/>
-          </p:nvPr>
-        </p:nvSpPr>
-        <p:spPr/>
-        <p:txBody>
-          <a:bodyPr/>
-          <a:lstStyle/>
-          <a:p>
-            <a:pPr lvl="0" indent="0" marL="0">
-              <a:buNone/>
-            </a:pPr>
-            <a:r>
-              <a:rPr/>
-              <a:t>Shout</a:t>
-            </a:r>
-          </a:p>
-          <a:p>
-            <a:pPr lvl="0" indent="0" marL="0">
-              <a:buNone/>
-            </a:pPr>
-            <a:r>
-              <a:rPr/>
-              <a:t>Question</a:t>
-            </a:r>
-          </a:p>
-          <a:p>
-            <a:pPr lvl="0" indent="0" marL="0">
-              <a:buNone/>
-            </a:pPr>
-            <a:r>
-              <a:rPr/>
-              <a:t>takeaway</a:t>
-            </a:r>
-          </a:p>
-          <a:p>
-            <a:pPr lvl="0" indent="0" marL="0">
-              <a:buNone/>
-            </a:pPr>
-            <a:r>
-              <a:rPr>
-                <a:hlinkClick r:id="rId2"/>
-              </a:rPr>
-              <a:t>A link to the BBC website</a:t>
-            </a:r>
-          </a:p>
-        </p:txBody>
-      </p:sp>
-    </p:spTree>
-  </p:cSld>
-</p:sld>
-</file>
-
 <file path=ppt/slides/slide27.xml><?xml version="1.0" encoding="utf-8"?>
 <p:sld xmlns:a="http://schemas.openxmlformats.org/drawingml/2006/main" xmlns:r="http://schemas.openxmlformats.org/officeDocument/2006/relationships" xmlns:p="http://schemas.openxmlformats.org/presentationml/2006/main">
   <p:cSld>
@@ -7576,7 +7557,7 @@
             </a:pPr>
             <a:r>
               <a:rPr/>
-              <a:t>Speaker Notes</a:t>
+              <a:t>Slide with different background colour</a:t>
             </a:r>
           </a:p>
         </p:txBody>
@@ -7607,7 +7588,36 @@
             </a:pPr>
             <a:r>
               <a:rPr/>
-              <a:t>Here is some content</a:t>
+              <a:t>Shout</a:t>
+            </a:r>
+          </a:p>
+          <a:p>
+            <a:pPr lvl="0" indent="0" marL="0">
+              <a:buNone/>
+            </a:pPr>
+            <a:r>
+              <a:rPr/>
+              <a:t>Question</a:t>
+            </a:r>
+          </a:p>
+          <a:p>
+            <a:pPr lvl="0" indent="0" marL="0">
+              <a:buNone/>
+            </a:pPr>
+            <a:r>
+              <a:rPr/>
+              <a:t>takeaway</a:t>
+            </a:r>
+          </a:p>
+          <a:p>
+            <a:pPr lvl="0" indent="0" marL="0">
+              <a:buNone/>
+            </a:pPr>
+            <a:r>
+              <a:rPr>
+                <a:hlinkClick r:id="rId2"/>
+              </a:rPr>
+              <a:t>A link to the BBC website</a:t>
             </a:r>
           </a:p>
         </p:txBody>
@@ -7668,7 +7678,7 @@
             </a:pPr>
             <a:r>
               <a:rPr/>
-              <a:t>Here is a 2 panel tabset</a:t>
+              <a:t>Speaker Notes</a:t>
             </a:r>
           </a:p>
         </p:txBody>
@@ -7695,44 +7705,11 @@
           <a:lstStyle/>
           <a:p>
             <a:pPr lvl="0" indent="0" marL="0">
-              <a:spcBef>
-                <a:spcPts val="3000"/>
-              </a:spcBef>
-              <a:buNone/>
-            </a:pPr>
-            <a:r>
-              <a:rPr b="1"/>
-              <a:t>Tab A</a:t>
-            </a:r>
-          </a:p>
-          <a:p>
-            <a:pPr lvl="0" indent="0" marL="0">
-              <a:buNone/>
-            </a:pPr>
-            <a:r>
-              <a:rPr/>
-              <a:t>Content for Tab A</a:t>
-            </a:r>
-          </a:p>
-          <a:p>
-            <a:pPr lvl="0" indent="0" marL="0">
-              <a:spcBef>
-                <a:spcPts val="3000"/>
-              </a:spcBef>
-              <a:buNone/>
-            </a:pPr>
-            <a:r>
-              <a:rPr b="1"/>
-              <a:t>Tab B</a:t>
-            </a:r>
-          </a:p>
-          <a:p>
-            <a:pPr lvl="0" indent="0" marL="0">
-              <a:buNone/>
-            </a:pPr>
-            <a:r>
-              <a:rPr/>
-              <a:t>Content for Tab B</a:t>
+              <a:buNone/>
+            </a:pPr>
+            <a:r>
+              <a:rPr/>
+              <a:t>Here is some content</a:t>
             </a:r>
           </a:p>
         </p:txBody>
@@ -7793,7 +7770,7 @@
             </a:pPr>
             <a:r>
               <a:rPr/>
-              <a:t>Slide with footnote</a:t>
+              <a:t>Here is a 2 panel tabset</a:t>
             </a:r>
           </a:p>
         </p:txBody>
@@ -7820,21 +7797,44 @@
           <a:lstStyle/>
           <a:p>
             <a:pPr lvl="0" indent="0" marL="0">
-              <a:buNone/>
-            </a:pPr>
-            <a:r>
-              <a:rPr/>
-              <a:t>Very important point</a:t>
-            </a:r>
-            <a:r>
-              <a:rPr baseline="30000">
-                <a:hlinkClick r:id="rId2" action="ppaction://hlinksldjump"/>
-              </a:rPr>
-              <a:t>1</a:t>
-            </a:r>
-            <a:r>
-              <a:rPr/>
-              <a:t> made to the class</a:t>
+              <a:spcBef>
+                <a:spcPts val="3000"/>
+              </a:spcBef>
+              <a:buNone/>
+            </a:pPr>
+            <a:r>
+              <a:rPr b="1"/>
+              <a:t>Tab A</a:t>
+            </a:r>
+          </a:p>
+          <a:p>
+            <a:pPr lvl="0" indent="0" marL="0">
+              <a:buNone/>
+            </a:pPr>
+            <a:r>
+              <a:rPr/>
+              <a:t>Content for Tab A</a:t>
+            </a:r>
+          </a:p>
+          <a:p>
+            <a:pPr lvl="0" indent="0" marL="0">
+              <a:spcBef>
+                <a:spcPts val="3000"/>
+              </a:spcBef>
+              <a:buNone/>
+            </a:pPr>
+            <a:r>
+              <a:rPr b="1"/>
+              <a:t>Tab B</a:t>
+            </a:r>
+          </a:p>
+          <a:p>
+            <a:pPr lvl="0" indent="0" marL="0">
+              <a:buNone/>
+            </a:pPr>
+            <a:r>
+              <a:rPr/>
+              <a:t>Content for Tab B</a:t>
             </a:r>
           </a:p>
         </p:txBody>
@@ -7927,7 +7927,7 @@
           <p:cNvPr id="2" name="Title 1">
             <a:extLst>
               <a:ext uri="{FF2B5EF4-FFF2-40B4-BE49-F238E27FC236}">
-                <a16:creationId xmlns:a16="http://schemas.microsoft.com/office/drawing/2014/main" id="{FF6A6CB2-D1B6-B94A-84C1-83C65423C650}"/>
+                <a16:creationId xmlns:a16="http://schemas.microsoft.com/office/drawing/2014/main" id="{DD9B8E45-0772-954C-8D4B-6E6808DFEDED}"/>
               </a:ext>
             </a:extLst>
           </p:cNvPr>
@@ -7940,8 +7940,8 @@
         </p:nvSpPr>
         <p:spPr>
           <a:xfrm>
-            <a:off x="831851" y="1709742"/>
-            <a:ext cx="10515600" cy="2852737"/>
+            <a:off x="838200" y="365129"/>
+            <a:ext cx="10515600" cy="1325563"/>
           </a:xfrm>
           <a:prstGeom prst="rect">
             <a:avLst/>
@@ -7956,7 +7956,48 @@
             </a:pPr>
             <a:r>
               <a:rPr/>
-              <a:t>Section heading 2007</a:t>
+              <a:t>Slide with footnote</a:t>
+            </a:r>
+          </a:p>
+        </p:txBody>
+      </p:sp>
+      <p:sp>
+        <p:nvSpPr>
+          <p:cNvPr id="3" name="Content Placeholder 2">
+            <a:extLst>
+              <a:ext uri="{FF2B5EF4-FFF2-40B4-BE49-F238E27FC236}">
+                <a16:creationId xmlns:a16="http://schemas.microsoft.com/office/drawing/2014/main" id="{A4EB24F9-04F1-C843-9D71-56C5C024552B}"/>
+              </a:ext>
+            </a:extLst>
+          </p:cNvPr>
+          <p:cNvSpPr>
+            <a:spLocks noGrp="1"/>
+          </p:cNvSpPr>
+          <p:nvPr>
+            <p:ph idx="1"/>
+          </p:nvPr>
+        </p:nvSpPr>
+        <p:spPr/>
+        <p:txBody>
+          <a:bodyPr/>
+          <a:lstStyle/>
+          <a:p>
+            <a:pPr lvl="0" indent="0" marL="0">
+              <a:buNone/>
+            </a:pPr>
+            <a:r>
+              <a:rPr/>
+              <a:t>Very important point</a:t>
+            </a:r>
+            <a:r>
+              <a:rPr baseline="30000">
+                <a:hlinkClick r:id="rId2" action="ppaction://hlinksldjump"/>
+              </a:rPr>
+              <a:t>1</a:t>
+            </a:r>
+            <a:r>
+              <a:rPr/>
+              <a:t> made to the class</a:t>
             </a:r>
           </a:p>
         </p:txBody>
@@ -7985,21 +8026,29 @@
       </p:grpSpPr>
       <p:sp>
         <p:nvSpPr>
-          <p:cNvPr id="3" name="Content Placeholder 2">
-            <a:extLst>
-              <a:ext uri="{FF2B5EF4-FFF2-40B4-BE49-F238E27FC236}">
-                <a16:creationId xmlns:a16="http://schemas.microsoft.com/office/drawing/2014/main" id="{A4EB24F9-04F1-C843-9D71-56C5C024552B}"/>
-              </a:ext>
-            </a:extLst>
-          </p:cNvPr>
-          <p:cNvSpPr>
-            <a:spLocks noGrp="1"/>
-          </p:cNvSpPr>
-          <p:nvPr>
-            <p:ph idx="1"/>
-          </p:nvPr>
-        </p:nvSpPr>
-        <p:spPr/>
+          <p:cNvPr id="2" name="Title 1">
+            <a:extLst>
+              <a:ext uri="{FF2B5EF4-FFF2-40B4-BE49-F238E27FC236}">
+                <a16:creationId xmlns:a16="http://schemas.microsoft.com/office/drawing/2014/main" id="{FF6A6CB2-D1B6-B94A-84C1-83C65423C650}"/>
+              </a:ext>
+            </a:extLst>
+          </p:cNvPr>
+          <p:cNvSpPr>
+            <a:spLocks noGrp="1"/>
+          </p:cNvSpPr>
+          <p:nvPr>
+            <p:ph type="title"/>
+          </p:nvPr>
+        </p:nvSpPr>
+        <p:spPr>
+          <a:xfrm>
+            <a:off x="831851" y="1709742"/>
+            <a:ext cx="10515600" cy="2852737"/>
+          </a:xfrm>
+          <a:prstGeom prst="rect">
+            <a:avLst/>
+          </a:prstGeom>
+        </p:spPr>
         <p:txBody>
           <a:bodyPr/>
           <a:lstStyle/>
@@ -8009,7 +8058,7 @@
             </a:pPr>
             <a:r>
               <a:rPr/>
-              <a:t>subtitle</a:t>
+              <a:t>Section heading 2007</a:t>
             </a:r>
           </a:p>
         </p:txBody>
@@ -8038,29 +8087,21 @@
       </p:grpSpPr>
       <p:sp>
         <p:nvSpPr>
-          <p:cNvPr id="2" name="Title 1">
-            <a:extLst>
-              <a:ext uri="{FF2B5EF4-FFF2-40B4-BE49-F238E27FC236}">
-                <a16:creationId xmlns:a16="http://schemas.microsoft.com/office/drawing/2014/main" id="{2ECFDBC1-527D-3041-984A-EF5E7E9B7495}"/>
-              </a:ext>
-            </a:extLst>
-          </p:cNvPr>
-          <p:cNvSpPr>
-            <a:spLocks noGrp="1"/>
-          </p:cNvSpPr>
-          <p:nvPr>
-            <p:ph type="title"/>
-          </p:nvPr>
-        </p:nvSpPr>
-        <p:spPr>
-          <a:xfrm>
-            <a:off x="838200" y="365129"/>
-            <a:ext cx="10515600" cy="1325563"/>
-          </a:xfrm>
-          <a:prstGeom prst="rect">
-            <a:avLst/>
-          </a:prstGeom>
-        </p:spPr>
+          <p:cNvPr id="3" name="Content Placeholder 2">
+            <a:extLst>
+              <a:ext uri="{FF2B5EF4-FFF2-40B4-BE49-F238E27FC236}">
+                <a16:creationId xmlns:a16="http://schemas.microsoft.com/office/drawing/2014/main" id="{A4EB24F9-04F1-C843-9D71-56C5C024552B}"/>
+              </a:ext>
+            </a:extLst>
+          </p:cNvPr>
+          <p:cNvSpPr>
+            <a:spLocks noGrp="1"/>
+          </p:cNvSpPr>
+          <p:nvPr>
+            <p:ph idx="1"/>
+          </p:nvPr>
+        </p:nvSpPr>
+        <p:spPr/>
         <p:txBody>
           <a:bodyPr/>
           <a:lstStyle/>
@@ -8070,117 +8111,7 @@
             </a:pPr>
             <a:r>
               <a:rPr/>
-              <a:t>2 columns unequal 20% 80%</a:t>
-            </a:r>
-          </a:p>
-        </p:txBody>
-      </p:sp>
-      <p:sp>
-        <p:nvSpPr>
-          <p:cNvPr id="3" name="Content Placeholder 2">
-            <a:extLst>
-              <a:ext uri="{FF2B5EF4-FFF2-40B4-BE49-F238E27FC236}">
-                <a16:creationId xmlns:a16="http://schemas.microsoft.com/office/drawing/2014/main" id="{63FA7BF1-44B1-744C-AB68-4BB0A6A5977E}"/>
-              </a:ext>
-            </a:extLst>
-          </p:cNvPr>
-          <p:cNvSpPr>
-            <a:spLocks noGrp="1"/>
-          </p:cNvSpPr>
-          <p:nvPr>
-            <p:ph idx="1" sz="half"/>
-          </p:nvPr>
-        </p:nvSpPr>
-        <p:spPr/>
-        <p:txBody>
-          <a:bodyPr/>
-          <a:lstStyle/>
-          <a:p>
-            <a:pPr lvl="0" indent="0" marL="0">
-              <a:spcBef>
-                <a:spcPts val="3000"/>
-              </a:spcBef>
-              <a:buNone/>
-            </a:pPr>
-            <a:r>
-              <a:rPr b="1"/>
-              <a:t>List One</a:t>
-            </a:r>
-          </a:p>
-          <a:p>
-            <a:pPr lvl="0"/>
-            <a:r>
-              <a:rPr/>
-              <a:t>Item A</a:t>
-            </a:r>
-          </a:p>
-          <a:p>
-            <a:pPr lvl="0"/>
-            <a:r>
-              <a:rPr/>
-              <a:t>Item B</a:t>
-            </a:r>
-          </a:p>
-          <a:p>
-            <a:pPr lvl="0"/>
-            <a:r>
-              <a:rPr/>
-              <a:t>Item C</a:t>
-            </a:r>
-          </a:p>
-        </p:txBody>
-      </p:sp>
-      <p:sp>
-        <p:nvSpPr>
-          <p:cNvPr id="4" name="Content Placeholder 3">
-            <a:extLst>
-              <a:ext uri="{FF2B5EF4-FFF2-40B4-BE49-F238E27FC236}">
-                <a16:creationId xmlns:a16="http://schemas.microsoft.com/office/drawing/2014/main" id="{3B974A49-6A1E-2F48-B419-02B0A17B9692}"/>
-              </a:ext>
-            </a:extLst>
-          </p:cNvPr>
-          <p:cNvSpPr>
-            <a:spLocks noGrp="1"/>
-          </p:cNvSpPr>
-          <p:nvPr>
-            <p:ph idx="2" sz="half"/>
-          </p:nvPr>
-        </p:nvSpPr>
-        <p:spPr/>
-        <p:txBody>
-          <a:bodyPr/>
-          <a:lstStyle/>
-          <a:p>
-            <a:pPr lvl="0" indent="0" marL="0">
-              <a:spcBef>
-                <a:spcPts val="3000"/>
-              </a:spcBef>
-              <a:buNone/>
-            </a:pPr>
-            <a:r>
-              <a:rPr b="1"/>
-              <a:t>List Two</a:t>
-            </a:r>
-          </a:p>
-          <a:p>
-            <a:pPr lvl="0"/>
-            <a:r>
-              <a:rPr/>
-              <a:t>Item X</a:t>
-            </a:r>
-          </a:p>
-          <a:p>
-            <a:pPr lvl="0"/>
-            <a:r>
-              <a:rPr/>
-              <a:t>Item Y</a:t>
-            </a:r>
-          </a:p>
-          <a:p>
-            <a:pPr lvl="0"/>
-            <a:r>
-              <a:rPr/>
-              <a:t>Item Z</a:t>
+              <a:t>subtitle</a:t>
             </a:r>
           </a:p>
         </p:txBody>
@@ -8212,7 +8143,7 @@
           <p:cNvPr id="2" name="Title 1">
             <a:extLst>
               <a:ext uri="{FF2B5EF4-FFF2-40B4-BE49-F238E27FC236}">
-                <a16:creationId xmlns:a16="http://schemas.microsoft.com/office/drawing/2014/main" id="{DD9B8E45-0772-954C-8D4B-6E6808DFEDED}"/>
+                <a16:creationId xmlns:a16="http://schemas.microsoft.com/office/drawing/2014/main" id="{2ECFDBC1-527D-3041-984A-EF5E7E9B7495}"/>
               </a:ext>
             </a:extLst>
           </p:cNvPr>
@@ -8241,7 +8172,117 @@
             </a:pPr>
             <a:r>
               <a:rPr/>
-              <a:t>Level 2 centred text with break  with striking takeaway background</a:t>
+              <a:t>2 columns unequal 20% 80%</a:t>
+            </a:r>
+          </a:p>
+        </p:txBody>
+      </p:sp>
+      <p:sp>
+        <p:nvSpPr>
+          <p:cNvPr id="3" name="Content Placeholder 2">
+            <a:extLst>
+              <a:ext uri="{FF2B5EF4-FFF2-40B4-BE49-F238E27FC236}">
+                <a16:creationId xmlns:a16="http://schemas.microsoft.com/office/drawing/2014/main" id="{63FA7BF1-44B1-744C-AB68-4BB0A6A5977E}"/>
+              </a:ext>
+            </a:extLst>
+          </p:cNvPr>
+          <p:cNvSpPr>
+            <a:spLocks noGrp="1"/>
+          </p:cNvSpPr>
+          <p:nvPr>
+            <p:ph idx="1" sz="half"/>
+          </p:nvPr>
+        </p:nvSpPr>
+        <p:spPr/>
+        <p:txBody>
+          <a:bodyPr/>
+          <a:lstStyle/>
+          <a:p>
+            <a:pPr lvl="0" indent="0" marL="0">
+              <a:spcBef>
+                <a:spcPts val="3000"/>
+              </a:spcBef>
+              <a:buNone/>
+            </a:pPr>
+            <a:r>
+              <a:rPr b="1"/>
+              <a:t>List One</a:t>
+            </a:r>
+          </a:p>
+          <a:p>
+            <a:pPr lvl="0"/>
+            <a:r>
+              <a:rPr/>
+              <a:t>Item A</a:t>
+            </a:r>
+          </a:p>
+          <a:p>
+            <a:pPr lvl="0"/>
+            <a:r>
+              <a:rPr/>
+              <a:t>Item B</a:t>
+            </a:r>
+          </a:p>
+          <a:p>
+            <a:pPr lvl="0"/>
+            <a:r>
+              <a:rPr/>
+              <a:t>Item C</a:t>
+            </a:r>
+          </a:p>
+        </p:txBody>
+      </p:sp>
+      <p:sp>
+        <p:nvSpPr>
+          <p:cNvPr id="4" name="Content Placeholder 3">
+            <a:extLst>
+              <a:ext uri="{FF2B5EF4-FFF2-40B4-BE49-F238E27FC236}">
+                <a16:creationId xmlns:a16="http://schemas.microsoft.com/office/drawing/2014/main" id="{3B974A49-6A1E-2F48-B419-02B0A17B9692}"/>
+              </a:ext>
+            </a:extLst>
+          </p:cNvPr>
+          <p:cNvSpPr>
+            <a:spLocks noGrp="1"/>
+          </p:cNvSpPr>
+          <p:nvPr>
+            <p:ph idx="2" sz="half"/>
+          </p:nvPr>
+        </p:nvSpPr>
+        <p:spPr/>
+        <p:txBody>
+          <a:bodyPr/>
+          <a:lstStyle/>
+          <a:p>
+            <a:pPr lvl="0" indent="0" marL="0">
+              <a:spcBef>
+                <a:spcPts val="3000"/>
+              </a:spcBef>
+              <a:buNone/>
+            </a:pPr>
+            <a:r>
+              <a:rPr b="1"/>
+              <a:t>List Two</a:t>
+            </a:r>
+          </a:p>
+          <a:p>
+            <a:pPr lvl="0"/>
+            <a:r>
+              <a:rPr/>
+              <a:t>Item X</a:t>
+            </a:r>
+          </a:p>
+          <a:p>
+            <a:pPr lvl="0"/>
+            <a:r>
+              <a:rPr/>
+              <a:t>Item Y</a:t>
+            </a:r>
+          </a:p>
+          <a:p>
+            <a:pPr lvl="0"/>
+            <a:r>
+              <a:rPr/>
+              <a:t>Item Z</a:t>
             </a:r>
           </a:p>
         </p:txBody>
@@ -8302,38 +8343,7 @@
             </a:pPr>
             <a:r>
               <a:rPr/>
-              <a:t>References</a:t>
-            </a:r>
-          </a:p>
-        </p:txBody>
-      </p:sp>
-      <p:sp>
-        <p:nvSpPr>
-          <p:cNvPr id="3" name="Content Placeholder 2">
-            <a:extLst>
-              <a:ext uri="{FF2B5EF4-FFF2-40B4-BE49-F238E27FC236}">
-                <a16:creationId xmlns:a16="http://schemas.microsoft.com/office/drawing/2014/main" id="{A4EB24F9-04F1-C843-9D71-56C5C024552B}"/>
-              </a:ext>
-            </a:extLst>
-          </p:cNvPr>
-          <p:cNvSpPr>
-            <a:spLocks noGrp="1"/>
-          </p:cNvSpPr>
-          <p:nvPr>
-            <p:ph idx="1"/>
-          </p:nvPr>
-        </p:nvSpPr>
-        <p:spPr/>
-        <p:txBody>
-          <a:bodyPr/>
-          <a:lstStyle/>
-          <a:p>
-            <a:pPr lvl="0" indent="0" marL="0">
-              <a:buNone/>
-            </a:pPr>
-            <a:r>
-              <a:rPr/>
-              <a:t>(Andorsky, 2020; Datu et al., 2021; King, 2021; Rice et al., 2021)</a:t>
+              <a:t>Level 2 centred text with break  with striking takeaway background</a:t>
             </a:r>
           </a:p>
         </p:txBody>
@@ -8394,7 +8404,7 @@
             </a:pPr>
             <a:r>
               <a:rPr/>
-              <a:t>Speaker notes</a:t>
+              <a:t>References</a:t>
             </a:r>
           </a:p>
         </p:txBody>
@@ -8425,7 +8435,7 @@
             </a:pPr>
             <a:r>
               <a:rPr/>
-              <a:t>Include speaker notes in another fenced code block.</a:t>
+              <a:t>(Andorsky, 2020; Datu et al., 2021; King, 2021; Rice et al., 2021)</a:t>
             </a:r>
           </a:p>
         </p:txBody>
@@ -8457,7 +8467,7 @@
           <p:cNvPr id="2" name="Title 1">
             <a:extLst>
               <a:ext uri="{FF2B5EF4-FFF2-40B4-BE49-F238E27FC236}">
-                <a16:creationId xmlns:a16="http://schemas.microsoft.com/office/drawing/2014/main" id="{FF6A6CB2-D1B6-B94A-84C1-83C65423C650}"/>
+                <a16:creationId xmlns:a16="http://schemas.microsoft.com/office/drawing/2014/main" id="{DD9B8E45-0772-954C-8D4B-6E6808DFEDED}"/>
               </a:ext>
             </a:extLst>
           </p:cNvPr>
@@ -8470,8 +8480,8 @@
         </p:nvSpPr>
         <p:spPr>
           <a:xfrm>
-            <a:off x="831851" y="1709742"/>
-            <a:ext cx="10515600" cy="2852737"/>
+            <a:off x="838200" y="365129"/>
+            <a:ext cx="10515600" cy="1325563"/>
           </a:xfrm>
           <a:prstGeom prst="rect">
             <a:avLst/>
@@ -8486,7 +8496,38 @@
             </a:pPr>
             <a:r>
               <a:rPr/>
-              <a:t>Fragments with entrance</a:t>
+              <a:t>Speaker notes</a:t>
+            </a:r>
+          </a:p>
+        </p:txBody>
+      </p:sp>
+      <p:sp>
+        <p:nvSpPr>
+          <p:cNvPr id="3" name="Content Placeholder 2">
+            <a:extLst>
+              <a:ext uri="{FF2B5EF4-FFF2-40B4-BE49-F238E27FC236}">
+                <a16:creationId xmlns:a16="http://schemas.microsoft.com/office/drawing/2014/main" id="{A4EB24F9-04F1-C843-9D71-56C5C024552B}"/>
+              </a:ext>
+            </a:extLst>
+          </p:cNvPr>
+          <p:cNvSpPr>
+            <a:spLocks noGrp="1"/>
+          </p:cNvSpPr>
+          <p:nvPr>
+            <p:ph idx="1"/>
+          </p:nvPr>
+        </p:nvSpPr>
+        <p:spPr/>
+        <p:txBody>
+          <a:bodyPr/>
+          <a:lstStyle/>
+          <a:p>
+            <a:pPr lvl="0" indent="0" marL="0">
+              <a:buNone/>
+            </a:pPr>
+            <a:r>
+              <a:rPr/>
+              <a:t>Include speaker notes in another fenced code block.</a:t>
             </a:r>
           </a:p>
         </p:txBody>
@@ -8515,21 +8556,29 @@
       </p:grpSpPr>
       <p:sp>
         <p:nvSpPr>
-          <p:cNvPr id="3" name="Content Placeholder 2">
-            <a:extLst>
-              <a:ext uri="{FF2B5EF4-FFF2-40B4-BE49-F238E27FC236}">
-                <a16:creationId xmlns:a16="http://schemas.microsoft.com/office/drawing/2014/main" id="{A4EB24F9-04F1-C843-9D71-56C5C024552B}"/>
-              </a:ext>
-            </a:extLst>
-          </p:cNvPr>
-          <p:cNvSpPr>
-            <a:spLocks noGrp="1"/>
-          </p:cNvSpPr>
-          <p:nvPr>
-            <p:ph idx="1"/>
-          </p:nvPr>
-        </p:nvSpPr>
-        <p:spPr/>
+          <p:cNvPr id="2" name="Title 1">
+            <a:extLst>
+              <a:ext uri="{FF2B5EF4-FFF2-40B4-BE49-F238E27FC236}">
+                <a16:creationId xmlns:a16="http://schemas.microsoft.com/office/drawing/2014/main" id="{FF6A6CB2-D1B6-B94A-84C1-83C65423C650}"/>
+              </a:ext>
+            </a:extLst>
+          </p:cNvPr>
+          <p:cNvSpPr>
+            <a:spLocks noGrp="1"/>
+          </p:cNvSpPr>
+          <p:nvPr>
+            <p:ph type="title"/>
+          </p:nvPr>
+        </p:nvSpPr>
+        <p:spPr>
+          <a:xfrm>
+            <a:off x="831851" y="1709742"/>
+            <a:ext cx="10515600" cy="2852737"/>
+          </a:xfrm>
+          <a:prstGeom prst="rect">
+            <a:avLst/>
+          </a:prstGeom>
+        </p:spPr>
         <p:txBody>
           <a:bodyPr/>
           <a:lstStyle/>
@@ -8539,52 +8588,7 @@
             </a:pPr>
             <a:r>
               <a:rPr/>
-              <a:t>Fade in</a:t>
-            </a:r>
-          </a:p>
-          <a:p>
-            <a:pPr lvl="0" indent="0" marL="0">
-              <a:buNone/>
-            </a:pPr>
-            <a:r>
-              <a:rPr/>
-              <a:t>Highlight red</a:t>
-            </a:r>
-          </a:p>
-          <a:p>
-            <a:pPr lvl="0" indent="0" marL="0">
-              <a:buNone/>
-            </a:pPr>
-            <a:r>
-              <a:rPr/>
-              <a:t>Highlight current red (available in green and blue)</a:t>
-            </a:r>
-          </a:p>
-          <a:p>
-            <a:pPr lvl="0" indent="0" marL="0">
-              <a:buNone/>
-            </a:pPr>
-            <a:r>
-              <a:rPr/>
-              <a:t>Fade in, then out</a:t>
-            </a:r>
-          </a:p>
-          <a:p>
-            <a:pPr lvl="0" indent="0" marL="0">
-              <a:buNone/>
-            </a:pPr>
-            <a:r>
-              <a:rPr/>
-              <a:t>Fade in, then semi out</a:t>
-            </a:r>
-          </a:p>
-          <a:p>
-            <a:pPr lvl="0" indent="0" marL="0">
-              <a:buNone/>
-            </a:pPr>
-            <a:r>
-              <a:rPr/>
-              <a:t>Slide up while fading in</a:t>
+              <a:t>Fragments with entrance</a:t>
             </a:r>
           </a:p>
         </p:txBody>
@@ -8613,29 +8617,21 @@
       </p:grpSpPr>
       <p:sp>
         <p:nvSpPr>
-          <p:cNvPr id="2" name="Title 1">
-            <a:extLst>
-              <a:ext uri="{FF2B5EF4-FFF2-40B4-BE49-F238E27FC236}">
-                <a16:creationId xmlns:a16="http://schemas.microsoft.com/office/drawing/2014/main" id="{FF6A6CB2-D1B6-B94A-84C1-83C65423C650}"/>
-              </a:ext>
-            </a:extLst>
-          </p:cNvPr>
-          <p:cNvSpPr>
-            <a:spLocks noGrp="1"/>
-          </p:cNvSpPr>
-          <p:nvPr>
-            <p:ph type="title"/>
-          </p:nvPr>
-        </p:nvSpPr>
-        <p:spPr>
-          <a:xfrm>
-            <a:off x="831851" y="1709742"/>
-            <a:ext cx="10515600" cy="2852737"/>
-          </a:xfrm>
-          <a:prstGeom prst="rect">
-            <a:avLst/>
-          </a:prstGeom>
-        </p:spPr>
+          <p:cNvPr id="3" name="Content Placeholder 2">
+            <a:extLst>
+              <a:ext uri="{FF2B5EF4-FFF2-40B4-BE49-F238E27FC236}">
+                <a16:creationId xmlns:a16="http://schemas.microsoft.com/office/drawing/2014/main" id="{A4EB24F9-04F1-C843-9D71-56C5C024552B}"/>
+              </a:ext>
+            </a:extLst>
+          </p:cNvPr>
+          <p:cNvSpPr>
+            <a:spLocks noGrp="1"/>
+          </p:cNvSpPr>
+          <p:nvPr>
+            <p:ph idx="1"/>
+          </p:nvPr>
+        </p:nvSpPr>
+        <p:spPr/>
         <p:txBody>
           <a:bodyPr/>
           <a:lstStyle/>
@@ -8645,7 +8641,52 @@
             </a:pPr>
             <a:r>
               <a:rPr/>
-              <a:t>References</a:t>
+              <a:t>Fade in</a:t>
+            </a:r>
+          </a:p>
+          <a:p>
+            <a:pPr lvl="0" indent="0" marL="0">
+              <a:buNone/>
+            </a:pPr>
+            <a:r>
+              <a:rPr/>
+              <a:t>Highlight red</a:t>
+            </a:r>
+          </a:p>
+          <a:p>
+            <a:pPr lvl="0" indent="0" marL="0">
+              <a:buNone/>
+            </a:pPr>
+            <a:r>
+              <a:rPr/>
+              <a:t>Highlight current red (available in green and blue)</a:t>
+            </a:r>
+          </a:p>
+          <a:p>
+            <a:pPr lvl="0" indent="0" marL="0">
+              <a:buNone/>
+            </a:pPr>
+            <a:r>
+              <a:rPr/>
+              <a:t>Fade in, then out</a:t>
+            </a:r>
+          </a:p>
+          <a:p>
+            <a:pPr lvl="0" indent="0" marL="0">
+              <a:buNone/>
+            </a:pPr>
+            <a:r>
+              <a:rPr/>
+              <a:t>Fade in, then semi out</a:t>
+            </a:r>
+          </a:p>
+          <a:p>
+            <a:pPr lvl="0" indent="0" marL="0">
+              <a:buNone/>
+            </a:pPr>
+            <a:r>
+              <a:rPr/>
+              <a:t>Slide up while fading in</a:t>
             </a:r>
           </a:p>
         </p:txBody>
@@ -8674,21 +8715,29 @@
       </p:grpSpPr>
       <p:sp>
         <p:nvSpPr>
-          <p:cNvPr id="3" name="Content Placeholder 2">
-            <a:extLst>
-              <a:ext uri="{FF2B5EF4-FFF2-40B4-BE49-F238E27FC236}">
-                <a16:creationId xmlns:a16="http://schemas.microsoft.com/office/drawing/2014/main" id="{A4EB24F9-04F1-C843-9D71-56C5C024552B}"/>
-              </a:ext>
-            </a:extLst>
-          </p:cNvPr>
-          <p:cNvSpPr>
-            <a:spLocks noGrp="1"/>
-          </p:cNvSpPr>
-          <p:nvPr>
-            <p:ph idx="1"/>
-          </p:nvPr>
-        </p:nvSpPr>
-        <p:spPr/>
+          <p:cNvPr id="2" name="Title 1">
+            <a:extLst>
+              <a:ext uri="{FF2B5EF4-FFF2-40B4-BE49-F238E27FC236}">
+                <a16:creationId xmlns:a16="http://schemas.microsoft.com/office/drawing/2014/main" id="{FF6A6CB2-D1B6-B94A-84C1-83C65423C650}"/>
+              </a:ext>
+            </a:extLst>
+          </p:cNvPr>
+          <p:cNvSpPr>
+            <a:spLocks noGrp="1"/>
+          </p:cNvSpPr>
+          <p:nvPr>
+            <p:ph type="title"/>
+          </p:nvPr>
+        </p:nvSpPr>
+        <p:spPr>
+          <a:xfrm>
+            <a:off x="831851" y="1709742"/>
+            <a:ext cx="10515600" cy="2852737"/>
+          </a:xfrm>
+          <a:prstGeom prst="rect">
+            <a:avLst/>
+          </a:prstGeom>
+        </p:spPr>
         <p:txBody>
           <a:bodyPr/>
           <a:lstStyle/>
@@ -8698,94 +8747,7 @@
             </a:pPr>
             <a:r>
               <a:rPr/>
-              <a:t>Andorsky, N. (2020). </a:t>
-            </a:r>
-            <a:r>
-              <a:rPr i="1"/>
-              <a:t>Decoding the why: How behavioral science is driving the next generation of product design</a:t>
-            </a:r>
-            <a:r>
-              <a:rPr/>
-              <a:t>.</a:t>
-            </a:r>
-          </a:p>
-          <a:p>
-            <a:pPr lvl="0" indent="0" marL="0">
-              <a:buNone/>
-            </a:pPr>
-            <a:r>
-              <a:rPr/>
-              <a:t>Datu, J. A. D., McInerney, D. M., Żemojtel-Piotrowska, M., Hitokoto, H., &amp; Datu, N. D. (2021). Is grittiness next to happiness? Examining the association of triarchic model of grit dimensions with well-being outcomes. </a:t>
-            </a:r>
-            <a:r>
-              <a:rPr i="1"/>
-              <a:t>Journal of Happiness Studies</a:t>
-            </a:r>
-            <a:r>
-              <a:rPr/>
-              <a:t>, </a:t>
-            </a:r>
-            <a:r>
-              <a:rPr i="1"/>
-              <a:t>22</a:t>
-            </a:r>
-            <a:r>
-              <a:rPr/>
-              <a:t>(2), 981–1009. </a:t>
-            </a:r>
-            <a:r>
-              <a:rPr>
-                <a:hlinkClick r:id="rId2"/>
-              </a:rPr>
-              <a:t>https://doi.org/10.1007/s10902-020-00260-6</a:t>
-            </a:r>
-          </a:p>
-          <a:p>
-            <a:pPr lvl="0" indent="0" marL="0">
-              <a:buNone/>
-            </a:pPr>
-            <a:r>
-              <a:rPr/>
-              <a:t>King, M. (2021). </a:t>
-            </a:r>
-            <a:r>
-              <a:rPr i="1"/>
-              <a:t>Social chemistry: Decoding the patterns of human connection</a:t>
-            </a:r>
-            <a:r>
-              <a:rPr/>
-              <a:t>. Dutton.</a:t>
-            </a:r>
-          </a:p>
-          <a:p>
-            <a:pPr lvl="0" indent="0" marL="0">
-              <a:buNone/>
-            </a:pPr>
-            <a:r>
-              <a:rPr/>
-              <a:t>Rice, L., Alquist, J. L., Penuliar, M., Donato, F. V., &amp; Price, M. M. (2021). Engaging students in a research methods writing lab online. </a:t>
-            </a:r>
-            <a:r>
-              <a:rPr i="1"/>
-              <a:t>Teaching of Psychology</a:t>
-            </a:r>
-            <a:r>
-              <a:rPr/>
-              <a:t>, </a:t>
-            </a:r>
-            <a:r>
-              <a:rPr i="1"/>
-              <a:t>48</a:t>
-            </a:r>
-            <a:r>
-              <a:rPr/>
-              <a:t>(1), 18–25. </a:t>
-            </a:r>
-            <a:r>
-              <a:rPr>
-                <a:hlinkClick r:id="rId3"/>
-              </a:rPr>
-              <a:t>https://doi.org/10.1177/0098628320959954</a:t>
+              <a:t>References</a:t>
             </a:r>
           </a:p>
         </p:txBody>
@@ -8971,6 +8933,146 @@
       </p:grpSpPr>
       <p:sp>
         <p:nvSpPr>
+          <p:cNvPr id="3" name="Content Placeholder 2">
+            <a:extLst>
+              <a:ext uri="{FF2B5EF4-FFF2-40B4-BE49-F238E27FC236}">
+                <a16:creationId xmlns:a16="http://schemas.microsoft.com/office/drawing/2014/main" id="{A4EB24F9-04F1-C843-9D71-56C5C024552B}"/>
+              </a:ext>
+            </a:extLst>
+          </p:cNvPr>
+          <p:cNvSpPr>
+            <a:spLocks noGrp="1"/>
+          </p:cNvSpPr>
+          <p:nvPr>
+            <p:ph idx="1"/>
+          </p:nvPr>
+        </p:nvSpPr>
+        <p:spPr/>
+        <p:txBody>
+          <a:bodyPr/>
+          <a:lstStyle/>
+          <a:p>
+            <a:pPr lvl="0" indent="0" marL="0">
+              <a:buNone/>
+            </a:pPr>
+            <a:r>
+              <a:rPr/>
+              <a:t>Andorsky, N. (2020). </a:t>
+            </a:r>
+            <a:r>
+              <a:rPr i="1"/>
+              <a:t>Decoding the why: How behavioral science is driving the next generation of product design</a:t>
+            </a:r>
+            <a:r>
+              <a:rPr/>
+              <a:t>.</a:t>
+            </a:r>
+          </a:p>
+          <a:p>
+            <a:pPr lvl="0" indent="0" marL="0">
+              <a:buNone/>
+            </a:pPr>
+            <a:r>
+              <a:rPr/>
+              <a:t>Datu, J. A. D., McInerney, D. M., Żemojtel-Piotrowska, M., Hitokoto, H., &amp; Datu, N. D. (2021). Is grittiness next to happiness? Examining the association of triarchic model of grit dimensions with well-being outcomes. </a:t>
+            </a:r>
+            <a:r>
+              <a:rPr i="1"/>
+              <a:t>Journal of Happiness Studies</a:t>
+            </a:r>
+            <a:r>
+              <a:rPr/>
+              <a:t>, </a:t>
+            </a:r>
+            <a:r>
+              <a:rPr i="1"/>
+              <a:t>22</a:t>
+            </a:r>
+            <a:r>
+              <a:rPr/>
+              <a:t>(2), 981–1009. </a:t>
+            </a:r>
+            <a:r>
+              <a:rPr>
+                <a:hlinkClick r:id="rId2"/>
+              </a:rPr>
+              <a:t>https://doi.org/10.1007/s10902-020-00260-6</a:t>
+            </a:r>
+          </a:p>
+          <a:p>
+            <a:pPr lvl="0" indent="0" marL="0">
+              <a:buNone/>
+            </a:pPr>
+            <a:r>
+              <a:rPr/>
+              <a:t>King, M. (2021). </a:t>
+            </a:r>
+            <a:r>
+              <a:rPr i="1"/>
+              <a:t>Social chemistry: Decoding the patterns of human connection</a:t>
+            </a:r>
+            <a:r>
+              <a:rPr/>
+              <a:t>. Dutton.</a:t>
+            </a:r>
+          </a:p>
+          <a:p>
+            <a:pPr lvl="0" indent="0" marL="0">
+              <a:buNone/>
+            </a:pPr>
+            <a:r>
+              <a:rPr/>
+              <a:t>Rice, L., Alquist, J. L., Penuliar, M., Donato, F. V., &amp; Price, M. M. (2021). Engaging students in a research methods writing lab online. </a:t>
+            </a:r>
+            <a:r>
+              <a:rPr i="1"/>
+              <a:t>Teaching of Psychology</a:t>
+            </a:r>
+            <a:r>
+              <a:rPr/>
+              <a:t>, </a:t>
+            </a:r>
+            <a:r>
+              <a:rPr i="1"/>
+              <a:t>48</a:t>
+            </a:r>
+            <a:r>
+              <a:rPr/>
+              <a:t>(1), 18–25. </a:t>
+            </a:r>
+            <a:r>
+              <a:rPr>
+                <a:hlinkClick r:id="rId3"/>
+              </a:rPr>
+              <a:t>https://doi.org/10.1177/0098628320959954</a:t>
+            </a:r>
+          </a:p>
+        </p:txBody>
+      </p:sp>
+    </p:spTree>
+  </p:cSld>
+</p:sld>
+</file>
+
+<file path=ppt/slides/slide41.xml><?xml version="1.0" encoding="utf-8"?>
+<p:sld xmlns:a="http://schemas.openxmlformats.org/drawingml/2006/main" xmlns:r="http://schemas.openxmlformats.org/officeDocument/2006/relationships" xmlns:p="http://schemas.openxmlformats.org/presentationml/2006/main">
+  <p:cSld>
+    <p:spTree>
+      <p:nvGrpSpPr>
+        <p:cNvPr id="1" name=""/>
+        <p:cNvGrpSpPr/>
+        <p:nvPr/>
+      </p:nvGrpSpPr>
+      <p:grpSpPr>
+        <a:xfrm>
+          <a:off x="0" y="0"/>
+          <a:ext cx="0" cy="0"/>
+          <a:chOff x="0" y="0"/>
+          <a:chExt cx="0" cy="0"/>
+        </a:xfrm>
+      </p:grpSpPr>
+      <p:sp>
+        <p:nvSpPr>
           <p:cNvPr id="2" name="Title 1">
             <a:extLst>
               <a:ext uri="{FF2B5EF4-FFF2-40B4-BE49-F238E27FC236}">
@@ -9633,15 +9735,6 @@
             <a:r>
               <a:rPr/>
               <a:t>CHIP Learning Log 2x700 words (15%)</a:t>
-            </a:r>
-          </a:p>
-          <a:p>
-            <a:pPr lvl="0" indent="0" marL="0">
-              <a:buNone/>
-            </a:pPr>
-            <a:r>
-              <a:rPr/>
-              <a:t>All coursework is INDIVIDUAL and subject to normal plagiarism and collusion rules</a:t>
             </a:r>
           </a:p>
         </p:txBody>

--- a/_site/lectures/Lecture00/Lecture00.pptx
+++ b/_site/lectures/Lecture00/Lecture00.pptx
@@ -4,9 +4,6 @@
   <p:sldMasterIdLst>
     <p:sldMasterId id="2147483686" r:id="rId1"/>
   </p:sldMasterIdLst>
-  <p:notesMasterIdLst>
-    <p:notesMasterId r:id="rId43"/>
-  </p:notesMasterIdLst>
   <p:sldIdLst>
     <p:sldId id="256" r:id="rId2"/>
     <p:sldId id="257" r:id="rId3"/>
@@ -25,30 +22,6 @@
     <p:sldId id="270" r:id="rId16"/>
     <p:sldId id="271" r:id="rId17"/>
     <p:sldId id="272" r:id="rId18"/>
-    <p:sldId id="273" r:id="rId19"/>
-    <p:sldId id="274" r:id="rId20"/>
-    <p:sldId id="275" r:id="rId21"/>
-    <p:sldId id="276" r:id="rId22"/>
-    <p:sldId id="277" r:id="rId23"/>
-    <p:sldId id="278" r:id="rId24"/>
-    <p:sldId id="279" r:id="rId25"/>
-    <p:sldId id="280" r:id="rId26"/>
-    <p:sldId id="281" r:id="rId27"/>
-    <p:sldId id="282" r:id="rId28"/>
-    <p:sldId id="283" r:id="rId29"/>
-    <p:sldId id="284" r:id="rId30"/>
-    <p:sldId id="285" r:id="rId31"/>
-    <p:sldId id="286" r:id="rId32"/>
-    <p:sldId id="287" r:id="rId33"/>
-    <p:sldId id="288" r:id="rId34"/>
-    <p:sldId id="289" r:id="rId35"/>
-    <p:sldId id="290" r:id="rId36"/>
-    <p:sldId id="291" r:id="rId37"/>
-    <p:sldId id="292" r:id="rId38"/>
-    <p:sldId id="293" r:id="rId39"/>
-    <p:sldId id="294" r:id="rId40"/>
-    <p:sldId id="295" r:id="rId41"/>
-    <p:sldId id="296" r:id="rId42"/>
   </p:sldIdLst>
   <p:sldSz cx="12192000" cy="6858000"/>
   <p:notesSz cx="6858000" cy="9144000"/>
@@ -164,601 +137,6 @@
     </p:ext>
   </p:extLst>
 </p:presentation>
-</file>
-
-<file path=ppt/notesMasters/notesMaster1.xml><?xml version="1.0" encoding="utf-8"?>
-<p:notesMaster xmlns:a="http://schemas.openxmlformats.org/drawingml/2006/main" xmlns:r="http://schemas.openxmlformats.org/officeDocument/2006/relationships" xmlns:p="http://schemas.openxmlformats.org/presentationml/2006/main">
-  <p:cSld>
-    <p:bg>
-      <p:bgRef idx="1001">
-        <a:schemeClr val="bg1"/>
-      </p:bgRef>
-    </p:bg>
-    <p:spTree>
-      <p:nvGrpSpPr>
-        <p:cNvPr id="1" name=""/>
-        <p:cNvGrpSpPr/>
-        <p:nvPr/>
-      </p:nvGrpSpPr>
-      <p:grpSpPr>
-        <a:xfrm>
-          <a:off x="0" y="0"/>
-          <a:ext cx="0" cy="0"/>
-          <a:chOff x="0" y="0"/>
-          <a:chExt cx="0" cy="0"/>
-        </a:xfrm>
-      </p:grpSpPr>
-      <p:sp>
-        <p:nvSpPr>
-          <p:cNvPr id="2" name="Header Placeholder 1"/>
-          <p:cNvSpPr>
-            <a:spLocks noGrp="1"/>
-          </p:cNvSpPr>
-          <p:nvPr>
-            <p:ph type="hdr" sz="quarter"/>
-          </p:nvPr>
-        </p:nvSpPr>
-        <p:spPr>
-          <a:xfrm>
-            <a:off x="0" y="0"/>
-            <a:ext cx="2971800" cy="458788"/>
-          </a:xfrm>
-          <a:prstGeom prst="rect">
-            <a:avLst/>
-          </a:prstGeom>
-        </p:spPr>
-        <p:txBody>
-          <a:bodyPr vert="horz" lIns="91440" tIns="45720" rIns="91440" bIns="45720" rtlCol="0"/>
-          <a:lstStyle>
-            <a:lvl1pPr algn="l">
-              <a:defRPr sz="1200"/>
-            </a:lvl1pPr>
-          </a:lstStyle>
-          <a:p>
-            <a:endParaRPr lang="en-US"/>
-          </a:p>
-        </p:txBody>
-      </p:sp>
-      <p:sp>
-        <p:nvSpPr>
-          <p:cNvPr id="3" name="Date Placeholder 2"/>
-          <p:cNvSpPr>
-            <a:spLocks noGrp="1"/>
-          </p:cNvSpPr>
-          <p:nvPr>
-            <p:ph type="dt" idx="1"/>
-          </p:nvPr>
-        </p:nvSpPr>
-        <p:spPr>
-          <a:xfrm>
-            <a:off x="3884613" y="0"/>
-            <a:ext cx="2971800" cy="458788"/>
-          </a:xfrm>
-          <a:prstGeom prst="rect">
-            <a:avLst/>
-          </a:prstGeom>
-        </p:spPr>
-        <p:txBody>
-          <a:bodyPr vert="horz" lIns="91440" tIns="45720" rIns="91440" bIns="45720" rtlCol="0"/>
-          <a:lstStyle>
-            <a:lvl1pPr algn="r">
-              <a:defRPr sz="1200"/>
-            </a:lvl1pPr>
-          </a:lstStyle>
-          <a:p>
-            <a:fld id="{0F9C1CCF-B725-44A7-AA57-5E433BD85C9F}" type="datetimeFigureOut">
-              <a:rPr lang="en-US" smtClean="0"/>
-              <a:t>9/13/22</a:t>
-            </a:fld>
-            <a:endParaRPr lang="en-US"/>
-          </a:p>
-        </p:txBody>
-      </p:sp>
-      <p:sp>
-        <p:nvSpPr>
-          <p:cNvPr id="4" name="Slide Image Placeholder 3"/>
-          <p:cNvSpPr>
-            <a:spLocks noGrp="1" noRot="1" noChangeAspect="1"/>
-          </p:cNvSpPr>
-          <p:nvPr>
-            <p:ph type="sldImg" idx="2"/>
-          </p:nvPr>
-        </p:nvSpPr>
-        <p:spPr>
-          <a:xfrm>
-            <a:off x="685800" y="1143000"/>
-            <a:ext cx="5486400" cy="3086100"/>
-          </a:xfrm>
-          <a:prstGeom prst="rect">
-            <a:avLst/>
-          </a:prstGeom>
-          <a:noFill/>
-          <a:ln w="12700">
-            <a:solidFill>
-              <a:prstClr val="black"/>
-            </a:solidFill>
-          </a:ln>
-        </p:spPr>
-        <p:txBody>
-          <a:bodyPr vert="horz" lIns="91440" tIns="45720" rIns="91440" bIns="45720" rtlCol="0" anchor="ctr"/>
-          <a:lstStyle/>
-          <a:p>
-            <a:endParaRPr lang="en-US"/>
-          </a:p>
-        </p:txBody>
-      </p:sp>
-      <p:sp>
-        <p:nvSpPr>
-          <p:cNvPr id="5" name="Notes Placeholder 4"/>
-          <p:cNvSpPr>
-            <a:spLocks noGrp="1"/>
-          </p:cNvSpPr>
-          <p:nvPr>
-            <p:ph type="body" sz="quarter" idx="3"/>
-          </p:nvPr>
-        </p:nvSpPr>
-        <p:spPr>
-          <a:xfrm>
-            <a:off x="685800" y="4400550"/>
-            <a:ext cx="5486400" cy="3600450"/>
-          </a:xfrm>
-          <a:prstGeom prst="rect">
-            <a:avLst/>
-          </a:prstGeom>
-        </p:spPr>
-        <p:txBody>
-          <a:bodyPr vert="horz" lIns="91440" tIns="45720" rIns="91440" bIns="45720" rtlCol="0"/>
-          <a:lstStyle/>
-          <a:p>
-            <a:pPr lvl="0"/>
-            <a:r>
-              <a:rPr lang="en-US"/>
-              <a:t>Click to edit Master text styles</a:t>
-            </a:r>
-          </a:p>
-          <a:p>
-            <a:pPr lvl="1"/>
-            <a:r>
-              <a:rPr lang="en-US"/>
-              <a:t>Second level</a:t>
-            </a:r>
-          </a:p>
-          <a:p>
-            <a:pPr lvl="2"/>
-            <a:r>
-              <a:rPr lang="en-US"/>
-              <a:t>Third level</a:t>
-            </a:r>
-          </a:p>
-          <a:p>
-            <a:pPr lvl="3"/>
-            <a:r>
-              <a:rPr lang="en-US"/>
-              <a:t>Fourth level</a:t>
-            </a:r>
-          </a:p>
-          <a:p>
-            <a:pPr lvl="4"/>
-            <a:r>
-              <a:rPr lang="en-US"/>
-              <a:t>Fifth level</a:t>
-            </a:r>
-          </a:p>
-        </p:txBody>
-      </p:sp>
-      <p:sp>
-        <p:nvSpPr>
-          <p:cNvPr id="6" name="Footer Placeholder 5"/>
-          <p:cNvSpPr>
-            <a:spLocks noGrp="1"/>
-          </p:cNvSpPr>
-          <p:nvPr>
-            <p:ph type="ftr" sz="quarter" idx="4"/>
-          </p:nvPr>
-        </p:nvSpPr>
-        <p:spPr>
-          <a:xfrm>
-            <a:off x="0" y="8685213"/>
-            <a:ext cx="2971800" cy="458787"/>
-          </a:xfrm>
-          <a:prstGeom prst="rect">
-            <a:avLst/>
-          </a:prstGeom>
-        </p:spPr>
-        <p:txBody>
-          <a:bodyPr vert="horz" lIns="91440" tIns="45720" rIns="91440" bIns="45720" rtlCol="0" anchor="b"/>
-          <a:lstStyle>
-            <a:lvl1pPr algn="l">
-              <a:defRPr sz="1200"/>
-            </a:lvl1pPr>
-          </a:lstStyle>
-          <a:p>
-            <a:endParaRPr lang="en-US"/>
-          </a:p>
-        </p:txBody>
-      </p:sp>
-      <p:sp>
-        <p:nvSpPr>
-          <p:cNvPr id="7" name="Slide Number Placeholder 6"/>
-          <p:cNvSpPr>
-            <a:spLocks noGrp="1"/>
-          </p:cNvSpPr>
-          <p:nvPr>
-            <p:ph type="sldNum" sz="quarter" idx="5"/>
-          </p:nvPr>
-        </p:nvSpPr>
-        <p:spPr>
-          <a:xfrm>
-            <a:off x="3884613" y="8685213"/>
-            <a:ext cx="2971800" cy="458787"/>
-          </a:xfrm>
-          <a:prstGeom prst="rect">
-            <a:avLst/>
-          </a:prstGeom>
-        </p:spPr>
-        <p:txBody>
-          <a:bodyPr vert="horz" lIns="91440" tIns="45720" rIns="91440" bIns="45720" rtlCol="0" anchor="b"/>
-          <a:lstStyle>
-            <a:lvl1pPr algn="r">
-              <a:defRPr sz="1200"/>
-            </a:lvl1pPr>
-          </a:lstStyle>
-          <a:p>
-            <a:fld id="{18BDFEC3-8487-43E8-A154-7C12CBC1FFF2}" type="slidenum">
-              <a:rPr lang="en-US" smtClean="0"/>
-              <a:t>‹#›</a:t>
-            </a:fld>
-            <a:endParaRPr lang="en-US"/>
-          </a:p>
-        </p:txBody>
-      </p:sp>
-    </p:spTree>
-    <p:extLst>
-      <p:ext uri="{BB962C8B-B14F-4D97-AF65-F5344CB8AC3E}">
-        <p14:creationId xmlns:p14="http://schemas.microsoft.com/office/powerpoint/2010/main" val="3782709779"/>
-      </p:ext>
-    </p:extLst>
-  </p:cSld>
-  <p:clrMap bg1="lt1" tx1="dk1" bg2="lt2" tx2="dk2" accent1="accent1" accent2="accent2" accent3="accent3" accent4="accent4" accent5="accent5" accent6="accent6" hlink="hlink" folHlink="folHlink"/>
-  <p:notesStyle>
-    <a:lvl1pPr marL="0" algn="l" defTabSz="914400" rtl="0" eaLnBrk="1" latinLnBrk="0" hangingPunct="1">
-      <a:defRPr sz="1200" kern="1200">
-        <a:solidFill>
-          <a:schemeClr val="tx1"/>
-        </a:solidFill>
-        <a:latin typeface="+mn-lt"/>
-        <a:ea typeface="+mn-ea"/>
-        <a:cs typeface="+mn-cs"/>
-      </a:defRPr>
-    </a:lvl1pPr>
-    <a:lvl2pPr marL="457200" algn="l" defTabSz="914400" rtl="0" eaLnBrk="1" latinLnBrk="0" hangingPunct="1">
-      <a:defRPr sz="1200" kern="1200">
-        <a:solidFill>
-          <a:schemeClr val="tx1"/>
-        </a:solidFill>
-        <a:latin typeface="+mn-lt"/>
-        <a:ea typeface="+mn-ea"/>
-        <a:cs typeface="+mn-cs"/>
-      </a:defRPr>
-    </a:lvl2pPr>
-    <a:lvl3pPr marL="914400" algn="l" defTabSz="914400" rtl="0" eaLnBrk="1" latinLnBrk="0" hangingPunct="1">
-      <a:defRPr sz="1200" kern="1200">
-        <a:solidFill>
-          <a:schemeClr val="tx1"/>
-        </a:solidFill>
-        <a:latin typeface="+mn-lt"/>
-        <a:ea typeface="+mn-ea"/>
-        <a:cs typeface="+mn-cs"/>
-      </a:defRPr>
-    </a:lvl3pPr>
-    <a:lvl4pPr marL="1371600" algn="l" defTabSz="914400" rtl="0" eaLnBrk="1" latinLnBrk="0" hangingPunct="1">
-      <a:defRPr sz="1200" kern="1200">
-        <a:solidFill>
-          <a:schemeClr val="tx1"/>
-        </a:solidFill>
-        <a:latin typeface="+mn-lt"/>
-        <a:ea typeface="+mn-ea"/>
-        <a:cs typeface="+mn-cs"/>
-      </a:defRPr>
-    </a:lvl4pPr>
-    <a:lvl5pPr marL="1828800" algn="l" defTabSz="914400" rtl="0" eaLnBrk="1" latinLnBrk="0" hangingPunct="1">
-      <a:defRPr sz="1200" kern="1200">
-        <a:solidFill>
-          <a:schemeClr val="tx1"/>
-        </a:solidFill>
-        <a:latin typeface="+mn-lt"/>
-        <a:ea typeface="+mn-ea"/>
-        <a:cs typeface="+mn-cs"/>
-      </a:defRPr>
-    </a:lvl5pPr>
-    <a:lvl6pPr marL="2286000" algn="l" defTabSz="914400" rtl="0" eaLnBrk="1" latinLnBrk="0" hangingPunct="1">
-      <a:defRPr sz="1200" kern="1200">
-        <a:solidFill>
-          <a:schemeClr val="tx1"/>
-        </a:solidFill>
-        <a:latin typeface="+mn-lt"/>
-        <a:ea typeface="+mn-ea"/>
-        <a:cs typeface="+mn-cs"/>
-      </a:defRPr>
-    </a:lvl6pPr>
-    <a:lvl7pPr marL="2743200" algn="l" defTabSz="914400" rtl="0" eaLnBrk="1" latinLnBrk="0" hangingPunct="1">
-      <a:defRPr sz="1200" kern="1200">
-        <a:solidFill>
-          <a:schemeClr val="tx1"/>
-        </a:solidFill>
-        <a:latin typeface="+mn-lt"/>
-        <a:ea typeface="+mn-ea"/>
-        <a:cs typeface="+mn-cs"/>
-      </a:defRPr>
-    </a:lvl7pPr>
-    <a:lvl8pPr marL="3200400" algn="l" defTabSz="914400" rtl="0" eaLnBrk="1" latinLnBrk="0" hangingPunct="1">
-      <a:defRPr sz="1200" kern="1200">
-        <a:solidFill>
-          <a:schemeClr val="tx1"/>
-        </a:solidFill>
-        <a:latin typeface="+mn-lt"/>
-        <a:ea typeface="+mn-ea"/>
-        <a:cs typeface="+mn-cs"/>
-      </a:defRPr>
-    </a:lvl8pPr>
-    <a:lvl9pPr marL="3657600" algn="l" defTabSz="914400" rtl="0" eaLnBrk="1" latinLnBrk="0" hangingPunct="1">
-      <a:defRPr sz="1200" kern="1200">
-        <a:solidFill>
-          <a:schemeClr val="tx1"/>
-        </a:solidFill>
-        <a:latin typeface="+mn-lt"/>
-        <a:ea typeface="+mn-ea"/>
-        <a:cs typeface="+mn-cs"/>
-      </a:defRPr>
-    </a:lvl9pPr>
-  </p:notesStyle>
-</p:notesMaster>
-</file>
-
-<file path=ppt/notesSlides/notesSlide1.xml><?xml version="1.0" encoding="utf-8"?>
-<p:notes xmlns:a="http://schemas.openxmlformats.org/drawingml/2006/main" xmlns:r="http://schemas.openxmlformats.org/officeDocument/2006/relationships" xmlns:p="http://schemas.openxmlformats.org/presentationml/2006/main">
-  <p:cSld>
-    <p:spTree>
-      <p:nvGrpSpPr>
-        <p:cNvPr id="1" name=""/>
-        <p:cNvGrpSpPr/>
-        <p:nvPr/>
-      </p:nvGrpSpPr>
-      <p:grpSpPr>
-        <a:xfrm>
-          <a:off x="0" y="0"/>
-          <a:ext cx="0" cy="0"/>
-          <a:chOff x="0" y="0"/>
-          <a:chExt cx="0" cy="0"/>
-        </a:xfrm>
-      </p:grpSpPr>
-      <p:sp>
-        <p:nvSpPr>
-          <p:cNvPr id="2" name="Slide Image Placeholder 1"/>
-          <p:cNvSpPr>
-            <a:spLocks noGrp="1" noRot="1" noChangeAspect="1"/>
-          </p:cNvSpPr>
-          <p:nvPr>
-            <p:ph type="sldImg"/>
-          </p:nvPr>
-        </p:nvSpPr>
-        <p:spPr/>
-      </p:sp>
-      <p:sp>
-        <p:nvSpPr>
-          <p:cNvPr id="3" name="Notes Placeholder 2"/>
-          <p:cNvSpPr>
-            <a:spLocks noGrp="1"/>
-          </p:cNvSpPr>
-          <p:nvPr>
-            <p:ph type="body" idx="1"/>
-          </p:nvPr>
-        </p:nvSpPr>
-        <p:spPr/>
-        <p:txBody>
-          <a:bodyPr/>
-          <a:lstStyle/>
-          <a:p>
-            <a:pPr lvl="0" indent="0" marL="0">
-              <a:buNone/>
-            </a:pPr>
-            <a:r>
-              <a:rPr/>
-              <a:t>Speaker notes (press ‘s’ when presenting to switch to speaker mode).</a:t>
-            </a:r>
-          </a:p>
-        </p:txBody>
-      </p:sp>
-      <p:sp>
-        <p:nvSpPr>
-          <p:cNvPr id="4" name="Slide Number Placeholder 3"/>
-          <p:cNvSpPr>
-            <a:spLocks noGrp="1"/>
-          </p:cNvSpPr>
-          <p:nvPr>
-            <p:ph type="sldNum" sz="quarter" idx="10"/>
-          </p:nvPr>
-        </p:nvSpPr>
-        <p:spPr/>
-        <p:txBody>
-          <a:bodyPr/>
-          <a:lstStyle/>
-          <a:p>
-            <a:fld id="{18BDFEC3-8487-43E8-A154-7C12CBC1FFF2}" type="slidenum">
-              <a:rPr lang="en-US"/>
-              <a:t>28</a:t>
-            </a:fld>
-            <a:endParaRPr lang="en-US"/>
-          </a:p>
-        </p:txBody>
-      </p:sp>
-    </p:spTree>
-  </p:cSld>
-</p:notes>
-</file>
-
-<file path=ppt/notesSlides/notesSlide2.xml><?xml version="1.0" encoding="utf-8"?>
-<p:notes xmlns:a="http://schemas.openxmlformats.org/drawingml/2006/main" xmlns:r="http://schemas.openxmlformats.org/officeDocument/2006/relationships" xmlns:p="http://schemas.openxmlformats.org/presentationml/2006/main">
-  <p:cSld>
-    <p:spTree>
-      <p:nvGrpSpPr>
-        <p:cNvPr id="1" name=""/>
-        <p:cNvGrpSpPr/>
-        <p:nvPr/>
-      </p:nvGrpSpPr>
-      <p:grpSpPr>
-        <a:xfrm>
-          <a:off x="0" y="0"/>
-          <a:ext cx="0" cy="0"/>
-          <a:chOff x="0" y="0"/>
-          <a:chExt cx="0" cy="0"/>
-        </a:xfrm>
-      </p:grpSpPr>
-      <p:sp>
-        <p:nvSpPr>
-          <p:cNvPr id="2" name="Slide Image Placeholder 1"/>
-          <p:cNvSpPr>
-            <a:spLocks noGrp="1" noRot="1" noChangeAspect="1"/>
-          </p:cNvSpPr>
-          <p:nvPr>
-            <p:ph type="sldImg"/>
-          </p:nvPr>
-        </p:nvSpPr>
-        <p:spPr/>
-      </p:sp>
-      <p:sp>
-        <p:nvSpPr>
-          <p:cNvPr id="3" name="Notes Placeholder 2"/>
-          <p:cNvSpPr>
-            <a:spLocks noGrp="1"/>
-          </p:cNvSpPr>
-          <p:nvPr>
-            <p:ph type="body" idx="1"/>
-          </p:nvPr>
-        </p:nvSpPr>
-        <p:spPr/>
-        <p:txBody>
-          <a:bodyPr/>
-          <a:lstStyle/>
-          <a:p>
-            <a:pPr lvl="0" indent="0" marL="0">
-              <a:buNone/>
-            </a:pPr>
-            <a:r>
-              <a:rPr/>
-              <a:t>Like this.</a:t>
-            </a:r>
-          </a:p>
-        </p:txBody>
-      </p:sp>
-      <p:sp>
-        <p:nvSpPr>
-          <p:cNvPr id="4" name="Slide Number Placeholder 3"/>
-          <p:cNvSpPr>
-            <a:spLocks noGrp="1"/>
-          </p:cNvSpPr>
-          <p:nvPr>
-            <p:ph type="sldNum" sz="quarter" idx="10"/>
-          </p:nvPr>
-        </p:nvSpPr>
-        <p:spPr/>
-        <p:txBody>
-          <a:bodyPr/>
-          <a:lstStyle/>
-          <a:p>
-            <a:fld id="{18BDFEC3-8487-43E8-A154-7C12CBC1FFF2}" type="slidenum">
-              <a:rPr lang="en-US"/>
-              <a:t>36</a:t>
-            </a:fld>
-            <a:endParaRPr lang="en-US"/>
-          </a:p>
-        </p:txBody>
-      </p:sp>
-    </p:spTree>
-  </p:cSld>
-</p:notes>
-</file>
-
-<file path=ppt/notesSlides/notesSlide3.xml><?xml version="1.0" encoding="utf-8"?>
-<p:notes xmlns:a="http://schemas.openxmlformats.org/drawingml/2006/main" xmlns:r="http://schemas.openxmlformats.org/officeDocument/2006/relationships" xmlns:p="http://schemas.openxmlformats.org/presentationml/2006/main">
-  <p:cSld>
-    <p:spTree>
-      <p:nvGrpSpPr>
-        <p:cNvPr id="1" name=""/>
-        <p:cNvGrpSpPr/>
-        <p:nvPr/>
-      </p:nvGrpSpPr>
-      <p:grpSpPr>
-        <a:xfrm>
-          <a:off x="0" y="0"/>
-          <a:ext cx="0" cy="0"/>
-          <a:chOff x="0" y="0"/>
-          <a:chExt cx="0" cy="0"/>
-        </a:xfrm>
-      </p:grpSpPr>
-      <p:sp>
-        <p:nvSpPr>
-          <p:cNvPr id="2" name="Slide Image Placeholder 1"/>
-          <p:cNvSpPr>
-            <a:spLocks noGrp="1" noRot="1" noChangeAspect="1"/>
-          </p:cNvSpPr>
-          <p:nvPr>
-            <p:ph type="sldImg"/>
-          </p:nvPr>
-        </p:nvSpPr>
-        <p:spPr/>
-      </p:sp>
-      <p:sp>
-        <p:nvSpPr>
-          <p:cNvPr id="3" name="Notes Placeholder 2"/>
-          <p:cNvSpPr>
-            <a:spLocks noGrp="1"/>
-          </p:cNvSpPr>
-          <p:nvPr>
-            <p:ph type="body" idx="1"/>
-          </p:nvPr>
-        </p:nvSpPr>
-        <p:spPr/>
-        <p:txBody>
-          <a:bodyPr/>
-          <a:lstStyle/>
-          <a:p>
-            <a:pPr lvl="0" indent="0" marL="0">
-              <a:buNone/>
-            </a:pPr>
-            <a:r>
-              <a:rPr/>
-              <a:t>Fade out</a:t>
-            </a:r>
-          </a:p>
-        </p:txBody>
-      </p:sp>
-      <p:sp>
-        <p:nvSpPr>
-          <p:cNvPr id="4" name="Slide Number Placeholder 3"/>
-          <p:cNvSpPr>
-            <a:spLocks noGrp="1"/>
-          </p:cNvSpPr>
-          <p:nvPr>
-            <p:ph type="sldNum" sz="quarter" idx="10"/>
-          </p:nvPr>
-        </p:nvSpPr>
-        <p:spPr/>
-        <p:txBody>
-          <a:bodyPr/>
-          <a:lstStyle/>
-          <a:p>
-            <a:fld id="{18BDFEC3-8487-43E8-A154-7C12CBC1FFF2}" type="slidenum">
-              <a:rPr lang="en-US"/>
-              <a:t>38</a:t>
-            </a:fld>
-            <a:endParaRPr lang="en-US"/>
-          </a:p>
-        </p:txBody>
-      </p:sp>
-    </p:spTree>
-  </p:cSld>
-</p:notes>
 </file>
 
 <file path=ppt/slideLayouts/slideLayout1.xml><?xml version="1.0" encoding="utf-8"?>
@@ -5407,7 +4785,7 @@
             </a:pPr>
             <a:r>
               <a:rPr/>
-              <a:t>Warning</a:t>
+              <a:t>A friendly warning</a:t>
             </a:r>
           </a:p>
         </p:txBody>
@@ -5560,78 +4938,6 @@
               <a:t>4 x Personal Tutor meetings across the year</a:t>
             </a:r>
           </a:p>
-          <a:p>
-            <a:pPr lvl="0" indent="0" marL="0">
-              <a:buNone/>
-            </a:pPr>
-            <a:r>
-              <a:rPr/>
-              <a:t>Each week there will be a very brief ‘Prelude’ designed to introduce one of the main topics of the week</a:t>
-            </a:r>
-          </a:p>
-          <a:p>
-            <a:pPr lvl="0" indent="0" marL="0">
-              <a:buNone/>
-            </a:pPr>
-            <a:r>
-              <a:rPr/>
-              <a:t>Lecture (slides and recording)</a:t>
-            </a:r>
-          </a:p>
-          <a:p>
-            <a:pPr lvl="0" indent="0" marL="0">
-              <a:buNone/>
-            </a:pPr>
-            <a:r>
-              <a:rPr/>
-              <a:t>Lab Activity</a:t>
-            </a:r>
-          </a:p>
-          <a:p>
-            <a:pPr lvl="0" indent="0" marL="0">
-              <a:buNone/>
-            </a:pPr>
-            <a:r>
-              <a:rPr/>
-              <a:t>‘Pulse’ taken on entry</a:t>
-            </a:r>
-          </a:p>
-          <a:p>
-            <a:pPr lvl="0" indent="0" marL="0">
-              <a:buNone/>
-            </a:pPr>
-            <a:r>
-              <a:rPr/>
-              <a:t>Lab Notebook with brief ‘generative activities’ and opportunities for metacognitive reflection</a:t>
-            </a:r>
-          </a:p>
-          <a:p>
-            <a:pPr lvl="0" indent="0" marL="0">
-              <a:buNone/>
-            </a:pPr>
-            <a:r>
-              <a:rPr/>
-              <a:t>Extras provided around skills or applications or just interesting factoids</a:t>
-            </a:r>
-          </a:p>
-          <a:p>
-            <a:pPr lvl="0" indent="0" marL="0">
-              <a:buNone/>
-            </a:pPr>
-            <a:r>
-              <a:rPr/>
-              <a:t>Extensive independent and group work in addition to timetabled activities</a:t>
-            </a:r>
-          </a:p>
-          <a:p>
-            <a:pPr lvl="0" indent="0" marL="0">
-              <a:buNone/>
-            </a:pPr>
-            <a:r>
-              <a:rPr/>
-              <a:t>NO EXAM</a:t>
-            </a:r>
-          </a:p>
         </p:txBody>
       </p:sp>
     </p:spTree>
@@ -5690,7 +4996,7 @@
             </a:pPr>
             <a:r>
               <a:rPr/>
-              <a:t>Coursework</a:t>
+              <a:t>Weekly Structure</a:t>
             </a:r>
           </a:p>
         </p:txBody>
@@ -5721,7 +5027,82 @@
             </a:pPr>
             <a:r>
               <a:rPr/>
-              <a:t>The coursework ALL require critical reflection and metacognitive practice. This will be discussed in a number of lectures, but it contributes to effective learning and your integration of the skills and experience of doing this research exercise.</a:t>
+              <a:t>Each week there will be a very brief ‘</a:t>
+            </a:r>
+            <a:r>
+              <a:rPr b="1"/>
+              <a:t>Prelude</a:t>
+            </a:r>
+            <a:r>
+              <a:rPr/>
+              <a:t>’ designed to introduce one of the main topics of the week</a:t>
+            </a:r>
+          </a:p>
+          <a:p>
+            <a:pPr lvl="0" indent="0" marL="0">
+              <a:buNone/>
+            </a:pPr>
+            <a:r>
+              <a:rPr b="1"/>
+              <a:t>Lecture</a:t>
+            </a:r>
+            <a:r>
+              <a:rPr/>
+              <a:t> (slides and recording posted afterwards)</a:t>
+            </a:r>
+          </a:p>
+          <a:p>
+            <a:pPr lvl="0" indent="0" marL="0">
+              <a:buNone/>
+            </a:pPr>
+            <a:r>
+              <a:rPr b="1"/>
+              <a:t>Lab Activity</a:t>
+            </a:r>
+          </a:p>
+          <a:p>
+            <a:pPr lvl="0"/>
+            <a:r>
+              <a:rPr b="1"/>
+              <a:t>‘Pulse’</a:t>
+            </a:r>
+            <a:r>
+              <a:rPr/>
+              <a:t> taken on entry - 2 minute quiz</a:t>
+            </a:r>
+          </a:p>
+          <a:p>
+            <a:pPr lvl="0"/>
+            <a:r>
+              <a:rPr b="1"/>
+              <a:t>Lab Notebook</a:t>
+            </a:r>
+            <a:r>
+              <a:rPr/>
+              <a:t> with brief ‘generative activities’ and opportunities for metacognitive reflection</a:t>
+            </a:r>
+          </a:p>
+          <a:p>
+            <a:pPr lvl="0"/>
+            <a:r>
+              <a:rPr/>
+              <a:t>Extras provided around skills or applications or just interesting factoids</a:t>
+            </a:r>
+          </a:p>
+          <a:p>
+            <a:pPr lvl="0"/>
+            <a:r>
+              <a:rPr/>
+              <a:t>Lots can be achieved in the labs, but independent study and coordinated group work will be required</a:t>
+            </a:r>
+          </a:p>
+          <a:p>
+            <a:pPr lvl="0" indent="0" marL="0">
+              <a:buNone/>
+            </a:pPr>
+            <a:r>
+              <a:rPr/>
+              <a:t>NO EXAM</a:t>
             </a:r>
           </a:p>
         </p:txBody>
@@ -5782,7 +5163,7 @@
             </a:pPr>
             <a:r>
               <a:rPr/>
-              <a:t>Time management and teamwork</a:t>
+              <a:t>Coursework</a:t>
             </a:r>
           </a:p>
         </p:txBody>
@@ -5813,34 +5194,7 @@
             </a:pPr>
             <a:r>
               <a:rPr/>
-              <a:t>..will both be required.</a:t>
-            </a:r>
-          </a:p>
-          <a:p>
-            <a:pPr lvl="0" indent="0" marL="0">
-              <a:buNone/>
-            </a:pPr>
-            <a:r>
-              <a:rPr/>
-              <a:t>I ask you to see both as an opportunity to develop these important skills.</a:t>
-            </a:r>
-          </a:p>
-          <a:p>
-            <a:pPr lvl="0" indent="0" marL="0">
-              <a:buNone/>
-            </a:pPr>
-            <a:r>
-              <a:rPr/>
-              <a:t>You will see we have some ideas to make this more relevant to careers and employability</a:t>
-            </a:r>
-          </a:p>
-          <a:p>
-            <a:pPr lvl="0" indent="0" marL="0">
-              <a:buNone/>
-            </a:pPr>
-            <a:r>
-              <a:rPr/>
-              <a:t>It is easier to ‘keep up than to catch up’.</a:t>
+              <a:t>The courseworks ALL require critical reflection and metacognitive practice. This will be discussed in a number of lectures, but it contributes to effective learning and your integration of the skills and experience of doing this research exercise.</a:t>
             </a:r>
           </a:p>
         </p:txBody>
@@ -5901,7 +5255,7 @@
             </a:pPr>
             <a:r>
               <a:rPr/>
-              <a:t>Resources</a:t>
+              <a:t>Time management and teamwork</a:t>
             </a:r>
           </a:p>
         </p:txBody>
@@ -5932,7 +5286,7 @@
             </a:pPr>
             <a:r>
               <a:rPr/>
-              <a:t>We will be releasing a series of valuable resources to help you through every step of the process</a:t>
+              <a:t>..will both be required.</a:t>
             </a:r>
           </a:p>
           <a:p>
@@ -5941,7 +5295,7 @@
             </a:pPr>
             <a:r>
               <a:rPr/>
-              <a:t>These will have value for your final year dissertation too.</a:t>
+              <a:t>I ask you to see both as an opportunity to develop these important skills.</a:t>
             </a:r>
           </a:p>
           <a:p>
@@ -5950,7 +5304,7 @@
             </a:pPr>
             <a:r>
               <a:rPr/>
-              <a:t>Contribution.</a:t>
+              <a:t>You will see we have some ideas to make this more relevant to careers and employability</a:t>
             </a:r>
           </a:p>
           <a:p>
@@ -5959,7 +5313,7 @@
             </a:pPr>
             <a:r>
               <a:rPr/>
-              <a:t>Open Educational Resources.</a:t>
+              <a:t>It is easier to ‘keep up than to catch up’.</a:t>
             </a:r>
           </a:p>
         </p:txBody>
@@ -6020,7 +5374,7 @@
             </a:pPr>
             <a:r>
               <a:rPr/>
-              <a:t>Prelude 1</a:t>
+              <a:t>Resources</a:t>
             </a:r>
           </a:p>
         </p:txBody>
@@ -6051,7 +5405,7 @@
             </a:pPr>
             <a:r>
               <a:rPr/>
-              <a:t>We are starting off very easy. A short questionnaire to allow us to get to know you a little better, which we will use to develop the first lecture, and the course more generally.</a:t>
+              <a:t>We will be releasing a series of valuable resources to help you through every step of the process</a:t>
             </a:r>
           </a:p>
           <a:p>
@@ -6060,7 +5414,25 @@
             </a:pPr>
             <a:r>
               <a:rPr/>
-              <a:t>___________________________________________________________________________________</a:t>
+              <a:t>These will have value for your final year dissertation too.</a:t>
+            </a:r>
+          </a:p>
+          <a:p>
+            <a:pPr lvl="0" indent="0" marL="0">
+              <a:buNone/>
+            </a:pPr>
+            <a:r>
+              <a:rPr/>
+              <a:t>Contribution to and comment on these is welcome and hoped for!</a:t>
+            </a:r>
+          </a:p>
+          <a:p>
+            <a:pPr lvl="0" indent="0" marL="0">
+              <a:buNone/>
+            </a:pPr>
+            <a:r>
+              <a:rPr/>
+              <a:t>Open Educational Resources will be used extensively, and most core readings are available online via the library.</a:t>
             </a:r>
           </a:p>
         </p:txBody>
@@ -6092,7 +5464,7 @@
           <p:cNvPr id="2" name="Title 1">
             <a:extLst>
               <a:ext uri="{FF2B5EF4-FFF2-40B4-BE49-F238E27FC236}">
-                <a16:creationId xmlns:a16="http://schemas.microsoft.com/office/drawing/2014/main" id="{FF6A6CB2-D1B6-B94A-84C1-83C65423C650}"/>
+                <a16:creationId xmlns:a16="http://schemas.microsoft.com/office/drawing/2014/main" id="{DD9B8E45-0772-954C-8D4B-6E6808DFEDED}"/>
               </a:ext>
             </a:extLst>
           </p:cNvPr>
@@ -6105,8 +5477,8 @@
         </p:nvSpPr>
         <p:spPr>
           <a:xfrm>
-            <a:off x="831851" y="1709742"/>
-            <a:ext cx="10515600" cy="2852737"/>
+            <a:off x="838200" y="365129"/>
+            <a:ext cx="10515600" cy="1325563"/>
           </a:xfrm>
           <a:prstGeom prst="rect">
             <a:avLst/>
@@ -6121,7 +5493,38 @@
             </a:pPr>
             <a:r>
               <a:rPr/>
-              <a:t>New Section</a:t>
+              <a:t>Prelude 1</a:t>
+            </a:r>
+          </a:p>
+        </p:txBody>
+      </p:sp>
+      <p:sp>
+        <p:nvSpPr>
+          <p:cNvPr id="3" name="Content Placeholder 2">
+            <a:extLst>
+              <a:ext uri="{FF2B5EF4-FFF2-40B4-BE49-F238E27FC236}">
+                <a16:creationId xmlns:a16="http://schemas.microsoft.com/office/drawing/2014/main" id="{A4EB24F9-04F1-C843-9D71-56C5C024552B}"/>
+              </a:ext>
+            </a:extLst>
+          </p:cNvPr>
+          <p:cNvSpPr>
+            <a:spLocks noGrp="1"/>
+          </p:cNvSpPr>
+          <p:nvPr>
+            <p:ph idx="1"/>
+          </p:nvPr>
+        </p:nvSpPr>
+        <p:spPr/>
+        <p:txBody>
+          <a:bodyPr/>
+          <a:lstStyle/>
+          <a:p>
+            <a:pPr lvl="0" indent="0" marL="0">
+              <a:buNone/>
+            </a:pPr>
+            <a:r>
+              <a:rPr/>
+              <a:t>We are starting off very easy. A short questionnaire to allow us to get to know you a little better, which we will use to develop the first lecture, and the course more generally.</a:t>
             </a:r>
           </a:p>
         </p:txBody>
@@ -6182,7 +5585,7 @@
             </a:pPr>
             <a:r>
               <a:rPr/>
-              <a:t>Bullet List (no build)</a:t>
+              <a:t>Thank you for your time</a:t>
             </a:r>
           </a:p>
         </p:txBody>
@@ -6208,409 +5611,21 @@
           <a:bodyPr/>
           <a:lstStyle/>
           <a:p>
-            <a:pPr lvl="0"/>
-            <a:r>
-              <a:rPr/>
-              <a:t>Point 1</a:t>
-            </a:r>
-          </a:p>
-          <a:p>
-            <a:pPr lvl="0"/>
-            <a:r>
-              <a:rPr/>
-              <a:t>Point 2</a:t>
-            </a:r>
-          </a:p>
-          <a:p>
-            <a:pPr lvl="0"/>
-            <a:r>
-              <a:rPr/>
-              <a:t>Point 3</a:t>
-            </a:r>
-          </a:p>
-        </p:txBody>
-      </p:sp>
-    </p:spTree>
-  </p:cSld>
-</p:sld>
-</file>
-
-<file path=ppt/slides/slide18.xml><?xml version="1.0" encoding="utf-8"?>
-<p:sld xmlns:a="http://schemas.openxmlformats.org/drawingml/2006/main" xmlns:r="http://schemas.openxmlformats.org/officeDocument/2006/relationships" xmlns:p="http://schemas.openxmlformats.org/presentationml/2006/main">
-  <p:cSld>
-    <p:spTree>
-      <p:nvGrpSpPr>
-        <p:cNvPr id="1" name=""/>
-        <p:cNvGrpSpPr/>
-        <p:nvPr/>
-      </p:nvGrpSpPr>
-      <p:grpSpPr>
-        <a:xfrm>
-          <a:off x="0" y="0"/>
-          <a:ext cx="0" cy="0"/>
-          <a:chOff x="0" y="0"/>
-          <a:chExt cx="0" cy="0"/>
-        </a:xfrm>
-      </p:grpSpPr>
-      <p:sp>
-        <p:nvSpPr>
-          <p:cNvPr id="2" name="Title 1">
-            <a:extLst>
-              <a:ext uri="{FF2B5EF4-FFF2-40B4-BE49-F238E27FC236}">
-                <a16:creationId xmlns:a16="http://schemas.microsoft.com/office/drawing/2014/main" id="{DD9B8E45-0772-954C-8D4B-6E6808DFEDED}"/>
-              </a:ext>
-            </a:extLst>
-          </p:cNvPr>
-          <p:cNvSpPr>
-            <a:spLocks noGrp="1"/>
-          </p:cNvSpPr>
-          <p:nvPr>
-            <p:ph type="title"/>
-          </p:nvPr>
-        </p:nvSpPr>
-        <p:spPr>
-          <a:xfrm>
-            <a:off x="838200" y="365129"/>
-            <a:ext cx="10515600" cy="1325563"/>
-          </a:xfrm>
-          <a:prstGeom prst="rect">
-            <a:avLst/>
-          </a:prstGeom>
-        </p:spPr>
-        <p:txBody>
-          <a:bodyPr/>
-          <a:lstStyle/>
-          <a:p>
             <a:pPr lvl="0" indent="0" marL="0">
               <a:buNone/>
             </a:pPr>
             <a:r>
               <a:rPr/>
-              <a:t>Bullet List (with build)</a:t>
-            </a:r>
-          </a:p>
-        </p:txBody>
-      </p:sp>
-      <p:sp>
-        <p:nvSpPr>
-          <p:cNvPr id="3" name="Content Placeholder 2">
-            <a:extLst>
-              <a:ext uri="{FF2B5EF4-FFF2-40B4-BE49-F238E27FC236}">
-                <a16:creationId xmlns:a16="http://schemas.microsoft.com/office/drawing/2014/main" id="{A4EB24F9-04F1-C843-9D71-56C5C024552B}"/>
-              </a:ext>
-            </a:extLst>
-          </p:cNvPr>
-          <p:cNvSpPr>
-            <a:spLocks noGrp="1"/>
-          </p:cNvSpPr>
-          <p:nvPr>
-            <p:ph idx="1"/>
-          </p:nvPr>
-        </p:nvSpPr>
-        <p:spPr/>
-        <p:txBody>
-          <a:bodyPr/>
-          <a:lstStyle/>
-          <a:p>
-            <a:pPr lvl="0"/>
-            <a:r>
-              <a:rPr/>
-              <a:t>List element A</a:t>
-            </a:r>
-          </a:p>
-          <a:p>
-            <a:pPr lvl="0"/>
-            <a:r>
-              <a:rPr/>
-              <a:t>List element B</a:t>
-            </a:r>
-          </a:p>
-          <a:p>
-            <a:pPr lvl="0"/>
-            <a:r>
-              <a:rPr/>
-              <a:t>List element C</a:t>
-            </a:r>
-          </a:p>
-        </p:txBody>
-      </p:sp>
-    </p:spTree>
-  </p:cSld>
-  <p:timing>
-    <p:tnLst>
-      <p:par>
-        <p:cTn id="1" dur="indefinite" restart="never" nodeType="tmRoot">
-          <p:childTnLst>
-            <p:seq concurrent="1" nextAc="seek">
-              <p:cTn id="2" dur="indefinite" nodeType="mainSeq">
-                <p:childTnLst>
-                  <p:par>
-                    <p:cTn id="3" fill="hold">
-                      <p:stCondLst>
-                        <p:cond delay="indefinite"/>
-                      </p:stCondLst>
-                      <p:childTnLst>
-                        <p:par>
-                          <p:cTn id="4" fill="hold">
-                            <p:stCondLst>
-                              <p:cond delay="0"/>
-                            </p:stCondLst>
-                            <p:childTnLst>
-                              <p:par>
-                                <p:cTn id="5" presetID="1" presetClass="entr" presetSubtype="0" fill="hold" grpId="0" nodeType="clickEffect">
-                                  <p:stCondLst>
-                                    <p:cond delay="0"/>
-                                  </p:stCondLst>
-                                  <p:childTnLst>
-                                    <p:set>
-                                      <p:cBhvr>
-                                        <p:cTn id="6" dur="1" fill="hold">
-                                          <p:stCondLst>
-                                            <p:cond delay="0"/>
-                                          </p:stCondLst>
-                                        </p:cTn>
-                                        <p:tgtEl>
-                                          <p:spTgt spid="3">
-                                            <p:txEl>
-                                              <p:pRg st="0" end="0"/>
-                                            </p:txEl>
-                                          </p:spTgt>
-                                        </p:tgtEl>
-                                        <p:attrNameLst>
-                                          <p:attrName>style.visibility</p:attrName>
-                                        </p:attrNameLst>
-                                      </p:cBhvr>
-                                      <p:to>
-                                        <p:strVal val="visible"/>
-                                      </p:to>
-                                    </p:set>
-                                  </p:childTnLst>
-                                </p:cTn>
-                              </p:par>
-                            </p:childTnLst>
-                          </p:cTn>
-                        </p:par>
-                      </p:childTnLst>
-                    </p:cTn>
-                  </p:par>
-                  <p:par>
-                    <p:cTn id="7" fill="hold">
-                      <p:stCondLst>
-                        <p:cond delay="indefinite"/>
-                      </p:stCondLst>
-                      <p:childTnLst>
-                        <p:par>
-                          <p:cTn id="8" fill="hold">
-                            <p:stCondLst>
-                              <p:cond delay="0"/>
-                            </p:stCondLst>
-                            <p:childTnLst>
-                              <p:par>
-                                <p:cTn id="9" presetID="1" presetClass="entr" presetSubtype="0" fill="hold" grpId="0" nodeType="clickEffect">
-                                  <p:stCondLst>
-                                    <p:cond delay="0"/>
-                                  </p:stCondLst>
-                                  <p:childTnLst>
-                                    <p:set>
-                                      <p:cBhvr>
-                                        <p:cTn id="10" dur="1" fill="hold">
-                                          <p:stCondLst>
-                                            <p:cond delay="0"/>
-                                          </p:stCondLst>
-                                        </p:cTn>
-                                        <p:tgtEl>
-                                          <p:spTgt spid="3">
-                                            <p:txEl>
-                                              <p:pRg st="1" end="1"/>
-                                            </p:txEl>
-                                          </p:spTgt>
-                                        </p:tgtEl>
-                                        <p:attrNameLst>
-                                          <p:attrName>style.visibility</p:attrName>
-                                        </p:attrNameLst>
-                                      </p:cBhvr>
-                                      <p:to>
-                                        <p:strVal val="visible"/>
-                                      </p:to>
-                                    </p:set>
-                                  </p:childTnLst>
-                                </p:cTn>
-                              </p:par>
-                            </p:childTnLst>
-                          </p:cTn>
-                        </p:par>
-                      </p:childTnLst>
-                    </p:cTn>
-                  </p:par>
-                  <p:par>
-                    <p:cTn id="11" fill="hold">
-                      <p:stCondLst>
-                        <p:cond delay="indefinite"/>
-                      </p:stCondLst>
-                      <p:childTnLst>
-                        <p:par>
-                          <p:cTn id="12" fill="hold">
-                            <p:stCondLst>
-                              <p:cond delay="0"/>
-                            </p:stCondLst>
-                            <p:childTnLst>
-                              <p:par>
-                                <p:cTn id="13" presetID="1" presetClass="entr" presetSubtype="0" fill="hold" grpId="0" nodeType="clickEffect">
-                                  <p:stCondLst>
-                                    <p:cond delay="0"/>
-                                  </p:stCondLst>
-                                  <p:childTnLst>
-                                    <p:set>
-                                      <p:cBhvr>
-                                        <p:cTn id="14" dur="1" fill="hold">
-                                          <p:stCondLst>
-                                            <p:cond delay="0"/>
-                                          </p:stCondLst>
-                                        </p:cTn>
-                                        <p:tgtEl>
-                                          <p:spTgt spid="3">
-                                            <p:txEl>
-                                              <p:pRg st="2" end="2"/>
-                                            </p:txEl>
-                                          </p:spTgt>
-                                        </p:tgtEl>
-                                        <p:attrNameLst>
-                                          <p:attrName>style.visibility</p:attrName>
-                                        </p:attrNameLst>
-                                      </p:cBhvr>
-                                      <p:to>
-                                        <p:strVal val="visible"/>
-                                      </p:to>
-                                    </p:set>
-                                  </p:childTnLst>
-                                </p:cTn>
-                              </p:par>
-                            </p:childTnLst>
-                          </p:cTn>
-                        </p:par>
-                      </p:childTnLst>
-                    </p:cTn>
-                  </p:par>
-                </p:childTnLst>
-              </p:cTn>
-              <p:prevCondLst>
-                <p:cond evt="onPrev" delay="0">
-                  <p:tgtEl>
-                    <p:sldTgt/>
-                  </p:tgtEl>
-                </p:cond>
-              </p:prevCondLst>
-              <p:nextCondLst>
-                <p:cond evt="onNext" delay="0">
-                  <p:tgtEl>
-                    <p:sldTgt/>
-                  </p:tgtEl>
-                </p:cond>
-              </p:nextCondLst>
-            </p:seq>
-          </p:childTnLst>
-        </p:cTn>
-      </p:par>
-    </p:tnLst>
-    <p:bldLst>
-      <p:bldP spid="3" grpId="0" uiExpand="1" build="p"/>
-    </p:bldLst>
-  </p:timing>
-</p:sld>
-</file>
-
-<file path=ppt/slides/slide19.xml><?xml version="1.0" encoding="utf-8"?>
-<p:sld xmlns:a="http://schemas.openxmlformats.org/drawingml/2006/main" xmlns:r="http://schemas.openxmlformats.org/officeDocument/2006/relationships" xmlns:p="http://schemas.openxmlformats.org/presentationml/2006/main">
-  <p:cSld>
-    <p:spTree>
-      <p:nvGrpSpPr>
-        <p:cNvPr id="1" name=""/>
-        <p:cNvGrpSpPr/>
-        <p:nvPr/>
-      </p:nvGrpSpPr>
-      <p:grpSpPr>
-        <a:xfrm>
-          <a:off x="0" y="0"/>
-          <a:ext cx="0" cy="0"/>
-          <a:chOff x="0" y="0"/>
-          <a:chExt cx="0" cy="0"/>
-        </a:xfrm>
-      </p:grpSpPr>
-      <p:sp>
-        <p:nvSpPr>
-          <p:cNvPr id="2" name="Title 1">
-            <a:extLst>
-              <a:ext uri="{FF2B5EF4-FFF2-40B4-BE49-F238E27FC236}">
-                <a16:creationId xmlns:a16="http://schemas.microsoft.com/office/drawing/2014/main" id="{DD9B8E45-0772-954C-8D4B-6E6808DFEDED}"/>
-              </a:ext>
-            </a:extLst>
-          </p:cNvPr>
-          <p:cNvSpPr>
-            <a:spLocks noGrp="1"/>
-          </p:cNvSpPr>
-          <p:nvPr>
-            <p:ph type="title"/>
-          </p:nvPr>
-        </p:nvSpPr>
-        <p:spPr>
-          <a:xfrm>
-            <a:off x="838200" y="365129"/>
-            <a:ext cx="10515600" cy="1325563"/>
-          </a:xfrm>
-          <a:prstGeom prst="rect">
-            <a:avLst/>
-          </a:prstGeom>
-        </p:spPr>
-        <p:txBody>
-          <a:bodyPr/>
-          <a:lstStyle/>
+              <a:t>And have an amazing year!</a:t>
+            </a:r>
+          </a:p>
           <a:p>
             <a:pPr lvl="0" indent="0" marL="0">
               <a:buNone/>
             </a:pPr>
             <a:r>
               <a:rPr/>
-              <a:t>Page with aside</a:t>
-            </a:r>
-          </a:p>
-        </p:txBody>
-      </p:sp>
-      <p:sp>
-        <p:nvSpPr>
-          <p:cNvPr id="3" name="Content Placeholder 2">
-            <a:extLst>
-              <a:ext uri="{FF2B5EF4-FFF2-40B4-BE49-F238E27FC236}">
-                <a16:creationId xmlns:a16="http://schemas.microsoft.com/office/drawing/2014/main" id="{A4EB24F9-04F1-C843-9D71-56C5C024552B}"/>
-              </a:ext>
-            </a:extLst>
-          </p:cNvPr>
-          <p:cNvSpPr>
-            <a:spLocks noGrp="1"/>
-          </p:cNvSpPr>
-          <p:nvPr>
-            <p:ph idx="1"/>
-          </p:nvPr>
-        </p:nvSpPr>
-        <p:spPr/>
-        <p:txBody>
-          <a:bodyPr/>
-          <a:lstStyle/>
-          <a:p>
-            <a:pPr lvl="0" indent="0" marL="0">
-              <a:buNone/>
-            </a:pPr>
-            <a:r>
-              <a:rPr/>
-              <a:t>Here is an important point</a:t>
-            </a:r>
-          </a:p>
-          <a:p>
-            <a:pPr lvl="0" indent="0" marL="0">
-              <a:buNone/>
-            </a:pPr>
-            <a:r>
-              <a:rPr/>
-              <a:t>Additional commentary.</a:t>
+              <a:t>The Research Methods Team</a:t>
             </a:r>
           </a:p>
         </p:txBody>
@@ -6681,1169 +5696,6 @@
 </p:sld>
 </file>
 
-<file path=ppt/slides/slide20.xml><?xml version="1.0" encoding="utf-8"?>
-<p:sld xmlns:a="http://schemas.openxmlformats.org/drawingml/2006/main" xmlns:r="http://schemas.openxmlformats.org/officeDocument/2006/relationships" xmlns:p="http://schemas.openxmlformats.org/presentationml/2006/main">
-  <p:cSld>
-    <p:spTree>
-      <p:nvGrpSpPr>
-        <p:cNvPr id="1" name=""/>
-        <p:cNvGrpSpPr/>
-        <p:nvPr/>
-      </p:nvGrpSpPr>
-      <p:grpSpPr>
-        <a:xfrm>
-          <a:off x="0" y="0"/>
-          <a:ext cx="0" cy="0"/>
-          <a:chOff x="0" y="0"/>
-          <a:chExt cx="0" cy="0"/>
-        </a:xfrm>
-      </p:grpSpPr>
-      <p:sp>
-        <p:nvSpPr>
-          <p:cNvPr id="2" name="Title 1">
-            <a:extLst>
-              <a:ext uri="{FF2B5EF4-FFF2-40B4-BE49-F238E27FC236}">
-                <a16:creationId xmlns:a16="http://schemas.microsoft.com/office/drawing/2014/main" id="{DD9B8E45-0772-954C-8D4B-6E6808DFEDED}"/>
-              </a:ext>
-            </a:extLst>
-          </p:cNvPr>
-          <p:cNvSpPr>
-            <a:spLocks noGrp="1"/>
-          </p:cNvSpPr>
-          <p:nvPr>
-            <p:ph type="title"/>
-          </p:nvPr>
-        </p:nvSpPr>
-        <p:spPr>
-          <a:xfrm>
-            <a:off x="838200" y="365129"/>
-            <a:ext cx="10515600" cy="1325563"/>
-          </a:xfrm>
-          <a:prstGeom prst="rect">
-            <a:avLst/>
-          </a:prstGeom>
-        </p:spPr>
-        <p:txBody>
-          <a:bodyPr/>
-          <a:lstStyle/>
-          <a:p>
-            <a:pPr lvl="0" indent="0" marL="0">
-              <a:buNone/>
-            </a:pPr>
-            <a:r>
-              <a:rPr/>
-              <a:t>Page with a note comment</a:t>
-            </a:r>
-          </a:p>
-        </p:txBody>
-      </p:sp>
-      <p:sp>
-        <p:nvSpPr>
-          <p:cNvPr id="3" name="Content Placeholder 2">
-            <a:extLst>
-              <a:ext uri="{FF2B5EF4-FFF2-40B4-BE49-F238E27FC236}">
-                <a16:creationId xmlns:a16="http://schemas.microsoft.com/office/drawing/2014/main" id="{A4EB24F9-04F1-C843-9D71-56C5C024552B}"/>
-              </a:ext>
-            </a:extLst>
-          </p:cNvPr>
-          <p:cNvSpPr>
-            <a:spLocks noGrp="1"/>
-          </p:cNvSpPr>
-          <p:nvPr>
-            <p:ph idx="1"/>
-          </p:nvPr>
-        </p:nvSpPr>
-        <p:spPr/>
-        <p:txBody>
-          <a:bodyPr/>
-          <a:lstStyle/>
-          <a:p>
-            <a:pPr lvl="0" indent="0" marL="0">
-              <a:buNone/>
-            </a:pPr>
-            <a:r>
-              <a:rPr/>
-              <a:t>Here is something I say</a:t>
-            </a:r>
-          </a:p>
-          <a:p>
-            <a:pPr lvl="0" indent="0" marL="1270000">
-              <a:buNone/>
-            </a:pPr>
-            <a:r>
-              <a:rPr sz="2000" b="1"/>
-              <a:t>Note</a:t>
-            </a:r>
-          </a:p>
-          <a:p>
-            <a:pPr lvl="0" indent="0" marL="1270000">
-              <a:buNone/>
-            </a:pPr>
-            <a:r>
-              <a:rPr sz="2000"/>
-              <a:t>This is very noteworthy</a:t>
-            </a:r>
-          </a:p>
-        </p:txBody>
-      </p:sp>
-    </p:spTree>
-  </p:cSld>
-</p:sld>
-</file>
-
-<file path=ppt/slides/slide21.xml><?xml version="1.0" encoding="utf-8"?>
-<p:sld xmlns:a="http://schemas.openxmlformats.org/drawingml/2006/main" xmlns:r="http://schemas.openxmlformats.org/officeDocument/2006/relationships" xmlns:p="http://schemas.openxmlformats.org/presentationml/2006/main">
-  <p:cSld>
-    <p:spTree>
-      <p:nvGrpSpPr>
-        <p:cNvPr id="1" name=""/>
-        <p:cNvGrpSpPr/>
-        <p:nvPr/>
-      </p:nvGrpSpPr>
-      <p:grpSpPr>
-        <a:xfrm>
-          <a:off x="0" y="0"/>
-          <a:ext cx="0" cy="0"/>
-          <a:chOff x="0" y="0"/>
-          <a:chExt cx="0" cy="0"/>
-        </a:xfrm>
-      </p:grpSpPr>
-      <p:sp>
-        <p:nvSpPr>
-          <p:cNvPr id="2" name="Title 1">
-            <a:extLst>
-              <a:ext uri="{FF2B5EF4-FFF2-40B4-BE49-F238E27FC236}">
-                <a16:creationId xmlns:a16="http://schemas.microsoft.com/office/drawing/2014/main" id="{DD9B8E45-0772-954C-8D4B-6E6808DFEDED}"/>
-              </a:ext>
-            </a:extLst>
-          </p:cNvPr>
-          <p:cNvSpPr>
-            <a:spLocks noGrp="1"/>
-          </p:cNvSpPr>
-          <p:nvPr>
-            <p:ph type="title"/>
-          </p:nvPr>
-        </p:nvSpPr>
-        <p:spPr>
-          <a:xfrm>
-            <a:off x="838200" y="365129"/>
-            <a:ext cx="10515600" cy="1325563"/>
-          </a:xfrm>
-          <a:prstGeom prst="rect">
-            <a:avLst/>
-          </a:prstGeom>
-        </p:spPr>
-        <p:txBody>
-          <a:bodyPr/>
-          <a:lstStyle/>
-          <a:p>
-            <a:pPr lvl="0" indent="0" marL="0">
-              <a:buNone/>
-            </a:pPr>
-            <a:r>
-              <a:rPr/>
-              <a:t>Page with a warning</a:t>
-            </a:r>
-          </a:p>
-        </p:txBody>
-      </p:sp>
-      <p:sp>
-        <p:nvSpPr>
-          <p:cNvPr id="3" name="Content Placeholder 2">
-            <a:extLst>
-              <a:ext uri="{FF2B5EF4-FFF2-40B4-BE49-F238E27FC236}">
-                <a16:creationId xmlns:a16="http://schemas.microsoft.com/office/drawing/2014/main" id="{A4EB24F9-04F1-C843-9D71-56C5C024552B}"/>
-              </a:ext>
-            </a:extLst>
-          </p:cNvPr>
-          <p:cNvSpPr>
-            <a:spLocks noGrp="1"/>
-          </p:cNvSpPr>
-          <p:nvPr>
-            <p:ph idx="1"/>
-          </p:nvPr>
-        </p:nvSpPr>
-        <p:spPr/>
-        <p:txBody>
-          <a:bodyPr/>
-          <a:lstStyle/>
-          <a:p>
-            <a:pPr lvl="0" indent="0" marL="0">
-              <a:buNone/>
-            </a:pPr>
-            <a:r>
-              <a:rPr/>
-              <a:t>Here is something I say</a:t>
-            </a:r>
-          </a:p>
-          <a:p>
-            <a:pPr lvl="0" indent="0" marL="1270000">
-              <a:buNone/>
-            </a:pPr>
-            <a:r>
-              <a:rPr sz="2000" b="1"/>
-              <a:t>Warning</a:t>
-            </a:r>
-          </a:p>
-          <a:p>
-            <a:pPr lvl="0" indent="0" marL="1270000">
-              <a:buNone/>
-            </a:pPr>
-            <a:r>
-              <a:rPr sz="2000"/>
-              <a:t>Be WARNED!!</a:t>
-            </a:r>
-          </a:p>
-        </p:txBody>
-      </p:sp>
-    </p:spTree>
-  </p:cSld>
-</p:sld>
-</file>
-
-<file path=ppt/slides/slide22.xml><?xml version="1.0" encoding="utf-8"?>
-<p:sld xmlns:a="http://schemas.openxmlformats.org/drawingml/2006/main" xmlns:r="http://schemas.openxmlformats.org/officeDocument/2006/relationships" xmlns:p="http://schemas.openxmlformats.org/presentationml/2006/main">
-  <p:cSld>
-    <p:spTree>
-      <p:nvGrpSpPr>
-        <p:cNvPr id="1" name=""/>
-        <p:cNvGrpSpPr/>
-        <p:nvPr/>
-      </p:nvGrpSpPr>
-      <p:grpSpPr>
-        <a:xfrm>
-          <a:off x="0" y="0"/>
-          <a:ext cx="0" cy="0"/>
-          <a:chOff x="0" y="0"/>
-          <a:chExt cx="0" cy="0"/>
-        </a:xfrm>
-      </p:grpSpPr>
-      <p:sp>
-        <p:nvSpPr>
-          <p:cNvPr id="2" name="Title 1">
-            <a:extLst>
-              <a:ext uri="{FF2B5EF4-FFF2-40B4-BE49-F238E27FC236}">
-                <a16:creationId xmlns:a16="http://schemas.microsoft.com/office/drawing/2014/main" id="{DD9B8E45-0772-954C-8D4B-6E6808DFEDED}"/>
-              </a:ext>
-            </a:extLst>
-          </p:cNvPr>
-          <p:cNvSpPr>
-            <a:spLocks noGrp="1"/>
-          </p:cNvSpPr>
-          <p:nvPr>
-            <p:ph type="title"/>
-          </p:nvPr>
-        </p:nvSpPr>
-        <p:spPr>
-          <a:xfrm>
-            <a:off x="838200" y="365129"/>
-            <a:ext cx="10515600" cy="1325563"/>
-          </a:xfrm>
-          <a:prstGeom prst="rect">
-            <a:avLst/>
-          </a:prstGeom>
-        </p:spPr>
-        <p:txBody>
-          <a:bodyPr/>
-          <a:lstStyle/>
-          <a:p>
-            <a:pPr lvl="0" indent="0" marL="0">
-              <a:buNone/>
-            </a:pPr>
-            <a:r>
-              <a:rPr/>
-              <a:t>Page with an important comment</a:t>
-            </a:r>
-          </a:p>
-        </p:txBody>
-      </p:sp>
-      <p:sp>
-        <p:nvSpPr>
-          <p:cNvPr id="3" name="Content Placeholder 2">
-            <a:extLst>
-              <a:ext uri="{FF2B5EF4-FFF2-40B4-BE49-F238E27FC236}">
-                <a16:creationId xmlns:a16="http://schemas.microsoft.com/office/drawing/2014/main" id="{A4EB24F9-04F1-C843-9D71-56C5C024552B}"/>
-              </a:ext>
-            </a:extLst>
-          </p:cNvPr>
-          <p:cNvSpPr>
-            <a:spLocks noGrp="1"/>
-          </p:cNvSpPr>
-          <p:nvPr>
-            <p:ph idx="1"/>
-          </p:nvPr>
-        </p:nvSpPr>
-        <p:spPr/>
-        <p:txBody>
-          <a:bodyPr/>
-          <a:lstStyle/>
-          <a:p>
-            <a:pPr lvl="0" indent="0" marL="0">
-              <a:buNone/>
-            </a:pPr>
-            <a:r>
-              <a:rPr/>
-              <a:t>Here is something I say</a:t>
-            </a:r>
-          </a:p>
-          <a:p>
-            <a:pPr lvl="0" indent="0" marL="1270000">
-              <a:buNone/>
-            </a:pPr>
-            <a:r>
-              <a:rPr sz="2000" b="1"/>
-              <a:t>Important</a:t>
-            </a:r>
-          </a:p>
-          <a:p>
-            <a:pPr lvl="0" indent="0" marL="1270000">
-              <a:buNone/>
-            </a:pPr>
-            <a:r>
-              <a:rPr sz="2000"/>
-              <a:t>This is very Important</a:t>
-            </a:r>
-          </a:p>
-        </p:txBody>
-      </p:sp>
-    </p:spTree>
-  </p:cSld>
-</p:sld>
-</file>
-
-<file path=ppt/slides/slide23.xml><?xml version="1.0" encoding="utf-8"?>
-<p:sld xmlns:a="http://schemas.openxmlformats.org/drawingml/2006/main" xmlns:r="http://schemas.openxmlformats.org/officeDocument/2006/relationships" xmlns:p="http://schemas.openxmlformats.org/presentationml/2006/main">
-  <p:cSld>
-    <p:spTree>
-      <p:nvGrpSpPr>
-        <p:cNvPr id="1" name=""/>
-        <p:cNvGrpSpPr/>
-        <p:nvPr/>
-      </p:nvGrpSpPr>
-      <p:grpSpPr>
-        <a:xfrm>
-          <a:off x="0" y="0"/>
-          <a:ext cx="0" cy="0"/>
-          <a:chOff x="0" y="0"/>
-          <a:chExt cx="0" cy="0"/>
-        </a:xfrm>
-      </p:grpSpPr>
-      <p:sp>
-        <p:nvSpPr>
-          <p:cNvPr id="2" name="Title 1">
-            <a:extLst>
-              <a:ext uri="{FF2B5EF4-FFF2-40B4-BE49-F238E27FC236}">
-                <a16:creationId xmlns:a16="http://schemas.microsoft.com/office/drawing/2014/main" id="{DD9B8E45-0772-954C-8D4B-6E6808DFEDED}"/>
-              </a:ext>
-            </a:extLst>
-          </p:cNvPr>
-          <p:cNvSpPr>
-            <a:spLocks noGrp="1"/>
-          </p:cNvSpPr>
-          <p:nvPr>
-            <p:ph type="title"/>
-          </p:nvPr>
-        </p:nvSpPr>
-        <p:spPr>
-          <a:xfrm>
-            <a:off x="838200" y="365129"/>
-            <a:ext cx="10515600" cy="1325563"/>
-          </a:xfrm>
-          <a:prstGeom prst="rect">
-            <a:avLst/>
-          </a:prstGeom>
-        </p:spPr>
-        <p:txBody>
-          <a:bodyPr/>
-          <a:lstStyle/>
-          <a:p>
-            <a:pPr lvl="0" indent="0" marL="0">
-              <a:buNone/>
-            </a:pPr>
-            <a:r>
-              <a:rPr/>
-              <a:t>Page with a tip</a:t>
-            </a:r>
-          </a:p>
-        </p:txBody>
-      </p:sp>
-      <p:sp>
-        <p:nvSpPr>
-          <p:cNvPr id="3" name="Content Placeholder 2">
-            <a:extLst>
-              <a:ext uri="{FF2B5EF4-FFF2-40B4-BE49-F238E27FC236}">
-                <a16:creationId xmlns:a16="http://schemas.microsoft.com/office/drawing/2014/main" id="{A4EB24F9-04F1-C843-9D71-56C5C024552B}"/>
-              </a:ext>
-            </a:extLst>
-          </p:cNvPr>
-          <p:cNvSpPr>
-            <a:spLocks noGrp="1"/>
-          </p:cNvSpPr>
-          <p:nvPr>
-            <p:ph idx="1"/>
-          </p:nvPr>
-        </p:nvSpPr>
-        <p:spPr/>
-        <p:txBody>
-          <a:bodyPr/>
-          <a:lstStyle/>
-          <a:p>
-            <a:pPr lvl="0" indent="0" marL="0">
-              <a:buNone/>
-            </a:pPr>
-            <a:r>
-              <a:rPr/>
-              <a:t>Here is something I say</a:t>
-            </a:r>
-          </a:p>
-          <a:p>
-            <a:pPr lvl="0" indent="0" marL="1270000">
-              <a:buNone/>
-            </a:pPr>
-            <a:r>
-              <a:rPr sz="2000" b="1"/>
-              <a:t>Tip</a:t>
-            </a:r>
-          </a:p>
-          <a:p>
-            <a:pPr lvl="0" indent="0" marL="1270000">
-              <a:buNone/>
-            </a:pPr>
-            <a:r>
-              <a:rPr sz="2000"/>
-              <a:t>This is a useful tip</a:t>
-            </a:r>
-          </a:p>
-        </p:txBody>
-      </p:sp>
-    </p:spTree>
-  </p:cSld>
-</p:sld>
-</file>
-
-<file path=ppt/slides/slide24.xml><?xml version="1.0" encoding="utf-8"?>
-<p:sld xmlns:a="http://schemas.openxmlformats.org/drawingml/2006/main" xmlns:r="http://schemas.openxmlformats.org/officeDocument/2006/relationships" xmlns:p="http://schemas.openxmlformats.org/presentationml/2006/main">
-  <p:cSld>
-    <p:spTree>
-      <p:nvGrpSpPr>
-        <p:cNvPr id="1" name=""/>
-        <p:cNvGrpSpPr/>
-        <p:nvPr/>
-      </p:nvGrpSpPr>
-      <p:grpSpPr>
-        <a:xfrm>
-          <a:off x="0" y="0"/>
-          <a:ext cx="0" cy="0"/>
-          <a:chOff x="0" y="0"/>
-          <a:chExt cx="0" cy="0"/>
-        </a:xfrm>
-      </p:grpSpPr>
-      <p:sp>
-        <p:nvSpPr>
-          <p:cNvPr id="2" name="Title 1">
-            <a:extLst>
-              <a:ext uri="{FF2B5EF4-FFF2-40B4-BE49-F238E27FC236}">
-                <a16:creationId xmlns:a16="http://schemas.microsoft.com/office/drawing/2014/main" id="{DD9B8E45-0772-954C-8D4B-6E6808DFEDED}"/>
-              </a:ext>
-            </a:extLst>
-          </p:cNvPr>
-          <p:cNvSpPr>
-            <a:spLocks noGrp="1"/>
-          </p:cNvSpPr>
-          <p:nvPr>
-            <p:ph type="title"/>
-          </p:nvPr>
-        </p:nvSpPr>
-        <p:spPr>
-          <a:xfrm>
-            <a:off x="838200" y="365129"/>
-            <a:ext cx="10515600" cy="1325563"/>
-          </a:xfrm>
-          <a:prstGeom prst="rect">
-            <a:avLst/>
-          </a:prstGeom>
-        </p:spPr>
-        <p:txBody>
-          <a:bodyPr/>
-          <a:lstStyle/>
-          <a:p>
-            <a:pPr lvl="0" indent="0" marL="0">
-              <a:buNone/>
-            </a:pPr>
-            <a:r>
-              <a:rPr/>
-              <a:t>Page with a caution</a:t>
-            </a:r>
-          </a:p>
-        </p:txBody>
-      </p:sp>
-      <p:sp>
-        <p:nvSpPr>
-          <p:cNvPr id="3" name="Content Placeholder 2">
-            <a:extLst>
-              <a:ext uri="{FF2B5EF4-FFF2-40B4-BE49-F238E27FC236}">
-                <a16:creationId xmlns:a16="http://schemas.microsoft.com/office/drawing/2014/main" id="{A4EB24F9-04F1-C843-9D71-56C5C024552B}"/>
-              </a:ext>
-            </a:extLst>
-          </p:cNvPr>
-          <p:cNvSpPr>
-            <a:spLocks noGrp="1"/>
-          </p:cNvSpPr>
-          <p:nvPr>
-            <p:ph idx="1"/>
-          </p:nvPr>
-        </p:nvSpPr>
-        <p:spPr/>
-        <p:txBody>
-          <a:bodyPr/>
-          <a:lstStyle/>
-          <a:p>
-            <a:pPr lvl="0" indent="0" marL="0">
-              <a:buNone/>
-            </a:pPr>
-            <a:r>
-              <a:rPr/>
-              <a:t>Here is something I say</a:t>
-            </a:r>
-          </a:p>
-          <a:p>
-            <a:pPr lvl="0" indent="0" marL="1270000">
-              <a:buNone/>
-            </a:pPr>
-            <a:r>
-              <a:rPr sz="2000" b="1"/>
-              <a:t>Caution</a:t>
-            </a:r>
-          </a:p>
-          <a:p>
-            <a:pPr lvl="0" indent="0" marL="1270000">
-              <a:buNone/>
-            </a:pPr>
-            <a:r>
-              <a:rPr sz="2000"/>
-              <a:t>This is something to be cautious about</a:t>
-            </a:r>
-          </a:p>
-        </p:txBody>
-      </p:sp>
-    </p:spTree>
-  </p:cSld>
-</p:sld>
-</file>
-
-<file path=ppt/slides/slide25.xml><?xml version="1.0" encoding="utf-8"?>
-<p:sld xmlns:a="http://schemas.openxmlformats.org/drawingml/2006/main" xmlns:r="http://schemas.openxmlformats.org/officeDocument/2006/relationships" xmlns:p="http://schemas.openxmlformats.org/presentationml/2006/main">
-  <p:cSld>
-    <p:spTree>
-      <p:nvGrpSpPr>
-        <p:cNvPr id="1" name=""/>
-        <p:cNvGrpSpPr/>
-        <p:nvPr/>
-      </p:nvGrpSpPr>
-      <p:grpSpPr>
-        <a:xfrm>
-          <a:off x="0" y="0"/>
-          <a:ext cx="0" cy="0"/>
-          <a:chOff x="0" y="0"/>
-          <a:chExt cx="0" cy="0"/>
-        </a:xfrm>
-      </p:grpSpPr>
-      <p:sp>
-        <p:nvSpPr>
-          <p:cNvPr id="2" name="Title 1">
-            <a:extLst>
-              <a:ext uri="{FF2B5EF4-FFF2-40B4-BE49-F238E27FC236}">
-                <a16:creationId xmlns:a16="http://schemas.microsoft.com/office/drawing/2014/main" id="{2ECFDBC1-527D-3041-984A-EF5E7E9B7495}"/>
-              </a:ext>
-            </a:extLst>
-          </p:cNvPr>
-          <p:cNvSpPr>
-            <a:spLocks noGrp="1"/>
-          </p:cNvSpPr>
-          <p:nvPr>
-            <p:ph type="title"/>
-          </p:nvPr>
-        </p:nvSpPr>
-        <p:spPr>
-          <a:xfrm>
-            <a:off x="838200" y="365129"/>
-            <a:ext cx="10515600" cy="1325563"/>
-          </a:xfrm>
-          <a:prstGeom prst="rect">
-            <a:avLst/>
-          </a:prstGeom>
-        </p:spPr>
-        <p:txBody>
-          <a:bodyPr/>
-          <a:lstStyle/>
-          <a:p>
-            <a:pPr lvl="0" indent="0" marL="0">
-              <a:buNone/>
-            </a:pPr>
-            <a:r>
-              <a:rPr/>
-              <a:t>Two Columns (Text)</a:t>
-            </a:r>
-          </a:p>
-        </p:txBody>
-      </p:sp>
-      <p:sp>
-        <p:nvSpPr>
-          <p:cNvPr id="3" name="Content Placeholder 2">
-            <a:extLst>
-              <a:ext uri="{FF2B5EF4-FFF2-40B4-BE49-F238E27FC236}">
-                <a16:creationId xmlns:a16="http://schemas.microsoft.com/office/drawing/2014/main" id="{63FA7BF1-44B1-744C-AB68-4BB0A6A5977E}"/>
-              </a:ext>
-            </a:extLst>
-          </p:cNvPr>
-          <p:cNvSpPr>
-            <a:spLocks noGrp="1"/>
-          </p:cNvSpPr>
-          <p:nvPr>
-            <p:ph idx="1" sz="half"/>
-          </p:nvPr>
-        </p:nvSpPr>
-        <p:spPr/>
-        <p:txBody>
-          <a:bodyPr/>
-          <a:lstStyle/>
-          <a:p>
-            <a:pPr lvl="0" indent="0" marL="0">
-              <a:buNone/>
-            </a:pPr>
-            <a:r>
-              <a:rPr/>
-              <a:t>Left column</a:t>
-            </a:r>
-          </a:p>
-        </p:txBody>
-      </p:sp>
-      <p:sp>
-        <p:nvSpPr>
-          <p:cNvPr id="4" name="Content Placeholder 3">
-            <a:extLst>
-              <a:ext uri="{FF2B5EF4-FFF2-40B4-BE49-F238E27FC236}">
-                <a16:creationId xmlns:a16="http://schemas.microsoft.com/office/drawing/2014/main" id="{3B974A49-6A1E-2F48-B419-02B0A17B9692}"/>
-              </a:ext>
-            </a:extLst>
-          </p:cNvPr>
-          <p:cNvSpPr>
-            <a:spLocks noGrp="1"/>
-          </p:cNvSpPr>
-          <p:nvPr>
-            <p:ph idx="2" sz="half"/>
-          </p:nvPr>
-        </p:nvSpPr>
-        <p:spPr/>
-        <p:txBody>
-          <a:bodyPr/>
-          <a:lstStyle/>
-          <a:p>
-            <a:pPr lvl="0" indent="0" marL="0">
-              <a:buNone/>
-            </a:pPr>
-            <a:r>
-              <a:rPr/>
-              <a:t>Right column</a:t>
-            </a:r>
-          </a:p>
-        </p:txBody>
-      </p:sp>
-    </p:spTree>
-  </p:cSld>
-</p:sld>
-</file>
-
-<file path=ppt/slides/slide26.xml><?xml version="1.0" encoding="utf-8"?>
-<p:sld xmlns:a="http://schemas.openxmlformats.org/drawingml/2006/main" xmlns:r="http://schemas.openxmlformats.org/officeDocument/2006/relationships" xmlns:p="http://schemas.openxmlformats.org/presentationml/2006/main">
-  <p:cSld>
-    <p:spTree>
-      <p:nvGrpSpPr>
-        <p:cNvPr id="1" name=""/>
-        <p:cNvGrpSpPr/>
-        <p:nvPr/>
-      </p:nvGrpSpPr>
-      <p:grpSpPr>
-        <a:xfrm>
-          <a:off x="0" y="0"/>
-          <a:ext cx="0" cy="0"/>
-          <a:chOff x="0" y="0"/>
-          <a:chExt cx="0" cy="0"/>
-        </a:xfrm>
-      </p:grpSpPr>
-      <p:sp>
-        <p:nvSpPr>
-          <p:cNvPr id="2" name="Title 1">
-            <a:extLst>
-              <a:ext uri="{FF2B5EF4-FFF2-40B4-BE49-F238E27FC236}">
-                <a16:creationId xmlns:a16="http://schemas.microsoft.com/office/drawing/2014/main" id="{2ECFDBC1-527D-3041-984A-EF5E7E9B7495}"/>
-              </a:ext>
-            </a:extLst>
-          </p:cNvPr>
-          <p:cNvSpPr>
-            <a:spLocks noGrp="1"/>
-          </p:cNvSpPr>
-          <p:nvPr>
-            <p:ph type="title"/>
-          </p:nvPr>
-        </p:nvSpPr>
-        <p:spPr>
-          <a:xfrm>
-            <a:off x="838200" y="365129"/>
-            <a:ext cx="10515600" cy="1325563"/>
-          </a:xfrm>
-          <a:prstGeom prst="rect">
-            <a:avLst/>
-          </a:prstGeom>
-        </p:spPr>
-        <p:txBody>
-          <a:bodyPr/>
-          <a:lstStyle/>
-          <a:p>
-            <a:pPr lvl="0" indent="0" marL="0">
-              <a:buNone/>
-            </a:pPr>
-            <a:r>
-              <a:rPr/>
-              <a:t>Two Columns (Text + Image)</a:t>
-            </a:r>
-          </a:p>
-        </p:txBody>
-      </p:sp>
-      <p:sp>
-        <p:nvSpPr>
-          <p:cNvPr id="3" name="Content Placeholder 2">
-            <a:extLst>
-              <a:ext uri="{FF2B5EF4-FFF2-40B4-BE49-F238E27FC236}">
-                <a16:creationId xmlns:a16="http://schemas.microsoft.com/office/drawing/2014/main" id="{63FA7BF1-44B1-744C-AB68-4BB0A6A5977E}"/>
-              </a:ext>
-            </a:extLst>
-          </p:cNvPr>
-          <p:cNvSpPr>
-            <a:spLocks noGrp="1"/>
-          </p:cNvSpPr>
-          <p:nvPr>
-            <p:ph idx="1" sz="half"/>
-          </p:nvPr>
-        </p:nvSpPr>
-        <p:spPr/>
-        <p:txBody>
-          <a:bodyPr/>
-          <a:lstStyle/>
-          <a:p>
-            <a:pPr lvl="0" indent="0" marL="0">
-              <a:buNone/>
-            </a:pPr>
-            <a:r>
-              <a:rPr/>
-              <a:t>Left column</a:t>
-            </a:r>
-          </a:p>
-        </p:txBody>
-      </p:sp>
-      <p:pic>
-        <p:nvPicPr>
-          <p:cNvPr descr="fig:  images/LMLLOGO.png" id="0" name="Picture 1"/>
-          <p:cNvPicPr>
-            <a:picLocks noGrp="1" noChangeAspect="1"/>
-          </p:cNvPicPr>
-          <p:nvPr/>
-        </p:nvPicPr>
-        <p:blipFill>
-          <a:blip r:embed="rId2"/>
-          <a:stretch>
-            <a:fillRect/>
-          </a:stretch>
-        </p:blipFill>
-        <p:spPr bwMode="auto">
-          <a:xfrm>
-            <a:off x="6845300" y="1816100"/>
-            <a:ext cx="3835400" cy="3835400"/>
-          </a:xfrm>
-          <a:prstGeom prst="rect">
-            <a:avLst/>
-          </a:prstGeom>
-          <a:noFill/>
-          <a:ln w="9525">
-            <a:noFill/>
-            <a:headEnd/>
-            <a:tailEnd/>
-          </a:ln>
-        </p:spPr>
-      </p:pic>
-      <p:sp>
-        <p:nvSpPr>
-          <p:cNvPr id="1" name="TextBox 3"/>
-          <p:cNvSpPr txBox="1"/>
-          <p:nvPr/>
-        </p:nvSpPr>
-        <p:spPr>
-          <a:xfrm>
-            <a:off x="6172200" y="5651500"/>
-            <a:ext cx="5181600" cy="508000"/>
-          </a:xfrm>
-          <a:prstGeom prst="rect">
-            <a:avLst/>
-          </a:prstGeom>
-          <a:noFill/>
-        </p:spPr>
-        <p:txBody>
-          <a:bodyPr/>
-          <a:lstStyle/>
-          <a:p>
-            <a:pPr lvl="0" indent="0" marL="0" algn="ctr">
-              <a:buNone/>
-            </a:pPr>
-            <a:r>
-              <a:rPr/>
-              <a:t>LittleMonkeyLab</a:t>
-            </a:r>
-          </a:p>
-        </p:txBody>
-      </p:sp>
-    </p:spTree>
-  </p:cSld>
-</p:sld>
-</file>
-
-<file path=ppt/slides/slide27.xml><?xml version="1.0" encoding="utf-8"?>
-<p:sld xmlns:a="http://schemas.openxmlformats.org/drawingml/2006/main" xmlns:r="http://schemas.openxmlformats.org/officeDocument/2006/relationships" xmlns:p="http://schemas.openxmlformats.org/presentationml/2006/main">
-  <p:cSld>
-    <p:spTree>
-      <p:nvGrpSpPr>
-        <p:cNvPr id="1" name=""/>
-        <p:cNvGrpSpPr/>
-        <p:nvPr/>
-      </p:nvGrpSpPr>
-      <p:grpSpPr>
-        <a:xfrm>
-          <a:off x="0" y="0"/>
-          <a:ext cx="0" cy="0"/>
-          <a:chOff x="0" y="0"/>
-          <a:chExt cx="0" cy="0"/>
-        </a:xfrm>
-      </p:grpSpPr>
-      <p:sp>
-        <p:nvSpPr>
-          <p:cNvPr id="2" name="Title 1">
-            <a:extLst>
-              <a:ext uri="{FF2B5EF4-FFF2-40B4-BE49-F238E27FC236}">
-                <a16:creationId xmlns:a16="http://schemas.microsoft.com/office/drawing/2014/main" id="{DD9B8E45-0772-954C-8D4B-6E6808DFEDED}"/>
-              </a:ext>
-            </a:extLst>
-          </p:cNvPr>
-          <p:cNvSpPr>
-            <a:spLocks noGrp="1"/>
-          </p:cNvSpPr>
-          <p:nvPr>
-            <p:ph type="title"/>
-          </p:nvPr>
-        </p:nvSpPr>
-        <p:spPr>
-          <a:xfrm>
-            <a:off x="838200" y="365129"/>
-            <a:ext cx="10515600" cy="1325563"/>
-          </a:xfrm>
-          <a:prstGeom prst="rect">
-            <a:avLst/>
-          </a:prstGeom>
-        </p:spPr>
-        <p:txBody>
-          <a:bodyPr/>
-          <a:lstStyle/>
-          <a:p>
-            <a:pPr lvl="0" indent="0" marL="0">
-              <a:buNone/>
-            </a:pPr>
-            <a:r>
-              <a:rPr/>
-              <a:t>Slide with different background colour</a:t>
-            </a:r>
-          </a:p>
-        </p:txBody>
-      </p:sp>
-      <p:sp>
-        <p:nvSpPr>
-          <p:cNvPr id="3" name="Content Placeholder 2">
-            <a:extLst>
-              <a:ext uri="{FF2B5EF4-FFF2-40B4-BE49-F238E27FC236}">
-                <a16:creationId xmlns:a16="http://schemas.microsoft.com/office/drawing/2014/main" id="{A4EB24F9-04F1-C843-9D71-56C5C024552B}"/>
-              </a:ext>
-            </a:extLst>
-          </p:cNvPr>
-          <p:cNvSpPr>
-            <a:spLocks noGrp="1"/>
-          </p:cNvSpPr>
-          <p:nvPr>
-            <p:ph idx="1"/>
-          </p:nvPr>
-        </p:nvSpPr>
-        <p:spPr/>
-        <p:txBody>
-          <a:bodyPr/>
-          <a:lstStyle/>
-          <a:p>
-            <a:pPr lvl="0" indent="0" marL="0">
-              <a:buNone/>
-            </a:pPr>
-            <a:r>
-              <a:rPr/>
-              <a:t>Shout</a:t>
-            </a:r>
-          </a:p>
-          <a:p>
-            <a:pPr lvl="0" indent="0" marL="0">
-              <a:buNone/>
-            </a:pPr>
-            <a:r>
-              <a:rPr/>
-              <a:t>Question</a:t>
-            </a:r>
-          </a:p>
-          <a:p>
-            <a:pPr lvl="0" indent="0" marL="0">
-              <a:buNone/>
-            </a:pPr>
-            <a:r>
-              <a:rPr/>
-              <a:t>takeaway</a:t>
-            </a:r>
-          </a:p>
-          <a:p>
-            <a:pPr lvl="0" indent="0" marL="0">
-              <a:buNone/>
-            </a:pPr>
-            <a:r>
-              <a:rPr>
-                <a:hlinkClick r:id="rId2"/>
-              </a:rPr>
-              <a:t>A link to the BBC website</a:t>
-            </a:r>
-          </a:p>
-        </p:txBody>
-      </p:sp>
-    </p:spTree>
-  </p:cSld>
-</p:sld>
-</file>
-
-<file path=ppt/slides/slide28.xml><?xml version="1.0" encoding="utf-8"?>
-<p:sld xmlns:a="http://schemas.openxmlformats.org/drawingml/2006/main" xmlns:r="http://schemas.openxmlformats.org/officeDocument/2006/relationships" xmlns:p="http://schemas.openxmlformats.org/presentationml/2006/main">
-  <p:cSld>
-    <p:spTree>
-      <p:nvGrpSpPr>
-        <p:cNvPr id="1" name=""/>
-        <p:cNvGrpSpPr/>
-        <p:nvPr/>
-      </p:nvGrpSpPr>
-      <p:grpSpPr>
-        <a:xfrm>
-          <a:off x="0" y="0"/>
-          <a:ext cx="0" cy="0"/>
-          <a:chOff x="0" y="0"/>
-          <a:chExt cx="0" cy="0"/>
-        </a:xfrm>
-      </p:grpSpPr>
-      <p:sp>
-        <p:nvSpPr>
-          <p:cNvPr id="2" name="Title 1">
-            <a:extLst>
-              <a:ext uri="{FF2B5EF4-FFF2-40B4-BE49-F238E27FC236}">
-                <a16:creationId xmlns:a16="http://schemas.microsoft.com/office/drawing/2014/main" id="{DD9B8E45-0772-954C-8D4B-6E6808DFEDED}"/>
-              </a:ext>
-            </a:extLst>
-          </p:cNvPr>
-          <p:cNvSpPr>
-            <a:spLocks noGrp="1"/>
-          </p:cNvSpPr>
-          <p:nvPr>
-            <p:ph type="title"/>
-          </p:nvPr>
-        </p:nvSpPr>
-        <p:spPr>
-          <a:xfrm>
-            <a:off x="838200" y="365129"/>
-            <a:ext cx="10515600" cy="1325563"/>
-          </a:xfrm>
-          <a:prstGeom prst="rect">
-            <a:avLst/>
-          </a:prstGeom>
-        </p:spPr>
-        <p:txBody>
-          <a:bodyPr/>
-          <a:lstStyle/>
-          <a:p>
-            <a:pPr lvl="0" indent="0" marL="0">
-              <a:buNone/>
-            </a:pPr>
-            <a:r>
-              <a:rPr/>
-              <a:t>Speaker Notes</a:t>
-            </a:r>
-          </a:p>
-        </p:txBody>
-      </p:sp>
-      <p:sp>
-        <p:nvSpPr>
-          <p:cNvPr id="3" name="Content Placeholder 2">
-            <a:extLst>
-              <a:ext uri="{FF2B5EF4-FFF2-40B4-BE49-F238E27FC236}">
-                <a16:creationId xmlns:a16="http://schemas.microsoft.com/office/drawing/2014/main" id="{A4EB24F9-04F1-C843-9D71-56C5C024552B}"/>
-              </a:ext>
-            </a:extLst>
-          </p:cNvPr>
-          <p:cNvSpPr>
-            <a:spLocks noGrp="1"/>
-          </p:cNvSpPr>
-          <p:nvPr>
-            <p:ph idx="1"/>
-          </p:nvPr>
-        </p:nvSpPr>
-        <p:spPr/>
-        <p:txBody>
-          <a:bodyPr/>
-          <a:lstStyle/>
-          <a:p>
-            <a:pPr lvl="0" indent="0" marL="0">
-              <a:buNone/>
-            </a:pPr>
-            <a:r>
-              <a:rPr/>
-              <a:t>Here is some content</a:t>
-            </a:r>
-          </a:p>
-        </p:txBody>
-      </p:sp>
-    </p:spTree>
-  </p:cSld>
-</p:sld>
-</file>
-
-<file path=ppt/slides/slide29.xml><?xml version="1.0" encoding="utf-8"?>
-<p:sld xmlns:a="http://schemas.openxmlformats.org/drawingml/2006/main" xmlns:r="http://schemas.openxmlformats.org/officeDocument/2006/relationships" xmlns:p="http://schemas.openxmlformats.org/presentationml/2006/main">
-  <p:cSld>
-    <p:spTree>
-      <p:nvGrpSpPr>
-        <p:cNvPr id="1" name=""/>
-        <p:cNvGrpSpPr/>
-        <p:nvPr/>
-      </p:nvGrpSpPr>
-      <p:grpSpPr>
-        <a:xfrm>
-          <a:off x="0" y="0"/>
-          <a:ext cx="0" cy="0"/>
-          <a:chOff x="0" y="0"/>
-          <a:chExt cx="0" cy="0"/>
-        </a:xfrm>
-      </p:grpSpPr>
-      <p:sp>
-        <p:nvSpPr>
-          <p:cNvPr id="2" name="Title 1">
-            <a:extLst>
-              <a:ext uri="{FF2B5EF4-FFF2-40B4-BE49-F238E27FC236}">
-                <a16:creationId xmlns:a16="http://schemas.microsoft.com/office/drawing/2014/main" id="{DD9B8E45-0772-954C-8D4B-6E6808DFEDED}"/>
-              </a:ext>
-            </a:extLst>
-          </p:cNvPr>
-          <p:cNvSpPr>
-            <a:spLocks noGrp="1"/>
-          </p:cNvSpPr>
-          <p:nvPr>
-            <p:ph type="title"/>
-          </p:nvPr>
-        </p:nvSpPr>
-        <p:spPr>
-          <a:xfrm>
-            <a:off x="838200" y="365129"/>
-            <a:ext cx="10515600" cy="1325563"/>
-          </a:xfrm>
-          <a:prstGeom prst="rect">
-            <a:avLst/>
-          </a:prstGeom>
-        </p:spPr>
-        <p:txBody>
-          <a:bodyPr/>
-          <a:lstStyle/>
-          <a:p>
-            <a:pPr lvl="0" indent="0" marL="0">
-              <a:buNone/>
-            </a:pPr>
-            <a:r>
-              <a:rPr/>
-              <a:t>Here is a 2 panel tabset</a:t>
-            </a:r>
-          </a:p>
-        </p:txBody>
-      </p:sp>
-      <p:sp>
-        <p:nvSpPr>
-          <p:cNvPr id="3" name="Content Placeholder 2">
-            <a:extLst>
-              <a:ext uri="{FF2B5EF4-FFF2-40B4-BE49-F238E27FC236}">
-                <a16:creationId xmlns:a16="http://schemas.microsoft.com/office/drawing/2014/main" id="{A4EB24F9-04F1-C843-9D71-56C5C024552B}"/>
-              </a:ext>
-            </a:extLst>
-          </p:cNvPr>
-          <p:cNvSpPr>
-            <a:spLocks noGrp="1"/>
-          </p:cNvSpPr>
-          <p:nvPr>
-            <p:ph idx="1"/>
-          </p:nvPr>
-        </p:nvSpPr>
-        <p:spPr/>
-        <p:txBody>
-          <a:bodyPr/>
-          <a:lstStyle/>
-          <a:p>
-            <a:pPr lvl="0" indent="0" marL="0">
-              <a:spcBef>
-                <a:spcPts val="3000"/>
-              </a:spcBef>
-              <a:buNone/>
-            </a:pPr>
-            <a:r>
-              <a:rPr b="1"/>
-              <a:t>Tab A</a:t>
-            </a:r>
-          </a:p>
-          <a:p>
-            <a:pPr lvl="0" indent="0" marL="0">
-              <a:buNone/>
-            </a:pPr>
-            <a:r>
-              <a:rPr/>
-              <a:t>Content for Tab A</a:t>
-            </a:r>
-          </a:p>
-          <a:p>
-            <a:pPr lvl="0" indent="0" marL="0">
-              <a:spcBef>
-                <a:spcPts val="3000"/>
-              </a:spcBef>
-              <a:buNone/>
-            </a:pPr>
-            <a:r>
-              <a:rPr b="1"/>
-              <a:t>Tab B</a:t>
-            </a:r>
-          </a:p>
-          <a:p>
-            <a:pPr lvl="0" indent="0" marL="0">
-              <a:buNone/>
-            </a:pPr>
-            <a:r>
-              <a:rPr/>
-              <a:t>Content for Tab B</a:t>
-            </a:r>
-          </a:p>
-        </p:txBody>
-      </p:sp>
-    </p:spTree>
-  </p:cSld>
-</p:sld>
-</file>
-
 <file path=ppt/slides/slide3.xml><?xml version="1.0" encoding="utf-8"?>
 <p:sld xmlns:a="http://schemas.openxmlformats.org/drawingml/2006/main" xmlns:r="http://schemas.openxmlformats.org/officeDocument/2006/relationships" xmlns:p="http://schemas.openxmlformats.org/presentationml/2006/main">
   <p:cSld>
@@ -7896,858 +5748,6 @@
             <a:r>
               <a:rPr/>
               <a:t>Welcome back and welcome to Research Methods!</a:t>
-            </a:r>
-          </a:p>
-        </p:txBody>
-      </p:sp>
-    </p:spTree>
-  </p:cSld>
-</p:sld>
-</file>
-
-<file path=ppt/slides/slide30.xml><?xml version="1.0" encoding="utf-8"?>
-<p:sld xmlns:a="http://schemas.openxmlformats.org/drawingml/2006/main" xmlns:r="http://schemas.openxmlformats.org/officeDocument/2006/relationships" xmlns:p="http://schemas.openxmlformats.org/presentationml/2006/main">
-  <p:cSld>
-    <p:spTree>
-      <p:nvGrpSpPr>
-        <p:cNvPr id="1" name=""/>
-        <p:cNvGrpSpPr/>
-        <p:nvPr/>
-      </p:nvGrpSpPr>
-      <p:grpSpPr>
-        <a:xfrm>
-          <a:off x="0" y="0"/>
-          <a:ext cx="0" cy="0"/>
-          <a:chOff x="0" y="0"/>
-          <a:chExt cx="0" cy="0"/>
-        </a:xfrm>
-      </p:grpSpPr>
-      <p:sp>
-        <p:nvSpPr>
-          <p:cNvPr id="2" name="Title 1">
-            <a:extLst>
-              <a:ext uri="{FF2B5EF4-FFF2-40B4-BE49-F238E27FC236}">
-                <a16:creationId xmlns:a16="http://schemas.microsoft.com/office/drawing/2014/main" id="{DD9B8E45-0772-954C-8D4B-6E6808DFEDED}"/>
-              </a:ext>
-            </a:extLst>
-          </p:cNvPr>
-          <p:cNvSpPr>
-            <a:spLocks noGrp="1"/>
-          </p:cNvSpPr>
-          <p:nvPr>
-            <p:ph type="title"/>
-          </p:nvPr>
-        </p:nvSpPr>
-        <p:spPr>
-          <a:xfrm>
-            <a:off x="838200" y="365129"/>
-            <a:ext cx="10515600" cy="1325563"/>
-          </a:xfrm>
-          <a:prstGeom prst="rect">
-            <a:avLst/>
-          </a:prstGeom>
-        </p:spPr>
-        <p:txBody>
-          <a:bodyPr/>
-          <a:lstStyle/>
-          <a:p>
-            <a:pPr lvl="0" indent="0" marL="0">
-              <a:buNone/>
-            </a:pPr>
-            <a:r>
-              <a:rPr/>
-              <a:t>Slide with footnote</a:t>
-            </a:r>
-          </a:p>
-        </p:txBody>
-      </p:sp>
-      <p:sp>
-        <p:nvSpPr>
-          <p:cNvPr id="3" name="Content Placeholder 2">
-            <a:extLst>
-              <a:ext uri="{FF2B5EF4-FFF2-40B4-BE49-F238E27FC236}">
-                <a16:creationId xmlns:a16="http://schemas.microsoft.com/office/drawing/2014/main" id="{A4EB24F9-04F1-C843-9D71-56C5C024552B}"/>
-              </a:ext>
-            </a:extLst>
-          </p:cNvPr>
-          <p:cNvSpPr>
-            <a:spLocks noGrp="1"/>
-          </p:cNvSpPr>
-          <p:nvPr>
-            <p:ph idx="1"/>
-          </p:nvPr>
-        </p:nvSpPr>
-        <p:spPr/>
-        <p:txBody>
-          <a:bodyPr/>
-          <a:lstStyle/>
-          <a:p>
-            <a:pPr lvl="0" indent="0" marL="0">
-              <a:buNone/>
-            </a:pPr>
-            <a:r>
-              <a:rPr/>
-              <a:t>Very important point</a:t>
-            </a:r>
-            <a:r>
-              <a:rPr baseline="30000">
-                <a:hlinkClick r:id="rId2" action="ppaction://hlinksldjump"/>
-              </a:rPr>
-              <a:t>1</a:t>
-            </a:r>
-            <a:r>
-              <a:rPr/>
-              <a:t> made to the class</a:t>
-            </a:r>
-          </a:p>
-        </p:txBody>
-      </p:sp>
-    </p:spTree>
-  </p:cSld>
-</p:sld>
-</file>
-
-<file path=ppt/slides/slide31.xml><?xml version="1.0" encoding="utf-8"?>
-<p:sld xmlns:a="http://schemas.openxmlformats.org/drawingml/2006/main" xmlns:r="http://schemas.openxmlformats.org/officeDocument/2006/relationships" xmlns:p="http://schemas.openxmlformats.org/presentationml/2006/main">
-  <p:cSld>
-    <p:spTree>
-      <p:nvGrpSpPr>
-        <p:cNvPr id="1" name=""/>
-        <p:cNvGrpSpPr/>
-        <p:nvPr/>
-      </p:nvGrpSpPr>
-      <p:grpSpPr>
-        <a:xfrm>
-          <a:off x="0" y="0"/>
-          <a:ext cx="0" cy="0"/>
-          <a:chOff x="0" y="0"/>
-          <a:chExt cx="0" cy="0"/>
-        </a:xfrm>
-      </p:grpSpPr>
-      <p:sp>
-        <p:nvSpPr>
-          <p:cNvPr id="2" name="Title 1">
-            <a:extLst>
-              <a:ext uri="{FF2B5EF4-FFF2-40B4-BE49-F238E27FC236}">
-                <a16:creationId xmlns:a16="http://schemas.microsoft.com/office/drawing/2014/main" id="{FF6A6CB2-D1B6-B94A-84C1-83C65423C650}"/>
-              </a:ext>
-            </a:extLst>
-          </p:cNvPr>
-          <p:cNvSpPr>
-            <a:spLocks noGrp="1"/>
-          </p:cNvSpPr>
-          <p:nvPr>
-            <p:ph type="title"/>
-          </p:nvPr>
-        </p:nvSpPr>
-        <p:spPr>
-          <a:xfrm>
-            <a:off x="831851" y="1709742"/>
-            <a:ext cx="10515600" cy="2852737"/>
-          </a:xfrm>
-          <a:prstGeom prst="rect">
-            <a:avLst/>
-          </a:prstGeom>
-        </p:spPr>
-        <p:txBody>
-          <a:bodyPr/>
-          <a:lstStyle/>
-          <a:p>
-            <a:pPr lvl="0" indent="0" marL="0">
-              <a:buNone/>
-            </a:pPr>
-            <a:r>
-              <a:rPr/>
-              <a:t>Section heading 2007</a:t>
-            </a:r>
-          </a:p>
-        </p:txBody>
-      </p:sp>
-    </p:spTree>
-  </p:cSld>
-</p:sld>
-</file>
-
-<file path=ppt/slides/slide32.xml><?xml version="1.0" encoding="utf-8"?>
-<p:sld xmlns:a="http://schemas.openxmlformats.org/drawingml/2006/main" xmlns:r="http://schemas.openxmlformats.org/officeDocument/2006/relationships" xmlns:p="http://schemas.openxmlformats.org/presentationml/2006/main">
-  <p:cSld>
-    <p:spTree>
-      <p:nvGrpSpPr>
-        <p:cNvPr id="1" name=""/>
-        <p:cNvGrpSpPr/>
-        <p:nvPr/>
-      </p:nvGrpSpPr>
-      <p:grpSpPr>
-        <a:xfrm>
-          <a:off x="0" y="0"/>
-          <a:ext cx="0" cy="0"/>
-          <a:chOff x="0" y="0"/>
-          <a:chExt cx="0" cy="0"/>
-        </a:xfrm>
-      </p:grpSpPr>
-      <p:sp>
-        <p:nvSpPr>
-          <p:cNvPr id="3" name="Content Placeholder 2">
-            <a:extLst>
-              <a:ext uri="{FF2B5EF4-FFF2-40B4-BE49-F238E27FC236}">
-                <a16:creationId xmlns:a16="http://schemas.microsoft.com/office/drawing/2014/main" id="{A4EB24F9-04F1-C843-9D71-56C5C024552B}"/>
-              </a:ext>
-            </a:extLst>
-          </p:cNvPr>
-          <p:cNvSpPr>
-            <a:spLocks noGrp="1"/>
-          </p:cNvSpPr>
-          <p:nvPr>
-            <p:ph idx="1"/>
-          </p:nvPr>
-        </p:nvSpPr>
-        <p:spPr/>
-        <p:txBody>
-          <a:bodyPr/>
-          <a:lstStyle/>
-          <a:p>
-            <a:pPr lvl="0" indent="0" marL="0">
-              <a:buNone/>
-            </a:pPr>
-            <a:r>
-              <a:rPr/>
-              <a:t>subtitle</a:t>
-            </a:r>
-          </a:p>
-        </p:txBody>
-      </p:sp>
-    </p:spTree>
-  </p:cSld>
-</p:sld>
-</file>
-
-<file path=ppt/slides/slide33.xml><?xml version="1.0" encoding="utf-8"?>
-<p:sld xmlns:a="http://schemas.openxmlformats.org/drawingml/2006/main" xmlns:r="http://schemas.openxmlformats.org/officeDocument/2006/relationships" xmlns:p="http://schemas.openxmlformats.org/presentationml/2006/main">
-  <p:cSld>
-    <p:spTree>
-      <p:nvGrpSpPr>
-        <p:cNvPr id="1" name=""/>
-        <p:cNvGrpSpPr/>
-        <p:nvPr/>
-      </p:nvGrpSpPr>
-      <p:grpSpPr>
-        <a:xfrm>
-          <a:off x="0" y="0"/>
-          <a:ext cx="0" cy="0"/>
-          <a:chOff x="0" y="0"/>
-          <a:chExt cx="0" cy="0"/>
-        </a:xfrm>
-      </p:grpSpPr>
-      <p:sp>
-        <p:nvSpPr>
-          <p:cNvPr id="2" name="Title 1">
-            <a:extLst>
-              <a:ext uri="{FF2B5EF4-FFF2-40B4-BE49-F238E27FC236}">
-                <a16:creationId xmlns:a16="http://schemas.microsoft.com/office/drawing/2014/main" id="{2ECFDBC1-527D-3041-984A-EF5E7E9B7495}"/>
-              </a:ext>
-            </a:extLst>
-          </p:cNvPr>
-          <p:cNvSpPr>
-            <a:spLocks noGrp="1"/>
-          </p:cNvSpPr>
-          <p:nvPr>
-            <p:ph type="title"/>
-          </p:nvPr>
-        </p:nvSpPr>
-        <p:spPr>
-          <a:xfrm>
-            <a:off x="838200" y="365129"/>
-            <a:ext cx="10515600" cy="1325563"/>
-          </a:xfrm>
-          <a:prstGeom prst="rect">
-            <a:avLst/>
-          </a:prstGeom>
-        </p:spPr>
-        <p:txBody>
-          <a:bodyPr/>
-          <a:lstStyle/>
-          <a:p>
-            <a:pPr lvl="0" indent="0" marL="0">
-              <a:buNone/>
-            </a:pPr>
-            <a:r>
-              <a:rPr/>
-              <a:t>2 columns unequal 20% 80%</a:t>
-            </a:r>
-          </a:p>
-        </p:txBody>
-      </p:sp>
-      <p:sp>
-        <p:nvSpPr>
-          <p:cNvPr id="3" name="Content Placeholder 2">
-            <a:extLst>
-              <a:ext uri="{FF2B5EF4-FFF2-40B4-BE49-F238E27FC236}">
-                <a16:creationId xmlns:a16="http://schemas.microsoft.com/office/drawing/2014/main" id="{63FA7BF1-44B1-744C-AB68-4BB0A6A5977E}"/>
-              </a:ext>
-            </a:extLst>
-          </p:cNvPr>
-          <p:cNvSpPr>
-            <a:spLocks noGrp="1"/>
-          </p:cNvSpPr>
-          <p:nvPr>
-            <p:ph idx="1" sz="half"/>
-          </p:nvPr>
-        </p:nvSpPr>
-        <p:spPr/>
-        <p:txBody>
-          <a:bodyPr/>
-          <a:lstStyle/>
-          <a:p>
-            <a:pPr lvl="0" indent="0" marL="0">
-              <a:spcBef>
-                <a:spcPts val="3000"/>
-              </a:spcBef>
-              <a:buNone/>
-            </a:pPr>
-            <a:r>
-              <a:rPr b="1"/>
-              <a:t>List One</a:t>
-            </a:r>
-          </a:p>
-          <a:p>
-            <a:pPr lvl="0"/>
-            <a:r>
-              <a:rPr/>
-              <a:t>Item A</a:t>
-            </a:r>
-          </a:p>
-          <a:p>
-            <a:pPr lvl="0"/>
-            <a:r>
-              <a:rPr/>
-              <a:t>Item B</a:t>
-            </a:r>
-          </a:p>
-          <a:p>
-            <a:pPr lvl="0"/>
-            <a:r>
-              <a:rPr/>
-              <a:t>Item C</a:t>
-            </a:r>
-          </a:p>
-        </p:txBody>
-      </p:sp>
-      <p:sp>
-        <p:nvSpPr>
-          <p:cNvPr id="4" name="Content Placeholder 3">
-            <a:extLst>
-              <a:ext uri="{FF2B5EF4-FFF2-40B4-BE49-F238E27FC236}">
-                <a16:creationId xmlns:a16="http://schemas.microsoft.com/office/drawing/2014/main" id="{3B974A49-6A1E-2F48-B419-02B0A17B9692}"/>
-              </a:ext>
-            </a:extLst>
-          </p:cNvPr>
-          <p:cNvSpPr>
-            <a:spLocks noGrp="1"/>
-          </p:cNvSpPr>
-          <p:nvPr>
-            <p:ph idx="2" sz="half"/>
-          </p:nvPr>
-        </p:nvSpPr>
-        <p:spPr/>
-        <p:txBody>
-          <a:bodyPr/>
-          <a:lstStyle/>
-          <a:p>
-            <a:pPr lvl="0" indent="0" marL="0">
-              <a:spcBef>
-                <a:spcPts val="3000"/>
-              </a:spcBef>
-              <a:buNone/>
-            </a:pPr>
-            <a:r>
-              <a:rPr b="1"/>
-              <a:t>List Two</a:t>
-            </a:r>
-          </a:p>
-          <a:p>
-            <a:pPr lvl="0"/>
-            <a:r>
-              <a:rPr/>
-              <a:t>Item X</a:t>
-            </a:r>
-          </a:p>
-          <a:p>
-            <a:pPr lvl="0"/>
-            <a:r>
-              <a:rPr/>
-              <a:t>Item Y</a:t>
-            </a:r>
-          </a:p>
-          <a:p>
-            <a:pPr lvl="0"/>
-            <a:r>
-              <a:rPr/>
-              <a:t>Item Z</a:t>
-            </a:r>
-          </a:p>
-        </p:txBody>
-      </p:sp>
-    </p:spTree>
-  </p:cSld>
-</p:sld>
-</file>
-
-<file path=ppt/slides/slide34.xml><?xml version="1.0" encoding="utf-8"?>
-<p:sld xmlns:a="http://schemas.openxmlformats.org/drawingml/2006/main" xmlns:r="http://schemas.openxmlformats.org/officeDocument/2006/relationships" xmlns:p="http://schemas.openxmlformats.org/presentationml/2006/main">
-  <p:cSld>
-    <p:spTree>
-      <p:nvGrpSpPr>
-        <p:cNvPr id="1" name=""/>
-        <p:cNvGrpSpPr/>
-        <p:nvPr/>
-      </p:nvGrpSpPr>
-      <p:grpSpPr>
-        <a:xfrm>
-          <a:off x="0" y="0"/>
-          <a:ext cx="0" cy="0"/>
-          <a:chOff x="0" y="0"/>
-          <a:chExt cx="0" cy="0"/>
-        </a:xfrm>
-      </p:grpSpPr>
-      <p:sp>
-        <p:nvSpPr>
-          <p:cNvPr id="2" name="Title 1">
-            <a:extLst>
-              <a:ext uri="{FF2B5EF4-FFF2-40B4-BE49-F238E27FC236}">
-                <a16:creationId xmlns:a16="http://schemas.microsoft.com/office/drawing/2014/main" id="{DD9B8E45-0772-954C-8D4B-6E6808DFEDED}"/>
-              </a:ext>
-            </a:extLst>
-          </p:cNvPr>
-          <p:cNvSpPr>
-            <a:spLocks noGrp="1"/>
-          </p:cNvSpPr>
-          <p:nvPr>
-            <p:ph type="title"/>
-          </p:nvPr>
-        </p:nvSpPr>
-        <p:spPr>
-          <a:xfrm>
-            <a:off x="838200" y="365129"/>
-            <a:ext cx="10515600" cy="1325563"/>
-          </a:xfrm>
-          <a:prstGeom prst="rect">
-            <a:avLst/>
-          </a:prstGeom>
-        </p:spPr>
-        <p:txBody>
-          <a:bodyPr/>
-          <a:lstStyle/>
-          <a:p>
-            <a:pPr lvl="0" indent="0" marL="0">
-              <a:buNone/>
-            </a:pPr>
-            <a:r>
-              <a:rPr/>
-              <a:t>Level 2 centred text with break  with striking takeaway background</a:t>
-            </a:r>
-          </a:p>
-        </p:txBody>
-      </p:sp>
-    </p:spTree>
-  </p:cSld>
-</p:sld>
-</file>
-
-<file path=ppt/slides/slide35.xml><?xml version="1.0" encoding="utf-8"?>
-<p:sld xmlns:a="http://schemas.openxmlformats.org/drawingml/2006/main" xmlns:r="http://schemas.openxmlformats.org/officeDocument/2006/relationships" xmlns:p="http://schemas.openxmlformats.org/presentationml/2006/main">
-  <p:cSld>
-    <p:spTree>
-      <p:nvGrpSpPr>
-        <p:cNvPr id="1" name=""/>
-        <p:cNvGrpSpPr/>
-        <p:nvPr/>
-      </p:nvGrpSpPr>
-      <p:grpSpPr>
-        <a:xfrm>
-          <a:off x="0" y="0"/>
-          <a:ext cx="0" cy="0"/>
-          <a:chOff x="0" y="0"/>
-          <a:chExt cx="0" cy="0"/>
-        </a:xfrm>
-      </p:grpSpPr>
-      <p:sp>
-        <p:nvSpPr>
-          <p:cNvPr id="2" name="Title 1">
-            <a:extLst>
-              <a:ext uri="{FF2B5EF4-FFF2-40B4-BE49-F238E27FC236}">
-                <a16:creationId xmlns:a16="http://schemas.microsoft.com/office/drawing/2014/main" id="{DD9B8E45-0772-954C-8D4B-6E6808DFEDED}"/>
-              </a:ext>
-            </a:extLst>
-          </p:cNvPr>
-          <p:cNvSpPr>
-            <a:spLocks noGrp="1"/>
-          </p:cNvSpPr>
-          <p:nvPr>
-            <p:ph type="title"/>
-          </p:nvPr>
-        </p:nvSpPr>
-        <p:spPr>
-          <a:xfrm>
-            <a:off x="838200" y="365129"/>
-            <a:ext cx="10515600" cy="1325563"/>
-          </a:xfrm>
-          <a:prstGeom prst="rect">
-            <a:avLst/>
-          </a:prstGeom>
-        </p:spPr>
-        <p:txBody>
-          <a:bodyPr/>
-          <a:lstStyle/>
-          <a:p>
-            <a:pPr lvl="0" indent="0" marL="0">
-              <a:buNone/>
-            </a:pPr>
-            <a:r>
-              <a:rPr/>
-              <a:t>References</a:t>
-            </a:r>
-          </a:p>
-        </p:txBody>
-      </p:sp>
-      <p:sp>
-        <p:nvSpPr>
-          <p:cNvPr id="3" name="Content Placeholder 2">
-            <a:extLst>
-              <a:ext uri="{FF2B5EF4-FFF2-40B4-BE49-F238E27FC236}">
-                <a16:creationId xmlns:a16="http://schemas.microsoft.com/office/drawing/2014/main" id="{A4EB24F9-04F1-C843-9D71-56C5C024552B}"/>
-              </a:ext>
-            </a:extLst>
-          </p:cNvPr>
-          <p:cNvSpPr>
-            <a:spLocks noGrp="1"/>
-          </p:cNvSpPr>
-          <p:nvPr>
-            <p:ph idx="1"/>
-          </p:nvPr>
-        </p:nvSpPr>
-        <p:spPr/>
-        <p:txBody>
-          <a:bodyPr/>
-          <a:lstStyle/>
-          <a:p>
-            <a:pPr lvl="0" indent="0" marL="0">
-              <a:buNone/>
-            </a:pPr>
-            <a:r>
-              <a:rPr/>
-              <a:t>(Andorsky, 2020; Datu et al., 2021; King, 2021; Rice et al., 2021)</a:t>
-            </a:r>
-          </a:p>
-        </p:txBody>
-      </p:sp>
-    </p:spTree>
-  </p:cSld>
-</p:sld>
-</file>
-
-<file path=ppt/slides/slide36.xml><?xml version="1.0" encoding="utf-8"?>
-<p:sld xmlns:a="http://schemas.openxmlformats.org/drawingml/2006/main" xmlns:r="http://schemas.openxmlformats.org/officeDocument/2006/relationships" xmlns:p="http://schemas.openxmlformats.org/presentationml/2006/main">
-  <p:cSld>
-    <p:spTree>
-      <p:nvGrpSpPr>
-        <p:cNvPr id="1" name=""/>
-        <p:cNvGrpSpPr/>
-        <p:nvPr/>
-      </p:nvGrpSpPr>
-      <p:grpSpPr>
-        <a:xfrm>
-          <a:off x="0" y="0"/>
-          <a:ext cx="0" cy="0"/>
-          <a:chOff x="0" y="0"/>
-          <a:chExt cx="0" cy="0"/>
-        </a:xfrm>
-      </p:grpSpPr>
-      <p:sp>
-        <p:nvSpPr>
-          <p:cNvPr id="2" name="Title 1">
-            <a:extLst>
-              <a:ext uri="{FF2B5EF4-FFF2-40B4-BE49-F238E27FC236}">
-                <a16:creationId xmlns:a16="http://schemas.microsoft.com/office/drawing/2014/main" id="{DD9B8E45-0772-954C-8D4B-6E6808DFEDED}"/>
-              </a:ext>
-            </a:extLst>
-          </p:cNvPr>
-          <p:cNvSpPr>
-            <a:spLocks noGrp="1"/>
-          </p:cNvSpPr>
-          <p:nvPr>
-            <p:ph type="title"/>
-          </p:nvPr>
-        </p:nvSpPr>
-        <p:spPr>
-          <a:xfrm>
-            <a:off x="838200" y="365129"/>
-            <a:ext cx="10515600" cy="1325563"/>
-          </a:xfrm>
-          <a:prstGeom prst="rect">
-            <a:avLst/>
-          </a:prstGeom>
-        </p:spPr>
-        <p:txBody>
-          <a:bodyPr/>
-          <a:lstStyle/>
-          <a:p>
-            <a:pPr lvl="0" indent="0" marL="0">
-              <a:buNone/>
-            </a:pPr>
-            <a:r>
-              <a:rPr/>
-              <a:t>Speaker notes</a:t>
-            </a:r>
-          </a:p>
-        </p:txBody>
-      </p:sp>
-      <p:sp>
-        <p:nvSpPr>
-          <p:cNvPr id="3" name="Content Placeholder 2">
-            <a:extLst>
-              <a:ext uri="{FF2B5EF4-FFF2-40B4-BE49-F238E27FC236}">
-                <a16:creationId xmlns:a16="http://schemas.microsoft.com/office/drawing/2014/main" id="{A4EB24F9-04F1-C843-9D71-56C5C024552B}"/>
-              </a:ext>
-            </a:extLst>
-          </p:cNvPr>
-          <p:cNvSpPr>
-            <a:spLocks noGrp="1"/>
-          </p:cNvSpPr>
-          <p:nvPr>
-            <p:ph idx="1"/>
-          </p:nvPr>
-        </p:nvSpPr>
-        <p:spPr/>
-        <p:txBody>
-          <a:bodyPr/>
-          <a:lstStyle/>
-          <a:p>
-            <a:pPr lvl="0" indent="0" marL="0">
-              <a:buNone/>
-            </a:pPr>
-            <a:r>
-              <a:rPr/>
-              <a:t>Include speaker notes in another fenced code block.</a:t>
-            </a:r>
-          </a:p>
-        </p:txBody>
-      </p:sp>
-    </p:spTree>
-  </p:cSld>
-</p:sld>
-</file>
-
-<file path=ppt/slides/slide37.xml><?xml version="1.0" encoding="utf-8"?>
-<p:sld xmlns:a="http://schemas.openxmlformats.org/drawingml/2006/main" xmlns:r="http://schemas.openxmlformats.org/officeDocument/2006/relationships" xmlns:p="http://schemas.openxmlformats.org/presentationml/2006/main">
-  <p:cSld>
-    <p:spTree>
-      <p:nvGrpSpPr>
-        <p:cNvPr id="1" name=""/>
-        <p:cNvGrpSpPr/>
-        <p:nvPr/>
-      </p:nvGrpSpPr>
-      <p:grpSpPr>
-        <a:xfrm>
-          <a:off x="0" y="0"/>
-          <a:ext cx="0" cy="0"/>
-          <a:chOff x="0" y="0"/>
-          <a:chExt cx="0" cy="0"/>
-        </a:xfrm>
-      </p:grpSpPr>
-      <p:sp>
-        <p:nvSpPr>
-          <p:cNvPr id="2" name="Title 1">
-            <a:extLst>
-              <a:ext uri="{FF2B5EF4-FFF2-40B4-BE49-F238E27FC236}">
-                <a16:creationId xmlns:a16="http://schemas.microsoft.com/office/drawing/2014/main" id="{FF6A6CB2-D1B6-B94A-84C1-83C65423C650}"/>
-              </a:ext>
-            </a:extLst>
-          </p:cNvPr>
-          <p:cNvSpPr>
-            <a:spLocks noGrp="1"/>
-          </p:cNvSpPr>
-          <p:nvPr>
-            <p:ph type="title"/>
-          </p:nvPr>
-        </p:nvSpPr>
-        <p:spPr>
-          <a:xfrm>
-            <a:off x="831851" y="1709742"/>
-            <a:ext cx="10515600" cy="2852737"/>
-          </a:xfrm>
-          <a:prstGeom prst="rect">
-            <a:avLst/>
-          </a:prstGeom>
-        </p:spPr>
-        <p:txBody>
-          <a:bodyPr/>
-          <a:lstStyle/>
-          <a:p>
-            <a:pPr lvl="0" indent="0" marL="0">
-              <a:buNone/>
-            </a:pPr>
-            <a:r>
-              <a:rPr/>
-              <a:t>Fragments with entrance</a:t>
-            </a:r>
-          </a:p>
-        </p:txBody>
-      </p:sp>
-    </p:spTree>
-  </p:cSld>
-</p:sld>
-</file>
-
-<file path=ppt/slides/slide38.xml><?xml version="1.0" encoding="utf-8"?>
-<p:sld xmlns:a="http://schemas.openxmlformats.org/drawingml/2006/main" xmlns:r="http://schemas.openxmlformats.org/officeDocument/2006/relationships" xmlns:p="http://schemas.openxmlformats.org/presentationml/2006/main">
-  <p:cSld>
-    <p:spTree>
-      <p:nvGrpSpPr>
-        <p:cNvPr id="1" name=""/>
-        <p:cNvGrpSpPr/>
-        <p:nvPr/>
-      </p:nvGrpSpPr>
-      <p:grpSpPr>
-        <a:xfrm>
-          <a:off x="0" y="0"/>
-          <a:ext cx="0" cy="0"/>
-          <a:chOff x="0" y="0"/>
-          <a:chExt cx="0" cy="0"/>
-        </a:xfrm>
-      </p:grpSpPr>
-      <p:sp>
-        <p:nvSpPr>
-          <p:cNvPr id="3" name="Content Placeholder 2">
-            <a:extLst>
-              <a:ext uri="{FF2B5EF4-FFF2-40B4-BE49-F238E27FC236}">
-                <a16:creationId xmlns:a16="http://schemas.microsoft.com/office/drawing/2014/main" id="{A4EB24F9-04F1-C843-9D71-56C5C024552B}"/>
-              </a:ext>
-            </a:extLst>
-          </p:cNvPr>
-          <p:cNvSpPr>
-            <a:spLocks noGrp="1"/>
-          </p:cNvSpPr>
-          <p:nvPr>
-            <p:ph idx="1"/>
-          </p:nvPr>
-        </p:nvSpPr>
-        <p:spPr/>
-        <p:txBody>
-          <a:bodyPr/>
-          <a:lstStyle/>
-          <a:p>
-            <a:pPr lvl="0" indent="0" marL="0">
-              <a:buNone/>
-            </a:pPr>
-            <a:r>
-              <a:rPr/>
-              <a:t>Fade in</a:t>
-            </a:r>
-          </a:p>
-          <a:p>
-            <a:pPr lvl="0" indent="0" marL="0">
-              <a:buNone/>
-            </a:pPr>
-            <a:r>
-              <a:rPr/>
-              <a:t>Highlight red</a:t>
-            </a:r>
-          </a:p>
-          <a:p>
-            <a:pPr lvl="0" indent="0" marL="0">
-              <a:buNone/>
-            </a:pPr>
-            <a:r>
-              <a:rPr/>
-              <a:t>Highlight current red (available in green and blue)</a:t>
-            </a:r>
-          </a:p>
-          <a:p>
-            <a:pPr lvl="0" indent="0" marL="0">
-              <a:buNone/>
-            </a:pPr>
-            <a:r>
-              <a:rPr/>
-              <a:t>Fade in, then out</a:t>
-            </a:r>
-          </a:p>
-          <a:p>
-            <a:pPr lvl="0" indent="0" marL="0">
-              <a:buNone/>
-            </a:pPr>
-            <a:r>
-              <a:rPr/>
-              <a:t>Fade in, then semi out</a:t>
-            </a:r>
-          </a:p>
-          <a:p>
-            <a:pPr lvl="0" indent="0" marL="0">
-              <a:buNone/>
-            </a:pPr>
-            <a:r>
-              <a:rPr/>
-              <a:t>Slide up while fading in</a:t>
-            </a:r>
-          </a:p>
-        </p:txBody>
-      </p:sp>
-    </p:spTree>
-  </p:cSld>
-</p:sld>
-</file>
-
-<file path=ppt/slides/slide39.xml><?xml version="1.0" encoding="utf-8"?>
-<p:sld xmlns:a="http://schemas.openxmlformats.org/drawingml/2006/main" xmlns:r="http://schemas.openxmlformats.org/officeDocument/2006/relationships" xmlns:p="http://schemas.openxmlformats.org/presentationml/2006/main">
-  <p:cSld>
-    <p:spTree>
-      <p:nvGrpSpPr>
-        <p:cNvPr id="1" name=""/>
-        <p:cNvGrpSpPr/>
-        <p:nvPr/>
-      </p:nvGrpSpPr>
-      <p:grpSpPr>
-        <a:xfrm>
-          <a:off x="0" y="0"/>
-          <a:ext cx="0" cy="0"/>
-          <a:chOff x="0" y="0"/>
-          <a:chExt cx="0" cy="0"/>
-        </a:xfrm>
-      </p:grpSpPr>
-      <p:sp>
-        <p:nvSpPr>
-          <p:cNvPr id="2" name="Title 1">
-            <a:extLst>
-              <a:ext uri="{FF2B5EF4-FFF2-40B4-BE49-F238E27FC236}">
-                <a16:creationId xmlns:a16="http://schemas.microsoft.com/office/drawing/2014/main" id="{FF6A6CB2-D1B6-B94A-84C1-83C65423C650}"/>
-              </a:ext>
-            </a:extLst>
-          </p:cNvPr>
-          <p:cNvSpPr>
-            <a:spLocks noGrp="1"/>
-          </p:cNvSpPr>
-          <p:nvPr>
-            <p:ph type="title"/>
-          </p:nvPr>
-        </p:nvSpPr>
-        <p:spPr>
-          <a:xfrm>
-            <a:off x="831851" y="1709742"/>
-            <a:ext cx="10515600" cy="2852737"/>
-          </a:xfrm>
-          <a:prstGeom prst="rect">
-            <a:avLst/>
-          </a:prstGeom>
-        </p:spPr>
-        <p:txBody>
-          <a:bodyPr/>
-          <a:lstStyle/>
-          <a:p>
-            <a:pPr lvl="0" indent="0" marL="0">
-              <a:buNone/>
-            </a:pPr>
-            <a:r>
-              <a:rPr/>
-              <a:t>References</a:t>
             </a:r>
           </a:p>
         </p:txBody>
@@ -8914,238 +5914,6 @@
 </p:sld>
 </file>
 
-<file path=ppt/slides/slide40.xml><?xml version="1.0" encoding="utf-8"?>
-<p:sld xmlns:a="http://schemas.openxmlformats.org/drawingml/2006/main" xmlns:r="http://schemas.openxmlformats.org/officeDocument/2006/relationships" xmlns:p="http://schemas.openxmlformats.org/presentationml/2006/main">
-  <p:cSld>
-    <p:spTree>
-      <p:nvGrpSpPr>
-        <p:cNvPr id="1" name=""/>
-        <p:cNvGrpSpPr/>
-        <p:nvPr/>
-      </p:nvGrpSpPr>
-      <p:grpSpPr>
-        <a:xfrm>
-          <a:off x="0" y="0"/>
-          <a:ext cx="0" cy="0"/>
-          <a:chOff x="0" y="0"/>
-          <a:chExt cx="0" cy="0"/>
-        </a:xfrm>
-      </p:grpSpPr>
-      <p:sp>
-        <p:nvSpPr>
-          <p:cNvPr id="3" name="Content Placeholder 2">
-            <a:extLst>
-              <a:ext uri="{FF2B5EF4-FFF2-40B4-BE49-F238E27FC236}">
-                <a16:creationId xmlns:a16="http://schemas.microsoft.com/office/drawing/2014/main" id="{A4EB24F9-04F1-C843-9D71-56C5C024552B}"/>
-              </a:ext>
-            </a:extLst>
-          </p:cNvPr>
-          <p:cNvSpPr>
-            <a:spLocks noGrp="1"/>
-          </p:cNvSpPr>
-          <p:nvPr>
-            <p:ph idx="1"/>
-          </p:nvPr>
-        </p:nvSpPr>
-        <p:spPr/>
-        <p:txBody>
-          <a:bodyPr/>
-          <a:lstStyle/>
-          <a:p>
-            <a:pPr lvl="0" indent="0" marL="0">
-              <a:buNone/>
-            </a:pPr>
-            <a:r>
-              <a:rPr/>
-              <a:t>Andorsky, N. (2020). </a:t>
-            </a:r>
-            <a:r>
-              <a:rPr i="1"/>
-              <a:t>Decoding the why: How behavioral science is driving the next generation of product design</a:t>
-            </a:r>
-            <a:r>
-              <a:rPr/>
-              <a:t>.</a:t>
-            </a:r>
-          </a:p>
-          <a:p>
-            <a:pPr lvl="0" indent="0" marL="0">
-              <a:buNone/>
-            </a:pPr>
-            <a:r>
-              <a:rPr/>
-              <a:t>Datu, J. A. D., McInerney, D. M., Żemojtel-Piotrowska, M., Hitokoto, H., &amp; Datu, N. D. (2021). Is grittiness next to happiness? Examining the association of triarchic model of grit dimensions with well-being outcomes. </a:t>
-            </a:r>
-            <a:r>
-              <a:rPr i="1"/>
-              <a:t>Journal of Happiness Studies</a:t>
-            </a:r>
-            <a:r>
-              <a:rPr/>
-              <a:t>, </a:t>
-            </a:r>
-            <a:r>
-              <a:rPr i="1"/>
-              <a:t>22</a:t>
-            </a:r>
-            <a:r>
-              <a:rPr/>
-              <a:t>(2), 981–1009. </a:t>
-            </a:r>
-            <a:r>
-              <a:rPr>
-                <a:hlinkClick r:id="rId2"/>
-              </a:rPr>
-              <a:t>https://doi.org/10.1007/s10902-020-00260-6</a:t>
-            </a:r>
-          </a:p>
-          <a:p>
-            <a:pPr lvl="0" indent="0" marL="0">
-              <a:buNone/>
-            </a:pPr>
-            <a:r>
-              <a:rPr/>
-              <a:t>King, M. (2021). </a:t>
-            </a:r>
-            <a:r>
-              <a:rPr i="1"/>
-              <a:t>Social chemistry: Decoding the patterns of human connection</a:t>
-            </a:r>
-            <a:r>
-              <a:rPr/>
-              <a:t>. Dutton.</a:t>
-            </a:r>
-          </a:p>
-          <a:p>
-            <a:pPr lvl="0" indent="0" marL="0">
-              <a:buNone/>
-            </a:pPr>
-            <a:r>
-              <a:rPr/>
-              <a:t>Rice, L., Alquist, J. L., Penuliar, M., Donato, F. V., &amp; Price, M. M. (2021). Engaging students in a research methods writing lab online. </a:t>
-            </a:r>
-            <a:r>
-              <a:rPr i="1"/>
-              <a:t>Teaching of Psychology</a:t>
-            </a:r>
-            <a:r>
-              <a:rPr/>
-              <a:t>, </a:t>
-            </a:r>
-            <a:r>
-              <a:rPr i="1"/>
-              <a:t>48</a:t>
-            </a:r>
-            <a:r>
-              <a:rPr/>
-              <a:t>(1), 18–25. </a:t>
-            </a:r>
-            <a:r>
-              <a:rPr>
-                <a:hlinkClick r:id="rId3"/>
-              </a:rPr>
-              <a:t>https://doi.org/10.1177/0098628320959954</a:t>
-            </a:r>
-          </a:p>
-        </p:txBody>
-      </p:sp>
-    </p:spTree>
-  </p:cSld>
-</p:sld>
-</file>
-
-<file path=ppt/slides/slide41.xml><?xml version="1.0" encoding="utf-8"?>
-<p:sld xmlns:a="http://schemas.openxmlformats.org/drawingml/2006/main" xmlns:r="http://schemas.openxmlformats.org/officeDocument/2006/relationships" xmlns:p="http://schemas.openxmlformats.org/presentationml/2006/main">
-  <p:cSld>
-    <p:spTree>
-      <p:nvGrpSpPr>
-        <p:cNvPr id="1" name=""/>
-        <p:cNvGrpSpPr/>
-        <p:nvPr/>
-      </p:nvGrpSpPr>
-      <p:grpSpPr>
-        <a:xfrm>
-          <a:off x="0" y="0"/>
-          <a:ext cx="0" cy="0"/>
-          <a:chOff x="0" y="0"/>
-          <a:chExt cx="0" cy="0"/>
-        </a:xfrm>
-      </p:grpSpPr>
-      <p:sp>
-        <p:nvSpPr>
-          <p:cNvPr id="2" name="Title 1">
-            <a:extLst>
-              <a:ext uri="{FF2B5EF4-FFF2-40B4-BE49-F238E27FC236}">
-                <a16:creationId xmlns:a16="http://schemas.microsoft.com/office/drawing/2014/main" id="{DD9B8E45-0772-954C-8D4B-6E6808DFEDED}"/>
-              </a:ext>
-            </a:extLst>
-          </p:cNvPr>
-          <p:cNvSpPr>
-            <a:spLocks noGrp="1"/>
-          </p:cNvSpPr>
-          <p:nvPr>
-            <p:ph type="title"/>
-          </p:nvPr>
-        </p:nvSpPr>
-        <p:spPr>
-          <a:xfrm>
-            <a:off x="838200" y="365129"/>
-            <a:ext cx="10515600" cy="1325563"/>
-          </a:xfrm>
-          <a:prstGeom prst="rect">
-            <a:avLst/>
-          </a:prstGeom>
-        </p:spPr>
-        <p:txBody>
-          <a:bodyPr/>
-          <a:lstStyle/>
-          <a:p>
-            <a:pPr lvl="0" indent="0" marL="0">
-              <a:buNone/>
-            </a:pPr>
-            <a:r>
-              <a:rPr/>
-              <a:t>Notes</a:t>
-            </a:r>
-          </a:p>
-        </p:txBody>
-      </p:sp>
-      <p:sp>
-        <p:nvSpPr>
-          <p:cNvPr id="3" name="Content Placeholder 2">
-            <a:extLst>
-              <a:ext uri="{FF2B5EF4-FFF2-40B4-BE49-F238E27FC236}">
-                <a16:creationId xmlns:a16="http://schemas.microsoft.com/office/drawing/2014/main" id="{A4EB24F9-04F1-C843-9D71-56C5C024552B}"/>
-              </a:ext>
-            </a:extLst>
-          </p:cNvPr>
-          <p:cNvSpPr>
-            <a:spLocks noGrp="1"/>
-          </p:cNvSpPr>
-          <p:nvPr>
-            <p:ph idx="1"/>
-          </p:nvPr>
-        </p:nvSpPr>
-        <p:spPr/>
-        <p:txBody>
-          <a:bodyPr/>
-          <a:lstStyle/>
-          <a:p>
-            <a:pPr lvl="0" indent="0" marL="0">
-              <a:buNone/>
-            </a:pPr>
-            <a:r>
-              <a:rPr sz="1800"/>
-              <a:t>1. A footnote</a:t>
-            </a:r>
-          </a:p>
-        </p:txBody>
-      </p:sp>
-    </p:spTree>
-  </p:cSld>
-</p:sld>
-</file>
-
 <file path=ppt/slides/slide5.xml><?xml version="1.0" encoding="utf-8"?>
 <p:sld xmlns:a="http://schemas.openxmlformats.org/drawingml/2006/main" xmlns:r="http://schemas.openxmlformats.org/officeDocument/2006/relationships" xmlns:p="http://schemas.openxmlformats.org/presentationml/2006/main">
   <p:cSld>
@@ -9168,7 +5936,7 @@
           <p:cNvPr id="2" name="Title 1">
             <a:extLst>
               <a:ext uri="{FF2B5EF4-FFF2-40B4-BE49-F238E27FC236}">
-                <a16:creationId xmlns:a16="http://schemas.microsoft.com/office/drawing/2014/main" id="{DD9B8E45-0772-954C-8D4B-6E6808DFEDED}"/>
+                <a16:creationId xmlns:a16="http://schemas.microsoft.com/office/drawing/2014/main" id="{F3186003-B489-CA46-A95C-C1AECC0CA4D3}"/>
               </a:ext>
             </a:extLst>
           </p:cNvPr>
@@ -9181,8 +5949,8 @@
         </p:nvSpPr>
         <p:spPr>
           <a:xfrm>
-            <a:off x="838200" y="365129"/>
-            <a:ext cx="10515600" cy="1325563"/>
+            <a:off x="839788" y="457200"/>
+            <a:ext cx="3932237" cy="1600200"/>
           </a:xfrm>
           <a:prstGeom prst="rect">
             <a:avLst/>
@@ -9204,18 +5972,18 @@
       </p:sp>
       <p:sp>
         <p:nvSpPr>
-          <p:cNvPr id="3" name="Content Placeholder 2">
-            <a:extLst>
-              <a:ext uri="{FF2B5EF4-FFF2-40B4-BE49-F238E27FC236}">
-                <a16:creationId xmlns:a16="http://schemas.microsoft.com/office/drawing/2014/main" id="{A4EB24F9-04F1-C843-9D71-56C5C024552B}"/>
-              </a:ext>
-            </a:extLst>
-          </p:cNvPr>
-          <p:cNvSpPr>
-            <a:spLocks noGrp="1"/>
-          </p:cNvSpPr>
-          <p:nvPr>
-            <p:ph idx="1"/>
+          <p:cNvPr id="4" name="Text Placeholder 3">
+            <a:extLst>
+              <a:ext uri="{FF2B5EF4-FFF2-40B4-BE49-F238E27FC236}">
+                <a16:creationId xmlns:a16="http://schemas.microsoft.com/office/drawing/2014/main" id="{898BA411-2A54-A94A-B3FC-826281DBEADF}"/>
+              </a:ext>
+            </a:extLst>
+          </p:cNvPr>
+          <p:cNvSpPr>
+            <a:spLocks noGrp="1"/>
+          </p:cNvSpPr>
+          <p:nvPr>
+            <p:ph idx="2" sz="half" type="body"/>
           </p:nvPr>
         </p:nvSpPr>
         <p:spPr/>
@@ -9233,6 +6001,36 @@
           </a:p>
         </p:txBody>
       </p:sp>
+      <p:pic>
+        <p:nvPicPr>
+          <p:cNvPr descr="images/paste-36AED111.png" id="0" name="Picture 1"/>
+          <p:cNvPicPr>
+            <a:picLocks noGrp="1" noChangeAspect="1"/>
+          </p:cNvPicPr>
+          <p:nvPr/>
+        </p:nvPicPr>
+        <p:blipFill>
+          <a:blip r:embed="rId2"/>
+          <a:stretch>
+            <a:fillRect/>
+          </a:stretch>
+        </p:blipFill>
+        <p:spPr bwMode="auto">
+          <a:xfrm>
+            <a:off x="6438900" y="977900"/>
+            <a:ext cx="3644900" cy="4864100"/>
+          </a:xfrm>
+          <a:prstGeom prst="rect">
+            <a:avLst/>
+          </a:prstGeom>
+          <a:noFill/>
+          <a:ln w="9525">
+            <a:noFill/>
+            <a:headEnd/>
+            <a:tailEnd/>
+          </a:ln>
+        </p:spPr>
+      </p:pic>
     </p:spTree>
   </p:cSld>
 </p:sld>
@@ -9315,63 +6113,49 @@
           <a:bodyPr/>
           <a:lstStyle/>
           <a:p>
-            <a:pPr lvl="0" indent="0" marL="0">
-              <a:buNone/>
-            </a:pPr>
+            <a:pPr lvl="0"/>
             <a:r>
               <a:rPr/>
               <a:t>The same 20-week timeline</a:t>
             </a:r>
           </a:p>
           <a:p>
-            <a:pPr lvl="0" indent="0" marL="0">
-              <a:buNone/>
-            </a:pPr>
+            <a:pPr lvl="0"/>
             <a:r>
               <a:rPr/>
               <a:t>The same skills and techniques you will need</a:t>
             </a:r>
           </a:p>
           <a:p>
-            <a:pPr lvl="0" indent="0" marL="0">
-              <a:buNone/>
-            </a:pPr>
+            <a:pPr lvl="0"/>
             <a:r>
               <a:rPr/>
               <a:t>Careful step-by-step guidance and support in the lab setting</a:t>
             </a:r>
           </a:p>
           <a:p>
-            <a:pPr lvl="0" indent="0" marL="0">
-              <a:buNone/>
-            </a:pPr>
+            <a:pPr lvl="0"/>
             <a:r>
               <a:rPr/>
               <a:t>Scaled-down experiments and write-ups</a:t>
             </a:r>
           </a:p>
           <a:p>
-            <a:pPr lvl="0" indent="0" marL="0">
-              <a:buNone/>
-            </a:pPr>
+            <a:pPr lvl="0"/>
             <a:r>
               <a:rPr/>
               <a:t>The security of working in a group</a:t>
             </a:r>
           </a:p>
           <a:p>
-            <a:pPr lvl="0" indent="0" marL="0">
-              <a:buNone/>
-            </a:pPr>
+            <a:pPr lvl="0"/>
             <a:r>
               <a:rPr/>
               <a:t>Tips and advice from world-class researchers</a:t>
             </a:r>
           </a:p>
           <a:p>
-            <a:pPr lvl="0" indent="0" marL="0">
-              <a:buNone/>
-            </a:pPr>
+            <a:pPr lvl="0"/>
             <a:r>
               <a:rPr/>
               <a:t>Opportunity to think carefully about your final year Dissertation, and how to crush it!!</a:t>
@@ -9461,36 +6245,28 @@
           <a:bodyPr/>
           <a:lstStyle/>
           <a:p>
-            <a:pPr lvl="0" indent="0" marL="0">
-              <a:buNone/>
-            </a:pPr>
+            <a:pPr lvl="0"/>
             <a:r>
               <a:rPr/>
               <a:t>Gordon Wright (Module Coordinator and floating Enthusiast in Chief)</a:t>
             </a:r>
           </a:p>
           <a:p>
-            <a:pPr lvl="0" indent="0" marL="0">
-              <a:buNone/>
-            </a:pPr>
+            <a:pPr lvl="0"/>
             <a:r>
               <a:rPr/>
               <a:t>7 gobsmackingly amazing Lab Tutors</a:t>
             </a:r>
           </a:p>
           <a:p>
-            <a:pPr lvl="0" indent="0" marL="0">
-              <a:buNone/>
-            </a:pPr>
+            <a:pPr lvl="0"/>
             <a:r>
               <a:rPr/>
               <a:t>Your Personal Tutor and your PT group</a:t>
             </a:r>
           </a:p>
           <a:p>
-            <a:pPr lvl="0" indent="0" marL="0">
-              <a:buNone/>
-            </a:pPr>
+            <a:pPr lvl="0"/>
             <a:r>
               <a:rPr/>
               <a:t>AND EACH OTHER!!</a:t>
@@ -9612,7 +6388,7 @@
             </a:pPr>
             <a:r>
               <a:rPr/>
-              <a:t>I genuinely could not imagine anything I would rather do that this. I love Research, and vehemently believe it is the #1 skill EVERYONE should have… not just psychology students… EVERYONE!</a:t>
+              <a:t>I genuinely could not imagine anything I would rather do that this. Please talk to me!</a:t>
             </a:r>
           </a:p>
         </p:txBody>
@@ -9734,7 +6510,7 @@
             <a:pPr lvl="0"/>
             <a:r>
               <a:rPr/>
-              <a:t>CHIP Learning Log 2x700 words (15%)</a:t>
+              <a:t>CHIP Learning Log 1,200 words (15%)</a:t>
             </a:r>
           </a:p>
         </p:txBody>

--- a/_site/lectures/Lecture00/Lecture00.pptx
+++ b/_site/lectures/Lecture00/Lecture00.pptx
@@ -186,13 +186,10 @@
             <a:normAutofit/>
           </a:bodyPr>
           <a:lstStyle>
-            <a:lvl1pPr algn="ctr">
+            <a:lvl1pPr algn="l">
               <a:defRPr sz="3600">
                 <a:solidFill>
-                  <a:schemeClr val="tx1">
-                    <a:lumMod val="75000"/>
-                    <a:lumOff val="25000"/>
-                  </a:schemeClr>
+                  <a:schemeClr val="tx1"/>
                 </a:solidFill>
               </a:defRPr>
             </a:lvl1pPr>
@@ -233,7 +230,7 @@
             <a:normAutofit/>
           </a:bodyPr>
           <a:lstStyle>
-            <a:lvl1pPr marL="0" indent="0" algn="ctr">
+            <a:lvl1pPr marL="0" indent="0" algn="l">
               <a:buNone/>
               <a:defRPr sz="1800" b="0">
                 <a:solidFill>
@@ -309,10 +306,7 @@
             <a:lvl1pPr>
               <a:defRPr sz="2000">
                 <a:solidFill>
-                  <a:schemeClr val="tx1">
-                    <a:lumMod val="75000"/>
-                    <a:lumOff val="25000"/>
-                  </a:schemeClr>
+                  <a:schemeClr val="tx1"/>
                 </a:solidFill>
               </a:defRPr>
             </a:lvl1pPr>
@@ -321,9 +315,9 @@
             <a:fld id="{241EB5C9-1307-BA42-ABA2-0BC069CD8E7F}" type="datetimeFigureOut">
               <a:rPr lang="en-US" smtClean="0"/>
               <a:pPr/>
-              <a:t>9/13/22</a:t>
+              <a:t>9/28/22</a:t>
             </a:fld>
-            <a:endParaRPr lang="en-US"/>
+            <a:endParaRPr lang="en-US" dirty="0"/>
           </a:p>
         </p:txBody>
       </p:sp>
@@ -634,7 +628,7 @@
             <a:fld id="{241EB5C9-1307-BA42-ABA2-0BC069CD8E7F}" type="datetimeFigureOut">
               <a:rPr lang="en-US" smtClean="0"/>
               <a:pPr/>
-              <a:t>9/13/22</a:t>
+              <a:t>9/28/22</a:t>
             </a:fld>
             <a:endParaRPr lang="en-US"/>
           </a:p>
@@ -952,7 +946,7 @@
             <a:fld id="{241EB5C9-1307-BA42-ABA2-0BC069CD8E7F}" type="datetimeFigureOut">
               <a:rPr lang="en-US" smtClean="0"/>
               <a:pPr/>
-              <a:t>9/13/22</a:t>
+              <a:t>9/28/22</a:t>
             </a:fld>
             <a:endParaRPr lang="en-US"/>
           </a:p>
@@ -1103,7 +1097,7 @@
             <a:normAutofit/>
           </a:bodyPr>
           <a:lstStyle>
-            <a:lvl1pPr algn="ctr">
+            <a:lvl1pPr algn="l">
               <a:defRPr sz="3600">
                 <a:solidFill>
                   <a:srgbClr val="3C5A72"/>
@@ -1147,7 +1141,7 @@
             <a:normAutofit/>
           </a:bodyPr>
           <a:lstStyle>
-            <a:lvl1pPr marL="0" indent="0" algn="ctr">
+            <a:lvl1pPr marL="0" indent="0" algn="l">
               <a:buNone/>
               <a:defRPr sz="2000" b="0">
                 <a:solidFill>
@@ -1268,7 +1262,7 @@
           <a:p>
             <a:fld id="{241EB5C9-1307-BA42-ABA2-0BC069CD8E7F}" type="datetimeFigureOut">
               <a:rPr lang="en-US" smtClean="0"/>
-              <a:t>9/13/22</a:t>
+              <a:t>9/28/22</a:t>
             </a:fld>
             <a:endParaRPr lang="en-US"/>
           </a:p>
@@ -1385,7 +1379,7 @@
         <p:spPr>
           <a:xfrm>
             <a:off x="838200" y="365129"/>
-            <a:ext cx="10515600" cy="1325563"/>
+            <a:ext cx="10002520" cy="1325563"/>
           </a:xfrm>
           <a:prstGeom prst="rect">
             <a:avLst/>
@@ -1399,10 +1393,7 @@
             <a:lvl1pPr>
               <a:defRPr sz="3200">
                 <a:solidFill>
-                  <a:schemeClr val="tx1">
-                    <a:lumMod val="75000"/>
-                    <a:lumOff val="25000"/>
-                  </a:schemeClr>
+                  <a:schemeClr val="tx1"/>
                 </a:solidFill>
                 <a:latin typeface="Atkinson Hyperlegible" pitchFamily="2" charset="0"/>
                 <a:cs typeface="Arial" panose="020B0604020202020204" pitchFamily="34" charset="0"/>
@@ -1432,6 +1423,140 @@
           </p:cNvSpPr>
           <p:nvPr>
             <p:ph idx="1"/>
+          </p:nvPr>
+        </p:nvSpPr>
+        <p:spPr/>
+        <p:txBody>
+          <a:bodyPr/>
+          <a:lstStyle>
+            <a:lvl1pPr>
+              <a:lnSpc>
+                <a:spcPct val="100000"/>
+              </a:lnSpc>
+              <a:spcBef>
+                <a:spcPts val="1000"/>
+              </a:spcBef>
+              <a:defRPr>
+                <a:solidFill>
+                  <a:schemeClr val="tx1"/>
+                </a:solidFill>
+                <a:latin typeface="Atkinson Hyperlegible" pitchFamily="2" charset="0"/>
+                <a:cs typeface="Arial" panose="020B0604020202020204" pitchFamily="34" charset="0"/>
+              </a:defRPr>
+            </a:lvl1pPr>
+            <a:lvl2pPr>
+              <a:lnSpc>
+                <a:spcPct val="100000"/>
+              </a:lnSpc>
+              <a:spcBef>
+                <a:spcPts val="1000"/>
+              </a:spcBef>
+              <a:defRPr>
+                <a:solidFill>
+                  <a:schemeClr val="tx1"/>
+                </a:solidFill>
+                <a:latin typeface="Atkinson Hyperlegible" pitchFamily="2" charset="0"/>
+                <a:cs typeface="Arial" panose="020B0604020202020204" pitchFamily="34" charset="0"/>
+              </a:defRPr>
+            </a:lvl2pPr>
+            <a:lvl3pPr>
+              <a:lnSpc>
+                <a:spcPct val="100000"/>
+              </a:lnSpc>
+              <a:spcBef>
+                <a:spcPts val="1000"/>
+              </a:spcBef>
+              <a:defRPr>
+                <a:solidFill>
+                  <a:schemeClr val="tx1"/>
+                </a:solidFill>
+                <a:latin typeface="Atkinson Hyperlegible" pitchFamily="2" charset="0"/>
+                <a:cs typeface="Arial" panose="020B0604020202020204" pitchFamily="34" charset="0"/>
+              </a:defRPr>
+            </a:lvl3pPr>
+            <a:lvl4pPr>
+              <a:lnSpc>
+                <a:spcPct val="100000"/>
+              </a:lnSpc>
+              <a:spcBef>
+                <a:spcPts val="1000"/>
+              </a:spcBef>
+              <a:defRPr>
+                <a:solidFill>
+                  <a:schemeClr val="tx1"/>
+                </a:solidFill>
+                <a:latin typeface="Atkinson Hyperlegible" pitchFamily="2" charset="0"/>
+                <a:cs typeface="Arial" panose="020B0604020202020204" pitchFamily="34" charset="0"/>
+              </a:defRPr>
+            </a:lvl4pPr>
+            <a:lvl5pPr>
+              <a:lnSpc>
+                <a:spcPct val="100000"/>
+              </a:lnSpc>
+              <a:spcBef>
+                <a:spcPts val="1000"/>
+              </a:spcBef>
+              <a:defRPr>
+                <a:solidFill>
+                  <a:schemeClr val="tx1"/>
+                </a:solidFill>
+                <a:latin typeface="Atkinson Hyperlegible" pitchFamily="2" charset="0"/>
+                <a:cs typeface="Arial" panose="020B0604020202020204" pitchFamily="34" charset="0"/>
+              </a:defRPr>
+            </a:lvl5pPr>
+          </a:lstStyle>
+          <a:p>
+            <a:pPr lvl="0"/>
+            <a:r>
+              <a:rPr lang="en-GB" dirty="0"/>
+              <a:t>Click to edit Master text styles</a:t>
+            </a:r>
+          </a:p>
+          <a:p>
+            <a:pPr lvl="1"/>
+            <a:r>
+              <a:rPr lang="en-GB" dirty="0"/>
+              <a:t>Second level</a:t>
+            </a:r>
+          </a:p>
+          <a:p>
+            <a:pPr lvl="2"/>
+            <a:r>
+              <a:rPr lang="en-GB" dirty="0"/>
+              <a:t>Third level</a:t>
+            </a:r>
+          </a:p>
+          <a:p>
+            <a:pPr lvl="3"/>
+            <a:r>
+              <a:rPr lang="en-GB" dirty="0"/>
+              <a:t>Fourth level</a:t>
+            </a:r>
+          </a:p>
+          <a:p>
+            <a:pPr lvl="4"/>
+            <a:r>
+              <a:rPr lang="en-GB" dirty="0"/>
+              <a:t>Fifth level</a:t>
+            </a:r>
+            <a:endParaRPr lang="en-US" dirty="0"/>
+          </a:p>
+        </p:txBody>
+      </p:sp>
+      <p:sp>
+        <p:nvSpPr>
+          <p:cNvPr id="4" name="Date Placeholder 3">
+            <a:extLst>
+              <a:ext uri="{FF2B5EF4-FFF2-40B4-BE49-F238E27FC236}">
+                <a16:creationId xmlns:a16="http://schemas.microsoft.com/office/drawing/2014/main" id="{A53559EF-BAB7-0E42-9E60-A03A3B0DDE32}"/>
+              </a:ext>
+            </a:extLst>
+          </p:cNvPr>
+          <p:cNvSpPr>
+            <a:spLocks noGrp="1"/>
+          </p:cNvSpPr>
+          <p:nvPr>
+            <p:ph type="dt" sz="half" idx="10"/>
           </p:nvPr>
         </p:nvSpPr>
         <p:spPr/>
@@ -1447,125 +1572,6 @@
                   </a:schemeClr>
                 </a:solidFill>
                 <a:latin typeface="Atkinson Hyperlegible" pitchFamily="2" charset="0"/>
-                <a:cs typeface="Arial" panose="020B0604020202020204" pitchFamily="34" charset="0"/>
-              </a:defRPr>
-            </a:lvl1pPr>
-            <a:lvl2pPr>
-              <a:defRPr>
-                <a:solidFill>
-                  <a:schemeClr val="tx1">
-                    <a:lumMod val="75000"/>
-                    <a:lumOff val="25000"/>
-                  </a:schemeClr>
-                </a:solidFill>
-                <a:latin typeface="Atkinson Hyperlegible" pitchFamily="2" charset="0"/>
-                <a:cs typeface="Arial" panose="020B0604020202020204" pitchFamily="34" charset="0"/>
-              </a:defRPr>
-            </a:lvl2pPr>
-            <a:lvl3pPr>
-              <a:defRPr>
-                <a:solidFill>
-                  <a:schemeClr val="tx1">
-                    <a:lumMod val="75000"/>
-                    <a:lumOff val="25000"/>
-                  </a:schemeClr>
-                </a:solidFill>
-                <a:latin typeface="Atkinson Hyperlegible" pitchFamily="2" charset="0"/>
-                <a:cs typeface="Arial" panose="020B0604020202020204" pitchFamily="34" charset="0"/>
-              </a:defRPr>
-            </a:lvl3pPr>
-            <a:lvl4pPr>
-              <a:defRPr>
-                <a:solidFill>
-                  <a:schemeClr val="tx1">
-                    <a:lumMod val="75000"/>
-                    <a:lumOff val="25000"/>
-                  </a:schemeClr>
-                </a:solidFill>
-                <a:latin typeface="Atkinson Hyperlegible" pitchFamily="2" charset="0"/>
-                <a:cs typeface="Arial" panose="020B0604020202020204" pitchFamily="34" charset="0"/>
-              </a:defRPr>
-            </a:lvl4pPr>
-            <a:lvl5pPr>
-              <a:defRPr>
-                <a:solidFill>
-                  <a:schemeClr val="tx1">
-                    <a:lumMod val="75000"/>
-                    <a:lumOff val="25000"/>
-                  </a:schemeClr>
-                </a:solidFill>
-                <a:latin typeface="Atkinson Hyperlegible" pitchFamily="2" charset="0"/>
-                <a:cs typeface="Arial" panose="020B0604020202020204" pitchFamily="34" charset="0"/>
-              </a:defRPr>
-            </a:lvl5pPr>
-          </a:lstStyle>
-          <a:p>
-            <a:pPr lvl="0"/>
-            <a:r>
-              <a:rPr lang="en-GB" dirty="0"/>
-              <a:t>Click to edit Master text styles</a:t>
-            </a:r>
-          </a:p>
-          <a:p>
-            <a:pPr lvl="1"/>
-            <a:r>
-              <a:rPr lang="en-GB" dirty="0"/>
-              <a:t>Second level</a:t>
-            </a:r>
-          </a:p>
-          <a:p>
-            <a:pPr lvl="2"/>
-            <a:r>
-              <a:rPr lang="en-GB" dirty="0"/>
-              <a:t>Third level</a:t>
-            </a:r>
-          </a:p>
-          <a:p>
-            <a:pPr lvl="3"/>
-            <a:r>
-              <a:rPr lang="en-GB" dirty="0"/>
-              <a:t>Fourth level</a:t>
-            </a:r>
-          </a:p>
-          <a:p>
-            <a:pPr lvl="4"/>
-            <a:r>
-              <a:rPr lang="en-GB" dirty="0"/>
-              <a:t>Fifth level</a:t>
-            </a:r>
-            <a:endParaRPr lang="en-US" dirty="0"/>
-          </a:p>
-        </p:txBody>
-      </p:sp>
-      <p:sp>
-        <p:nvSpPr>
-          <p:cNvPr id="4" name="Date Placeholder 3">
-            <a:extLst>
-              <a:ext uri="{FF2B5EF4-FFF2-40B4-BE49-F238E27FC236}">
-                <a16:creationId xmlns:a16="http://schemas.microsoft.com/office/drawing/2014/main" id="{A53559EF-BAB7-0E42-9E60-A03A3B0DDE32}"/>
-              </a:ext>
-            </a:extLst>
-          </p:cNvPr>
-          <p:cNvSpPr>
-            <a:spLocks noGrp="1"/>
-          </p:cNvSpPr>
-          <p:nvPr>
-            <p:ph type="dt" sz="half" idx="10"/>
-          </p:nvPr>
-        </p:nvSpPr>
-        <p:spPr/>
-        <p:txBody>
-          <a:bodyPr/>
-          <a:lstStyle>
-            <a:lvl1pPr>
-              <a:defRPr>
-                <a:solidFill>
-                  <a:schemeClr val="tx1">
-                    <a:lumMod val="75000"/>
-                    <a:lumOff val="25000"/>
-                  </a:schemeClr>
-                </a:solidFill>
-                <a:latin typeface="Atkinson Hyperlegible" pitchFamily="2" charset="0"/>
               </a:defRPr>
             </a:lvl1pPr>
           </a:lstStyle>
@@ -1573,7 +1579,7 @@
             <a:fld id="{241EB5C9-1307-BA42-ABA2-0BC069CD8E7F}" type="datetimeFigureOut">
               <a:rPr lang="en-US" smtClean="0"/>
               <a:pPr/>
-              <a:t>9/13/22</a:t>
+              <a:t>9/28/22</a:t>
             </a:fld>
             <a:endParaRPr lang="en-US"/>
           </a:p>
@@ -1726,13 +1732,10 @@
             <a:normAutofit/>
           </a:bodyPr>
           <a:lstStyle>
-            <a:lvl1pPr algn="ctr">
+            <a:lvl1pPr algn="l">
               <a:defRPr sz="4400">
                 <a:solidFill>
-                  <a:schemeClr val="tx1">
-                    <a:lumMod val="75000"/>
-                    <a:lumOff val="25000"/>
-                  </a:schemeClr>
+                  <a:schemeClr val="tx1"/>
                 </a:solidFill>
               </a:defRPr>
             </a:lvl1pPr>
@@ -1769,7 +1772,7 @@
           <a:p>
             <a:fld id="{241EB5C9-1307-BA42-ABA2-0BC069CD8E7F}" type="datetimeFigureOut">
               <a:rPr lang="en-US" smtClean="0"/>
-              <a:t>9/13/22</a:t>
+              <a:t>9/28/22</a:t>
             </a:fld>
             <a:endParaRPr lang="en-US"/>
           </a:p>
@@ -1941,6 +1944,12 @@
           <a:bodyPr/>
           <a:lstStyle>
             <a:lvl1pPr>
+              <a:lnSpc>
+                <a:spcPct val="100000"/>
+              </a:lnSpc>
+              <a:spcBef>
+                <a:spcPts val="1000"/>
+              </a:spcBef>
               <a:defRPr>
                 <a:solidFill>
                   <a:schemeClr val="tx1">
@@ -1953,6 +1962,12 @@
               </a:defRPr>
             </a:lvl1pPr>
             <a:lvl2pPr>
+              <a:lnSpc>
+                <a:spcPct val="100000"/>
+              </a:lnSpc>
+              <a:spcBef>
+                <a:spcPts val="1000"/>
+              </a:spcBef>
               <a:defRPr>
                 <a:solidFill>
                   <a:schemeClr val="tx1">
@@ -1965,6 +1980,12 @@
               </a:defRPr>
             </a:lvl2pPr>
             <a:lvl3pPr>
+              <a:lnSpc>
+                <a:spcPct val="100000"/>
+              </a:lnSpc>
+              <a:spcBef>
+                <a:spcPts val="1000"/>
+              </a:spcBef>
               <a:defRPr>
                 <a:solidFill>
                   <a:schemeClr val="tx1">
@@ -1977,6 +1998,12 @@
               </a:defRPr>
             </a:lvl3pPr>
             <a:lvl4pPr>
+              <a:lnSpc>
+                <a:spcPct val="100000"/>
+              </a:lnSpc>
+              <a:spcBef>
+                <a:spcPts val="1000"/>
+              </a:spcBef>
               <a:defRPr>
                 <a:solidFill>
                   <a:schemeClr val="tx1">
@@ -1989,6 +2016,12 @@
               </a:defRPr>
             </a:lvl4pPr>
             <a:lvl5pPr>
+              <a:lnSpc>
+                <a:spcPct val="100000"/>
+              </a:lnSpc>
+              <a:spcBef>
+                <a:spcPts val="1000"/>
+              </a:spcBef>
               <a:defRPr>
                 <a:solidFill>
                   <a:schemeClr val="tx1">
@@ -2065,6 +2098,12 @@
           <a:bodyPr/>
           <a:lstStyle>
             <a:lvl1pPr>
+              <a:lnSpc>
+                <a:spcPct val="100000"/>
+              </a:lnSpc>
+              <a:spcBef>
+                <a:spcPts val="1000"/>
+              </a:spcBef>
               <a:defRPr>
                 <a:solidFill>
                   <a:schemeClr val="tx1">
@@ -2077,6 +2116,12 @@
               </a:defRPr>
             </a:lvl1pPr>
             <a:lvl2pPr>
+              <a:lnSpc>
+                <a:spcPct val="100000"/>
+              </a:lnSpc>
+              <a:spcBef>
+                <a:spcPts val="1000"/>
+              </a:spcBef>
               <a:defRPr>
                 <a:solidFill>
                   <a:schemeClr val="tx1">
@@ -2089,6 +2134,12 @@
               </a:defRPr>
             </a:lvl2pPr>
             <a:lvl3pPr>
+              <a:lnSpc>
+                <a:spcPct val="100000"/>
+              </a:lnSpc>
+              <a:spcBef>
+                <a:spcPts val="1000"/>
+              </a:spcBef>
               <a:defRPr>
                 <a:solidFill>
                   <a:schemeClr val="tx1">
@@ -2101,6 +2152,12 @@
               </a:defRPr>
             </a:lvl3pPr>
             <a:lvl4pPr>
+              <a:lnSpc>
+                <a:spcPct val="100000"/>
+              </a:lnSpc>
+              <a:spcBef>
+                <a:spcPts val="1000"/>
+              </a:spcBef>
               <a:defRPr>
                 <a:solidFill>
                   <a:schemeClr val="tx1">
@@ -2113,6 +2170,12 @@
               </a:defRPr>
             </a:lvl4pPr>
             <a:lvl5pPr>
+              <a:lnSpc>
+                <a:spcPct val="100000"/>
+              </a:lnSpc>
+              <a:spcBef>
+                <a:spcPts val="1000"/>
+              </a:spcBef>
               <a:defRPr>
                 <a:solidFill>
                   <a:schemeClr val="tx1">
@@ -2198,7 +2261,7 @@
             <a:fld id="{241EB5C9-1307-BA42-ABA2-0BC069CD8E7F}" type="datetimeFigureOut">
               <a:rPr lang="en-US" smtClean="0"/>
               <a:pPr/>
-              <a:t>9/13/22</a:t>
+              <a:t>9/28/22</a:t>
             </a:fld>
             <a:endParaRPr lang="en-US"/>
           </a:p>
@@ -2474,6 +2537,12 @@
           <a:bodyPr/>
           <a:lstStyle>
             <a:lvl1pPr>
+              <a:lnSpc>
+                <a:spcPct val="100000"/>
+              </a:lnSpc>
+              <a:spcBef>
+                <a:spcPts val="1000"/>
+              </a:spcBef>
               <a:defRPr>
                 <a:solidFill>
                   <a:schemeClr val="tx1">
@@ -2484,6 +2553,12 @@
               </a:defRPr>
             </a:lvl1pPr>
             <a:lvl2pPr>
+              <a:lnSpc>
+                <a:spcPct val="100000"/>
+              </a:lnSpc>
+              <a:spcBef>
+                <a:spcPts val="1000"/>
+              </a:spcBef>
               <a:defRPr>
                 <a:solidFill>
                   <a:schemeClr val="tx1">
@@ -2494,6 +2569,12 @@
               </a:defRPr>
             </a:lvl2pPr>
             <a:lvl3pPr>
+              <a:lnSpc>
+                <a:spcPct val="100000"/>
+              </a:lnSpc>
+              <a:spcBef>
+                <a:spcPts val="1000"/>
+              </a:spcBef>
               <a:defRPr>
                 <a:solidFill>
                   <a:schemeClr val="tx1">
@@ -2504,6 +2585,12 @@
               </a:defRPr>
             </a:lvl3pPr>
             <a:lvl4pPr>
+              <a:lnSpc>
+                <a:spcPct val="100000"/>
+              </a:lnSpc>
+              <a:spcBef>
+                <a:spcPts val="1000"/>
+              </a:spcBef>
               <a:defRPr>
                 <a:solidFill>
                   <a:schemeClr val="tx1">
@@ -2514,6 +2601,12 @@
               </a:defRPr>
             </a:lvl4pPr>
             <a:lvl5pPr>
+              <a:lnSpc>
+                <a:spcPct val="100000"/>
+              </a:lnSpc>
+              <a:spcBef>
+                <a:spcPts val="1000"/>
+              </a:spcBef>
               <a:defRPr>
                 <a:solidFill>
                   <a:schemeClr val="tx1">
@@ -2668,6 +2761,12 @@
           <a:bodyPr/>
           <a:lstStyle>
             <a:lvl1pPr>
+              <a:lnSpc>
+                <a:spcPct val="100000"/>
+              </a:lnSpc>
+              <a:spcBef>
+                <a:spcPts val="1000"/>
+              </a:spcBef>
               <a:defRPr>
                 <a:solidFill>
                   <a:schemeClr val="tx1">
@@ -2678,6 +2777,12 @@
               </a:defRPr>
             </a:lvl1pPr>
             <a:lvl2pPr>
+              <a:lnSpc>
+                <a:spcPct val="100000"/>
+              </a:lnSpc>
+              <a:spcBef>
+                <a:spcPts val="1000"/>
+              </a:spcBef>
               <a:defRPr>
                 <a:solidFill>
                   <a:schemeClr val="tx1">
@@ -2688,6 +2793,12 @@
               </a:defRPr>
             </a:lvl2pPr>
             <a:lvl3pPr>
+              <a:lnSpc>
+                <a:spcPct val="100000"/>
+              </a:lnSpc>
+              <a:spcBef>
+                <a:spcPts val="1000"/>
+              </a:spcBef>
               <a:defRPr>
                 <a:solidFill>
                   <a:schemeClr val="tx1">
@@ -2698,6 +2809,12 @@
               </a:defRPr>
             </a:lvl3pPr>
             <a:lvl4pPr>
+              <a:lnSpc>
+                <a:spcPct val="100000"/>
+              </a:lnSpc>
+              <a:spcBef>
+                <a:spcPts val="1000"/>
+              </a:spcBef>
               <a:defRPr>
                 <a:solidFill>
                   <a:schemeClr val="tx1">
@@ -2708,6 +2825,12 @@
               </a:defRPr>
             </a:lvl4pPr>
             <a:lvl5pPr>
+              <a:lnSpc>
+                <a:spcPct val="100000"/>
+              </a:lnSpc>
+              <a:spcBef>
+                <a:spcPts val="1000"/>
+              </a:spcBef>
               <a:defRPr>
                 <a:solidFill>
                   <a:schemeClr val="tx1">
@@ -2721,38 +2844,38 @@
           <a:p>
             <a:pPr lvl="0"/>
             <a:r>
-              <a:rPr lang="en-GB"/>
+              <a:rPr lang="en-GB" dirty="0"/>
               <a:t>Click to edit Master text styles</a:t>
             </a:r>
           </a:p>
           <a:p>
             <a:pPr lvl="1"/>
             <a:r>
-              <a:rPr lang="en-GB"/>
+              <a:rPr lang="en-GB" dirty="0"/>
               <a:t>Second level</a:t>
             </a:r>
           </a:p>
           <a:p>
             <a:pPr lvl="2"/>
             <a:r>
-              <a:rPr lang="en-GB"/>
+              <a:rPr lang="en-GB" dirty="0"/>
               <a:t>Third level</a:t>
             </a:r>
           </a:p>
           <a:p>
             <a:pPr lvl="3"/>
             <a:r>
-              <a:rPr lang="en-GB"/>
+              <a:rPr lang="en-GB" dirty="0"/>
               <a:t>Fourth level</a:t>
             </a:r>
           </a:p>
           <a:p>
             <a:pPr lvl="4"/>
             <a:r>
-              <a:rPr lang="en-GB"/>
+              <a:rPr lang="en-GB" dirty="0"/>
               <a:t>Fifth level</a:t>
             </a:r>
-            <a:endParaRPr lang="en-US"/>
+            <a:endParaRPr lang="en-US" dirty="0"/>
           </a:p>
         </p:txBody>
       </p:sp>
@@ -2791,7 +2914,7 @@
             <a:fld id="{241EB5C9-1307-BA42-ABA2-0BC069CD8E7F}" type="datetimeFigureOut">
               <a:rPr lang="en-US" smtClean="0"/>
               <a:pPr/>
-              <a:t>9/13/22</a:t>
+              <a:t>9/28/22</a:t>
             </a:fld>
             <a:endParaRPr lang="en-US"/>
           </a:p>
@@ -2995,7 +3118,7 @@
             <a:fld id="{241EB5C9-1307-BA42-ABA2-0BC069CD8E7F}" type="datetimeFigureOut">
               <a:rPr lang="en-US" smtClean="0"/>
               <a:pPr/>
-              <a:t>9/13/22</a:t>
+              <a:t>9/28/22</a:t>
             </a:fld>
             <a:endParaRPr lang="en-US"/>
           </a:p>
@@ -3139,7 +3262,7 @@
           <a:p>
             <a:fld id="{241EB5C9-1307-BA42-ABA2-0BC069CD8E7F}" type="datetimeFigureOut">
               <a:rPr lang="en-US" smtClean="0"/>
-              <a:t>9/13/22</a:t>
+              <a:t>9/28/22</a:t>
             </a:fld>
             <a:endParaRPr lang="en-US"/>
           </a:p>
@@ -3313,6 +3436,12 @@
           <a:bodyPr/>
           <a:lstStyle>
             <a:lvl1pPr>
+              <a:lnSpc>
+                <a:spcPct val="100000"/>
+              </a:lnSpc>
+              <a:spcBef>
+                <a:spcPts val="1000"/>
+              </a:spcBef>
               <a:defRPr sz="1800">
                 <a:solidFill>
                   <a:schemeClr val="tx1">
@@ -3323,6 +3452,12 @@
               </a:defRPr>
             </a:lvl1pPr>
             <a:lvl2pPr>
+              <a:lnSpc>
+                <a:spcPct val="100000"/>
+              </a:lnSpc>
+              <a:spcBef>
+                <a:spcPts val="1000"/>
+              </a:spcBef>
               <a:defRPr sz="1575">
                 <a:solidFill>
                   <a:schemeClr val="tx1">
@@ -3333,6 +3468,12 @@
               </a:defRPr>
             </a:lvl2pPr>
             <a:lvl3pPr>
+              <a:lnSpc>
+                <a:spcPct val="100000"/>
+              </a:lnSpc>
+              <a:spcBef>
+                <a:spcPts val="1000"/>
+              </a:spcBef>
               <a:defRPr sz="1350">
                 <a:solidFill>
                   <a:schemeClr val="tx1">
@@ -3343,6 +3484,12 @@
               </a:defRPr>
             </a:lvl3pPr>
             <a:lvl4pPr>
+              <a:lnSpc>
+                <a:spcPct val="100000"/>
+              </a:lnSpc>
+              <a:spcBef>
+                <a:spcPts val="1000"/>
+              </a:spcBef>
               <a:defRPr sz="1125">
                 <a:solidFill>
                   <a:schemeClr val="tx1">
@@ -3353,6 +3500,12 @@
               </a:defRPr>
             </a:lvl4pPr>
             <a:lvl5pPr>
+              <a:lnSpc>
+                <a:spcPct val="100000"/>
+              </a:lnSpc>
+              <a:spcBef>
+                <a:spcPts val="1000"/>
+              </a:spcBef>
               <a:defRPr sz="1125">
                 <a:solidFill>
                   <a:schemeClr val="tx1">
@@ -3528,7 +3681,7 @@
             <a:fld id="{241EB5C9-1307-BA42-ABA2-0BC069CD8E7F}" type="datetimeFigureOut">
               <a:rPr lang="en-US" smtClean="0"/>
               <a:pPr/>
-              <a:t>9/13/22</a:t>
+              <a:t>9/28/22</a:t>
             </a:fld>
             <a:endParaRPr lang="en-US"/>
           </a:p>
@@ -3892,7 +4045,7 @@
             <a:fld id="{241EB5C9-1307-BA42-ABA2-0BC069CD8E7F}" type="datetimeFigureOut">
               <a:rPr lang="en-US" smtClean="0"/>
               <a:pPr/>
-              <a:t>9/13/22</a:t>
+              <a:t>9/28/22</a:t>
             </a:fld>
             <a:endParaRPr lang="en-US"/>
           </a:p>
@@ -4002,10 +4155,9 @@
     <p:bg>
       <p:bgPr>
         <a:solidFill>
-          <a:schemeClr val="accent4">
-            <a:lumMod val="20000"/>
-            <a:lumOff val="80000"/>
-            <a:alpha val="10335"/>
+          <a:schemeClr val="bg1">
+            <a:lumMod val="95000"/>
+            <a:alpha val="0"/>
           </a:schemeClr>
         </a:solidFill>
         <a:effectLst/>
@@ -4137,7 +4289,7 @@
             <a:fld id="{241EB5C9-1307-BA42-ABA2-0BC069CD8E7F}" type="datetimeFigureOut">
               <a:rPr lang="en-US" smtClean="0"/>
               <a:pPr/>
-              <a:t>9/13/22</a:t>
+              <a:t>9/28/22</a:t>
             </a:fld>
             <a:endParaRPr lang="en-US"/>
           </a:p>
@@ -4162,7 +4314,7 @@
         <p:spPr>
           <a:xfrm>
             <a:off x="8610600" y="6356354"/>
-            <a:ext cx="2743200" cy="365125"/>
+            <a:ext cx="1993710" cy="365125"/>
           </a:xfrm>
           <a:prstGeom prst="rect">
             <a:avLst/>
@@ -4277,6 +4429,36 @@
           </a:p>
         </p:txBody>
       </p:sp>
+      <p:pic>
+        <p:nvPicPr>
+          <p:cNvPr descr="A picture containing text, primate, monitor, indoor  Description automatically generated" id="5" name="Picture 4">
+            <a:extLst>
+              <a:ext uri="{FF2B5EF4-FFF2-40B4-BE49-F238E27FC236}">
+                <a16:creationId xmlns:a16="http://schemas.microsoft.com/office/drawing/2014/main" id="{95BB2492-9F7E-285B-479F-BD1BD9B4CC01}"/>
+              </a:ext>
+            </a:extLst>
+          </p:cNvPr>
+          <p:cNvPicPr>
+            <a:picLocks noChangeAspect="1"/>
+          </p:cNvPicPr>
+          <p:nvPr userDrawn="1"/>
+        </p:nvPicPr>
+        <p:blipFill>
+          <a:blip r:embed="rId14"/>
+          <a:stretch>
+            <a:fillRect/>
+          </a:stretch>
+        </p:blipFill>
+        <p:spPr>
+          <a:xfrm>
+            <a:off x="10822010" y="5566889"/>
+            <a:ext cx="1063580" cy="1220148"/>
+          </a:xfrm>
+          <a:prstGeom prst="rect">
+            <a:avLst/>
+          </a:prstGeom>
+        </p:spPr>
+      </p:pic>
     </p:spTree>
     <p:extLst>
       <p:ext uri="{BB962C8B-B14F-4D97-AF65-F5344CB8AC3E}">
@@ -4311,10 +4493,7 @@
         <a:buNone/>
         <a:defRPr b="1" baseline="0" i="0" kern="1200" sz="3200">
           <a:solidFill>
-            <a:schemeClr val="tx1">
-              <a:lumMod val="75000"/>
-              <a:lumOff val="25000"/>
-            </a:schemeClr>
+            <a:schemeClr val="tx1"/>
           </a:solidFill>
           <a:latin charset="0" pitchFamily="2" typeface="Atkinson Hyperlegible"/>
           <a:ea typeface="+mj-ea"/>
@@ -4334,10 +4513,7 @@
         <a:buChar char="•"/>
         <a:defRPr b="0" baseline="0" i="0" kern="1200" sz="1800">
           <a:solidFill>
-            <a:schemeClr val="tx1">
-              <a:lumMod val="75000"/>
-              <a:lumOff val="25000"/>
-            </a:schemeClr>
+            <a:schemeClr val="tx1"/>
           </a:solidFill>
           <a:latin charset="0" pitchFamily="2" typeface="Atkinson Hyperlegible"/>
           <a:ea typeface="+mn-ea"/>
@@ -4355,10 +4531,7 @@
         <a:buChar char="•"/>
         <a:defRPr b="0" baseline="0" i="0" kern="1200" sz="1800">
           <a:solidFill>
-            <a:schemeClr val="tx1">
-              <a:lumMod val="75000"/>
-              <a:lumOff val="25000"/>
-            </a:schemeClr>
+            <a:schemeClr val="tx1"/>
           </a:solidFill>
           <a:latin charset="0" pitchFamily="2" typeface="Atkinson Hyperlegible"/>
           <a:ea typeface="+mn-ea"/>
@@ -4376,10 +4549,7 @@
         <a:buChar char="•"/>
         <a:defRPr b="0" baseline="0" i="0" kern="1200" sz="1800">
           <a:solidFill>
-            <a:schemeClr val="tx1">
-              <a:lumMod val="75000"/>
-              <a:lumOff val="25000"/>
-            </a:schemeClr>
+            <a:schemeClr val="tx1"/>
           </a:solidFill>
           <a:latin charset="0" pitchFamily="2" typeface="Atkinson Hyperlegible"/>
           <a:ea typeface="+mn-ea"/>
@@ -4397,10 +4567,7 @@
         <a:buChar char="•"/>
         <a:defRPr b="0" baseline="0" i="0" kern="1200" sz="1800">
           <a:solidFill>
-            <a:schemeClr val="tx1">
-              <a:lumMod val="75000"/>
-              <a:lumOff val="25000"/>
-            </a:schemeClr>
+            <a:schemeClr val="tx1"/>
           </a:solidFill>
           <a:latin charset="0" pitchFamily="2" typeface="Atkinson Hyperlegible"/>
           <a:ea typeface="+mn-ea"/>
@@ -4418,10 +4585,7 @@
         <a:buChar char="•"/>
         <a:defRPr b="0" baseline="0" i="0" kern="1200" sz="1800">
           <a:solidFill>
-            <a:schemeClr val="tx1">
-              <a:lumMod val="75000"/>
-              <a:lumOff val="25000"/>
-            </a:schemeClr>
+            <a:schemeClr val="tx1"/>
           </a:solidFill>
           <a:latin charset="0" pitchFamily="2" typeface="Atkinson Hyperlegible"/>
           <a:ea typeface="+mn-ea"/>
@@ -4770,7 +4934,7 @@
         <p:spPr>
           <a:xfrm>
             <a:off x="838200" y="365129"/>
-            <a:ext cx="10515600" cy="1325563"/>
+            <a:ext cx="10002520" cy="1325563"/>
           </a:xfrm>
           <a:prstGeom prst="rect">
             <a:avLst/>
@@ -4871,7 +5035,7 @@
         <p:spPr>
           <a:xfrm>
             <a:off x="838200" y="365129"/>
-            <a:ext cx="10515600" cy="1325563"/>
+            <a:ext cx="10002520" cy="1325563"/>
           </a:xfrm>
           <a:prstGeom prst="rect">
             <a:avLst/>
@@ -4981,7 +5145,7 @@
         <p:spPr>
           <a:xfrm>
             <a:off x="838200" y="365129"/>
-            <a:ext cx="10515600" cy="1325563"/>
+            <a:ext cx="10002520" cy="1325563"/>
           </a:xfrm>
           <a:prstGeom prst="rect">
             <a:avLst/>
@@ -5148,7 +5312,7 @@
         <p:spPr>
           <a:xfrm>
             <a:off x="838200" y="365129"/>
-            <a:ext cx="10515600" cy="1325563"/>
+            <a:ext cx="10002520" cy="1325563"/>
           </a:xfrm>
           <a:prstGeom prst="rect">
             <a:avLst/>
@@ -5240,7 +5404,7 @@
         <p:spPr>
           <a:xfrm>
             <a:off x="838200" y="365129"/>
-            <a:ext cx="10515600" cy="1325563"/>
+            <a:ext cx="10002520" cy="1325563"/>
           </a:xfrm>
           <a:prstGeom prst="rect">
             <a:avLst/>
@@ -5359,7 +5523,7 @@
         <p:spPr>
           <a:xfrm>
             <a:off x="838200" y="365129"/>
-            <a:ext cx="10515600" cy="1325563"/>
+            <a:ext cx="10002520" cy="1325563"/>
           </a:xfrm>
           <a:prstGeom prst="rect">
             <a:avLst/>
@@ -5478,7 +5642,7 @@
         <p:spPr>
           <a:xfrm>
             <a:off x="838200" y="365129"/>
-            <a:ext cx="10515600" cy="1325563"/>
+            <a:ext cx="10002520" cy="1325563"/>
           </a:xfrm>
           <a:prstGeom prst="rect">
             <a:avLst/>
@@ -5570,7 +5734,7 @@
         <p:spPr>
           <a:xfrm>
             <a:off x="838200" y="365129"/>
-            <a:ext cx="10515600" cy="1325563"/>
+            <a:ext cx="10002520" cy="1325563"/>
           </a:xfrm>
           <a:prstGeom prst="rect">
             <a:avLst/>
@@ -5732,7 +5896,7 @@
         <p:spPr>
           <a:xfrm>
             <a:off x="838200" y="365129"/>
-            <a:ext cx="10515600" cy="1325563"/>
+            <a:ext cx="10002520" cy="1325563"/>
           </a:xfrm>
           <a:prstGeom prst="rect">
             <a:avLst/>
@@ -5793,7 +5957,7 @@
         <p:spPr>
           <a:xfrm>
             <a:off x="838200" y="365129"/>
-            <a:ext cx="10515600" cy="1325563"/>
+            <a:ext cx="10002520" cy="1325563"/>
           </a:xfrm>
           <a:prstGeom prst="rect">
             <a:avLst/>
@@ -5936,7 +6100,7 @@
           <p:cNvPr id="2" name="Title 1">
             <a:extLst>
               <a:ext uri="{FF2B5EF4-FFF2-40B4-BE49-F238E27FC236}">
-                <a16:creationId xmlns:a16="http://schemas.microsoft.com/office/drawing/2014/main" id="{F3186003-B489-CA46-A95C-C1AECC0CA4D3}"/>
+                <a16:creationId xmlns:a16="http://schemas.microsoft.com/office/drawing/2014/main" id="{DD9B8E45-0772-954C-8D4B-6E6808DFEDED}"/>
               </a:ext>
             </a:extLst>
           </p:cNvPr>
@@ -5949,8 +6113,8 @@
         </p:nvSpPr>
         <p:spPr>
           <a:xfrm>
-            <a:off x="839788" y="457200"/>
-            <a:ext cx="3932237" cy="1600200"/>
+            <a:off x="838200" y="365129"/>
+            <a:ext cx="10002520" cy="1325563"/>
           </a:xfrm>
           <a:prstGeom prst="rect">
             <a:avLst/>
@@ -5972,18 +6136,18 @@
       </p:sp>
       <p:sp>
         <p:nvSpPr>
-          <p:cNvPr id="4" name="Text Placeholder 3">
-            <a:extLst>
-              <a:ext uri="{FF2B5EF4-FFF2-40B4-BE49-F238E27FC236}">
-                <a16:creationId xmlns:a16="http://schemas.microsoft.com/office/drawing/2014/main" id="{898BA411-2A54-A94A-B3FC-826281DBEADF}"/>
-              </a:ext>
-            </a:extLst>
-          </p:cNvPr>
-          <p:cNvSpPr>
-            <a:spLocks noGrp="1"/>
-          </p:cNvSpPr>
-          <p:nvPr>
-            <p:ph idx="2" sz="half" type="body"/>
+          <p:cNvPr id="3" name="Content Placeholder 2">
+            <a:extLst>
+              <a:ext uri="{FF2B5EF4-FFF2-40B4-BE49-F238E27FC236}">
+                <a16:creationId xmlns:a16="http://schemas.microsoft.com/office/drawing/2014/main" id="{A4EB24F9-04F1-C843-9D71-56C5C024552B}"/>
+              </a:ext>
+            </a:extLst>
+          </p:cNvPr>
+          <p:cNvSpPr>
+            <a:spLocks noGrp="1"/>
+          </p:cNvSpPr>
+          <p:nvPr>
+            <p:ph idx="1"/>
           </p:nvPr>
         </p:nvSpPr>
         <p:spPr/>
@@ -6001,36 +6165,6 @@
           </a:p>
         </p:txBody>
       </p:sp>
-      <p:pic>
-        <p:nvPicPr>
-          <p:cNvPr descr="images/paste-36AED111.png" id="0" name="Picture 1"/>
-          <p:cNvPicPr>
-            <a:picLocks noGrp="1" noChangeAspect="1"/>
-          </p:cNvPicPr>
-          <p:nvPr/>
-        </p:nvPicPr>
-        <p:blipFill>
-          <a:blip r:embed="rId2"/>
-          <a:stretch>
-            <a:fillRect/>
-          </a:stretch>
-        </p:blipFill>
-        <p:spPr bwMode="auto">
-          <a:xfrm>
-            <a:off x="6438900" y="977900"/>
-            <a:ext cx="3644900" cy="4864100"/>
-          </a:xfrm>
-          <a:prstGeom prst="rect">
-            <a:avLst/>
-          </a:prstGeom>
-          <a:noFill/>
-          <a:ln w="9525">
-            <a:noFill/>
-            <a:headEnd/>
-            <a:tailEnd/>
-          </a:ln>
-        </p:spPr>
-      </p:pic>
     </p:spTree>
   </p:cSld>
 </p:sld>
@@ -6072,7 +6206,7 @@
         <p:spPr>
           <a:xfrm>
             <a:off x="838200" y="365129"/>
-            <a:ext cx="10515600" cy="1325563"/>
+            <a:ext cx="10002520" cy="1325563"/>
           </a:xfrm>
           <a:prstGeom prst="rect">
             <a:avLst/>
@@ -6204,7 +6338,7 @@
         <p:spPr>
           <a:xfrm>
             <a:off x="838200" y="365129"/>
-            <a:ext cx="10515600" cy="1325563"/>
+            <a:ext cx="10002520" cy="1325563"/>
           </a:xfrm>
           <a:prstGeom prst="rect">
             <a:avLst/>
@@ -6324,7 +6458,7 @@
         <p:spPr>
           <a:xfrm>
             <a:off x="838200" y="365129"/>
-            <a:ext cx="10515600" cy="1325563"/>
+            <a:ext cx="10002520" cy="1325563"/>
           </a:xfrm>
           <a:prstGeom prst="rect">
             <a:avLst/>
@@ -6434,7 +6568,7 @@
         <p:spPr>
           <a:xfrm>
             <a:off x="838200" y="365129"/>
-            <a:ext cx="10515600" cy="1325563"/>
+            <a:ext cx="10002520" cy="1325563"/>
           </a:xfrm>
           <a:prstGeom prst="rect">
             <a:avLst/>
@@ -6523,7 +6657,7 @@
 <file path=ppt/theme/theme1.xml><?xml version="1.0" encoding="utf-8"?>
 <a:theme xmlns:a="http://schemas.openxmlformats.org/drawingml/2006/main" name="gordonppt">
   <a:themeElements>
-    <a:clrScheme name="Office">
+    <a:clrScheme name="Blue Warm">
       <a:dk1>
         <a:sysClr val="windowText" lastClr="000000"/>
       </a:dk1>
@@ -6531,34 +6665,34 @@
         <a:sysClr val="window" lastClr="FFFFFF"/>
       </a:lt1>
       <a:dk2>
-        <a:srgbClr val="44546A"/>
+        <a:srgbClr val="242852"/>
       </a:dk2>
       <a:lt2>
-        <a:srgbClr val="E7E6E6"/>
+        <a:srgbClr val="ACCBF9"/>
       </a:lt2>
       <a:accent1>
-        <a:srgbClr val="4472C4"/>
+        <a:srgbClr val="4A66AC"/>
       </a:accent1>
       <a:accent2>
-        <a:srgbClr val="ED7D31"/>
+        <a:srgbClr val="629DD1"/>
       </a:accent2>
       <a:accent3>
-        <a:srgbClr val="A5A5A5"/>
+        <a:srgbClr val="297FD5"/>
       </a:accent3>
       <a:accent4>
-        <a:srgbClr val="FFC000"/>
+        <a:srgbClr val="7F8FA9"/>
       </a:accent4>
       <a:accent5>
-        <a:srgbClr val="5B9BD5"/>
+        <a:srgbClr val="5AA2AE"/>
       </a:accent5>
       <a:accent6>
-        <a:srgbClr val="70AD47"/>
+        <a:srgbClr val="9D90A0"/>
       </a:accent6>
       <a:hlink>
-        <a:srgbClr val="0563C1"/>
+        <a:srgbClr val="9454C3"/>
       </a:hlink>
       <a:folHlink>
-        <a:srgbClr val="954F72"/>
+        <a:srgbClr val="3EBBF0"/>
       </a:folHlink>
     </a:clrScheme>
     <a:fontScheme name="Tw Cen MT-Rockwell">

--- a/_site/lectures/Lecture00/Lecture00.pptx
+++ b/_site/lectures/Lecture00/Lecture00.pptx
@@ -21,7 +21,6 @@
     <p:sldId id="269" r:id="rId15"/>
     <p:sldId id="270" r:id="rId16"/>
     <p:sldId id="271" r:id="rId17"/>
-    <p:sldId id="272" r:id="rId18"/>
   </p:sldIdLst>
   <p:sldSz cx="12192000" cy="6858000"/>
   <p:notesSz cx="6858000" cy="9144000"/>
@@ -315,7 +314,7 @@
             <a:fld id="{241EB5C9-1307-BA42-ABA2-0BC069CD8E7F}" type="datetimeFigureOut">
               <a:rPr lang="en-US" smtClean="0"/>
               <a:pPr/>
-              <a:t>9/28/22</a:t>
+              <a:t>9/30/22</a:t>
             </a:fld>
             <a:endParaRPr lang="en-US" dirty="0"/>
           </a:p>
@@ -406,6 +405,36 @@
           </a:p>
         </p:txBody>
       </p:sp>
+      <p:pic>
+        <p:nvPicPr>
+          <p:cNvPr id="7" name="Picture 6" descr="A picture containing text, primate, monitor, indoor&#10;&#10;Description automatically generated">
+            <a:extLst>
+              <a:ext uri="{FF2B5EF4-FFF2-40B4-BE49-F238E27FC236}">
+                <a16:creationId xmlns:a16="http://schemas.microsoft.com/office/drawing/2014/main" id="{B6FBD17D-F718-95C1-DDB9-BB5B65FE2BD9}"/>
+              </a:ext>
+            </a:extLst>
+          </p:cNvPr>
+          <p:cNvPicPr>
+            <a:picLocks noChangeAspect="1"/>
+          </p:cNvPicPr>
+          <p:nvPr userDrawn="1"/>
+        </p:nvPicPr>
+        <p:blipFill>
+          <a:blip r:embed="rId2"/>
+          <a:stretch>
+            <a:fillRect/>
+          </a:stretch>
+        </p:blipFill>
+        <p:spPr>
+          <a:xfrm>
+            <a:off x="10913450" y="151609"/>
+            <a:ext cx="1063580" cy="1220148"/>
+          </a:xfrm>
+          <a:prstGeom prst="rect">
+            <a:avLst/>
+          </a:prstGeom>
+        </p:spPr>
+      </p:pic>
     </p:spTree>
     <p:extLst>
       <p:ext uri="{BB962C8B-B14F-4D97-AF65-F5344CB8AC3E}">
@@ -628,7 +657,7 @@
             <a:fld id="{241EB5C9-1307-BA42-ABA2-0BC069CD8E7F}" type="datetimeFigureOut">
               <a:rPr lang="en-US" smtClean="0"/>
               <a:pPr/>
-              <a:t>9/28/22</a:t>
+              <a:t>9/30/22</a:t>
             </a:fld>
             <a:endParaRPr lang="en-US"/>
           </a:p>
@@ -946,7 +975,7 @@
             <a:fld id="{241EB5C9-1307-BA42-ABA2-0BC069CD8E7F}" type="datetimeFigureOut">
               <a:rPr lang="en-US" smtClean="0"/>
               <a:pPr/>
-              <a:t>9/28/22</a:t>
+              <a:t>9/30/22</a:t>
             </a:fld>
             <a:endParaRPr lang="en-US"/>
           </a:p>
@@ -1262,7 +1291,7 @@
           <a:p>
             <a:fld id="{241EB5C9-1307-BA42-ABA2-0BC069CD8E7F}" type="datetimeFigureOut">
               <a:rPr lang="en-US" smtClean="0"/>
-              <a:t>9/28/22</a:t>
+              <a:t>9/30/22</a:t>
             </a:fld>
             <a:endParaRPr lang="en-US"/>
           </a:p>
@@ -1330,6 +1359,36 @@
           </a:p>
         </p:txBody>
       </p:sp>
+      <p:pic>
+        <p:nvPicPr>
+          <p:cNvPr id="7" name="Picture 6" descr="A picture containing text, primate, monitor, indoor&#10;&#10;Description automatically generated">
+            <a:extLst>
+              <a:ext uri="{FF2B5EF4-FFF2-40B4-BE49-F238E27FC236}">
+                <a16:creationId xmlns:a16="http://schemas.microsoft.com/office/drawing/2014/main" id="{F4EFD39C-D04F-D648-B6B2-07092A492153}"/>
+              </a:ext>
+            </a:extLst>
+          </p:cNvPr>
+          <p:cNvPicPr>
+            <a:picLocks noChangeAspect="1"/>
+          </p:cNvPicPr>
+          <p:nvPr userDrawn="1"/>
+        </p:nvPicPr>
+        <p:blipFill>
+          <a:blip r:embed="rId2"/>
+          <a:stretch>
+            <a:fillRect/>
+          </a:stretch>
+        </p:blipFill>
+        <p:spPr>
+          <a:xfrm>
+            <a:off x="10964250" y="158272"/>
+            <a:ext cx="1063580" cy="1220148"/>
+          </a:xfrm>
+          <a:prstGeom prst="rect">
+            <a:avLst/>
+          </a:prstGeom>
+        </p:spPr>
+      </p:pic>
     </p:spTree>
     <p:extLst>
       <p:ext uri="{BB962C8B-B14F-4D97-AF65-F5344CB8AC3E}">
@@ -1579,7 +1638,7 @@
             <a:fld id="{241EB5C9-1307-BA42-ABA2-0BC069CD8E7F}" type="datetimeFigureOut">
               <a:rPr lang="en-US" smtClean="0"/>
               <a:pPr/>
-              <a:t>9/28/22</a:t>
+              <a:t>9/30/22</a:t>
             </a:fld>
             <a:endParaRPr lang="en-US"/>
           </a:p>
@@ -1772,7 +1831,7 @@
           <a:p>
             <a:fld id="{241EB5C9-1307-BA42-ABA2-0BC069CD8E7F}" type="datetimeFigureOut">
               <a:rPr lang="en-US" smtClean="0"/>
-              <a:t>9/28/22</a:t>
+              <a:t>9/30/22</a:t>
             </a:fld>
             <a:endParaRPr lang="en-US"/>
           </a:p>
@@ -1840,6 +1899,36 @@
           </a:p>
         </p:txBody>
       </p:sp>
+      <p:pic>
+        <p:nvPicPr>
+          <p:cNvPr id="3" name="Picture 2" descr="A picture containing text, primate, monitor, indoor&#10;&#10;Description automatically generated">
+            <a:extLst>
+              <a:ext uri="{FF2B5EF4-FFF2-40B4-BE49-F238E27FC236}">
+                <a16:creationId xmlns:a16="http://schemas.microsoft.com/office/drawing/2014/main" id="{A8EB6A88-2E41-552F-6E71-A9DFA92F0663}"/>
+              </a:ext>
+            </a:extLst>
+          </p:cNvPr>
+          <p:cNvPicPr>
+            <a:picLocks noChangeAspect="1"/>
+          </p:cNvPicPr>
+          <p:nvPr userDrawn="1"/>
+        </p:nvPicPr>
+        <p:blipFill>
+          <a:blip r:embed="rId2"/>
+          <a:stretch>
+            <a:fillRect/>
+          </a:stretch>
+        </p:blipFill>
+        <p:spPr>
+          <a:xfrm>
+            <a:off x="10994730" y="131289"/>
+            <a:ext cx="1063580" cy="1220148"/>
+          </a:xfrm>
+          <a:prstGeom prst="rect">
+            <a:avLst/>
+          </a:prstGeom>
+        </p:spPr>
+      </p:pic>
     </p:spTree>
     <p:extLst>
       <p:ext uri="{BB962C8B-B14F-4D97-AF65-F5344CB8AC3E}">
@@ -2261,7 +2350,7 @@
             <a:fld id="{241EB5C9-1307-BA42-ABA2-0BC069CD8E7F}" type="datetimeFigureOut">
               <a:rPr lang="en-US" smtClean="0"/>
               <a:pPr/>
-              <a:t>9/28/22</a:t>
+              <a:t>9/30/22</a:t>
             </a:fld>
             <a:endParaRPr lang="en-US"/>
           </a:p>
@@ -2914,7 +3003,7 @@
             <a:fld id="{241EB5C9-1307-BA42-ABA2-0BC069CD8E7F}" type="datetimeFigureOut">
               <a:rPr lang="en-US" smtClean="0"/>
               <a:pPr/>
-              <a:t>9/28/22</a:t>
+              <a:t>9/30/22</a:t>
             </a:fld>
             <a:endParaRPr lang="en-US"/>
           </a:p>
@@ -3118,7 +3207,7 @@
             <a:fld id="{241EB5C9-1307-BA42-ABA2-0BC069CD8E7F}" type="datetimeFigureOut">
               <a:rPr lang="en-US" smtClean="0"/>
               <a:pPr/>
-              <a:t>9/28/22</a:t>
+              <a:t>9/30/22</a:t>
             </a:fld>
             <a:endParaRPr lang="en-US"/>
           </a:p>
@@ -3209,6 +3298,36 @@
           </a:p>
         </p:txBody>
       </p:sp>
+      <p:pic>
+        <p:nvPicPr>
+          <p:cNvPr id="6" name="Picture 5" descr="A picture containing text, primate, monitor, indoor&#10;&#10;Description automatically generated">
+            <a:extLst>
+              <a:ext uri="{FF2B5EF4-FFF2-40B4-BE49-F238E27FC236}">
+                <a16:creationId xmlns:a16="http://schemas.microsoft.com/office/drawing/2014/main" id="{0D355E77-5B2E-A2EF-706B-9C4916EA9A9E}"/>
+              </a:ext>
+            </a:extLst>
+          </p:cNvPr>
+          <p:cNvPicPr>
+            <a:picLocks noChangeAspect="1"/>
+          </p:cNvPicPr>
+          <p:nvPr userDrawn="1"/>
+        </p:nvPicPr>
+        <p:blipFill>
+          <a:blip r:embed="rId2"/>
+          <a:stretch>
+            <a:fillRect/>
+          </a:stretch>
+        </p:blipFill>
+        <p:spPr>
+          <a:xfrm>
+            <a:off x="10994730" y="161769"/>
+            <a:ext cx="1063580" cy="1220148"/>
+          </a:xfrm>
+          <a:prstGeom prst="rect">
+            <a:avLst/>
+          </a:prstGeom>
+        </p:spPr>
+      </p:pic>
     </p:spTree>
     <p:extLst>
       <p:ext uri="{BB962C8B-B14F-4D97-AF65-F5344CB8AC3E}">
@@ -3262,7 +3381,7 @@
           <a:p>
             <a:fld id="{241EB5C9-1307-BA42-ABA2-0BC069CD8E7F}" type="datetimeFigureOut">
               <a:rPr lang="en-US" smtClean="0"/>
-              <a:t>9/28/22</a:t>
+              <a:t>9/30/22</a:t>
             </a:fld>
             <a:endParaRPr lang="en-US"/>
           </a:p>
@@ -3681,7 +3800,7 @@
             <a:fld id="{241EB5C9-1307-BA42-ABA2-0BC069CD8E7F}" type="datetimeFigureOut">
               <a:rPr lang="en-US" smtClean="0"/>
               <a:pPr/>
-              <a:t>9/28/22</a:t>
+              <a:t>9/30/22</a:t>
             </a:fld>
             <a:endParaRPr lang="en-US"/>
           </a:p>
@@ -4045,7 +4164,7 @@
             <a:fld id="{241EB5C9-1307-BA42-ABA2-0BC069CD8E7F}" type="datetimeFigureOut">
               <a:rPr lang="en-US" smtClean="0"/>
               <a:pPr/>
-              <a:t>9/28/22</a:t>
+              <a:t>9/30/22</a:t>
             </a:fld>
             <a:endParaRPr lang="en-US"/>
           </a:p>
@@ -4289,7 +4408,7 @@
             <a:fld id="{241EB5C9-1307-BA42-ABA2-0BC069CD8E7F}" type="datetimeFigureOut">
               <a:rPr lang="en-US" smtClean="0"/>
               <a:pPr/>
-              <a:t>9/28/22</a:t>
+              <a:t>9/30/22</a:t>
             </a:fld>
             <a:endParaRPr lang="en-US"/>
           </a:p>
@@ -4429,36 +4548,6 @@
           </a:p>
         </p:txBody>
       </p:sp>
-      <p:pic>
-        <p:nvPicPr>
-          <p:cNvPr descr="A picture containing text, primate, monitor, indoor  Description automatically generated" id="5" name="Picture 4">
-            <a:extLst>
-              <a:ext uri="{FF2B5EF4-FFF2-40B4-BE49-F238E27FC236}">
-                <a16:creationId xmlns:a16="http://schemas.microsoft.com/office/drawing/2014/main" id="{95BB2492-9F7E-285B-479F-BD1BD9B4CC01}"/>
-              </a:ext>
-            </a:extLst>
-          </p:cNvPr>
-          <p:cNvPicPr>
-            <a:picLocks noChangeAspect="1"/>
-          </p:cNvPicPr>
-          <p:nvPr userDrawn="1"/>
-        </p:nvPicPr>
-        <p:blipFill>
-          <a:blip r:embed="rId14"/>
-          <a:stretch>
-            <a:fillRect/>
-          </a:stretch>
-        </p:blipFill>
-        <p:spPr>
-          <a:xfrm>
-            <a:off x="10822010" y="5566889"/>
-            <a:ext cx="1063580" cy="1220148"/>
-          </a:xfrm>
-          <a:prstGeom prst="rect">
-            <a:avLst/>
-          </a:prstGeom>
-        </p:spPr>
-      </p:pic>
     </p:spTree>
     <p:extLst>
       <p:ext uri="{BB962C8B-B14F-4D97-AF65-F5344CB8AC3E}">
@@ -4786,21 +4875,21 @@
           <p:cNvPr id="2" name="Title 1">
             <a:extLst>
               <a:ext uri="{FF2B5EF4-FFF2-40B4-BE49-F238E27FC236}">
-                <a16:creationId xmlns:a16="http://schemas.microsoft.com/office/drawing/2014/main" id="{5216EB9F-821C-3043-9B29-83C5977F52F4}"/>
-              </a:ext>
-            </a:extLst>
-          </p:cNvPr>
-          <p:cNvSpPr>
-            <a:spLocks noGrp="1"/>
-          </p:cNvSpPr>
-          <p:nvPr>
-            <p:ph type="ctrTitle"/>
+                <a16:creationId xmlns:a16="http://schemas.microsoft.com/office/drawing/2014/main" id="{FF6A6CB2-D1B6-B94A-84C1-83C65423C650}"/>
+              </a:ext>
+            </a:extLst>
+          </p:cNvPr>
+          <p:cNvSpPr>
+            <a:spLocks noGrp="1"/>
+          </p:cNvSpPr>
+          <p:nvPr>
+            <p:ph type="title"/>
           </p:nvPr>
         </p:nvSpPr>
         <p:spPr>
           <a:xfrm>
-            <a:off x="1524000" y="1122364"/>
-            <a:ext cx="9144000" cy="2396341"/>
+            <a:off x="831851" y="1709742"/>
+            <a:ext cx="10515600" cy="2852737"/>
           </a:xfrm>
           <a:prstGeom prst="rect">
             <a:avLst/>
@@ -4815,80 +4904,7 @@
             </a:pPr>
             <a:r>
               <a:rPr/>
-              <a:t>Lecture00</a:t>
-            </a:r>
-          </a:p>
-        </p:txBody>
-      </p:sp>
-      <p:sp>
-        <p:nvSpPr>
-          <p:cNvPr id="3" name="Subtitle 2">
-            <a:extLst>
-              <a:ext uri="{FF2B5EF4-FFF2-40B4-BE49-F238E27FC236}">
-                <a16:creationId xmlns:a16="http://schemas.microsoft.com/office/drawing/2014/main" id="{8C337200-5D83-FE46-9E69-B6B1D353C69A}"/>
-              </a:ext>
-            </a:extLst>
-          </p:cNvPr>
-          <p:cNvSpPr>
-            <a:spLocks noGrp="1"/>
-          </p:cNvSpPr>
-          <p:nvPr>
-            <p:ph idx="1" type="subTitle"/>
-          </p:nvPr>
-        </p:nvSpPr>
-        <p:spPr>
-          <a:xfrm>
-            <a:off x="1524000" y="3611302"/>
-            <a:ext cx="9144000" cy="1646498"/>
-          </a:xfrm>
-        </p:spPr>
-        <p:txBody>
-          <a:bodyPr/>
-          <a:lstStyle/>
-          <a:p>
-            <a:pPr lvl="0" indent="0" marL="0">
-              <a:buNone/>
-            </a:pPr>
-            <a:r>
-              <a:rPr/>
-              <a:t>Induction Week Intro</a:t>
-            </a:r>
-            <a:br/>
-            <a:br/>
-            <a:r>
-              <a:rPr/>
-              <a:t>Dr Gordon Wright</a:t>
-            </a:r>
-          </a:p>
-        </p:txBody>
-      </p:sp>
-      <p:sp>
-        <p:nvSpPr>
-          <p:cNvPr id="4" name="Date Placeholder 3">
-            <a:extLst>
-              <a:ext uri="{FF2B5EF4-FFF2-40B4-BE49-F238E27FC236}">
-                <a16:creationId xmlns:a16="http://schemas.microsoft.com/office/drawing/2014/main" id="{1069A7C7-1ADA-474D-B8F0-3471D14F86DA}"/>
-              </a:ext>
-            </a:extLst>
-          </p:cNvPr>
-          <p:cNvSpPr>
-            <a:spLocks noGrp="1"/>
-          </p:cNvSpPr>
-          <p:nvPr>
-            <p:ph idx="10" sz="half" type="dt"/>
-          </p:nvPr>
-        </p:nvSpPr>
-        <p:spPr/>
-        <p:txBody>
-          <a:bodyPr/>
-          <a:lstStyle/>
-          <a:p>
-            <a:pPr lvl="0" indent="0" marL="0">
-              <a:buNone/>
-            </a:pPr>
-            <a:r>
-              <a:rPr/>
-              <a:t>27, September, 2022</a:t>
+              <a:t>Induction Overview</a:t>
             </a:r>
           </a:p>
         </p:txBody>
@@ -4949,7 +4965,7 @@
             </a:pPr>
             <a:r>
               <a:rPr/>
-              <a:t>A friendly warning</a:t>
+              <a:t>Module structure</a:t>
             </a:r>
           </a:p>
         </p:txBody>
@@ -4975,21 +4991,30 @@
           <a:bodyPr/>
           <a:lstStyle/>
           <a:p>
-            <a:pPr lvl="0" indent="0" marL="1270000">
+            <a:pPr lvl="0" indent="0" marL="0">
               <a:buNone/>
             </a:pPr>
             <a:r>
-              <a:rPr sz="2000" b="1"/>
-              <a:t>Warning</a:t>
-            </a:r>
-          </a:p>
-          <a:p>
-            <a:pPr lvl="0" indent="0" marL="1270000">
+              <a:rPr/>
+              <a:t>1 x 1 hr Lecture per week (Monday)</a:t>
+            </a:r>
+          </a:p>
+          <a:p>
+            <a:pPr lvl="0" indent="0" marL="0">
               <a:buNone/>
             </a:pPr>
             <a:r>
-              <a:rPr sz="2000"/>
-              <a:t>All coursework is INDIVIDUAL and subject to normal plagiarism and collusion rules</a:t>
+              <a:rPr/>
+              <a:t>1 x 2 hr Lab per week (Tuesday)</a:t>
+            </a:r>
+          </a:p>
+          <a:p>
+            <a:pPr lvl="0" indent="0" marL="0">
+              <a:buNone/>
+            </a:pPr>
+            <a:r>
+              <a:rPr/>
+              <a:t>4 x Personal Tutor meetings across the year</a:t>
             </a:r>
           </a:p>
         </p:txBody>
@@ -5050,7 +5075,7 @@
             </a:pPr>
             <a:r>
               <a:rPr/>
-              <a:t>Module structure</a:t>
+              <a:t>Weekly Structure</a:t>
             </a:r>
           </a:p>
         </p:txBody>
@@ -5081,7 +5106,15 @@
             </a:pPr>
             <a:r>
               <a:rPr/>
-              <a:t>1 x 1 hr Lecture per week (Monday)</a:t>
+              <a:t>Each week there will be a very brief ‘</a:t>
+            </a:r>
+            <a:r>
+              <a:rPr b="1"/>
+              <a:t>Prelude</a:t>
+            </a:r>
+            <a:r>
+              <a:rPr/>
+              <a:t>’ designed to introduce one of the main topics of the week</a:t>
             </a:r>
           </a:p>
           <a:p>
@@ -5089,8 +5122,12 @@
               <a:buNone/>
             </a:pPr>
             <a:r>
+              <a:rPr b="1"/>
+              <a:t>Lecture</a:t>
+            </a:r>
+            <a:r>
               <a:rPr/>
-              <a:t>1 x 2 hr Lab per week (Tuesday)</a:t>
+              <a:t> (slides and recording posted afterwards)</a:t>
             </a:r>
           </a:p>
           <a:p>
@@ -5098,8 +5135,53 @@
               <a:buNone/>
             </a:pPr>
             <a:r>
+              <a:rPr b="1"/>
+              <a:t>Lab Activity</a:t>
+            </a:r>
+          </a:p>
+          <a:p>
+            <a:pPr lvl="0"/>
+            <a:r>
+              <a:rPr b="1"/>
+              <a:t>‘Pulse’</a:t>
+            </a:r>
+            <a:r>
               <a:rPr/>
-              <a:t>4 x Personal Tutor meetings across the year</a:t>
+              <a:t> taken on entry - 2 minute quiz</a:t>
+            </a:r>
+          </a:p>
+          <a:p>
+            <a:pPr lvl="0"/>
+            <a:r>
+              <a:rPr b="1"/>
+              <a:t>Lab Notebook</a:t>
+            </a:r>
+            <a:r>
+              <a:rPr/>
+              <a:t> with brief ‘generative activities’ and opportunities for metacognitive reflection</a:t>
+            </a:r>
+          </a:p>
+          <a:p>
+            <a:pPr lvl="0"/>
+            <a:r>
+              <a:rPr/>
+              <a:t>Extras provided around skills or applications or just interesting factoids</a:t>
+            </a:r>
+          </a:p>
+          <a:p>
+            <a:pPr lvl="0"/>
+            <a:r>
+              <a:rPr/>
+              <a:t>Lots can be achieved in the labs, but independent study and coordinated group work will be required</a:t>
+            </a:r>
+          </a:p>
+          <a:p>
+            <a:pPr lvl="0" indent="0" marL="0">
+              <a:buNone/>
+            </a:pPr>
+            <a:r>
+              <a:rPr/>
+              <a:t>NO EXAM</a:t>
             </a:r>
           </a:p>
         </p:txBody>
@@ -5160,7 +5242,7 @@
             </a:pPr>
             <a:r>
               <a:rPr/>
-              <a:t>Weekly Structure</a:t>
+              <a:t>Coursework</a:t>
             </a:r>
           </a:p>
         </p:txBody>
@@ -5191,82 +5273,7 @@
             </a:pPr>
             <a:r>
               <a:rPr/>
-              <a:t>Each week there will be a very brief ‘</a:t>
-            </a:r>
-            <a:r>
-              <a:rPr b="1"/>
-              <a:t>Prelude</a:t>
-            </a:r>
-            <a:r>
-              <a:rPr/>
-              <a:t>’ designed to introduce one of the main topics of the week</a:t>
-            </a:r>
-          </a:p>
-          <a:p>
-            <a:pPr lvl="0" indent="0" marL="0">
-              <a:buNone/>
-            </a:pPr>
-            <a:r>
-              <a:rPr b="1"/>
-              <a:t>Lecture</a:t>
-            </a:r>
-            <a:r>
-              <a:rPr/>
-              <a:t> (slides and recording posted afterwards)</a:t>
-            </a:r>
-          </a:p>
-          <a:p>
-            <a:pPr lvl="0" indent="0" marL="0">
-              <a:buNone/>
-            </a:pPr>
-            <a:r>
-              <a:rPr b="1"/>
-              <a:t>Lab Activity</a:t>
-            </a:r>
-          </a:p>
-          <a:p>
-            <a:pPr lvl="0"/>
-            <a:r>
-              <a:rPr b="1"/>
-              <a:t>‘Pulse’</a:t>
-            </a:r>
-            <a:r>
-              <a:rPr/>
-              <a:t> taken on entry - 2 minute quiz</a:t>
-            </a:r>
-          </a:p>
-          <a:p>
-            <a:pPr lvl="0"/>
-            <a:r>
-              <a:rPr b="1"/>
-              <a:t>Lab Notebook</a:t>
-            </a:r>
-            <a:r>
-              <a:rPr/>
-              <a:t> with brief ‘generative activities’ and opportunities for metacognitive reflection</a:t>
-            </a:r>
-          </a:p>
-          <a:p>
-            <a:pPr lvl="0"/>
-            <a:r>
-              <a:rPr/>
-              <a:t>Extras provided around skills or applications or just interesting factoids</a:t>
-            </a:r>
-          </a:p>
-          <a:p>
-            <a:pPr lvl="0"/>
-            <a:r>
-              <a:rPr/>
-              <a:t>Lots can be achieved in the labs, but independent study and coordinated group work will be required</a:t>
-            </a:r>
-          </a:p>
-          <a:p>
-            <a:pPr lvl="0" indent="0" marL="0">
-              <a:buNone/>
-            </a:pPr>
-            <a:r>
-              <a:rPr/>
-              <a:t>NO EXAM</a:t>
+              <a:t>The courseworks ALL require critical reflection and metacognitive practice. This will be discussed in a number of lectures, but it contributes to effective learning and your integration of the skills and experience of doing this research exercise.</a:t>
             </a:r>
           </a:p>
         </p:txBody>
@@ -5327,7 +5334,7 @@
             </a:pPr>
             <a:r>
               <a:rPr/>
-              <a:t>Coursework</a:t>
+              <a:t>Time management and teamwork</a:t>
             </a:r>
           </a:p>
         </p:txBody>
@@ -5358,7 +5365,34 @@
             </a:pPr>
             <a:r>
               <a:rPr/>
-              <a:t>The courseworks ALL require critical reflection and metacognitive practice. This will be discussed in a number of lectures, but it contributes to effective learning and your integration of the skills and experience of doing this research exercise.</a:t>
+              <a:t>..will both be required.</a:t>
+            </a:r>
+          </a:p>
+          <a:p>
+            <a:pPr lvl="0" indent="0" marL="0">
+              <a:buNone/>
+            </a:pPr>
+            <a:r>
+              <a:rPr/>
+              <a:t>I ask you to see both as an opportunity to develop these important skills.</a:t>
+            </a:r>
+          </a:p>
+          <a:p>
+            <a:pPr lvl="0" indent="0" marL="0">
+              <a:buNone/>
+            </a:pPr>
+            <a:r>
+              <a:rPr/>
+              <a:t>You will see we have some ideas to make this more relevant to careers and employability</a:t>
+            </a:r>
+          </a:p>
+          <a:p>
+            <a:pPr lvl="0" indent="0" marL="0">
+              <a:buNone/>
+            </a:pPr>
+            <a:r>
+              <a:rPr/>
+              <a:t>It is easier to ‘keep up than to catch up’.</a:t>
             </a:r>
           </a:p>
         </p:txBody>
@@ -5419,7 +5453,7 @@
             </a:pPr>
             <a:r>
               <a:rPr/>
-              <a:t>Time management and teamwork</a:t>
+              <a:t>Resources</a:t>
             </a:r>
           </a:p>
         </p:txBody>
@@ -5450,7 +5484,7 @@
             </a:pPr>
             <a:r>
               <a:rPr/>
-              <a:t>..will both be required.</a:t>
+              <a:t>We will be releasing a series of valuable resources to help you through every step of the process</a:t>
             </a:r>
           </a:p>
           <a:p>
@@ -5459,7 +5493,7 @@
             </a:pPr>
             <a:r>
               <a:rPr/>
-              <a:t>I ask you to see both as an opportunity to develop these important skills.</a:t>
+              <a:t>These will have value for your final year dissertation too.</a:t>
             </a:r>
           </a:p>
           <a:p>
@@ -5468,7 +5502,7 @@
             </a:pPr>
             <a:r>
               <a:rPr/>
-              <a:t>You will see we have some ideas to make this more relevant to careers and employability</a:t>
+              <a:t>Contribution to and comment on these is welcome and hoped for!</a:t>
             </a:r>
           </a:p>
           <a:p>
@@ -5477,7 +5511,7 @@
             </a:pPr>
             <a:r>
               <a:rPr/>
-              <a:t>It is easier to ‘keep up than to catch up’.</a:t>
+              <a:t>Open Educational Resources will be used extensively, and most core readings are available online via the library.</a:t>
             </a:r>
           </a:p>
         </p:txBody>
@@ -5538,7 +5572,7 @@
             </a:pPr>
             <a:r>
               <a:rPr/>
-              <a:t>Resources</a:t>
+              <a:t>Prelude 1</a:t>
             </a:r>
           </a:p>
         </p:txBody>
@@ -5569,34 +5603,7 @@
             </a:pPr>
             <a:r>
               <a:rPr/>
-              <a:t>We will be releasing a series of valuable resources to help you through every step of the process</a:t>
-            </a:r>
-          </a:p>
-          <a:p>
-            <a:pPr lvl="0" indent="0" marL="0">
-              <a:buNone/>
-            </a:pPr>
-            <a:r>
-              <a:rPr/>
-              <a:t>These will have value for your final year dissertation too.</a:t>
-            </a:r>
-          </a:p>
-          <a:p>
-            <a:pPr lvl="0" indent="0" marL="0">
-              <a:buNone/>
-            </a:pPr>
-            <a:r>
-              <a:rPr/>
-              <a:t>Contribution to and comment on these is welcome and hoped for!</a:t>
-            </a:r>
-          </a:p>
-          <a:p>
-            <a:pPr lvl="0" indent="0" marL="0">
-              <a:buNone/>
-            </a:pPr>
-            <a:r>
-              <a:rPr/>
-              <a:t>Open Educational Resources will be used extensively, and most core readings are available online via the library.</a:t>
+              <a:t>We are starting off very easy. A short questionnaire to allow us to get to know you a little better, which we will use to develop the first lecture, and the course more generally.</a:t>
             </a:r>
           </a:p>
         </p:txBody>
@@ -5657,98 +5664,6 @@
             </a:pPr>
             <a:r>
               <a:rPr/>
-              <a:t>Prelude 1</a:t>
-            </a:r>
-          </a:p>
-        </p:txBody>
-      </p:sp>
-      <p:sp>
-        <p:nvSpPr>
-          <p:cNvPr id="3" name="Content Placeholder 2">
-            <a:extLst>
-              <a:ext uri="{FF2B5EF4-FFF2-40B4-BE49-F238E27FC236}">
-                <a16:creationId xmlns:a16="http://schemas.microsoft.com/office/drawing/2014/main" id="{A4EB24F9-04F1-C843-9D71-56C5C024552B}"/>
-              </a:ext>
-            </a:extLst>
-          </p:cNvPr>
-          <p:cNvSpPr>
-            <a:spLocks noGrp="1"/>
-          </p:cNvSpPr>
-          <p:nvPr>
-            <p:ph idx="1"/>
-          </p:nvPr>
-        </p:nvSpPr>
-        <p:spPr/>
-        <p:txBody>
-          <a:bodyPr/>
-          <a:lstStyle/>
-          <a:p>
-            <a:pPr lvl="0" indent="0" marL="0">
-              <a:buNone/>
-            </a:pPr>
-            <a:r>
-              <a:rPr/>
-              <a:t>We are starting off very easy. A short questionnaire to allow us to get to know you a little better, which we will use to develop the first lecture, and the course more generally.</a:t>
-            </a:r>
-          </a:p>
-        </p:txBody>
-      </p:sp>
-    </p:spTree>
-  </p:cSld>
-</p:sld>
-</file>
-
-<file path=ppt/slides/slide17.xml><?xml version="1.0" encoding="utf-8"?>
-<p:sld xmlns:a="http://schemas.openxmlformats.org/drawingml/2006/main" xmlns:r="http://schemas.openxmlformats.org/officeDocument/2006/relationships" xmlns:p="http://schemas.openxmlformats.org/presentationml/2006/main">
-  <p:cSld>
-    <p:spTree>
-      <p:nvGrpSpPr>
-        <p:cNvPr id="1" name=""/>
-        <p:cNvGrpSpPr/>
-        <p:nvPr/>
-      </p:nvGrpSpPr>
-      <p:grpSpPr>
-        <a:xfrm>
-          <a:off x="0" y="0"/>
-          <a:ext cx="0" cy="0"/>
-          <a:chOff x="0" y="0"/>
-          <a:chExt cx="0" cy="0"/>
-        </a:xfrm>
-      </p:grpSpPr>
-      <p:sp>
-        <p:nvSpPr>
-          <p:cNvPr id="2" name="Title 1">
-            <a:extLst>
-              <a:ext uri="{FF2B5EF4-FFF2-40B4-BE49-F238E27FC236}">
-                <a16:creationId xmlns:a16="http://schemas.microsoft.com/office/drawing/2014/main" id="{DD9B8E45-0772-954C-8D4B-6E6808DFEDED}"/>
-              </a:ext>
-            </a:extLst>
-          </p:cNvPr>
-          <p:cNvSpPr>
-            <a:spLocks noGrp="1"/>
-          </p:cNvSpPr>
-          <p:nvPr>
-            <p:ph type="title"/>
-          </p:nvPr>
-        </p:nvSpPr>
-        <p:spPr>
-          <a:xfrm>
-            <a:off x="838200" y="365129"/>
-            <a:ext cx="10002520" cy="1325563"/>
-          </a:xfrm>
-          <a:prstGeom prst="rect">
-            <a:avLst/>
-          </a:prstGeom>
-        </p:spPr>
-        <p:txBody>
-          <a:bodyPr/>
-          <a:lstStyle/>
-          <a:p>
-            <a:pPr lvl="0" indent="0" marL="0">
-              <a:buNone/>
-            </a:pPr>
-            <a:r>
-              <a:rPr/>
               <a:t>Thank you for your time</a:t>
             </a:r>
           </a:p>
@@ -5821,7 +5736,7 @@
           <p:cNvPr id="2" name="Title 1">
             <a:extLst>
               <a:ext uri="{FF2B5EF4-FFF2-40B4-BE49-F238E27FC236}">
-                <a16:creationId xmlns:a16="http://schemas.microsoft.com/office/drawing/2014/main" id="{FF6A6CB2-D1B6-B94A-84C1-83C65423C650}"/>
+                <a16:creationId xmlns:a16="http://schemas.microsoft.com/office/drawing/2014/main" id="{DD9B8E45-0772-954C-8D4B-6E6808DFEDED}"/>
               </a:ext>
             </a:extLst>
           </p:cNvPr>
@@ -5834,8 +5749,8 @@
         </p:nvSpPr>
         <p:spPr>
           <a:xfrm>
-            <a:off x="831851" y="1709742"/>
-            <a:ext cx="10515600" cy="2852737"/>
+            <a:off x="838200" y="365129"/>
+            <a:ext cx="10002520" cy="1325563"/>
           </a:xfrm>
           <a:prstGeom prst="rect">
             <a:avLst/>
@@ -5850,7 +5765,7 @@
             </a:pPr>
             <a:r>
               <a:rPr/>
-              <a:t>Induction Overview</a:t>
+              <a:t>Welcome back and welcome to Research Methods!</a:t>
             </a:r>
           </a:p>
         </p:txBody>
@@ -5911,7 +5826,103 @@
             </a:pPr>
             <a:r>
               <a:rPr/>
-              <a:t>Welcome back and welcome to Research Methods!</a:t>
+              <a:t>This year you become Scientists!</a:t>
+            </a:r>
+          </a:p>
+        </p:txBody>
+      </p:sp>
+      <p:sp>
+        <p:nvSpPr>
+          <p:cNvPr id="3" name="Content Placeholder 2">
+            <a:extLst>
+              <a:ext uri="{FF2B5EF4-FFF2-40B4-BE49-F238E27FC236}">
+                <a16:creationId xmlns:a16="http://schemas.microsoft.com/office/drawing/2014/main" id="{A4EB24F9-04F1-C843-9D71-56C5C024552B}"/>
+              </a:ext>
+            </a:extLst>
+          </p:cNvPr>
+          <p:cNvSpPr>
+            <a:spLocks noGrp="1"/>
+          </p:cNvSpPr>
+          <p:nvPr>
+            <p:ph idx="1"/>
+          </p:nvPr>
+        </p:nvSpPr>
+        <p:spPr/>
+        <p:txBody>
+          <a:bodyPr/>
+          <a:lstStyle/>
+          <a:p>
+            <a:pPr lvl="0" indent="0" marL="0">
+              <a:buNone/>
+            </a:pPr>
+            <a:r>
+              <a:rPr/>
+              <a:t>This year, in Research Methods, you will perform your first piece of REAL psychological research</a:t>
+            </a:r>
+          </a:p>
+          <a:p>
+            <a:pPr lvl="0" indent="0" marL="0">
+              <a:buNone/>
+            </a:pPr>
+            <a:r>
+              <a:rPr/>
+              <a:t>In groups, you will:</a:t>
+            </a:r>
+          </a:p>
+          <a:p>
+            <a:pPr lvl="0"/>
+            <a:r>
+              <a:rPr/>
+              <a:t>Identify an area of psychological research</a:t>
+            </a:r>
+          </a:p>
+          <a:p>
+            <a:pPr lvl="0"/>
+            <a:r>
+              <a:rPr/>
+              <a:t>Review and critique the literature in this area</a:t>
+            </a:r>
+          </a:p>
+          <a:p>
+            <a:pPr lvl="0"/>
+            <a:r>
+              <a:rPr/>
+              <a:t>Develop a testable hypothesis</a:t>
+            </a:r>
+          </a:p>
+          <a:p>
+            <a:pPr lvl="0"/>
+            <a:r>
+              <a:rPr/>
+              <a:t>Design a 2x2 ANOVA experiment unique to you (within your group study)</a:t>
+            </a:r>
+          </a:p>
+          <a:p>
+            <a:pPr lvl="0"/>
+            <a:r>
+              <a:rPr/>
+              <a:t>Obtain Ethical Approval for your experiment</a:t>
+            </a:r>
+          </a:p>
+          <a:p>
+            <a:pPr lvl="0"/>
+            <a:r>
+              <a:rPr/>
+              <a:t>Collect REAL data</a:t>
+            </a:r>
+          </a:p>
+          <a:p>
+            <a:pPr lvl="0"/>
+            <a:r>
+              <a:rPr/>
+              <a:t>Analyse these data</a:t>
+            </a:r>
+          </a:p>
+          <a:p>
+            <a:pPr lvl="0"/>
+            <a:r>
+              <a:rPr/>
+              <a:t>Write up the results in APA format</a:t>
             </a:r>
           </a:p>
         </p:txBody>
@@ -5972,7 +5983,7 @@
             </a:pPr>
             <a:r>
               <a:rPr/>
-              <a:t>This year you become Scientists!</a:t>
+              <a:t>A full overview will be given in the first lecture!</a:t>
             </a:r>
           </a:p>
         </p:txBody>
@@ -6003,72 +6014,7 @@
             </a:pPr>
             <a:r>
               <a:rPr/>
-              <a:t>This year, in Research Methods, you will perform your first piece of REAL psychological research</a:t>
-            </a:r>
-          </a:p>
-          <a:p>
-            <a:pPr lvl="0" indent="0" marL="0">
-              <a:buNone/>
-            </a:pPr>
-            <a:r>
-              <a:rPr/>
-              <a:t>In groups, you will:</a:t>
-            </a:r>
-          </a:p>
-          <a:p>
-            <a:pPr lvl="0"/>
-            <a:r>
-              <a:rPr/>
-              <a:t>Identify an area of psychological research</a:t>
-            </a:r>
-          </a:p>
-          <a:p>
-            <a:pPr lvl="0"/>
-            <a:r>
-              <a:rPr/>
-              <a:t>Review and critique the literature in this area</a:t>
-            </a:r>
-          </a:p>
-          <a:p>
-            <a:pPr lvl="0"/>
-            <a:r>
-              <a:rPr/>
-              <a:t>Develop a testable hypothesis</a:t>
-            </a:r>
-          </a:p>
-          <a:p>
-            <a:pPr lvl="0"/>
-            <a:r>
-              <a:rPr/>
-              <a:t>Design a 2x2 ANOVA experiment unique to you (within your group study)</a:t>
-            </a:r>
-          </a:p>
-          <a:p>
-            <a:pPr lvl="0"/>
-            <a:r>
-              <a:rPr/>
-              <a:t>Obtain Ethical Approval for your experiment</a:t>
-            </a:r>
-          </a:p>
-          <a:p>
-            <a:pPr lvl="0"/>
-            <a:r>
-              <a:rPr/>
-              <a:t>Collect REAL data</a:t>
-            </a:r>
-          </a:p>
-          <a:p>
-            <a:pPr lvl="0"/>
-            <a:r>
-              <a:rPr/>
-              <a:t>Analyse these data</a:t>
-            </a:r>
-          </a:p>
-          <a:p>
-            <a:pPr lvl="0"/>
-            <a:r>
-              <a:rPr/>
-              <a:t>Write up the results in APA format</a:t>
+              <a:t>Do not worry! It’s going to be a great adventure!</a:t>
             </a:r>
           </a:p>
         </p:txBody>
@@ -6129,7 +6075,7 @@
             </a:pPr>
             <a:r>
               <a:rPr/>
-              <a:t>A full overview will be given in the first lecture!</a:t>
+              <a:t>A ‘warm up’ for your Y3 Dissertation</a:t>
             </a:r>
           </a:p>
         </p:txBody>
@@ -6155,12 +6101,52 @@
           <a:bodyPr/>
           <a:lstStyle/>
           <a:p>
-            <a:pPr lvl="0" indent="0" marL="0">
-              <a:buNone/>
-            </a:pPr>
+            <a:pPr lvl="0"/>
             <a:r>
               <a:rPr/>
-              <a:t>Do not worry! It’s going to be a great adventure!</a:t>
+              <a:t>The same 20-week timeline</a:t>
+            </a:r>
+          </a:p>
+          <a:p>
+            <a:pPr lvl="0"/>
+            <a:r>
+              <a:rPr/>
+              <a:t>The same skills and techniques you will need</a:t>
+            </a:r>
+          </a:p>
+          <a:p>
+            <a:pPr lvl="0"/>
+            <a:r>
+              <a:rPr/>
+              <a:t>Careful step-by-step guidance and support in the lab setting</a:t>
+            </a:r>
+          </a:p>
+          <a:p>
+            <a:pPr lvl="0"/>
+            <a:r>
+              <a:rPr/>
+              <a:t>Scaled-down experiments and write-ups</a:t>
+            </a:r>
+          </a:p>
+          <a:p>
+            <a:pPr lvl="0"/>
+            <a:r>
+              <a:rPr/>
+              <a:t>The security of working in a group</a:t>
+            </a:r>
+          </a:p>
+          <a:p>
+            <a:pPr lvl="0"/>
+            <a:r>
+              <a:rPr/>
+              <a:t>Tips and advice from world-class researchers</a:t>
+            </a:r>
+          </a:p>
+          <a:p>
+            <a:pPr lvl="0"/>
+            <a:r>
+              <a:rPr/>
+              <a:t>Opportunity to think carefully about your final year Dissertation, and how to crush it!!</a:t>
             </a:r>
           </a:p>
         </p:txBody>
@@ -6221,7 +6207,7 @@
             </a:pPr>
             <a:r>
               <a:rPr/>
-              <a:t>A ‘warm up’ for your Y3 Dissertation</a:t>
+              <a:t>Support and guidance</a:t>
             </a:r>
           </a:p>
         </p:txBody>
@@ -6250,49 +6236,37 @@
             <a:pPr lvl="0"/>
             <a:r>
               <a:rPr/>
-              <a:t>The same 20-week timeline</a:t>
+              <a:t>Gordon Wright (Module Coordinator and floating Enthusiast in Chief)</a:t>
             </a:r>
           </a:p>
           <a:p>
             <a:pPr lvl="0"/>
             <a:r>
               <a:rPr/>
-              <a:t>The same skills and techniques you will need</a:t>
+              <a:t>7 gobsmackingly amazing Lab Tutors</a:t>
             </a:r>
           </a:p>
           <a:p>
             <a:pPr lvl="0"/>
             <a:r>
               <a:rPr/>
-              <a:t>Careful step-by-step guidance and support in the lab setting</a:t>
+              <a:t>Your Personal Tutor and your PT group</a:t>
             </a:r>
           </a:p>
           <a:p>
             <a:pPr lvl="0"/>
             <a:r>
               <a:rPr/>
-              <a:t>Scaled-down experiments and write-ups</a:t>
-            </a:r>
-          </a:p>
-          <a:p>
-            <a:pPr lvl="0"/>
+              <a:t>AND EACH OTHER!!</a:t>
+            </a:r>
+          </a:p>
+          <a:p>
+            <a:pPr lvl="0" indent="0" marL="0">
+              <a:buNone/>
+            </a:pPr>
             <a:r>
               <a:rPr/>
-              <a:t>The security of working in a group</a:t>
-            </a:r>
-          </a:p>
-          <a:p>
-            <a:pPr lvl="0"/>
-            <a:r>
-              <a:rPr/>
-              <a:t>Tips and advice from world-class researchers</a:t>
-            </a:r>
-          </a:p>
-          <a:p>
-            <a:pPr lvl="0"/>
-            <a:r>
-              <a:rPr/>
-              <a:t>Opportunity to think carefully about your final year Dissertation, and how to crush it!!</a:t>
+              <a:t>This is a team-sport</a:t>
             </a:r>
           </a:p>
         </p:txBody>
@@ -6353,7 +6327,7 @@
             </a:pPr>
             <a:r>
               <a:rPr/>
-              <a:t>Support and guidance</a:t>
+              <a:t>me</a:t>
             </a:r>
           </a:p>
         </p:txBody>
@@ -6379,40 +6353,30 @@
           <a:bodyPr/>
           <a:lstStyle/>
           <a:p>
-            <a:pPr lvl="0"/>
+            <a:pPr lvl="0" indent="0" marL="0">
+              <a:buNone/>
+            </a:pPr>
             <a:r>
               <a:rPr/>
-              <a:t>Gordon Wright (Module Coordinator and floating Enthusiast in Chief)</a:t>
-            </a:r>
-          </a:p>
-          <a:p>
-            <a:pPr lvl="0"/>
+              <a:t>I will be in every Research Methods lecture and I have a Student Hour from 3-4 every Monday, before we all go to the Design &amp; Analysis lecture. Yup! Me too!</a:t>
+            </a:r>
+          </a:p>
+          <a:p>
+            <a:pPr lvl="0" indent="0" marL="0">
+              <a:buNone/>
+            </a:pPr>
             <a:r>
               <a:rPr/>
-              <a:t>7 gobsmackingly amazing Lab Tutors</a:t>
-            </a:r>
-          </a:p>
-          <a:p>
-            <a:pPr lvl="0"/>
+              <a:t>Available at g.wright@gold.ac.uk</a:t>
+            </a:r>
+          </a:p>
+          <a:p>
+            <a:pPr lvl="0" indent="0" marL="0">
+              <a:buNone/>
+            </a:pPr>
             <a:r>
               <a:rPr/>
-              <a:t>Your Personal Tutor and your PT group</a:t>
-            </a:r>
-          </a:p>
-          <a:p>
-            <a:pPr lvl="0"/>
-            <a:r>
-              <a:rPr/>
-              <a:t>AND EACH OTHER!!</a:t>
-            </a:r>
-          </a:p>
-          <a:p>
-            <a:pPr lvl="0" indent="0" marL="0">
-              <a:buNone/>
-            </a:pPr>
-            <a:r>
-              <a:rPr/>
-              <a:t>This is a team-sport</a:t>
+              <a:t>I genuinely could not imagine anything I would rather do that this. Please talk to me!</a:t>
             </a:r>
           </a:p>
         </p:txBody>
@@ -6473,7 +6437,7 @@
             </a:pPr>
             <a:r>
               <a:rPr/>
-              <a:t>me</a:t>
+              <a:t>Module weighting and assessment</a:t>
             </a:r>
           </a:p>
         </p:txBody>
@@ -6504,7 +6468,7 @@
             </a:pPr>
             <a:r>
               <a:rPr/>
-              <a:t>I will be in every Research Methods lecture and I have a Student Hour from 3-4 every Monday, before we all go to the Design &amp; Analysis lecture. Yup! Me too!</a:t>
+              <a:t>Research Methods is a core module with a 30 credit weighting</a:t>
             </a:r>
           </a:p>
           <a:p>
@@ -6513,16 +6477,28 @@
             </a:pPr>
             <a:r>
               <a:rPr/>
-              <a:t>Available at g.wright@gold.ac.uk</a:t>
-            </a:r>
-          </a:p>
-          <a:p>
-            <a:pPr lvl="0" indent="0" marL="0">
-              <a:buNone/>
-            </a:pPr>
+              <a:t>This means that in order to progress to Y3, you must pass all 3 assessment elements:</a:t>
+            </a:r>
+          </a:p>
+          <a:p>
+            <a:pPr lvl="0"/>
             <a:r>
               <a:rPr/>
-              <a:t>I genuinely could not imagine anything I would rather do that this. Please talk to me!</a:t>
+              <a:t>Critical Proposal 1,800 words (15%)</a:t>
+            </a:r>
+          </a:p>
+          <a:p>
+            <a:pPr lvl="0"/>
+            <a:r>
+              <a:rPr/>
+              <a:t>Mini-Dissertation 2,500 words (70%)</a:t>
+            </a:r>
+          </a:p>
+          <a:p>
+            <a:pPr lvl="0"/>
+            <a:r>
+              <a:rPr/>
+              <a:t>CHIP Learning Log 1,200 words (15%)</a:t>
             </a:r>
           </a:p>
         </p:txBody>
@@ -6583,7 +6559,7 @@
             </a:pPr>
             <a:r>
               <a:rPr/>
-              <a:t>Module weighting and assessment</a:t>
+              <a:t>A friendly warning</a:t>
             </a:r>
           </a:p>
         </p:txBody>
@@ -6609,42 +6585,21 @@
           <a:bodyPr/>
           <a:lstStyle/>
           <a:p>
-            <a:pPr lvl="0" indent="0" marL="0">
+            <a:pPr lvl="0" indent="0" marL="1270000">
               <a:buNone/>
             </a:pPr>
             <a:r>
-              <a:rPr/>
-              <a:t>Research Methods is a core module with a 30 credit weighting</a:t>
-            </a:r>
-          </a:p>
-          <a:p>
-            <a:pPr lvl="0" indent="0" marL="0">
+              <a:rPr sz="2000" b="1"/>
+              <a:t>Warning</a:t>
+            </a:r>
+          </a:p>
+          <a:p>
+            <a:pPr lvl="0" indent="0" marL="1270000">
               <a:buNone/>
             </a:pPr>
             <a:r>
-              <a:rPr/>
-              <a:t>This means that in order to progress to Y3, you must pass all 3 assessment elements:</a:t>
-            </a:r>
-          </a:p>
-          <a:p>
-            <a:pPr lvl="0"/>
-            <a:r>
-              <a:rPr/>
-              <a:t>Critical Proposal 1,800 words (15%)</a:t>
-            </a:r>
-          </a:p>
-          <a:p>
-            <a:pPr lvl="0"/>
-            <a:r>
-              <a:rPr/>
-              <a:t>Mini-Dissertation 2,500 words (70%)</a:t>
-            </a:r>
-          </a:p>
-          <a:p>
-            <a:pPr lvl="0"/>
-            <a:r>
-              <a:rPr/>
-              <a:t>CHIP Learning Log 1,200 words (15%)</a:t>
+              <a:rPr sz="2000"/>
+              <a:t>All coursework is INDIVIDUAL and subject to normal plagiarism and collusion rules</a:t>
             </a:r>
           </a:p>
         </p:txBody>

--- a/_site/lectures/Lecture00/Lecture00.pptx
+++ b/_site/lectures/Lecture00/Lecture00.pptx
@@ -21,7 +21,6 @@
     <p:sldId id="269" r:id="rId15"/>
     <p:sldId id="270" r:id="rId16"/>
     <p:sldId id="271" r:id="rId17"/>
-    <p:sldId id="272" r:id="rId18"/>
   </p:sldIdLst>
   <p:sldSz cx="12192000" cy="6858000"/>
   <p:notesSz cx="6858000" cy="9144000"/>
@@ -4876,21 +4875,21 @@
           <p:cNvPr id="2" name="Title 1">
             <a:extLst>
               <a:ext uri="{FF2B5EF4-FFF2-40B4-BE49-F238E27FC236}">
-                <a16:creationId xmlns:a16="http://schemas.microsoft.com/office/drawing/2014/main" id="{5216EB9F-821C-3043-9B29-83C5977F52F4}"/>
-              </a:ext>
-            </a:extLst>
-          </p:cNvPr>
-          <p:cNvSpPr>
-            <a:spLocks noGrp="1"/>
-          </p:cNvSpPr>
-          <p:nvPr>
-            <p:ph type="ctrTitle"/>
+                <a16:creationId xmlns:a16="http://schemas.microsoft.com/office/drawing/2014/main" id="{FF6A6CB2-D1B6-B94A-84C1-83C65423C650}"/>
+              </a:ext>
+            </a:extLst>
+          </p:cNvPr>
+          <p:cNvSpPr>
+            <a:spLocks noGrp="1"/>
+          </p:cNvSpPr>
+          <p:nvPr>
+            <p:ph type="title"/>
           </p:nvPr>
         </p:nvSpPr>
         <p:spPr>
           <a:xfrm>
-            <a:off x="1524000" y="1122364"/>
-            <a:ext cx="9144000" cy="2396341"/>
+            <a:off x="831851" y="1709742"/>
+            <a:ext cx="10515600" cy="2852737"/>
           </a:xfrm>
           <a:prstGeom prst="rect">
             <a:avLst/>
@@ -4905,80 +4904,7 @@
             </a:pPr>
             <a:r>
               <a:rPr/>
-              <a:t>Lecture00</a:t>
-            </a:r>
-          </a:p>
-        </p:txBody>
-      </p:sp>
-      <p:sp>
-        <p:nvSpPr>
-          <p:cNvPr id="3" name="Subtitle 2">
-            <a:extLst>
-              <a:ext uri="{FF2B5EF4-FFF2-40B4-BE49-F238E27FC236}">
-                <a16:creationId xmlns:a16="http://schemas.microsoft.com/office/drawing/2014/main" id="{8C337200-5D83-FE46-9E69-B6B1D353C69A}"/>
-              </a:ext>
-            </a:extLst>
-          </p:cNvPr>
-          <p:cNvSpPr>
-            <a:spLocks noGrp="1"/>
-          </p:cNvSpPr>
-          <p:nvPr>
-            <p:ph idx="1" type="subTitle"/>
-          </p:nvPr>
-        </p:nvSpPr>
-        <p:spPr>
-          <a:xfrm>
-            <a:off x="1524000" y="3611302"/>
-            <a:ext cx="9144000" cy="1646498"/>
-          </a:xfrm>
-        </p:spPr>
-        <p:txBody>
-          <a:bodyPr/>
-          <a:lstStyle/>
-          <a:p>
-            <a:pPr lvl="0" indent="0" marL="0">
-              <a:buNone/>
-            </a:pPr>
-            <a:r>
-              <a:rPr/>
-              <a:t>Induction Week Intro</a:t>
-            </a:r>
-            <a:br/>
-            <a:br/>
-            <a:r>
-              <a:rPr/>
-              <a:t>Dr Gordon Wright</a:t>
-            </a:r>
-          </a:p>
-        </p:txBody>
-      </p:sp>
-      <p:sp>
-        <p:nvSpPr>
-          <p:cNvPr id="4" name="Date Placeholder 3">
-            <a:extLst>
-              <a:ext uri="{FF2B5EF4-FFF2-40B4-BE49-F238E27FC236}">
-                <a16:creationId xmlns:a16="http://schemas.microsoft.com/office/drawing/2014/main" id="{1069A7C7-1ADA-474D-B8F0-3471D14F86DA}"/>
-              </a:ext>
-            </a:extLst>
-          </p:cNvPr>
-          <p:cNvSpPr>
-            <a:spLocks noGrp="1"/>
-          </p:cNvSpPr>
-          <p:nvPr>
-            <p:ph idx="10" sz="half" type="dt"/>
-          </p:nvPr>
-        </p:nvSpPr>
-        <p:spPr/>
-        <p:txBody>
-          <a:bodyPr/>
-          <a:lstStyle/>
-          <a:p>
-            <a:pPr lvl="0" indent="0" marL="0">
-              <a:buNone/>
-            </a:pPr>
-            <a:r>
-              <a:rPr/>
-              <a:t>09/27/22</a:t>
+              <a:t>Induction Overview</a:t>
             </a:r>
           </a:p>
         </p:txBody>
@@ -5039,7 +4965,7 @@
             </a:pPr>
             <a:r>
               <a:rPr/>
-              <a:t>A friendly warning</a:t>
+              <a:t>Module structure</a:t>
             </a:r>
           </a:p>
         </p:txBody>
@@ -5065,21 +4991,30 @@
           <a:bodyPr/>
           <a:lstStyle/>
           <a:p>
-            <a:pPr lvl="0" indent="0" marL="1270000">
+            <a:pPr lvl="0" indent="0" marL="0">
               <a:buNone/>
             </a:pPr>
             <a:r>
-              <a:rPr sz="2000" b="1"/>
-              <a:t>Warning</a:t>
-            </a:r>
-          </a:p>
-          <a:p>
-            <a:pPr lvl="0" indent="0" marL="1270000">
+              <a:rPr/>
+              <a:t>1 x 1 hr Lecture per week (Monday)</a:t>
+            </a:r>
+          </a:p>
+          <a:p>
+            <a:pPr lvl="0" indent="0" marL="0">
               <a:buNone/>
             </a:pPr>
             <a:r>
-              <a:rPr sz="2000"/>
-              <a:t>All coursework is INDIVIDUAL and subject to normal plagiarism and collusion rules</a:t>
+              <a:rPr/>
+              <a:t>1 x 2 hr Lab per week (Tuesday)</a:t>
+            </a:r>
+          </a:p>
+          <a:p>
+            <a:pPr lvl="0" indent="0" marL="0">
+              <a:buNone/>
+            </a:pPr>
+            <a:r>
+              <a:rPr/>
+              <a:t>4 x Personal Tutor meetings across the year</a:t>
             </a:r>
           </a:p>
         </p:txBody>
@@ -5140,7 +5075,7 @@
             </a:pPr>
             <a:r>
               <a:rPr/>
-              <a:t>Module structure</a:t>
+              <a:t>Weekly Structure</a:t>
             </a:r>
           </a:p>
         </p:txBody>
@@ -5171,7 +5106,15 @@
             </a:pPr>
             <a:r>
               <a:rPr/>
-              <a:t>1 x 1 hr Lecture per week (Monday)</a:t>
+              <a:t>Each week there will be a very brief ‘</a:t>
+            </a:r>
+            <a:r>
+              <a:rPr b="1"/>
+              <a:t>Prelude</a:t>
+            </a:r>
+            <a:r>
+              <a:rPr/>
+              <a:t>’ designed to introduce one of the main topics of the week</a:t>
             </a:r>
           </a:p>
           <a:p>
@@ -5179,8 +5122,12 @@
               <a:buNone/>
             </a:pPr>
             <a:r>
+              <a:rPr b="1"/>
+              <a:t>Lecture</a:t>
+            </a:r>
+            <a:r>
               <a:rPr/>
-              <a:t>1 x 2 hr Lab per week (Tuesday)</a:t>
+              <a:t> (slides and recording posted afterwards)</a:t>
             </a:r>
           </a:p>
           <a:p>
@@ -5188,8 +5135,53 @@
               <a:buNone/>
             </a:pPr>
             <a:r>
+              <a:rPr b="1"/>
+              <a:t>Lab Activity</a:t>
+            </a:r>
+          </a:p>
+          <a:p>
+            <a:pPr lvl="0"/>
+            <a:r>
+              <a:rPr b="1"/>
+              <a:t>‘Pulse’</a:t>
+            </a:r>
+            <a:r>
               <a:rPr/>
-              <a:t>4 x Personal Tutor meetings across the year</a:t>
+              <a:t> taken on entry - 2 minute quiz</a:t>
+            </a:r>
+          </a:p>
+          <a:p>
+            <a:pPr lvl="0"/>
+            <a:r>
+              <a:rPr b="1"/>
+              <a:t>Lab Notebook</a:t>
+            </a:r>
+            <a:r>
+              <a:rPr/>
+              <a:t> with brief ‘generative activities’ and opportunities for metacognitive reflection</a:t>
+            </a:r>
+          </a:p>
+          <a:p>
+            <a:pPr lvl="0"/>
+            <a:r>
+              <a:rPr/>
+              <a:t>Extras provided around skills or applications or just interesting factoids</a:t>
+            </a:r>
+          </a:p>
+          <a:p>
+            <a:pPr lvl="0"/>
+            <a:r>
+              <a:rPr/>
+              <a:t>Lots can be achieved in the labs, but independent study and coordinated group work will be required</a:t>
+            </a:r>
+          </a:p>
+          <a:p>
+            <a:pPr lvl="0" indent="0" marL="0">
+              <a:buNone/>
+            </a:pPr>
+            <a:r>
+              <a:rPr/>
+              <a:t>NO EXAM</a:t>
             </a:r>
           </a:p>
         </p:txBody>
@@ -5250,7 +5242,7 @@
             </a:pPr>
             <a:r>
               <a:rPr/>
-              <a:t>Weekly Structure</a:t>
+              <a:t>Coursework</a:t>
             </a:r>
           </a:p>
         </p:txBody>
@@ -5281,82 +5273,7 @@
             </a:pPr>
             <a:r>
               <a:rPr/>
-              <a:t>Each week there will be a very brief ‘</a:t>
-            </a:r>
-            <a:r>
-              <a:rPr b="1"/>
-              <a:t>Prelude</a:t>
-            </a:r>
-            <a:r>
-              <a:rPr/>
-              <a:t>’ designed to introduce one of the main topics of the week</a:t>
-            </a:r>
-          </a:p>
-          <a:p>
-            <a:pPr lvl="0" indent="0" marL="0">
-              <a:buNone/>
-            </a:pPr>
-            <a:r>
-              <a:rPr b="1"/>
-              <a:t>Lecture</a:t>
-            </a:r>
-            <a:r>
-              <a:rPr/>
-              <a:t> (slides and recording posted afterwards)</a:t>
-            </a:r>
-          </a:p>
-          <a:p>
-            <a:pPr lvl="0" indent="0" marL="0">
-              <a:buNone/>
-            </a:pPr>
-            <a:r>
-              <a:rPr b="1"/>
-              <a:t>Lab Activity</a:t>
-            </a:r>
-          </a:p>
-          <a:p>
-            <a:pPr lvl="0"/>
-            <a:r>
-              <a:rPr b="1"/>
-              <a:t>‘Pulse’</a:t>
-            </a:r>
-            <a:r>
-              <a:rPr/>
-              <a:t> taken on entry - 2 minute quiz</a:t>
-            </a:r>
-          </a:p>
-          <a:p>
-            <a:pPr lvl="0"/>
-            <a:r>
-              <a:rPr b="1"/>
-              <a:t>Lab Notebook</a:t>
-            </a:r>
-            <a:r>
-              <a:rPr/>
-              <a:t> with brief ‘generative activities’ and opportunities for metacognitive reflection</a:t>
-            </a:r>
-          </a:p>
-          <a:p>
-            <a:pPr lvl="0"/>
-            <a:r>
-              <a:rPr/>
-              <a:t>Extras provided around skills or applications or just interesting factoids</a:t>
-            </a:r>
-          </a:p>
-          <a:p>
-            <a:pPr lvl="0"/>
-            <a:r>
-              <a:rPr/>
-              <a:t>Lots can be achieved in the labs, but independent study and coordinated group work will be required</a:t>
-            </a:r>
-          </a:p>
-          <a:p>
-            <a:pPr lvl="0" indent="0" marL="0">
-              <a:buNone/>
-            </a:pPr>
-            <a:r>
-              <a:rPr/>
-              <a:t>NO EXAM</a:t>
+              <a:t>The courseworks ALL require critical reflection and metacognitive practice. This will be discussed in a number of lectures, but it contributes to effective learning and your integration of the skills and experience of doing this research exercise.</a:t>
             </a:r>
           </a:p>
         </p:txBody>
@@ -5417,7 +5334,7 @@
             </a:pPr>
             <a:r>
               <a:rPr/>
-              <a:t>Coursework</a:t>
+              <a:t>Time management and teamwork</a:t>
             </a:r>
           </a:p>
         </p:txBody>
@@ -5448,7 +5365,34 @@
             </a:pPr>
             <a:r>
               <a:rPr/>
-              <a:t>The courseworks ALL require critical reflection and metacognitive practice. This will be discussed in a number of lectures, but it contributes to effective learning and your integration of the skills and experience of doing this research exercise.</a:t>
+              <a:t>..will both be required.</a:t>
+            </a:r>
+          </a:p>
+          <a:p>
+            <a:pPr lvl="0" indent="0" marL="0">
+              <a:buNone/>
+            </a:pPr>
+            <a:r>
+              <a:rPr/>
+              <a:t>I ask you to see both as an opportunity to develop these important skills.</a:t>
+            </a:r>
+          </a:p>
+          <a:p>
+            <a:pPr lvl="0" indent="0" marL="0">
+              <a:buNone/>
+            </a:pPr>
+            <a:r>
+              <a:rPr/>
+              <a:t>You will see we have some ideas to make this more relevant to careers and employability</a:t>
+            </a:r>
+          </a:p>
+          <a:p>
+            <a:pPr lvl="0" indent="0" marL="0">
+              <a:buNone/>
+            </a:pPr>
+            <a:r>
+              <a:rPr/>
+              <a:t>It is easier to ‘keep up than to catch up’.</a:t>
             </a:r>
           </a:p>
         </p:txBody>
@@ -5509,7 +5453,7 @@
             </a:pPr>
             <a:r>
               <a:rPr/>
-              <a:t>Time management and teamwork</a:t>
+              <a:t>Resources</a:t>
             </a:r>
           </a:p>
         </p:txBody>
@@ -5540,7 +5484,7 @@
             </a:pPr>
             <a:r>
               <a:rPr/>
-              <a:t>..will both be required.</a:t>
+              <a:t>We will be releasing a series of valuable resources to help you through every step of the process</a:t>
             </a:r>
           </a:p>
           <a:p>
@@ -5549,7 +5493,7 @@
             </a:pPr>
             <a:r>
               <a:rPr/>
-              <a:t>I ask you to see both as an opportunity to develop these important skills.</a:t>
+              <a:t>These will have value for your final year dissertation too.</a:t>
             </a:r>
           </a:p>
           <a:p>
@@ -5558,7 +5502,7 @@
             </a:pPr>
             <a:r>
               <a:rPr/>
-              <a:t>You will see we have some ideas to make this more relevant to careers and employability</a:t>
+              <a:t>Contribution to and comment on these is welcome and hoped for!</a:t>
             </a:r>
           </a:p>
           <a:p>
@@ -5567,7 +5511,7 @@
             </a:pPr>
             <a:r>
               <a:rPr/>
-              <a:t>It is easier to ‘keep up than to catch up’.</a:t>
+              <a:t>Open Educational Resources will be used extensively, and most core readings are available online via the library.</a:t>
             </a:r>
           </a:p>
         </p:txBody>
@@ -5628,7 +5572,7 @@
             </a:pPr>
             <a:r>
               <a:rPr/>
-              <a:t>Resources</a:t>
+              <a:t>Prelude 1</a:t>
             </a:r>
           </a:p>
         </p:txBody>
@@ -5659,34 +5603,7 @@
             </a:pPr>
             <a:r>
               <a:rPr/>
-              <a:t>We will be releasing a series of valuable resources to help you through every step of the process</a:t>
-            </a:r>
-          </a:p>
-          <a:p>
-            <a:pPr lvl="0" indent="0" marL="0">
-              <a:buNone/>
-            </a:pPr>
-            <a:r>
-              <a:rPr/>
-              <a:t>These will have value for your final year dissertation too.</a:t>
-            </a:r>
-          </a:p>
-          <a:p>
-            <a:pPr lvl="0" indent="0" marL="0">
-              <a:buNone/>
-            </a:pPr>
-            <a:r>
-              <a:rPr/>
-              <a:t>Contribution to and comment on these is welcome and hoped for!</a:t>
-            </a:r>
-          </a:p>
-          <a:p>
-            <a:pPr lvl="0" indent="0" marL="0">
-              <a:buNone/>
-            </a:pPr>
-            <a:r>
-              <a:rPr/>
-              <a:t>Open Educational Resources will be used extensively, and most core readings are available online via the library.</a:t>
+              <a:t>We are starting off very easy. A short questionnaire to allow us to get to know you a little better, which we will use to develop the first lecture, and the course more generally.</a:t>
             </a:r>
           </a:p>
         </p:txBody>
@@ -5747,98 +5664,6 @@
             </a:pPr>
             <a:r>
               <a:rPr/>
-              <a:t>Prelude 1</a:t>
-            </a:r>
-          </a:p>
-        </p:txBody>
-      </p:sp>
-      <p:sp>
-        <p:nvSpPr>
-          <p:cNvPr id="3" name="Content Placeholder 2">
-            <a:extLst>
-              <a:ext uri="{FF2B5EF4-FFF2-40B4-BE49-F238E27FC236}">
-                <a16:creationId xmlns:a16="http://schemas.microsoft.com/office/drawing/2014/main" id="{A4EB24F9-04F1-C843-9D71-56C5C024552B}"/>
-              </a:ext>
-            </a:extLst>
-          </p:cNvPr>
-          <p:cNvSpPr>
-            <a:spLocks noGrp="1"/>
-          </p:cNvSpPr>
-          <p:nvPr>
-            <p:ph idx="1"/>
-          </p:nvPr>
-        </p:nvSpPr>
-        <p:spPr/>
-        <p:txBody>
-          <a:bodyPr/>
-          <a:lstStyle/>
-          <a:p>
-            <a:pPr lvl="0" indent="0" marL="0">
-              <a:buNone/>
-            </a:pPr>
-            <a:r>
-              <a:rPr/>
-              <a:t>We are starting off very easy. A short questionnaire to allow us to get to know you a little better, which we will use to develop the first lecture, and the course more generally.</a:t>
-            </a:r>
-          </a:p>
-        </p:txBody>
-      </p:sp>
-    </p:spTree>
-  </p:cSld>
-</p:sld>
-</file>
-
-<file path=ppt/slides/slide17.xml><?xml version="1.0" encoding="utf-8"?>
-<p:sld xmlns:a="http://schemas.openxmlformats.org/drawingml/2006/main" xmlns:r="http://schemas.openxmlformats.org/officeDocument/2006/relationships" xmlns:p="http://schemas.openxmlformats.org/presentationml/2006/main">
-  <p:cSld>
-    <p:spTree>
-      <p:nvGrpSpPr>
-        <p:cNvPr id="1" name=""/>
-        <p:cNvGrpSpPr/>
-        <p:nvPr/>
-      </p:nvGrpSpPr>
-      <p:grpSpPr>
-        <a:xfrm>
-          <a:off x="0" y="0"/>
-          <a:ext cx="0" cy="0"/>
-          <a:chOff x="0" y="0"/>
-          <a:chExt cx="0" cy="0"/>
-        </a:xfrm>
-      </p:grpSpPr>
-      <p:sp>
-        <p:nvSpPr>
-          <p:cNvPr id="2" name="Title 1">
-            <a:extLst>
-              <a:ext uri="{FF2B5EF4-FFF2-40B4-BE49-F238E27FC236}">
-                <a16:creationId xmlns:a16="http://schemas.microsoft.com/office/drawing/2014/main" id="{DD9B8E45-0772-954C-8D4B-6E6808DFEDED}"/>
-              </a:ext>
-            </a:extLst>
-          </p:cNvPr>
-          <p:cNvSpPr>
-            <a:spLocks noGrp="1"/>
-          </p:cNvSpPr>
-          <p:nvPr>
-            <p:ph type="title"/>
-          </p:nvPr>
-        </p:nvSpPr>
-        <p:spPr>
-          <a:xfrm>
-            <a:off x="838200" y="365129"/>
-            <a:ext cx="10002520" cy="1325563"/>
-          </a:xfrm>
-          <a:prstGeom prst="rect">
-            <a:avLst/>
-          </a:prstGeom>
-        </p:spPr>
-        <p:txBody>
-          <a:bodyPr/>
-          <a:lstStyle/>
-          <a:p>
-            <a:pPr lvl="0" indent="0" marL="0">
-              <a:buNone/>
-            </a:pPr>
-            <a:r>
-              <a:rPr/>
               <a:t>Thank you for your time</a:t>
             </a:r>
           </a:p>
@@ -5911,7 +5736,7 @@
           <p:cNvPr id="2" name="Title 1">
             <a:extLst>
               <a:ext uri="{FF2B5EF4-FFF2-40B4-BE49-F238E27FC236}">
-                <a16:creationId xmlns:a16="http://schemas.microsoft.com/office/drawing/2014/main" id="{FF6A6CB2-D1B6-B94A-84C1-83C65423C650}"/>
+                <a16:creationId xmlns:a16="http://schemas.microsoft.com/office/drawing/2014/main" id="{DD9B8E45-0772-954C-8D4B-6E6808DFEDED}"/>
               </a:ext>
             </a:extLst>
           </p:cNvPr>
@@ -5924,8 +5749,8 @@
         </p:nvSpPr>
         <p:spPr>
           <a:xfrm>
-            <a:off x="831851" y="1709742"/>
-            <a:ext cx="10515600" cy="2852737"/>
+            <a:off x="838200" y="365129"/>
+            <a:ext cx="10002520" cy="1325563"/>
           </a:xfrm>
           <a:prstGeom prst="rect">
             <a:avLst/>
@@ -5940,7 +5765,7 @@
             </a:pPr>
             <a:r>
               <a:rPr/>
-              <a:t>Induction Overview</a:t>
+              <a:t>Welcome back and welcome to Research Methods!</a:t>
             </a:r>
           </a:p>
         </p:txBody>
@@ -6001,7 +5826,103 @@
             </a:pPr>
             <a:r>
               <a:rPr/>
-              <a:t>Welcome back and welcome to Research Methods!</a:t>
+              <a:t>This year you become Scientists!</a:t>
+            </a:r>
+          </a:p>
+        </p:txBody>
+      </p:sp>
+      <p:sp>
+        <p:nvSpPr>
+          <p:cNvPr id="3" name="Content Placeholder 2">
+            <a:extLst>
+              <a:ext uri="{FF2B5EF4-FFF2-40B4-BE49-F238E27FC236}">
+                <a16:creationId xmlns:a16="http://schemas.microsoft.com/office/drawing/2014/main" id="{A4EB24F9-04F1-C843-9D71-56C5C024552B}"/>
+              </a:ext>
+            </a:extLst>
+          </p:cNvPr>
+          <p:cNvSpPr>
+            <a:spLocks noGrp="1"/>
+          </p:cNvSpPr>
+          <p:nvPr>
+            <p:ph idx="1"/>
+          </p:nvPr>
+        </p:nvSpPr>
+        <p:spPr/>
+        <p:txBody>
+          <a:bodyPr/>
+          <a:lstStyle/>
+          <a:p>
+            <a:pPr lvl="0" indent="0" marL="0">
+              <a:buNone/>
+            </a:pPr>
+            <a:r>
+              <a:rPr/>
+              <a:t>This year, in Research Methods, you will perform your first piece of REAL psychological research</a:t>
+            </a:r>
+          </a:p>
+          <a:p>
+            <a:pPr lvl="0" indent="0" marL="0">
+              <a:buNone/>
+            </a:pPr>
+            <a:r>
+              <a:rPr/>
+              <a:t>In groups, you will:</a:t>
+            </a:r>
+          </a:p>
+          <a:p>
+            <a:pPr lvl="0"/>
+            <a:r>
+              <a:rPr/>
+              <a:t>Identify an area of psychological research</a:t>
+            </a:r>
+          </a:p>
+          <a:p>
+            <a:pPr lvl="0"/>
+            <a:r>
+              <a:rPr/>
+              <a:t>Review and critique the literature in this area</a:t>
+            </a:r>
+          </a:p>
+          <a:p>
+            <a:pPr lvl="0"/>
+            <a:r>
+              <a:rPr/>
+              <a:t>Develop a testable hypothesis</a:t>
+            </a:r>
+          </a:p>
+          <a:p>
+            <a:pPr lvl="0"/>
+            <a:r>
+              <a:rPr/>
+              <a:t>Design a 2x2 ANOVA experiment unique to you (within your group study)</a:t>
+            </a:r>
+          </a:p>
+          <a:p>
+            <a:pPr lvl="0"/>
+            <a:r>
+              <a:rPr/>
+              <a:t>Obtain Ethical Approval for your experiment</a:t>
+            </a:r>
+          </a:p>
+          <a:p>
+            <a:pPr lvl="0"/>
+            <a:r>
+              <a:rPr/>
+              <a:t>Collect REAL data</a:t>
+            </a:r>
+          </a:p>
+          <a:p>
+            <a:pPr lvl="0"/>
+            <a:r>
+              <a:rPr/>
+              <a:t>Analyse these data</a:t>
+            </a:r>
+          </a:p>
+          <a:p>
+            <a:pPr lvl="0"/>
+            <a:r>
+              <a:rPr/>
+              <a:t>Write up the results in APA format</a:t>
             </a:r>
           </a:p>
         </p:txBody>
@@ -6062,7 +5983,7 @@
             </a:pPr>
             <a:r>
               <a:rPr/>
-              <a:t>This year you become Scientists!</a:t>
+              <a:t>A full overview will be given in the first lecture!</a:t>
             </a:r>
           </a:p>
         </p:txBody>
@@ -6093,72 +6014,7 @@
             </a:pPr>
             <a:r>
               <a:rPr/>
-              <a:t>This year, in Research Methods, you will perform your first piece of REAL psychological research</a:t>
-            </a:r>
-          </a:p>
-          <a:p>
-            <a:pPr lvl="0" indent="0" marL="0">
-              <a:buNone/>
-            </a:pPr>
-            <a:r>
-              <a:rPr/>
-              <a:t>In groups, you will:</a:t>
-            </a:r>
-          </a:p>
-          <a:p>
-            <a:pPr lvl="0"/>
-            <a:r>
-              <a:rPr/>
-              <a:t>Identify an area of psychological research</a:t>
-            </a:r>
-          </a:p>
-          <a:p>
-            <a:pPr lvl="0"/>
-            <a:r>
-              <a:rPr/>
-              <a:t>Review and critique the literature in this area</a:t>
-            </a:r>
-          </a:p>
-          <a:p>
-            <a:pPr lvl="0"/>
-            <a:r>
-              <a:rPr/>
-              <a:t>Develop a testable hypothesis</a:t>
-            </a:r>
-          </a:p>
-          <a:p>
-            <a:pPr lvl="0"/>
-            <a:r>
-              <a:rPr/>
-              <a:t>Design a 2x2 ANOVA experiment unique to you (within your group study)</a:t>
-            </a:r>
-          </a:p>
-          <a:p>
-            <a:pPr lvl="0"/>
-            <a:r>
-              <a:rPr/>
-              <a:t>Obtain Ethical Approval for your experiment</a:t>
-            </a:r>
-          </a:p>
-          <a:p>
-            <a:pPr lvl="0"/>
-            <a:r>
-              <a:rPr/>
-              <a:t>Collect REAL data</a:t>
-            </a:r>
-          </a:p>
-          <a:p>
-            <a:pPr lvl="0"/>
-            <a:r>
-              <a:rPr/>
-              <a:t>Analyse these data</a:t>
-            </a:r>
-          </a:p>
-          <a:p>
-            <a:pPr lvl="0"/>
-            <a:r>
-              <a:rPr/>
-              <a:t>Write up the results in APA format</a:t>
+              <a:t>Do not worry! It’s going to be a great adventure!</a:t>
             </a:r>
           </a:p>
         </p:txBody>
@@ -6219,7 +6075,7 @@
             </a:pPr>
             <a:r>
               <a:rPr/>
-              <a:t>A full overview will be given in the first lecture!</a:t>
+              <a:t>A ‘warm up’ for your Y3 Dissertation</a:t>
             </a:r>
           </a:p>
         </p:txBody>
@@ -6245,12 +6101,52 @@
           <a:bodyPr/>
           <a:lstStyle/>
           <a:p>
-            <a:pPr lvl="0" indent="0" marL="0">
-              <a:buNone/>
-            </a:pPr>
+            <a:pPr lvl="0"/>
             <a:r>
               <a:rPr/>
-              <a:t>Do not worry! It’s going to be a great adventure!</a:t>
+              <a:t>The same 20-week timeline</a:t>
+            </a:r>
+          </a:p>
+          <a:p>
+            <a:pPr lvl="0"/>
+            <a:r>
+              <a:rPr/>
+              <a:t>The same skills and techniques you will need</a:t>
+            </a:r>
+          </a:p>
+          <a:p>
+            <a:pPr lvl="0"/>
+            <a:r>
+              <a:rPr/>
+              <a:t>Careful step-by-step guidance and support in the lab setting</a:t>
+            </a:r>
+          </a:p>
+          <a:p>
+            <a:pPr lvl="0"/>
+            <a:r>
+              <a:rPr/>
+              <a:t>Scaled-down experiments and write-ups</a:t>
+            </a:r>
+          </a:p>
+          <a:p>
+            <a:pPr lvl="0"/>
+            <a:r>
+              <a:rPr/>
+              <a:t>The security of working in a group</a:t>
+            </a:r>
+          </a:p>
+          <a:p>
+            <a:pPr lvl="0"/>
+            <a:r>
+              <a:rPr/>
+              <a:t>Tips and advice from world-class researchers</a:t>
+            </a:r>
+          </a:p>
+          <a:p>
+            <a:pPr lvl="0"/>
+            <a:r>
+              <a:rPr/>
+              <a:t>Opportunity to think carefully about your final year Dissertation, and how to crush it!!</a:t>
             </a:r>
           </a:p>
         </p:txBody>
@@ -6311,7 +6207,7 @@
             </a:pPr>
             <a:r>
               <a:rPr/>
-              <a:t>A ‘warm up’ for your Y3 Dissertation</a:t>
+              <a:t>Support and guidance</a:t>
             </a:r>
           </a:p>
         </p:txBody>
@@ -6340,49 +6236,37 @@
             <a:pPr lvl="0"/>
             <a:r>
               <a:rPr/>
-              <a:t>The same 20-week timeline</a:t>
+              <a:t>Gordon Wright (Module Coordinator and floating Enthusiast in Chief)</a:t>
             </a:r>
           </a:p>
           <a:p>
             <a:pPr lvl="0"/>
             <a:r>
               <a:rPr/>
-              <a:t>The same skills and techniques you will need</a:t>
+              <a:t>7 gobsmackingly amazing Lab Tutors</a:t>
             </a:r>
           </a:p>
           <a:p>
             <a:pPr lvl="0"/>
             <a:r>
               <a:rPr/>
-              <a:t>Careful step-by-step guidance and support in the lab setting</a:t>
+              <a:t>Your Personal Tutor and your PT group</a:t>
             </a:r>
           </a:p>
           <a:p>
             <a:pPr lvl="0"/>
             <a:r>
               <a:rPr/>
-              <a:t>Scaled-down experiments and write-ups</a:t>
-            </a:r>
-          </a:p>
-          <a:p>
-            <a:pPr lvl="0"/>
+              <a:t>AND EACH OTHER!!</a:t>
+            </a:r>
+          </a:p>
+          <a:p>
+            <a:pPr lvl="0" indent="0" marL="0">
+              <a:buNone/>
+            </a:pPr>
             <a:r>
               <a:rPr/>
-              <a:t>The security of working in a group</a:t>
-            </a:r>
-          </a:p>
-          <a:p>
-            <a:pPr lvl="0"/>
-            <a:r>
-              <a:rPr/>
-              <a:t>Tips and advice from world-class researchers</a:t>
-            </a:r>
-          </a:p>
-          <a:p>
-            <a:pPr lvl="0"/>
-            <a:r>
-              <a:rPr/>
-              <a:t>Opportunity to think carefully about your final year Dissertation, and how to crush it!!</a:t>
+              <a:t>This is a team-sport</a:t>
             </a:r>
           </a:p>
         </p:txBody>
@@ -6443,7 +6327,7 @@
             </a:pPr>
             <a:r>
               <a:rPr/>
-              <a:t>Support and guidance</a:t>
+              <a:t>me</a:t>
             </a:r>
           </a:p>
         </p:txBody>
@@ -6469,40 +6353,30 @@
           <a:bodyPr/>
           <a:lstStyle/>
           <a:p>
-            <a:pPr lvl="0"/>
+            <a:pPr lvl="0" indent="0" marL="0">
+              <a:buNone/>
+            </a:pPr>
             <a:r>
               <a:rPr/>
-              <a:t>Gordon Wright (Module Coordinator and floating Enthusiast in Chief)</a:t>
-            </a:r>
-          </a:p>
-          <a:p>
-            <a:pPr lvl="0"/>
+              <a:t>I will be in every Research Methods lecture and I have a Student Hour from 3-4 every Monday, before we all go to the Design &amp; Analysis lecture. Yup! Me too!</a:t>
+            </a:r>
+          </a:p>
+          <a:p>
+            <a:pPr lvl="0" indent="0" marL="0">
+              <a:buNone/>
+            </a:pPr>
             <a:r>
               <a:rPr/>
-              <a:t>7 gobsmackingly amazing Lab Tutors</a:t>
-            </a:r>
-          </a:p>
-          <a:p>
-            <a:pPr lvl="0"/>
+              <a:t>Available at g.wright@gold.ac.uk</a:t>
+            </a:r>
+          </a:p>
+          <a:p>
+            <a:pPr lvl="0" indent="0" marL="0">
+              <a:buNone/>
+            </a:pPr>
             <a:r>
               <a:rPr/>
-              <a:t>Your Personal Tutor and your PT group</a:t>
-            </a:r>
-          </a:p>
-          <a:p>
-            <a:pPr lvl="0"/>
-            <a:r>
-              <a:rPr/>
-              <a:t>AND EACH OTHER!!</a:t>
-            </a:r>
-          </a:p>
-          <a:p>
-            <a:pPr lvl="0" indent="0" marL="0">
-              <a:buNone/>
-            </a:pPr>
-            <a:r>
-              <a:rPr/>
-              <a:t>This is a team-sport</a:t>
+              <a:t>I genuinely could not imagine anything I would rather do that this. Please talk to me!</a:t>
             </a:r>
           </a:p>
         </p:txBody>
@@ -6563,7 +6437,7 @@
             </a:pPr>
             <a:r>
               <a:rPr/>
-              <a:t>me</a:t>
+              <a:t>Module weighting and assessment</a:t>
             </a:r>
           </a:p>
         </p:txBody>
@@ -6594,7 +6468,7 @@
             </a:pPr>
             <a:r>
               <a:rPr/>
-              <a:t>I will be in every Research Methods lecture and I have a Student Hour from 3-4 every Monday, before we all go to the Design &amp; Analysis lecture. Yup! Me too!</a:t>
+              <a:t>Research Methods is a core module with a 30 credit weighting</a:t>
             </a:r>
           </a:p>
           <a:p>
@@ -6603,16 +6477,28 @@
             </a:pPr>
             <a:r>
               <a:rPr/>
-              <a:t>Available at g.wright@gold.ac.uk</a:t>
-            </a:r>
-          </a:p>
-          <a:p>
-            <a:pPr lvl="0" indent="0" marL="0">
-              <a:buNone/>
-            </a:pPr>
+              <a:t>This means that in order to progress to Y3, you must pass all 3 assessment elements:</a:t>
+            </a:r>
+          </a:p>
+          <a:p>
+            <a:pPr lvl="0"/>
             <a:r>
               <a:rPr/>
-              <a:t>I genuinely could not imagine anything I would rather do that this. Please talk to me!</a:t>
+              <a:t>Critical Proposal 1,800 words (15%)</a:t>
+            </a:r>
+          </a:p>
+          <a:p>
+            <a:pPr lvl="0"/>
+            <a:r>
+              <a:rPr/>
+              <a:t>Mini-Dissertation 2,500 words (70%)</a:t>
+            </a:r>
+          </a:p>
+          <a:p>
+            <a:pPr lvl="0"/>
+            <a:r>
+              <a:rPr/>
+              <a:t>CHIP Learning Log 1,200 words (15%)</a:t>
             </a:r>
           </a:p>
         </p:txBody>
@@ -6673,7 +6559,7 @@
             </a:pPr>
             <a:r>
               <a:rPr/>
-              <a:t>Module weighting and assessment</a:t>
+              <a:t>A friendly warning</a:t>
             </a:r>
           </a:p>
         </p:txBody>
@@ -6699,42 +6585,21 @@
           <a:bodyPr/>
           <a:lstStyle/>
           <a:p>
-            <a:pPr lvl="0" indent="0" marL="0">
+            <a:pPr lvl="0" indent="0" marL="1270000">
               <a:buNone/>
             </a:pPr>
             <a:r>
-              <a:rPr/>
-              <a:t>Research Methods is a core module with a 30 credit weighting</a:t>
-            </a:r>
-          </a:p>
-          <a:p>
-            <a:pPr lvl="0" indent="0" marL="0">
+              <a:rPr sz="2000" b="1"/>
+              <a:t>Warning</a:t>
+            </a:r>
+          </a:p>
+          <a:p>
+            <a:pPr lvl="0" indent="0" marL="1270000">
               <a:buNone/>
             </a:pPr>
             <a:r>
-              <a:rPr/>
-              <a:t>This means that in order to progress to Y3, you must pass all 3 assessment elements:</a:t>
-            </a:r>
-          </a:p>
-          <a:p>
-            <a:pPr lvl="0"/>
-            <a:r>
-              <a:rPr/>
-              <a:t>Critical Proposal 1,800 words (15%)</a:t>
-            </a:r>
-          </a:p>
-          <a:p>
-            <a:pPr lvl="0"/>
-            <a:r>
-              <a:rPr/>
-              <a:t>Mini-Dissertation 2,500 words (70%)</a:t>
-            </a:r>
-          </a:p>
-          <a:p>
-            <a:pPr lvl="0"/>
-            <a:r>
-              <a:rPr/>
-              <a:t>CHIP Learning Log 1,200 words (15%)</a:t>
+              <a:rPr sz="2000"/>
+              <a:t>All coursework is INDIVIDUAL and subject to normal plagiarism and collusion rules</a:t>
             </a:r>
           </a:p>
         </p:txBody>

--- a/_site/lectures/Lecture00/Lecture00.pptx
+++ b/_site/lectures/Lecture00/Lecture00.pptx
@@ -21,6 +21,7 @@
     <p:sldId id="269" r:id="rId15"/>
     <p:sldId id="270" r:id="rId16"/>
     <p:sldId id="271" r:id="rId17"/>
+    <p:sldId id="272" r:id="rId18"/>
   </p:sldIdLst>
   <p:sldSz cx="12192000" cy="6858000"/>
   <p:notesSz cx="6858000" cy="9144000"/>
@@ -4875,21 +4876,21 @@
           <p:cNvPr id="2" name="Title 1">
             <a:extLst>
               <a:ext uri="{FF2B5EF4-FFF2-40B4-BE49-F238E27FC236}">
-                <a16:creationId xmlns:a16="http://schemas.microsoft.com/office/drawing/2014/main" id="{FF6A6CB2-D1B6-B94A-84C1-83C65423C650}"/>
-              </a:ext>
-            </a:extLst>
-          </p:cNvPr>
-          <p:cNvSpPr>
-            <a:spLocks noGrp="1"/>
-          </p:cNvSpPr>
-          <p:nvPr>
-            <p:ph type="title"/>
+                <a16:creationId xmlns:a16="http://schemas.microsoft.com/office/drawing/2014/main" id="{5216EB9F-821C-3043-9B29-83C5977F52F4}"/>
+              </a:ext>
+            </a:extLst>
+          </p:cNvPr>
+          <p:cNvSpPr>
+            <a:spLocks noGrp="1"/>
+          </p:cNvSpPr>
+          <p:nvPr>
+            <p:ph type="ctrTitle"/>
           </p:nvPr>
         </p:nvSpPr>
         <p:spPr>
           <a:xfrm>
-            <a:off x="831851" y="1709742"/>
-            <a:ext cx="10515600" cy="2852737"/>
+            <a:off x="1524000" y="1122364"/>
+            <a:ext cx="9144000" cy="2396341"/>
           </a:xfrm>
           <a:prstGeom prst="rect">
             <a:avLst/>
@@ -4904,7 +4905,80 @@
             </a:pPr>
             <a:r>
               <a:rPr/>
-              <a:t>Induction Overview</a:t>
+              <a:t>Lecture00</a:t>
+            </a:r>
+          </a:p>
+        </p:txBody>
+      </p:sp>
+      <p:sp>
+        <p:nvSpPr>
+          <p:cNvPr id="3" name="Subtitle 2">
+            <a:extLst>
+              <a:ext uri="{FF2B5EF4-FFF2-40B4-BE49-F238E27FC236}">
+                <a16:creationId xmlns:a16="http://schemas.microsoft.com/office/drawing/2014/main" id="{8C337200-5D83-FE46-9E69-B6B1D353C69A}"/>
+              </a:ext>
+            </a:extLst>
+          </p:cNvPr>
+          <p:cNvSpPr>
+            <a:spLocks noGrp="1"/>
+          </p:cNvSpPr>
+          <p:nvPr>
+            <p:ph idx="1" type="subTitle"/>
+          </p:nvPr>
+        </p:nvSpPr>
+        <p:spPr>
+          <a:xfrm>
+            <a:off x="1524000" y="3611302"/>
+            <a:ext cx="9144000" cy="1646498"/>
+          </a:xfrm>
+        </p:spPr>
+        <p:txBody>
+          <a:bodyPr/>
+          <a:lstStyle/>
+          <a:p>
+            <a:pPr lvl="0" indent="0" marL="0">
+              <a:buNone/>
+            </a:pPr>
+            <a:r>
+              <a:rPr/>
+              <a:t>Induction Week Intro</a:t>
+            </a:r>
+            <a:br/>
+            <a:br/>
+            <a:r>
+              <a:rPr/>
+              <a:t>Dr Gordon Wright</a:t>
+            </a:r>
+          </a:p>
+        </p:txBody>
+      </p:sp>
+      <p:sp>
+        <p:nvSpPr>
+          <p:cNvPr id="4" name="Date Placeholder 3">
+            <a:extLst>
+              <a:ext uri="{FF2B5EF4-FFF2-40B4-BE49-F238E27FC236}">
+                <a16:creationId xmlns:a16="http://schemas.microsoft.com/office/drawing/2014/main" id="{1069A7C7-1ADA-474D-B8F0-3471D14F86DA}"/>
+              </a:ext>
+            </a:extLst>
+          </p:cNvPr>
+          <p:cNvSpPr>
+            <a:spLocks noGrp="1"/>
+          </p:cNvSpPr>
+          <p:nvPr>
+            <p:ph idx="10" sz="half" type="dt"/>
+          </p:nvPr>
+        </p:nvSpPr>
+        <p:spPr/>
+        <p:txBody>
+          <a:bodyPr/>
+          <a:lstStyle/>
+          <a:p>
+            <a:pPr lvl="0" indent="0" marL="0">
+              <a:buNone/>
+            </a:pPr>
+            <a:r>
+              <a:rPr/>
+              <a:t>09/27/22</a:t>
             </a:r>
           </a:p>
         </p:txBody>
@@ -4965,7 +5039,7 @@
             </a:pPr>
             <a:r>
               <a:rPr/>
-              <a:t>Module structure</a:t>
+              <a:t>A friendly warning</a:t>
             </a:r>
           </a:p>
         </p:txBody>
@@ -4991,30 +5065,21 @@
           <a:bodyPr/>
           <a:lstStyle/>
           <a:p>
-            <a:pPr lvl="0" indent="0" marL="0">
+            <a:pPr lvl="0" indent="0" marL="1270000">
               <a:buNone/>
             </a:pPr>
             <a:r>
-              <a:rPr/>
-              <a:t>1 x 1 hr Lecture per week (Monday)</a:t>
-            </a:r>
-          </a:p>
-          <a:p>
-            <a:pPr lvl="0" indent="0" marL="0">
+              <a:rPr sz="2000" b="1"/>
+              <a:t>Warning</a:t>
+            </a:r>
+          </a:p>
+          <a:p>
+            <a:pPr lvl="0" indent="0" marL="1270000">
               <a:buNone/>
             </a:pPr>
             <a:r>
-              <a:rPr/>
-              <a:t>1 x 2 hr Lab per week (Tuesday)</a:t>
-            </a:r>
-          </a:p>
-          <a:p>
-            <a:pPr lvl="0" indent="0" marL="0">
-              <a:buNone/>
-            </a:pPr>
-            <a:r>
-              <a:rPr/>
-              <a:t>4 x Personal Tutor meetings across the year</a:t>
+              <a:rPr sz="2000"/>
+              <a:t>All coursework is INDIVIDUAL and subject to normal plagiarism and collusion rules</a:t>
             </a:r>
           </a:p>
         </p:txBody>
@@ -5075,7 +5140,7 @@
             </a:pPr>
             <a:r>
               <a:rPr/>
-              <a:t>Weekly Structure</a:t>
+              <a:t>Module structure</a:t>
             </a:r>
           </a:p>
         </p:txBody>
@@ -5106,15 +5171,7 @@
             </a:pPr>
             <a:r>
               <a:rPr/>
-              <a:t>Each week there will be a very brief ‘</a:t>
-            </a:r>
-            <a:r>
-              <a:rPr b="1"/>
-              <a:t>Prelude</a:t>
-            </a:r>
-            <a:r>
-              <a:rPr/>
-              <a:t>’ designed to introduce one of the main topics of the week</a:t>
+              <a:t>1 x 1 hr Lecture per week (Monday)</a:t>
             </a:r>
           </a:p>
           <a:p>
@@ -5122,12 +5179,8 @@
               <a:buNone/>
             </a:pPr>
             <a:r>
-              <a:rPr b="1"/>
-              <a:t>Lecture</a:t>
-            </a:r>
-            <a:r>
-              <a:rPr/>
-              <a:t> (slides and recording posted afterwards)</a:t>
+              <a:rPr/>
+              <a:t>1 x 2 hr Lab per week (Tuesday)</a:t>
             </a:r>
           </a:p>
           <a:p>
@@ -5135,53 +5188,8 @@
               <a:buNone/>
             </a:pPr>
             <a:r>
-              <a:rPr b="1"/>
-              <a:t>Lab Activity</a:t>
-            </a:r>
-          </a:p>
-          <a:p>
-            <a:pPr lvl="0"/>
-            <a:r>
-              <a:rPr b="1"/>
-              <a:t>‘Pulse’</a:t>
-            </a:r>
-            <a:r>
-              <a:rPr/>
-              <a:t> taken on entry - 2 minute quiz</a:t>
-            </a:r>
-          </a:p>
-          <a:p>
-            <a:pPr lvl="0"/>
-            <a:r>
-              <a:rPr b="1"/>
-              <a:t>Lab Notebook</a:t>
-            </a:r>
-            <a:r>
-              <a:rPr/>
-              <a:t> with brief ‘generative activities’ and opportunities for metacognitive reflection</a:t>
-            </a:r>
-          </a:p>
-          <a:p>
-            <a:pPr lvl="0"/>
-            <a:r>
-              <a:rPr/>
-              <a:t>Extras provided around skills or applications or just interesting factoids</a:t>
-            </a:r>
-          </a:p>
-          <a:p>
-            <a:pPr lvl="0"/>
-            <a:r>
-              <a:rPr/>
-              <a:t>Lots can be achieved in the labs, but independent study and coordinated group work will be required</a:t>
-            </a:r>
-          </a:p>
-          <a:p>
-            <a:pPr lvl="0" indent="0" marL="0">
-              <a:buNone/>
-            </a:pPr>
-            <a:r>
-              <a:rPr/>
-              <a:t>NO EXAM</a:t>
+              <a:rPr/>
+              <a:t>4 x Personal Tutor meetings across the year</a:t>
             </a:r>
           </a:p>
         </p:txBody>
@@ -5242,7 +5250,7 @@
             </a:pPr>
             <a:r>
               <a:rPr/>
-              <a:t>Coursework</a:t>
+              <a:t>Weekly Structure</a:t>
             </a:r>
           </a:p>
         </p:txBody>
@@ -5273,7 +5281,82 @@
             </a:pPr>
             <a:r>
               <a:rPr/>
-              <a:t>The courseworks ALL require critical reflection and metacognitive practice. This will be discussed in a number of lectures, but it contributes to effective learning and your integration of the skills and experience of doing this research exercise.</a:t>
+              <a:t>Each week there will be a very brief ‘</a:t>
+            </a:r>
+            <a:r>
+              <a:rPr b="1"/>
+              <a:t>Prelude</a:t>
+            </a:r>
+            <a:r>
+              <a:rPr/>
+              <a:t>’ designed to introduce one of the main topics of the week</a:t>
+            </a:r>
+          </a:p>
+          <a:p>
+            <a:pPr lvl="0" indent="0" marL="0">
+              <a:buNone/>
+            </a:pPr>
+            <a:r>
+              <a:rPr b="1"/>
+              <a:t>Lecture</a:t>
+            </a:r>
+            <a:r>
+              <a:rPr/>
+              <a:t> (slides and recording posted afterwards)</a:t>
+            </a:r>
+          </a:p>
+          <a:p>
+            <a:pPr lvl="0" indent="0" marL="0">
+              <a:buNone/>
+            </a:pPr>
+            <a:r>
+              <a:rPr b="1"/>
+              <a:t>Lab Activity</a:t>
+            </a:r>
+          </a:p>
+          <a:p>
+            <a:pPr lvl="0"/>
+            <a:r>
+              <a:rPr b="1"/>
+              <a:t>‘Pulse’</a:t>
+            </a:r>
+            <a:r>
+              <a:rPr/>
+              <a:t> taken on entry - 2 minute quiz</a:t>
+            </a:r>
+          </a:p>
+          <a:p>
+            <a:pPr lvl="0"/>
+            <a:r>
+              <a:rPr b="1"/>
+              <a:t>Lab Notebook</a:t>
+            </a:r>
+            <a:r>
+              <a:rPr/>
+              <a:t> with brief ‘generative activities’ and opportunities for metacognitive reflection</a:t>
+            </a:r>
+          </a:p>
+          <a:p>
+            <a:pPr lvl="0"/>
+            <a:r>
+              <a:rPr/>
+              <a:t>Extras provided around skills or applications or just interesting factoids</a:t>
+            </a:r>
+          </a:p>
+          <a:p>
+            <a:pPr lvl="0"/>
+            <a:r>
+              <a:rPr/>
+              <a:t>Lots can be achieved in the labs, but independent study and coordinated group work will be required</a:t>
+            </a:r>
+          </a:p>
+          <a:p>
+            <a:pPr lvl="0" indent="0" marL="0">
+              <a:buNone/>
+            </a:pPr>
+            <a:r>
+              <a:rPr/>
+              <a:t>NO EXAM</a:t>
             </a:r>
           </a:p>
         </p:txBody>
@@ -5334,7 +5417,7 @@
             </a:pPr>
             <a:r>
               <a:rPr/>
-              <a:t>Time management and teamwork</a:t>
+              <a:t>Coursework</a:t>
             </a:r>
           </a:p>
         </p:txBody>
@@ -5365,34 +5448,7 @@
             </a:pPr>
             <a:r>
               <a:rPr/>
-              <a:t>..will both be required.</a:t>
-            </a:r>
-          </a:p>
-          <a:p>
-            <a:pPr lvl="0" indent="0" marL="0">
-              <a:buNone/>
-            </a:pPr>
-            <a:r>
-              <a:rPr/>
-              <a:t>I ask you to see both as an opportunity to develop these important skills.</a:t>
-            </a:r>
-          </a:p>
-          <a:p>
-            <a:pPr lvl="0" indent="0" marL="0">
-              <a:buNone/>
-            </a:pPr>
-            <a:r>
-              <a:rPr/>
-              <a:t>You will see we have some ideas to make this more relevant to careers and employability</a:t>
-            </a:r>
-          </a:p>
-          <a:p>
-            <a:pPr lvl="0" indent="0" marL="0">
-              <a:buNone/>
-            </a:pPr>
-            <a:r>
-              <a:rPr/>
-              <a:t>It is easier to ‘keep up than to catch up’.</a:t>
+              <a:t>The courseworks ALL require critical reflection and metacognitive practice. This will be discussed in a number of lectures, but it contributes to effective learning and your integration of the skills and experience of doing this research exercise.</a:t>
             </a:r>
           </a:p>
         </p:txBody>
@@ -5453,7 +5509,7 @@
             </a:pPr>
             <a:r>
               <a:rPr/>
-              <a:t>Resources</a:t>
+              <a:t>Time management and teamwork</a:t>
             </a:r>
           </a:p>
         </p:txBody>
@@ -5484,7 +5540,7 @@
             </a:pPr>
             <a:r>
               <a:rPr/>
-              <a:t>We will be releasing a series of valuable resources to help you through every step of the process</a:t>
+              <a:t>..will both be required.</a:t>
             </a:r>
           </a:p>
           <a:p>
@@ -5493,7 +5549,7 @@
             </a:pPr>
             <a:r>
               <a:rPr/>
-              <a:t>These will have value for your final year dissertation too.</a:t>
+              <a:t>I ask you to see both as an opportunity to develop these important skills.</a:t>
             </a:r>
           </a:p>
           <a:p>
@@ -5502,7 +5558,7 @@
             </a:pPr>
             <a:r>
               <a:rPr/>
-              <a:t>Contribution to and comment on these is welcome and hoped for!</a:t>
+              <a:t>You will see we have some ideas to make this more relevant to careers and employability</a:t>
             </a:r>
           </a:p>
           <a:p>
@@ -5511,7 +5567,7 @@
             </a:pPr>
             <a:r>
               <a:rPr/>
-              <a:t>Open Educational Resources will be used extensively, and most core readings are available online via the library.</a:t>
+              <a:t>It is easier to ‘keep up than to catch up’.</a:t>
             </a:r>
           </a:p>
         </p:txBody>
@@ -5572,7 +5628,7 @@
             </a:pPr>
             <a:r>
               <a:rPr/>
-              <a:t>Prelude 1</a:t>
+              <a:t>Resources</a:t>
             </a:r>
           </a:p>
         </p:txBody>
@@ -5603,7 +5659,34 @@
             </a:pPr>
             <a:r>
               <a:rPr/>
-              <a:t>We are starting off very easy. A short questionnaire to allow us to get to know you a little better, which we will use to develop the first lecture, and the course more generally.</a:t>
+              <a:t>We will be releasing a series of valuable resources to help you through every step of the process</a:t>
+            </a:r>
+          </a:p>
+          <a:p>
+            <a:pPr lvl="0" indent="0" marL="0">
+              <a:buNone/>
+            </a:pPr>
+            <a:r>
+              <a:rPr/>
+              <a:t>These will have value for your final year dissertation too.</a:t>
+            </a:r>
+          </a:p>
+          <a:p>
+            <a:pPr lvl="0" indent="0" marL="0">
+              <a:buNone/>
+            </a:pPr>
+            <a:r>
+              <a:rPr/>
+              <a:t>Contribution to and comment on these is welcome and hoped for!</a:t>
+            </a:r>
+          </a:p>
+          <a:p>
+            <a:pPr lvl="0" indent="0" marL="0">
+              <a:buNone/>
+            </a:pPr>
+            <a:r>
+              <a:rPr/>
+              <a:t>Open Educational Resources will be used extensively, and most core readings are available online via the library.</a:t>
             </a:r>
           </a:p>
         </p:txBody>
@@ -5664,6 +5747,98 @@
             </a:pPr>
             <a:r>
               <a:rPr/>
+              <a:t>Prelude 1</a:t>
+            </a:r>
+          </a:p>
+        </p:txBody>
+      </p:sp>
+      <p:sp>
+        <p:nvSpPr>
+          <p:cNvPr id="3" name="Content Placeholder 2">
+            <a:extLst>
+              <a:ext uri="{FF2B5EF4-FFF2-40B4-BE49-F238E27FC236}">
+                <a16:creationId xmlns:a16="http://schemas.microsoft.com/office/drawing/2014/main" id="{A4EB24F9-04F1-C843-9D71-56C5C024552B}"/>
+              </a:ext>
+            </a:extLst>
+          </p:cNvPr>
+          <p:cNvSpPr>
+            <a:spLocks noGrp="1"/>
+          </p:cNvSpPr>
+          <p:nvPr>
+            <p:ph idx="1"/>
+          </p:nvPr>
+        </p:nvSpPr>
+        <p:spPr/>
+        <p:txBody>
+          <a:bodyPr/>
+          <a:lstStyle/>
+          <a:p>
+            <a:pPr lvl="0" indent="0" marL="0">
+              <a:buNone/>
+            </a:pPr>
+            <a:r>
+              <a:rPr/>
+              <a:t>We are starting off very easy. A short questionnaire to allow us to get to know you a little better, which we will use to develop the first lecture, and the course more generally.</a:t>
+            </a:r>
+          </a:p>
+        </p:txBody>
+      </p:sp>
+    </p:spTree>
+  </p:cSld>
+</p:sld>
+</file>
+
+<file path=ppt/slides/slide17.xml><?xml version="1.0" encoding="utf-8"?>
+<p:sld xmlns:a="http://schemas.openxmlformats.org/drawingml/2006/main" xmlns:r="http://schemas.openxmlformats.org/officeDocument/2006/relationships" xmlns:p="http://schemas.openxmlformats.org/presentationml/2006/main">
+  <p:cSld>
+    <p:spTree>
+      <p:nvGrpSpPr>
+        <p:cNvPr id="1" name=""/>
+        <p:cNvGrpSpPr/>
+        <p:nvPr/>
+      </p:nvGrpSpPr>
+      <p:grpSpPr>
+        <a:xfrm>
+          <a:off x="0" y="0"/>
+          <a:ext cx="0" cy="0"/>
+          <a:chOff x="0" y="0"/>
+          <a:chExt cx="0" cy="0"/>
+        </a:xfrm>
+      </p:grpSpPr>
+      <p:sp>
+        <p:nvSpPr>
+          <p:cNvPr id="2" name="Title 1">
+            <a:extLst>
+              <a:ext uri="{FF2B5EF4-FFF2-40B4-BE49-F238E27FC236}">
+                <a16:creationId xmlns:a16="http://schemas.microsoft.com/office/drawing/2014/main" id="{DD9B8E45-0772-954C-8D4B-6E6808DFEDED}"/>
+              </a:ext>
+            </a:extLst>
+          </p:cNvPr>
+          <p:cNvSpPr>
+            <a:spLocks noGrp="1"/>
+          </p:cNvSpPr>
+          <p:nvPr>
+            <p:ph type="title"/>
+          </p:nvPr>
+        </p:nvSpPr>
+        <p:spPr>
+          <a:xfrm>
+            <a:off x="838200" y="365129"/>
+            <a:ext cx="10002520" cy="1325563"/>
+          </a:xfrm>
+          <a:prstGeom prst="rect">
+            <a:avLst/>
+          </a:prstGeom>
+        </p:spPr>
+        <p:txBody>
+          <a:bodyPr/>
+          <a:lstStyle/>
+          <a:p>
+            <a:pPr lvl="0" indent="0" marL="0">
+              <a:buNone/>
+            </a:pPr>
+            <a:r>
+              <a:rPr/>
               <a:t>Thank you for your time</a:t>
             </a:r>
           </a:p>
@@ -5736,7 +5911,7 @@
           <p:cNvPr id="2" name="Title 1">
             <a:extLst>
               <a:ext uri="{FF2B5EF4-FFF2-40B4-BE49-F238E27FC236}">
-                <a16:creationId xmlns:a16="http://schemas.microsoft.com/office/drawing/2014/main" id="{DD9B8E45-0772-954C-8D4B-6E6808DFEDED}"/>
+                <a16:creationId xmlns:a16="http://schemas.microsoft.com/office/drawing/2014/main" id="{FF6A6CB2-D1B6-B94A-84C1-83C65423C650}"/>
               </a:ext>
             </a:extLst>
           </p:cNvPr>
@@ -5749,8 +5924,8 @@
         </p:nvSpPr>
         <p:spPr>
           <a:xfrm>
-            <a:off x="838200" y="365129"/>
-            <a:ext cx="10002520" cy="1325563"/>
+            <a:off x="831851" y="1709742"/>
+            <a:ext cx="10515600" cy="2852737"/>
           </a:xfrm>
           <a:prstGeom prst="rect">
             <a:avLst/>
@@ -5765,7 +5940,7 @@
             </a:pPr>
             <a:r>
               <a:rPr/>
-              <a:t>Welcome back and welcome to Research Methods!</a:t>
+              <a:t>Induction Overview</a:t>
             </a:r>
           </a:p>
         </p:txBody>
@@ -5826,103 +6001,7 @@
             </a:pPr>
             <a:r>
               <a:rPr/>
-              <a:t>This year you become Scientists!</a:t>
-            </a:r>
-          </a:p>
-        </p:txBody>
-      </p:sp>
-      <p:sp>
-        <p:nvSpPr>
-          <p:cNvPr id="3" name="Content Placeholder 2">
-            <a:extLst>
-              <a:ext uri="{FF2B5EF4-FFF2-40B4-BE49-F238E27FC236}">
-                <a16:creationId xmlns:a16="http://schemas.microsoft.com/office/drawing/2014/main" id="{A4EB24F9-04F1-C843-9D71-56C5C024552B}"/>
-              </a:ext>
-            </a:extLst>
-          </p:cNvPr>
-          <p:cNvSpPr>
-            <a:spLocks noGrp="1"/>
-          </p:cNvSpPr>
-          <p:nvPr>
-            <p:ph idx="1"/>
-          </p:nvPr>
-        </p:nvSpPr>
-        <p:spPr/>
-        <p:txBody>
-          <a:bodyPr/>
-          <a:lstStyle/>
-          <a:p>
-            <a:pPr lvl="0" indent="0" marL="0">
-              <a:buNone/>
-            </a:pPr>
-            <a:r>
-              <a:rPr/>
-              <a:t>This year, in Research Methods, you will perform your first piece of REAL psychological research</a:t>
-            </a:r>
-          </a:p>
-          <a:p>
-            <a:pPr lvl="0" indent="0" marL="0">
-              <a:buNone/>
-            </a:pPr>
-            <a:r>
-              <a:rPr/>
-              <a:t>In groups, you will:</a:t>
-            </a:r>
-          </a:p>
-          <a:p>
-            <a:pPr lvl="0"/>
-            <a:r>
-              <a:rPr/>
-              <a:t>Identify an area of psychological research</a:t>
-            </a:r>
-          </a:p>
-          <a:p>
-            <a:pPr lvl="0"/>
-            <a:r>
-              <a:rPr/>
-              <a:t>Review and critique the literature in this area</a:t>
-            </a:r>
-          </a:p>
-          <a:p>
-            <a:pPr lvl="0"/>
-            <a:r>
-              <a:rPr/>
-              <a:t>Develop a testable hypothesis</a:t>
-            </a:r>
-          </a:p>
-          <a:p>
-            <a:pPr lvl="0"/>
-            <a:r>
-              <a:rPr/>
-              <a:t>Design a 2x2 ANOVA experiment unique to you (within your group study)</a:t>
-            </a:r>
-          </a:p>
-          <a:p>
-            <a:pPr lvl="0"/>
-            <a:r>
-              <a:rPr/>
-              <a:t>Obtain Ethical Approval for your experiment</a:t>
-            </a:r>
-          </a:p>
-          <a:p>
-            <a:pPr lvl="0"/>
-            <a:r>
-              <a:rPr/>
-              <a:t>Collect REAL data</a:t>
-            </a:r>
-          </a:p>
-          <a:p>
-            <a:pPr lvl="0"/>
-            <a:r>
-              <a:rPr/>
-              <a:t>Analyse these data</a:t>
-            </a:r>
-          </a:p>
-          <a:p>
-            <a:pPr lvl="0"/>
-            <a:r>
-              <a:rPr/>
-              <a:t>Write up the results in APA format</a:t>
+              <a:t>Welcome back and welcome to Research Methods!</a:t>
             </a:r>
           </a:p>
         </p:txBody>
@@ -5983,7 +6062,7 @@
             </a:pPr>
             <a:r>
               <a:rPr/>
-              <a:t>A full overview will be given in the first lecture!</a:t>
+              <a:t>This year you become Scientists!</a:t>
             </a:r>
           </a:p>
         </p:txBody>
@@ -6014,7 +6093,72 @@
             </a:pPr>
             <a:r>
               <a:rPr/>
-              <a:t>Do not worry! It’s going to be a great adventure!</a:t>
+              <a:t>This year, in Research Methods, you will perform your first piece of REAL psychological research</a:t>
+            </a:r>
+          </a:p>
+          <a:p>
+            <a:pPr lvl="0" indent="0" marL="0">
+              <a:buNone/>
+            </a:pPr>
+            <a:r>
+              <a:rPr/>
+              <a:t>In groups, you will:</a:t>
+            </a:r>
+          </a:p>
+          <a:p>
+            <a:pPr lvl="0"/>
+            <a:r>
+              <a:rPr/>
+              <a:t>Identify an area of psychological research</a:t>
+            </a:r>
+          </a:p>
+          <a:p>
+            <a:pPr lvl="0"/>
+            <a:r>
+              <a:rPr/>
+              <a:t>Review and critique the literature in this area</a:t>
+            </a:r>
+          </a:p>
+          <a:p>
+            <a:pPr lvl="0"/>
+            <a:r>
+              <a:rPr/>
+              <a:t>Develop a testable hypothesis</a:t>
+            </a:r>
+          </a:p>
+          <a:p>
+            <a:pPr lvl="0"/>
+            <a:r>
+              <a:rPr/>
+              <a:t>Design a 2x2 ANOVA experiment unique to you (within your group study)</a:t>
+            </a:r>
+          </a:p>
+          <a:p>
+            <a:pPr lvl="0"/>
+            <a:r>
+              <a:rPr/>
+              <a:t>Obtain Ethical Approval for your experiment</a:t>
+            </a:r>
+          </a:p>
+          <a:p>
+            <a:pPr lvl="0"/>
+            <a:r>
+              <a:rPr/>
+              <a:t>Collect REAL data</a:t>
+            </a:r>
+          </a:p>
+          <a:p>
+            <a:pPr lvl="0"/>
+            <a:r>
+              <a:rPr/>
+              <a:t>Analyse these data</a:t>
+            </a:r>
+          </a:p>
+          <a:p>
+            <a:pPr lvl="0"/>
+            <a:r>
+              <a:rPr/>
+              <a:t>Write up the results in APA format</a:t>
             </a:r>
           </a:p>
         </p:txBody>
@@ -6075,7 +6219,7 @@
             </a:pPr>
             <a:r>
               <a:rPr/>
-              <a:t>A ‘warm up’ for your Y3 Dissertation</a:t>
+              <a:t>A full overview will be given in the first lecture!</a:t>
             </a:r>
           </a:p>
         </p:txBody>
@@ -6101,52 +6245,12 @@
           <a:bodyPr/>
           <a:lstStyle/>
           <a:p>
-            <a:pPr lvl="0"/>
-            <a:r>
-              <a:rPr/>
-              <a:t>The same 20-week timeline</a:t>
-            </a:r>
-          </a:p>
-          <a:p>
-            <a:pPr lvl="0"/>
-            <a:r>
-              <a:rPr/>
-              <a:t>The same skills and techniques you will need</a:t>
-            </a:r>
-          </a:p>
-          <a:p>
-            <a:pPr lvl="0"/>
-            <a:r>
-              <a:rPr/>
-              <a:t>Careful step-by-step guidance and support in the lab setting</a:t>
-            </a:r>
-          </a:p>
-          <a:p>
-            <a:pPr lvl="0"/>
-            <a:r>
-              <a:rPr/>
-              <a:t>Scaled-down experiments and write-ups</a:t>
-            </a:r>
-          </a:p>
-          <a:p>
-            <a:pPr lvl="0"/>
-            <a:r>
-              <a:rPr/>
-              <a:t>The security of working in a group</a:t>
-            </a:r>
-          </a:p>
-          <a:p>
-            <a:pPr lvl="0"/>
-            <a:r>
-              <a:rPr/>
-              <a:t>Tips and advice from world-class researchers</a:t>
-            </a:r>
-          </a:p>
-          <a:p>
-            <a:pPr lvl="0"/>
-            <a:r>
-              <a:rPr/>
-              <a:t>Opportunity to think carefully about your final year Dissertation, and how to crush it!!</a:t>
+            <a:pPr lvl="0" indent="0" marL="0">
+              <a:buNone/>
+            </a:pPr>
+            <a:r>
+              <a:rPr/>
+              <a:t>Do not worry! It’s going to be a great adventure!</a:t>
             </a:r>
           </a:p>
         </p:txBody>
@@ -6207,7 +6311,7 @@
             </a:pPr>
             <a:r>
               <a:rPr/>
-              <a:t>Support and guidance</a:t>
+              <a:t>A ‘warm up’ for your Y3 Dissertation</a:t>
             </a:r>
           </a:p>
         </p:txBody>
@@ -6236,37 +6340,49 @@
             <a:pPr lvl="0"/>
             <a:r>
               <a:rPr/>
-              <a:t>Gordon Wright (Module Coordinator and floating Enthusiast in Chief)</a:t>
+              <a:t>The same 20-week timeline</a:t>
             </a:r>
           </a:p>
           <a:p>
             <a:pPr lvl="0"/>
             <a:r>
               <a:rPr/>
-              <a:t>7 gobsmackingly amazing Lab Tutors</a:t>
+              <a:t>The same skills and techniques you will need</a:t>
             </a:r>
           </a:p>
           <a:p>
             <a:pPr lvl="0"/>
             <a:r>
               <a:rPr/>
-              <a:t>Your Personal Tutor and your PT group</a:t>
+              <a:t>Careful step-by-step guidance and support in the lab setting</a:t>
             </a:r>
           </a:p>
           <a:p>
             <a:pPr lvl="0"/>
             <a:r>
               <a:rPr/>
-              <a:t>AND EACH OTHER!!</a:t>
-            </a:r>
-          </a:p>
-          <a:p>
-            <a:pPr lvl="0" indent="0" marL="0">
-              <a:buNone/>
-            </a:pPr>
-            <a:r>
-              <a:rPr/>
-              <a:t>This is a team-sport</a:t>
+              <a:t>Scaled-down experiments and write-ups</a:t>
+            </a:r>
+          </a:p>
+          <a:p>
+            <a:pPr lvl="0"/>
+            <a:r>
+              <a:rPr/>
+              <a:t>The security of working in a group</a:t>
+            </a:r>
+          </a:p>
+          <a:p>
+            <a:pPr lvl="0"/>
+            <a:r>
+              <a:rPr/>
+              <a:t>Tips and advice from world-class researchers</a:t>
+            </a:r>
+          </a:p>
+          <a:p>
+            <a:pPr lvl="0"/>
+            <a:r>
+              <a:rPr/>
+              <a:t>Opportunity to think carefully about your final year Dissertation, and how to crush it!!</a:t>
             </a:r>
           </a:p>
         </p:txBody>
@@ -6327,7 +6443,7 @@
             </a:pPr>
             <a:r>
               <a:rPr/>
-              <a:t>me</a:t>
+              <a:t>Support and guidance</a:t>
             </a:r>
           </a:p>
         </p:txBody>
@@ -6353,30 +6469,40 @@
           <a:bodyPr/>
           <a:lstStyle/>
           <a:p>
+            <a:pPr lvl="0"/>
+            <a:r>
+              <a:rPr/>
+              <a:t>Gordon Wright (Module Coordinator and floating Enthusiast in Chief)</a:t>
+            </a:r>
+          </a:p>
+          <a:p>
+            <a:pPr lvl="0"/>
+            <a:r>
+              <a:rPr/>
+              <a:t>7 gobsmackingly amazing Lab Tutors</a:t>
+            </a:r>
+          </a:p>
+          <a:p>
+            <a:pPr lvl="0"/>
+            <a:r>
+              <a:rPr/>
+              <a:t>Your Personal Tutor and your PT group</a:t>
+            </a:r>
+          </a:p>
+          <a:p>
+            <a:pPr lvl="0"/>
+            <a:r>
+              <a:rPr/>
+              <a:t>AND EACH OTHER!!</a:t>
+            </a:r>
+          </a:p>
+          <a:p>
             <a:pPr lvl="0" indent="0" marL="0">
               <a:buNone/>
             </a:pPr>
             <a:r>
               <a:rPr/>
-              <a:t>I will be in every Research Methods lecture and I have a Student Hour from 3-4 every Monday, before we all go to the Design &amp; Analysis lecture. Yup! Me too!</a:t>
-            </a:r>
-          </a:p>
-          <a:p>
-            <a:pPr lvl="0" indent="0" marL="0">
-              <a:buNone/>
-            </a:pPr>
-            <a:r>
-              <a:rPr/>
-              <a:t>Available at g.wright@gold.ac.uk</a:t>
-            </a:r>
-          </a:p>
-          <a:p>
-            <a:pPr lvl="0" indent="0" marL="0">
-              <a:buNone/>
-            </a:pPr>
-            <a:r>
-              <a:rPr/>
-              <a:t>I genuinely could not imagine anything I would rather do that this. Please talk to me!</a:t>
+              <a:t>This is a team-sport</a:t>
             </a:r>
           </a:p>
         </p:txBody>
@@ -6437,7 +6563,7 @@
             </a:pPr>
             <a:r>
               <a:rPr/>
-              <a:t>Module weighting and assessment</a:t>
+              <a:t>me</a:t>
             </a:r>
           </a:p>
         </p:txBody>
@@ -6468,7 +6594,7 @@
             </a:pPr>
             <a:r>
               <a:rPr/>
-              <a:t>Research Methods is a core module with a 30 credit weighting</a:t>
+              <a:t>I will be in every Research Methods lecture and I have a Student Hour from 3-4 every Monday, before we all go to the Design &amp; Analysis lecture. Yup! Me too!</a:t>
             </a:r>
           </a:p>
           <a:p>
@@ -6477,28 +6603,16 @@
             </a:pPr>
             <a:r>
               <a:rPr/>
-              <a:t>This means that in order to progress to Y3, you must pass all 3 assessment elements:</a:t>
-            </a:r>
-          </a:p>
-          <a:p>
-            <a:pPr lvl="0"/>
-            <a:r>
-              <a:rPr/>
-              <a:t>Critical Proposal 1,800 words (15%)</a:t>
-            </a:r>
-          </a:p>
-          <a:p>
-            <a:pPr lvl="0"/>
-            <a:r>
-              <a:rPr/>
-              <a:t>Mini-Dissertation 2,500 words (70%)</a:t>
-            </a:r>
-          </a:p>
-          <a:p>
-            <a:pPr lvl="0"/>
-            <a:r>
-              <a:rPr/>
-              <a:t>CHIP Learning Log 1,200 words (15%)</a:t>
+              <a:t>Available at g.wright@gold.ac.uk</a:t>
+            </a:r>
+          </a:p>
+          <a:p>
+            <a:pPr lvl="0" indent="0" marL="0">
+              <a:buNone/>
+            </a:pPr>
+            <a:r>
+              <a:rPr/>
+              <a:t>I genuinely could not imagine anything I would rather do that this. Please talk to me!</a:t>
             </a:r>
           </a:p>
         </p:txBody>
@@ -6559,7 +6673,7 @@
             </a:pPr>
             <a:r>
               <a:rPr/>
-              <a:t>A friendly warning</a:t>
+              <a:t>Module weighting and assessment</a:t>
             </a:r>
           </a:p>
         </p:txBody>
@@ -6585,21 +6699,42 @@
           <a:bodyPr/>
           <a:lstStyle/>
           <a:p>
-            <a:pPr lvl="0" indent="0" marL="1270000">
+            <a:pPr lvl="0" indent="0" marL="0">
               <a:buNone/>
             </a:pPr>
             <a:r>
-              <a:rPr sz="2000" b="1"/>
-              <a:t>Warning</a:t>
-            </a:r>
-          </a:p>
-          <a:p>
-            <a:pPr lvl="0" indent="0" marL="1270000">
+              <a:rPr/>
+              <a:t>Research Methods is a core module with a 30 credit weighting</a:t>
+            </a:r>
+          </a:p>
+          <a:p>
+            <a:pPr lvl="0" indent="0" marL="0">
               <a:buNone/>
             </a:pPr>
             <a:r>
-              <a:rPr sz="2000"/>
-              <a:t>All coursework is INDIVIDUAL and subject to normal plagiarism and collusion rules</a:t>
+              <a:rPr/>
+              <a:t>This means that in order to progress to Y3, you must pass all 3 assessment elements:</a:t>
+            </a:r>
+          </a:p>
+          <a:p>
+            <a:pPr lvl="0"/>
+            <a:r>
+              <a:rPr/>
+              <a:t>Critical Proposal 1,800 words (15%)</a:t>
+            </a:r>
+          </a:p>
+          <a:p>
+            <a:pPr lvl="0"/>
+            <a:r>
+              <a:rPr/>
+              <a:t>Mini-Dissertation 2,500 words (70%)</a:t>
+            </a:r>
+          </a:p>
+          <a:p>
+            <a:pPr lvl="0"/>
+            <a:r>
+              <a:rPr/>
+              <a:t>CHIP Learning Log 1,200 words (15%)</a:t>
             </a:r>
           </a:p>
         </p:txBody>
